--- a/Results Deck.pptx
+++ b/Results Deck.pptx
@@ -4,13 +4,40 @@
   <p:sldMasterIdLst>
     <p:sldMasterId id="2147483672" r:id="rId1"/>
   </p:sldMasterIdLst>
+  <p:notesMasterIdLst>
+    <p:notesMasterId r:id="rId32"/>
+  </p:notesMasterIdLst>
   <p:sldIdLst>
-    <p:sldId id="257" r:id="rId2"/>
-    <p:sldId id="256" r:id="rId3"/>
-    <p:sldId id="258" r:id="rId4"/>
-    <p:sldId id="261" r:id="rId5"/>
-    <p:sldId id="259" r:id="rId6"/>
-    <p:sldId id="260" r:id="rId7"/>
+    <p:sldId id="270" r:id="rId2"/>
+    <p:sldId id="279" r:id="rId3"/>
+    <p:sldId id="280" r:id="rId4"/>
+    <p:sldId id="276" r:id="rId5"/>
+    <p:sldId id="281" r:id="rId6"/>
+    <p:sldId id="261" r:id="rId7"/>
+    <p:sldId id="266" r:id="rId8"/>
+    <p:sldId id="257" r:id="rId9"/>
+    <p:sldId id="256" r:id="rId10"/>
+    <p:sldId id="262" r:id="rId11"/>
+    <p:sldId id="263" r:id="rId12"/>
+    <p:sldId id="268" r:id="rId13"/>
+    <p:sldId id="283" r:id="rId14"/>
+    <p:sldId id="284" r:id="rId15"/>
+    <p:sldId id="258" r:id="rId16"/>
+    <p:sldId id="286" r:id="rId17"/>
+    <p:sldId id="287" r:id="rId18"/>
+    <p:sldId id="265" r:id="rId19"/>
+    <p:sldId id="282" r:id="rId20"/>
+    <p:sldId id="269" r:id="rId21"/>
+    <p:sldId id="259" r:id="rId22"/>
+    <p:sldId id="260" r:id="rId23"/>
+    <p:sldId id="288" r:id="rId24"/>
+    <p:sldId id="267" r:id="rId25"/>
+    <p:sldId id="285" r:id="rId26"/>
+    <p:sldId id="271" r:id="rId27"/>
+    <p:sldId id="272" r:id="rId28"/>
+    <p:sldId id="273" r:id="rId29"/>
+    <p:sldId id="274" r:id="rId30"/>
+    <p:sldId id="275" r:id="rId31"/>
   </p:sldIdLst>
   <p:sldSz cx="12192000" cy="6858000"/>
   <p:notesSz cx="6858000" cy="9144000"/>
@@ -112,32 +139,506 @@
   <p:extLst>
     <p:ext uri="{521415D9-36F7-43E2-AB2F-B90AF26B5E84}">
       <p14:sectionLst xmlns:p14="http://schemas.microsoft.com/office/powerpoint/2010/main">
+        <p14:section name="Research Question" id="{8D28B05A-15B0-6A45-A5DE-B7AAE17F80FC}">
+          <p14:sldIdLst>
+            <p14:sldId id="270"/>
+          </p14:sldIdLst>
+        </p14:section>
+        <p14:section name="Checking for overcorrection of batch correction" id="{7D1D2C12-BFAF-7D40-A71E-93511F0FFDAF}">
+          <p14:sldIdLst>
+            <p14:sldId id="279"/>
+            <p14:sldId id="280"/>
+            <p14:sldId id="276"/>
+            <p14:sldId id="281"/>
+          </p14:sldIdLst>
+        </p14:section>
+        <p14:section name="Numbers" id="{E407BDBF-8542-9C4D-964C-49508496AA11}">
+          <p14:sldIdLst>
+            <p14:sldId id="261"/>
+            <p14:sldId id="266"/>
+          </p14:sldIdLst>
+        </p14:section>
         <p14:section name="PCA plots" id="{EA22A2AA-CDF3-B743-B44C-A6BE4244BEE7}">
           <p14:sldIdLst>
             <p14:sldId id="257"/>
             <p14:sldId id="256"/>
+            <p14:sldId id="262"/>
+            <p14:sldId id="263"/>
+            <p14:sldId id="268"/>
           </p14:sldIdLst>
         </p14:section>
-        <p14:section name="RMSE values" id="{3D7D363A-9B92-ED49-B9EA-E246B2EC2202}">
+        <p14:section name="Check for overcorrection of class specific batch correction" id="{2BCB9E93-8CBC-7E43-9E8B-EC0CE635A538}">
+          <p14:sldIdLst>
+            <p14:sldId id="283"/>
+            <p14:sldId id="284"/>
+          </p14:sldIdLst>
+        </p14:section>
+        <p14:section name="Class Specific Batch Correction Investigation" id="{3D7D363A-9B92-ED49-B9EA-E246B2EC2202}">
           <p14:sldIdLst>
             <p14:sldId id="258"/>
+            <p14:sldId id="286"/>
+            <p14:sldId id="287"/>
+            <p14:sldId id="265"/>
+            <p14:sldId id="282"/>
+            <p14:sldId id="269"/>
+            <p14:sldId id="259"/>
+            <p14:sldId id="260"/>
+            <p14:sldId id="288"/>
+            <p14:sldId id="267"/>
           </p14:sldIdLst>
         </p14:section>
-        <p14:section name="Numbers" id="{8D28B05A-15B0-6A45-A5DE-B7AAE17F80FC}">
+        <p14:section name="Conclusion" id="{5654ECED-EC95-C841-9195-CC93C5C3BF0D}">
           <p14:sldIdLst>
-            <p14:sldId id="261"/>
+            <p14:sldId id="285"/>
           </p14:sldIdLst>
         </p14:section>
-        <p14:section name="KDE plots" id="{4E1D3DDA-2406-B040-B884-43BF22939552}">
+        <p14:section name="Separate by batch, perform normal workflow" id="{72B88B6A-A8AB-9040-AF0B-B352EB7E4689}">
           <p14:sldIdLst>
-            <p14:sldId id="259"/>
-            <p14:sldId id="260"/>
+            <p14:sldId id="271"/>
+            <p14:sldId id="272"/>
+            <p14:sldId id="273"/>
+            <p14:sldId id="274"/>
+            <p14:sldId id="275"/>
           </p14:sldIdLst>
         </p14:section>
       </p14:sectionLst>
     </p:ext>
   </p:extLst>
 </p:presentation>
+</file>
+
+<file path=ppt/notesMasters/notesMaster1.xml><?xml version="1.0" encoding="utf-8"?>
+<p:notesMaster xmlns:a="http://schemas.openxmlformats.org/drawingml/2006/main" xmlns:r="http://schemas.openxmlformats.org/officeDocument/2006/relationships" xmlns:p="http://schemas.openxmlformats.org/presentationml/2006/main">
+  <p:cSld>
+    <p:bg>
+      <p:bgRef idx="1001">
+        <a:schemeClr val="bg1"/>
+      </p:bgRef>
+    </p:bg>
+    <p:spTree>
+      <p:nvGrpSpPr>
+        <p:cNvPr id="1" name=""/>
+        <p:cNvGrpSpPr/>
+        <p:nvPr/>
+      </p:nvGrpSpPr>
+      <p:grpSpPr>
+        <a:xfrm>
+          <a:off x="0" y="0"/>
+          <a:ext cx="0" cy="0"/>
+          <a:chOff x="0" y="0"/>
+          <a:chExt cx="0" cy="0"/>
+        </a:xfrm>
+      </p:grpSpPr>
+      <p:sp>
+        <p:nvSpPr>
+          <p:cNvPr id="2" name="Header Placeholder 1"/>
+          <p:cNvSpPr>
+            <a:spLocks noGrp="1"/>
+          </p:cNvSpPr>
+          <p:nvPr>
+            <p:ph type="hdr" sz="quarter"/>
+          </p:nvPr>
+        </p:nvSpPr>
+        <p:spPr>
+          <a:xfrm>
+            <a:off x="0" y="0"/>
+            <a:ext cx="2971800" cy="458788"/>
+          </a:xfrm>
+          <a:prstGeom prst="rect">
+            <a:avLst/>
+          </a:prstGeom>
+        </p:spPr>
+        <p:txBody>
+          <a:bodyPr vert="horz" lIns="91440" tIns="45720" rIns="91440" bIns="45720" rtlCol="0"/>
+          <a:lstStyle>
+            <a:lvl1pPr algn="l">
+              <a:defRPr sz="1200"/>
+            </a:lvl1pPr>
+          </a:lstStyle>
+          <a:p>
+            <a:endParaRPr lang="en-US"/>
+          </a:p>
+        </p:txBody>
+      </p:sp>
+      <p:sp>
+        <p:nvSpPr>
+          <p:cNvPr id="3" name="Date Placeholder 2"/>
+          <p:cNvSpPr>
+            <a:spLocks noGrp="1"/>
+          </p:cNvSpPr>
+          <p:nvPr>
+            <p:ph type="dt" idx="1"/>
+          </p:nvPr>
+        </p:nvSpPr>
+        <p:spPr>
+          <a:xfrm>
+            <a:off x="3884613" y="0"/>
+            <a:ext cx="2971800" cy="458788"/>
+          </a:xfrm>
+          <a:prstGeom prst="rect">
+            <a:avLst/>
+          </a:prstGeom>
+        </p:spPr>
+        <p:txBody>
+          <a:bodyPr vert="horz" lIns="91440" tIns="45720" rIns="91440" bIns="45720" rtlCol="0"/>
+          <a:lstStyle>
+            <a:lvl1pPr algn="r">
+              <a:defRPr sz="1200"/>
+            </a:lvl1pPr>
+          </a:lstStyle>
+          <a:p>
+            <a:fld id="{15EA9E63-D41B-A746-A3E7-09A8A8B91DA3}" type="datetimeFigureOut">
+              <a:rPr lang="en-US" smtClean="0"/>
+              <a:t>5/27/21</a:t>
+            </a:fld>
+            <a:endParaRPr lang="en-US"/>
+          </a:p>
+        </p:txBody>
+      </p:sp>
+      <p:sp>
+        <p:nvSpPr>
+          <p:cNvPr id="4" name="Slide Image Placeholder 3"/>
+          <p:cNvSpPr>
+            <a:spLocks noGrp="1" noRot="1" noChangeAspect="1"/>
+          </p:cNvSpPr>
+          <p:nvPr>
+            <p:ph type="sldImg" idx="2"/>
+          </p:nvPr>
+        </p:nvSpPr>
+        <p:spPr>
+          <a:xfrm>
+            <a:off x="685800" y="1143000"/>
+            <a:ext cx="5486400" cy="3086100"/>
+          </a:xfrm>
+          <a:prstGeom prst="rect">
+            <a:avLst/>
+          </a:prstGeom>
+          <a:noFill/>
+          <a:ln w="12700">
+            <a:solidFill>
+              <a:prstClr val="black"/>
+            </a:solidFill>
+          </a:ln>
+        </p:spPr>
+        <p:txBody>
+          <a:bodyPr vert="horz" lIns="91440" tIns="45720" rIns="91440" bIns="45720" rtlCol="0" anchor="ctr"/>
+          <a:lstStyle/>
+          <a:p>
+            <a:endParaRPr lang="en-US"/>
+          </a:p>
+        </p:txBody>
+      </p:sp>
+      <p:sp>
+        <p:nvSpPr>
+          <p:cNvPr id="5" name="Notes Placeholder 4"/>
+          <p:cNvSpPr>
+            <a:spLocks noGrp="1"/>
+          </p:cNvSpPr>
+          <p:nvPr>
+            <p:ph type="body" sz="quarter" idx="3"/>
+          </p:nvPr>
+        </p:nvSpPr>
+        <p:spPr>
+          <a:xfrm>
+            <a:off x="685800" y="4400550"/>
+            <a:ext cx="5486400" cy="3600450"/>
+          </a:xfrm>
+          <a:prstGeom prst="rect">
+            <a:avLst/>
+          </a:prstGeom>
+        </p:spPr>
+        <p:txBody>
+          <a:bodyPr vert="horz" lIns="91440" tIns="45720" rIns="91440" bIns="45720" rtlCol="0"/>
+          <a:lstStyle/>
+          <a:p>
+            <a:pPr lvl="0"/>
+            <a:r>
+              <a:rPr lang="en-GB"/>
+              <a:t>Click to edit Master text styles</a:t>
+            </a:r>
+          </a:p>
+          <a:p>
+            <a:pPr lvl="1"/>
+            <a:r>
+              <a:rPr lang="en-GB"/>
+              <a:t>Second level</a:t>
+            </a:r>
+          </a:p>
+          <a:p>
+            <a:pPr lvl="2"/>
+            <a:r>
+              <a:rPr lang="en-GB"/>
+              <a:t>Third level</a:t>
+            </a:r>
+          </a:p>
+          <a:p>
+            <a:pPr lvl="3"/>
+            <a:r>
+              <a:rPr lang="en-GB"/>
+              <a:t>Fourth level</a:t>
+            </a:r>
+          </a:p>
+          <a:p>
+            <a:pPr lvl="4"/>
+            <a:r>
+              <a:rPr lang="en-GB"/>
+              <a:t>Fifth level</a:t>
+            </a:r>
+            <a:endParaRPr lang="en-US"/>
+          </a:p>
+        </p:txBody>
+      </p:sp>
+      <p:sp>
+        <p:nvSpPr>
+          <p:cNvPr id="6" name="Footer Placeholder 5"/>
+          <p:cNvSpPr>
+            <a:spLocks noGrp="1"/>
+          </p:cNvSpPr>
+          <p:nvPr>
+            <p:ph type="ftr" sz="quarter" idx="4"/>
+          </p:nvPr>
+        </p:nvSpPr>
+        <p:spPr>
+          <a:xfrm>
+            <a:off x="0" y="8685213"/>
+            <a:ext cx="2971800" cy="458787"/>
+          </a:xfrm>
+          <a:prstGeom prst="rect">
+            <a:avLst/>
+          </a:prstGeom>
+        </p:spPr>
+        <p:txBody>
+          <a:bodyPr vert="horz" lIns="91440" tIns="45720" rIns="91440" bIns="45720" rtlCol="0" anchor="b"/>
+          <a:lstStyle>
+            <a:lvl1pPr algn="l">
+              <a:defRPr sz="1200"/>
+            </a:lvl1pPr>
+          </a:lstStyle>
+          <a:p>
+            <a:endParaRPr lang="en-US"/>
+          </a:p>
+        </p:txBody>
+      </p:sp>
+      <p:sp>
+        <p:nvSpPr>
+          <p:cNvPr id="7" name="Slide Number Placeholder 6"/>
+          <p:cNvSpPr>
+            <a:spLocks noGrp="1"/>
+          </p:cNvSpPr>
+          <p:nvPr>
+            <p:ph type="sldNum" sz="quarter" idx="5"/>
+          </p:nvPr>
+        </p:nvSpPr>
+        <p:spPr>
+          <a:xfrm>
+            <a:off x="3884613" y="8685213"/>
+            <a:ext cx="2971800" cy="458787"/>
+          </a:xfrm>
+          <a:prstGeom prst="rect">
+            <a:avLst/>
+          </a:prstGeom>
+        </p:spPr>
+        <p:txBody>
+          <a:bodyPr vert="horz" lIns="91440" tIns="45720" rIns="91440" bIns="45720" rtlCol="0" anchor="b"/>
+          <a:lstStyle>
+            <a:lvl1pPr algn="r">
+              <a:defRPr sz="1200"/>
+            </a:lvl1pPr>
+          </a:lstStyle>
+          <a:p>
+            <a:fld id="{6268AFB9-EF03-764B-BAE3-DA0E8ECC5819}" type="slidenum">
+              <a:rPr lang="en-US" smtClean="0"/>
+              <a:t>‹#›</a:t>
+            </a:fld>
+            <a:endParaRPr lang="en-US"/>
+          </a:p>
+        </p:txBody>
+      </p:sp>
+    </p:spTree>
+    <p:extLst>
+      <p:ext uri="{BB962C8B-B14F-4D97-AF65-F5344CB8AC3E}">
+        <p14:creationId xmlns:p14="http://schemas.microsoft.com/office/powerpoint/2010/main" val="1319229617"/>
+      </p:ext>
+    </p:extLst>
+  </p:cSld>
+  <p:clrMap bg1="lt1" tx1="dk1" bg2="lt2" tx2="dk2" accent1="accent1" accent2="accent2" accent3="accent3" accent4="accent4" accent5="accent5" accent6="accent6" hlink="hlink" folHlink="folHlink"/>
+  <p:notesStyle>
+    <a:lvl1pPr marL="0" algn="l" defTabSz="914400" rtl="0" eaLnBrk="1" latinLnBrk="0" hangingPunct="1">
+      <a:defRPr sz="1200" kern="1200">
+        <a:solidFill>
+          <a:schemeClr val="tx1"/>
+        </a:solidFill>
+        <a:latin typeface="+mn-lt"/>
+        <a:ea typeface="+mn-ea"/>
+        <a:cs typeface="+mn-cs"/>
+      </a:defRPr>
+    </a:lvl1pPr>
+    <a:lvl2pPr marL="457200" algn="l" defTabSz="914400" rtl="0" eaLnBrk="1" latinLnBrk="0" hangingPunct="1">
+      <a:defRPr sz="1200" kern="1200">
+        <a:solidFill>
+          <a:schemeClr val="tx1"/>
+        </a:solidFill>
+        <a:latin typeface="+mn-lt"/>
+        <a:ea typeface="+mn-ea"/>
+        <a:cs typeface="+mn-cs"/>
+      </a:defRPr>
+    </a:lvl2pPr>
+    <a:lvl3pPr marL="914400" algn="l" defTabSz="914400" rtl="0" eaLnBrk="1" latinLnBrk="0" hangingPunct="1">
+      <a:defRPr sz="1200" kern="1200">
+        <a:solidFill>
+          <a:schemeClr val="tx1"/>
+        </a:solidFill>
+        <a:latin typeface="+mn-lt"/>
+        <a:ea typeface="+mn-ea"/>
+        <a:cs typeface="+mn-cs"/>
+      </a:defRPr>
+    </a:lvl3pPr>
+    <a:lvl4pPr marL="1371600" algn="l" defTabSz="914400" rtl="0" eaLnBrk="1" latinLnBrk="0" hangingPunct="1">
+      <a:defRPr sz="1200" kern="1200">
+        <a:solidFill>
+          <a:schemeClr val="tx1"/>
+        </a:solidFill>
+        <a:latin typeface="+mn-lt"/>
+        <a:ea typeface="+mn-ea"/>
+        <a:cs typeface="+mn-cs"/>
+      </a:defRPr>
+    </a:lvl4pPr>
+    <a:lvl5pPr marL="1828800" algn="l" defTabSz="914400" rtl="0" eaLnBrk="1" latinLnBrk="0" hangingPunct="1">
+      <a:defRPr sz="1200" kern="1200">
+        <a:solidFill>
+          <a:schemeClr val="tx1"/>
+        </a:solidFill>
+        <a:latin typeface="+mn-lt"/>
+        <a:ea typeface="+mn-ea"/>
+        <a:cs typeface="+mn-cs"/>
+      </a:defRPr>
+    </a:lvl5pPr>
+    <a:lvl6pPr marL="2286000" algn="l" defTabSz="914400" rtl="0" eaLnBrk="1" latinLnBrk="0" hangingPunct="1">
+      <a:defRPr sz="1200" kern="1200">
+        <a:solidFill>
+          <a:schemeClr val="tx1"/>
+        </a:solidFill>
+        <a:latin typeface="+mn-lt"/>
+        <a:ea typeface="+mn-ea"/>
+        <a:cs typeface="+mn-cs"/>
+      </a:defRPr>
+    </a:lvl6pPr>
+    <a:lvl7pPr marL="2743200" algn="l" defTabSz="914400" rtl="0" eaLnBrk="1" latinLnBrk="0" hangingPunct="1">
+      <a:defRPr sz="1200" kern="1200">
+        <a:solidFill>
+          <a:schemeClr val="tx1"/>
+        </a:solidFill>
+        <a:latin typeface="+mn-lt"/>
+        <a:ea typeface="+mn-ea"/>
+        <a:cs typeface="+mn-cs"/>
+      </a:defRPr>
+    </a:lvl7pPr>
+    <a:lvl8pPr marL="3200400" algn="l" defTabSz="914400" rtl="0" eaLnBrk="1" latinLnBrk="0" hangingPunct="1">
+      <a:defRPr sz="1200" kern="1200">
+        <a:solidFill>
+          <a:schemeClr val="tx1"/>
+        </a:solidFill>
+        <a:latin typeface="+mn-lt"/>
+        <a:ea typeface="+mn-ea"/>
+        <a:cs typeface="+mn-cs"/>
+      </a:defRPr>
+    </a:lvl8pPr>
+    <a:lvl9pPr marL="3657600" algn="l" defTabSz="914400" rtl="0" eaLnBrk="1" latinLnBrk="0" hangingPunct="1">
+      <a:defRPr sz="1200" kern="1200">
+        <a:solidFill>
+          <a:schemeClr val="tx1"/>
+        </a:solidFill>
+        <a:latin typeface="+mn-lt"/>
+        <a:ea typeface="+mn-ea"/>
+        <a:cs typeface="+mn-cs"/>
+      </a:defRPr>
+    </a:lvl9pPr>
+  </p:notesStyle>
+</p:notesMaster>
+</file>
+
+<file path=ppt/notesSlides/notesSlide1.xml><?xml version="1.0" encoding="utf-8"?>
+<p:notes xmlns:a="http://schemas.openxmlformats.org/drawingml/2006/main" xmlns:r="http://schemas.openxmlformats.org/officeDocument/2006/relationships" xmlns:p="http://schemas.openxmlformats.org/presentationml/2006/main">
+  <p:cSld>
+    <p:spTree>
+      <p:nvGrpSpPr>
+        <p:cNvPr id="1" name=""/>
+        <p:cNvGrpSpPr/>
+        <p:nvPr/>
+      </p:nvGrpSpPr>
+      <p:grpSpPr>
+        <a:xfrm>
+          <a:off x="0" y="0"/>
+          <a:ext cx="0" cy="0"/>
+          <a:chOff x="0" y="0"/>
+          <a:chExt cx="0" cy="0"/>
+        </a:xfrm>
+      </p:grpSpPr>
+      <p:sp>
+        <p:nvSpPr>
+          <p:cNvPr id="2" name="Slide Image Placeholder 1"/>
+          <p:cNvSpPr>
+            <a:spLocks noGrp="1" noRot="1" noChangeAspect="1"/>
+          </p:cNvSpPr>
+          <p:nvPr>
+            <p:ph type="sldImg"/>
+          </p:nvPr>
+        </p:nvSpPr>
+        <p:spPr/>
+      </p:sp>
+      <p:sp>
+        <p:nvSpPr>
+          <p:cNvPr id="3" name="Notes Placeholder 2"/>
+          <p:cNvSpPr>
+            <a:spLocks noGrp="1"/>
+          </p:cNvSpPr>
+          <p:nvPr>
+            <p:ph type="body" idx="1"/>
+          </p:nvPr>
+        </p:nvSpPr>
+        <p:spPr/>
+        <p:txBody>
+          <a:bodyPr/>
+          <a:lstStyle/>
+          <a:p>
+            <a:endParaRPr lang="en-US" dirty="0"/>
+          </a:p>
+        </p:txBody>
+      </p:sp>
+      <p:sp>
+        <p:nvSpPr>
+          <p:cNvPr id="4" name="Slide Number Placeholder 3"/>
+          <p:cNvSpPr>
+            <a:spLocks noGrp="1"/>
+          </p:cNvSpPr>
+          <p:nvPr>
+            <p:ph type="sldNum" sz="quarter" idx="5"/>
+          </p:nvPr>
+        </p:nvSpPr>
+        <p:spPr/>
+        <p:txBody>
+          <a:bodyPr/>
+          <a:lstStyle/>
+          <a:p>
+            <a:fld id="{6268AFB9-EF03-764B-BAE3-DA0E8ECC5819}" type="slidenum">
+              <a:rPr lang="en-US" smtClean="0"/>
+              <a:t>15</a:t>
+            </a:fld>
+            <a:endParaRPr lang="en-US"/>
+          </a:p>
+        </p:txBody>
+      </p:sp>
+    </p:spTree>
+    <p:extLst>
+      <p:ext uri="{BB962C8B-B14F-4D97-AF65-F5344CB8AC3E}">
+        <p14:creationId xmlns:p14="http://schemas.microsoft.com/office/powerpoint/2010/main" val="3717793307"/>
+      </p:ext>
+    </p:extLst>
+  </p:cSld>
+  <p:clrMapOvr>
+    <a:masterClrMapping/>
+  </p:clrMapOvr>
+</p:notes>
 </file>
 
 <file path=ppt/slideLayouts/slideLayout1.xml><?xml version="1.0" encoding="utf-8"?>
@@ -3001,12 +3502,145 @@
           <a:chExt cx="0" cy="0"/>
         </a:xfrm>
       </p:grpSpPr>
+      <p:sp>
+        <p:nvSpPr>
+          <p:cNvPr id="2" name="Title 1">
+            <a:extLst>
+              <a:ext uri="{FF2B5EF4-FFF2-40B4-BE49-F238E27FC236}">
+                <a16:creationId xmlns:a16="http://schemas.microsoft.com/office/drawing/2014/main" id="{F42A8123-3F5A-294F-A9E1-28D3DE30105E}"/>
+              </a:ext>
+            </a:extLst>
+          </p:cNvPr>
+          <p:cNvSpPr>
+            <a:spLocks noGrp="1"/>
+          </p:cNvSpPr>
+          <p:nvPr>
+            <p:ph type="title"/>
+          </p:nvPr>
+        </p:nvSpPr>
+        <p:spPr/>
+        <p:txBody>
+          <a:bodyPr/>
+          <a:lstStyle/>
+          <a:p>
+            <a:pPr algn="ctr"/>
+            <a:r>
+              <a:rPr lang="en-US" b="1" i="1" dirty="0"/>
+              <a:t>Research question</a:t>
+            </a:r>
+          </a:p>
+        </p:txBody>
+      </p:sp>
+      <p:sp>
+        <p:nvSpPr>
+          <p:cNvPr id="3" name="Content Placeholder 2">
+            <a:extLst>
+              <a:ext uri="{FF2B5EF4-FFF2-40B4-BE49-F238E27FC236}">
+                <a16:creationId xmlns:a16="http://schemas.microsoft.com/office/drawing/2014/main" id="{97E84A75-C5CE-F04D-AB8A-A67638D3A4F1}"/>
+              </a:ext>
+            </a:extLst>
+          </p:cNvPr>
+          <p:cNvSpPr>
+            <a:spLocks noGrp="1"/>
+          </p:cNvSpPr>
+          <p:nvPr>
+            <p:ph idx="1"/>
+          </p:nvPr>
+        </p:nvSpPr>
+        <p:spPr>
+          <a:xfrm>
+            <a:off x="838200" y="3190186"/>
+            <a:ext cx="10515600" cy="477628"/>
+          </a:xfrm>
+        </p:spPr>
+        <p:txBody>
+          <a:bodyPr>
+            <a:noAutofit/>
+          </a:bodyPr>
+          <a:lstStyle/>
+          <a:p>
+            <a:pPr marL="0" indent="0" algn="ctr">
+              <a:buNone/>
+            </a:pPr>
+            <a:r>
+              <a:rPr lang="en-US" sz="3400" i="1" dirty="0"/>
+              <a:t>Should we hide batch information in data analyses?</a:t>
+            </a:r>
+          </a:p>
+        </p:txBody>
+      </p:sp>
+    </p:spTree>
+    <p:extLst>
+      <p:ext uri="{BB962C8B-B14F-4D97-AF65-F5344CB8AC3E}">
+        <p14:creationId xmlns:p14="http://schemas.microsoft.com/office/powerpoint/2010/main" val="2142086571"/>
+      </p:ext>
+    </p:extLst>
+  </p:cSld>
+  <p:clrMapOvr>
+    <a:masterClrMapping/>
+  </p:clrMapOvr>
+</p:sld>
+</file>
+
+<file path=ppt/slides/slide10.xml><?xml version="1.0" encoding="utf-8"?>
+<p:sld xmlns:a="http://schemas.openxmlformats.org/drawingml/2006/main" xmlns:r="http://schemas.openxmlformats.org/officeDocument/2006/relationships" xmlns:p="http://schemas.openxmlformats.org/presentationml/2006/main">
+  <p:cSld>
+    <p:spTree>
+      <p:nvGrpSpPr>
+        <p:cNvPr id="1" name=""/>
+        <p:cNvGrpSpPr/>
+        <p:nvPr/>
+      </p:nvGrpSpPr>
+      <p:grpSpPr>
+        <a:xfrm>
+          <a:off x="0" y="0"/>
+          <a:ext cx="0" cy="0"/>
+          <a:chOff x="0" y="0"/>
+          <a:chExt cx="0" cy="0"/>
+        </a:xfrm>
+      </p:grpSpPr>
+      <p:sp>
+        <p:nvSpPr>
+          <p:cNvPr id="4" name="TextBox 3">
+            <a:extLst>
+              <a:ext uri="{FF2B5EF4-FFF2-40B4-BE49-F238E27FC236}">
+                <a16:creationId xmlns:a16="http://schemas.microsoft.com/office/drawing/2014/main" id="{FE0CD701-9C6B-EB44-AFAD-AAC6538CEC05}"/>
+              </a:ext>
+            </a:extLst>
+          </p:cNvPr>
+          <p:cNvSpPr txBox="1"/>
+          <p:nvPr/>
+        </p:nvSpPr>
+        <p:spPr>
+          <a:xfrm>
+            <a:off x="3656580" y="299796"/>
+            <a:ext cx="4878840" cy="461665"/>
+          </a:xfrm>
+          <a:prstGeom prst="rect">
+            <a:avLst/>
+          </a:prstGeom>
+          <a:noFill/>
+        </p:spPr>
+        <p:txBody>
+          <a:bodyPr wrap="square" rtlCol="0">
+            <a:spAutoFit/>
+          </a:bodyPr>
+          <a:lstStyle/>
+          <a:p>
+            <a:pPr algn="ctr"/>
+            <a:r>
+              <a:rPr lang="en-US" sz="2400" dirty="0"/>
+              <a:t>Non-Class Specific Batch Correction </a:t>
+            </a:r>
+          </a:p>
+        </p:txBody>
+      </p:sp>
       <p:pic>
         <p:nvPicPr>
-          <p:cNvPr id="5" name="Picture 4" descr="Chart, scatter chart&#10;&#10;Description automatically generated">
-            <a:extLst>
-              <a:ext uri="{FF2B5EF4-FFF2-40B4-BE49-F238E27FC236}">
-                <a16:creationId xmlns:a16="http://schemas.microsoft.com/office/drawing/2014/main" id="{F2684C62-6FFB-B549-A692-DFE5913525CA}"/>
+          <p:cNvPr id="6" name="Picture 5" descr="Graphical user interface, application&#10;&#10;Description automatically generated">
+            <a:extLst>
+              <a:ext uri="{FF2B5EF4-FFF2-40B4-BE49-F238E27FC236}">
+                <a16:creationId xmlns:a16="http://schemas.microsoft.com/office/drawing/2014/main" id="{2B6B656B-7CD1-3C41-96AB-8707081FD8FF}"/>
               </a:ext>
             </a:extLst>
           </p:cNvPr>
@@ -3023,8 +3657,8 @@
         </p:blipFill>
         <p:spPr>
           <a:xfrm>
-            <a:off x="3177710" y="714374"/>
-            <a:ext cx="5836580" cy="5768975"/>
+            <a:off x="330081" y="1480018"/>
+            <a:ext cx="5962773" cy="5078186"/>
           </a:xfrm>
           <a:prstGeom prst="rect">
             <a:avLst/>
@@ -3033,10 +3667,10 @@
       </p:pic>
       <p:sp>
         <p:nvSpPr>
-          <p:cNvPr id="6" name="TextBox 5">
-            <a:extLst>
-              <a:ext uri="{FF2B5EF4-FFF2-40B4-BE49-F238E27FC236}">
-                <a16:creationId xmlns:a16="http://schemas.microsoft.com/office/drawing/2014/main" id="{541CEAD5-9C1A-ED48-8A2E-43FBE3609459}"/>
+          <p:cNvPr id="7" name="TextBox 6">
+            <a:extLst>
+              <a:ext uri="{FF2B5EF4-FFF2-40B4-BE49-F238E27FC236}">
+                <a16:creationId xmlns:a16="http://schemas.microsoft.com/office/drawing/2014/main" id="{C181091C-5275-164A-B7E1-8CFE04B3A404}"/>
               </a:ext>
             </a:extLst>
           </p:cNvPr>
@@ -3045,8 +3679,8 @@
         </p:nvSpPr>
         <p:spPr>
           <a:xfrm>
-            <a:off x="4352925" y="314264"/>
-            <a:ext cx="3486150" cy="400110"/>
+            <a:off x="872047" y="920684"/>
+            <a:ext cx="4878840" cy="400110"/>
           </a:xfrm>
           <a:prstGeom prst="rect">
             <a:avLst/>
@@ -3062,7 +3696,73 @@
             <a:pPr algn="ctr"/>
             <a:r>
               <a:rPr lang="en-US" sz="2000" dirty="0"/>
-              <a:t>Non-Batch Corrected Data</a:t>
+              <a:t>Cancer Patients</a:t>
+            </a:r>
+          </a:p>
+        </p:txBody>
+      </p:sp>
+      <p:pic>
+        <p:nvPicPr>
+          <p:cNvPr id="10" name="Picture 9" descr="Graphical user interface, application&#10;&#10;Description automatically generated">
+            <a:extLst>
+              <a:ext uri="{FF2B5EF4-FFF2-40B4-BE49-F238E27FC236}">
+                <a16:creationId xmlns:a16="http://schemas.microsoft.com/office/drawing/2014/main" id="{7ED8F881-76E7-7E4E-945F-D6074018289D}"/>
+              </a:ext>
+            </a:extLst>
+          </p:cNvPr>
+          <p:cNvPicPr>
+            <a:picLocks noChangeAspect="1"/>
+          </p:cNvPicPr>
+          <p:nvPr/>
+        </p:nvPicPr>
+        <p:blipFill>
+          <a:blip r:embed="rId3"/>
+          <a:stretch>
+            <a:fillRect/>
+          </a:stretch>
+        </p:blipFill>
+        <p:spPr>
+          <a:xfrm>
+            <a:off x="6292854" y="1540109"/>
+            <a:ext cx="5755944" cy="5078186"/>
+          </a:xfrm>
+          <a:prstGeom prst="rect">
+            <a:avLst/>
+          </a:prstGeom>
+        </p:spPr>
+      </p:pic>
+      <p:sp>
+        <p:nvSpPr>
+          <p:cNvPr id="11" name="TextBox 10">
+            <a:extLst>
+              <a:ext uri="{FF2B5EF4-FFF2-40B4-BE49-F238E27FC236}">
+                <a16:creationId xmlns:a16="http://schemas.microsoft.com/office/drawing/2014/main" id="{0AFDFA09-88F7-D740-8094-6EF1D2C197AA}"/>
+              </a:ext>
+            </a:extLst>
+          </p:cNvPr>
+          <p:cNvSpPr txBox="1"/>
+          <p:nvPr/>
+        </p:nvSpPr>
+        <p:spPr>
+          <a:xfrm>
+            <a:off x="6771193" y="920684"/>
+            <a:ext cx="4878840" cy="400110"/>
+          </a:xfrm>
+          <a:prstGeom prst="rect">
+            <a:avLst/>
+          </a:prstGeom>
+          <a:noFill/>
+        </p:spPr>
+        <p:txBody>
+          <a:bodyPr wrap="square" rtlCol="0">
+            <a:spAutoFit/>
+          </a:bodyPr>
+          <a:lstStyle/>
+          <a:p>
+            <a:pPr algn="ctr"/>
+            <a:r>
+              <a:rPr lang="en-US" sz="2000" dirty="0"/>
+              <a:t>Control Patients</a:t>
             </a:r>
           </a:p>
         </p:txBody>
@@ -3070,7 +3770,1793 @@
     </p:spTree>
     <p:extLst>
       <p:ext uri="{BB962C8B-B14F-4D97-AF65-F5344CB8AC3E}">
-        <p14:creationId xmlns:p14="http://schemas.microsoft.com/office/powerpoint/2010/main" val="2537932597"/>
+        <p14:creationId xmlns:p14="http://schemas.microsoft.com/office/powerpoint/2010/main" val="4042714315"/>
+      </p:ext>
+    </p:extLst>
+  </p:cSld>
+  <p:clrMapOvr>
+    <a:masterClrMapping/>
+  </p:clrMapOvr>
+</p:sld>
+</file>
+
+<file path=ppt/slides/slide11.xml><?xml version="1.0" encoding="utf-8"?>
+<p:sld xmlns:a="http://schemas.openxmlformats.org/drawingml/2006/main" xmlns:r="http://schemas.openxmlformats.org/officeDocument/2006/relationships" xmlns:p="http://schemas.openxmlformats.org/presentationml/2006/main">
+  <p:cSld>
+    <p:spTree>
+      <p:nvGrpSpPr>
+        <p:cNvPr id="1" name=""/>
+        <p:cNvGrpSpPr/>
+        <p:nvPr/>
+      </p:nvGrpSpPr>
+      <p:grpSpPr>
+        <a:xfrm>
+          <a:off x="0" y="0"/>
+          <a:ext cx="0" cy="0"/>
+          <a:chOff x="0" y="0"/>
+          <a:chExt cx="0" cy="0"/>
+        </a:xfrm>
+      </p:grpSpPr>
+      <p:sp>
+        <p:nvSpPr>
+          <p:cNvPr id="4" name="TextBox 3">
+            <a:extLst>
+              <a:ext uri="{FF2B5EF4-FFF2-40B4-BE49-F238E27FC236}">
+                <a16:creationId xmlns:a16="http://schemas.microsoft.com/office/drawing/2014/main" id="{FE0CD701-9C6B-EB44-AFAD-AAC6538CEC05}"/>
+              </a:ext>
+            </a:extLst>
+          </p:cNvPr>
+          <p:cNvSpPr txBox="1"/>
+          <p:nvPr/>
+        </p:nvSpPr>
+        <p:spPr>
+          <a:xfrm>
+            <a:off x="3656580" y="299796"/>
+            <a:ext cx="4878840" cy="461665"/>
+          </a:xfrm>
+          <a:prstGeom prst="rect">
+            <a:avLst/>
+          </a:prstGeom>
+          <a:noFill/>
+        </p:spPr>
+        <p:txBody>
+          <a:bodyPr wrap="square" rtlCol="0">
+            <a:spAutoFit/>
+          </a:bodyPr>
+          <a:lstStyle/>
+          <a:p>
+            <a:pPr algn="ctr"/>
+            <a:r>
+              <a:rPr lang="en-US" sz="2400" dirty="0"/>
+              <a:t>Class Specific Batch Correction </a:t>
+            </a:r>
+          </a:p>
+        </p:txBody>
+      </p:sp>
+      <p:sp>
+        <p:nvSpPr>
+          <p:cNvPr id="7" name="TextBox 6">
+            <a:extLst>
+              <a:ext uri="{FF2B5EF4-FFF2-40B4-BE49-F238E27FC236}">
+                <a16:creationId xmlns:a16="http://schemas.microsoft.com/office/drawing/2014/main" id="{C181091C-5275-164A-B7E1-8CFE04B3A404}"/>
+              </a:ext>
+            </a:extLst>
+          </p:cNvPr>
+          <p:cNvSpPr txBox="1"/>
+          <p:nvPr/>
+        </p:nvSpPr>
+        <p:spPr>
+          <a:xfrm>
+            <a:off x="872047" y="920684"/>
+            <a:ext cx="4878840" cy="400110"/>
+          </a:xfrm>
+          <a:prstGeom prst="rect">
+            <a:avLst/>
+          </a:prstGeom>
+          <a:noFill/>
+        </p:spPr>
+        <p:txBody>
+          <a:bodyPr wrap="square" rtlCol="0">
+            <a:spAutoFit/>
+          </a:bodyPr>
+          <a:lstStyle/>
+          <a:p>
+            <a:pPr algn="ctr"/>
+            <a:r>
+              <a:rPr lang="en-US" sz="2000" dirty="0"/>
+              <a:t>Cancer Patients</a:t>
+            </a:r>
+          </a:p>
+        </p:txBody>
+      </p:sp>
+      <p:sp>
+        <p:nvSpPr>
+          <p:cNvPr id="11" name="TextBox 10">
+            <a:extLst>
+              <a:ext uri="{FF2B5EF4-FFF2-40B4-BE49-F238E27FC236}">
+                <a16:creationId xmlns:a16="http://schemas.microsoft.com/office/drawing/2014/main" id="{0AFDFA09-88F7-D740-8094-6EF1D2C197AA}"/>
+              </a:ext>
+            </a:extLst>
+          </p:cNvPr>
+          <p:cNvSpPr txBox="1"/>
+          <p:nvPr/>
+        </p:nvSpPr>
+        <p:spPr>
+          <a:xfrm>
+            <a:off x="6771193" y="920684"/>
+            <a:ext cx="4878840" cy="400110"/>
+          </a:xfrm>
+          <a:prstGeom prst="rect">
+            <a:avLst/>
+          </a:prstGeom>
+          <a:noFill/>
+        </p:spPr>
+        <p:txBody>
+          <a:bodyPr wrap="square" rtlCol="0">
+            <a:spAutoFit/>
+          </a:bodyPr>
+          <a:lstStyle/>
+          <a:p>
+            <a:pPr algn="ctr"/>
+            <a:r>
+              <a:rPr lang="en-US" sz="2000" dirty="0"/>
+              <a:t>Control Patients</a:t>
+            </a:r>
+          </a:p>
+        </p:txBody>
+      </p:sp>
+      <p:pic>
+        <p:nvPicPr>
+          <p:cNvPr id="3" name="Picture 2" descr="Graphical user interface&#10;&#10;Description automatically generated">
+            <a:extLst>
+              <a:ext uri="{FF2B5EF4-FFF2-40B4-BE49-F238E27FC236}">
+                <a16:creationId xmlns:a16="http://schemas.microsoft.com/office/drawing/2014/main" id="{91E4EC8B-03F2-9C44-8268-037DB14F64DA}"/>
+              </a:ext>
+            </a:extLst>
+          </p:cNvPr>
+          <p:cNvPicPr>
+            <a:picLocks noChangeAspect="1"/>
+          </p:cNvPicPr>
+          <p:nvPr/>
+        </p:nvPicPr>
+        <p:blipFill>
+          <a:blip r:embed="rId2"/>
+          <a:stretch>
+            <a:fillRect/>
+          </a:stretch>
+        </p:blipFill>
+        <p:spPr>
+          <a:xfrm>
+            <a:off x="221033" y="1320793"/>
+            <a:ext cx="5833607" cy="5377983"/>
+          </a:xfrm>
+          <a:prstGeom prst="rect">
+            <a:avLst/>
+          </a:prstGeom>
+        </p:spPr>
+      </p:pic>
+      <p:pic>
+        <p:nvPicPr>
+          <p:cNvPr id="8" name="Picture 7" descr="Graphical user interface&#10;&#10;Description automatically generated">
+            <a:extLst>
+              <a:ext uri="{FF2B5EF4-FFF2-40B4-BE49-F238E27FC236}">
+                <a16:creationId xmlns:a16="http://schemas.microsoft.com/office/drawing/2014/main" id="{7677B38E-2D2F-7040-8C18-2E877ED7F8B1}"/>
+              </a:ext>
+            </a:extLst>
+          </p:cNvPr>
+          <p:cNvPicPr>
+            <a:picLocks noChangeAspect="1"/>
+          </p:cNvPicPr>
+          <p:nvPr/>
+        </p:nvPicPr>
+        <p:blipFill>
+          <a:blip r:embed="rId3"/>
+          <a:stretch>
+            <a:fillRect/>
+          </a:stretch>
+        </p:blipFill>
+        <p:spPr>
+          <a:xfrm>
+            <a:off x="6358393" y="1320793"/>
+            <a:ext cx="5833607" cy="5377983"/>
+          </a:xfrm>
+          <a:prstGeom prst="rect">
+            <a:avLst/>
+          </a:prstGeom>
+        </p:spPr>
+      </p:pic>
+    </p:spTree>
+    <p:extLst>
+      <p:ext uri="{BB962C8B-B14F-4D97-AF65-F5344CB8AC3E}">
+        <p14:creationId xmlns:p14="http://schemas.microsoft.com/office/powerpoint/2010/main" val="3675816923"/>
+      </p:ext>
+    </p:extLst>
+  </p:cSld>
+  <p:clrMapOvr>
+    <a:masterClrMapping/>
+  </p:clrMapOvr>
+</p:sld>
+</file>
+
+<file path=ppt/slides/slide12.xml><?xml version="1.0" encoding="utf-8"?>
+<p:sld xmlns:a="http://schemas.openxmlformats.org/drawingml/2006/main" xmlns:r="http://schemas.openxmlformats.org/officeDocument/2006/relationships" xmlns:p="http://schemas.openxmlformats.org/presentationml/2006/main">
+  <p:cSld>
+    <p:spTree>
+      <p:nvGrpSpPr>
+        <p:cNvPr id="1" name=""/>
+        <p:cNvGrpSpPr/>
+        <p:nvPr/>
+      </p:nvGrpSpPr>
+      <p:grpSpPr>
+        <a:xfrm>
+          <a:off x="0" y="0"/>
+          <a:ext cx="0" cy="0"/>
+          <a:chOff x="0" y="0"/>
+          <a:chExt cx="0" cy="0"/>
+        </a:xfrm>
+      </p:grpSpPr>
+      <p:sp>
+        <p:nvSpPr>
+          <p:cNvPr id="4" name="TextBox 3">
+            <a:extLst>
+              <a:ext uri="{FF2B5EF4-FFF2-40B4-BE49-F238E27FC236}">
+                <a16:creationId xmlns:a16="http://schemas.microsoft.com/office/drawing/2014/main" id="{BE09BFA8-5EED-B64C-8CD3-2552C4E4298F}"/>
+              </a:ext>
+            </a:extLst>
+          </p:cNvPr>
+          <p:cNvSpPr txBox="1"/>
+          <p:nvPr/>
+        </p:nvSpPr>
+        <p:spPr>
+          <a:xfrm>
+            <a:off x="2404147" y="146957"/>
+            <a:ext cx="7900767" cy="400110"/>
+          </a:xfrm>
+          <a:prstGeom prst="rect">
+            <a:avLst/>
+          </a:prstGeom>
+          <a:noFill/>
+        </p:spPr>
+        <p:txBody>
+          <a:bodyPr wrap="square" rtlCol="0">
+            <a:spAutoFit/>
+          </a:bodyPr>
+          <a:lstStyle/>
+          <a:p>
+            <a:pPr algn="ctr"/>
+            <a:r>
+              <a:rPr lang="en-US" sz="2000" dirty="0"/>
+              <a:t>Class Specific Quantile Normalization + Class Specific Batch Correction </a:t>
+            </a:r>
+          </a:p>
+        </p:txBody>
+      </p:sp>
+      <p:pic>
+        <p:nvPicPr>
+          <p:cNvPr id="7" name="Picture 6" descr="Chart, scatter chart&#10;&#10;Description automatically generated">
+            <a:extLst>
+              <a:ext uri="{FF2B5EF4-FFF2-40B4-BE49-F238E27FC236}">
+                <a16:creationId xmlns:a16="http://schemas.microsoft.com/office/drawing/2014/main" id="{9766A47F-D114-304B-BC76-CAEA62FDC2F6}"/>
+              </a:ext>
+            </a:extLst>
+          </p:cNvPr>
+          <p:cNvPicPr>
+            <a:picLocks noChangeAspect="1"/>
+          </p:cNvPicPr>
+          <p:nvPr/>
+        </p:nvPicPr>
+        <p:blipFill>
+          <a:blip r:embed="rId2"/>
+          <a:stretch>
+            <a:fillRect/>
+          </a:stretch>
+        </p:blipFill>
+        <p:spPr>
+          <a:xfrm>
+            <a:off x="3272664" y="547067"/>
+            <a:ext cx="6163734" cy="6008914"/>
+          </a:xfrm>
+          <a:prstGeom prst="rect">
+            <a:avLst/>
+          </a:prstGeom>
+        </p:spPr>
+      </p:pic>
+    </p:spTree>
+    <p:extLst>
+      <p:ext uri="{BB962C8B-B14F-4D97-AF65-F5344CB8AC3E}">
+        <p14:creationId xmlns:p14="http://schemas.microsoft.com/office/powerpoint/2010/main" val="1989541234"/>
+      </p:ext>
+    </p:extLst>
+  </p:cSld>
+  <p:clrMapOvr>
+    <a:masterClrMapping/>
+  </p:clrMapOvr>
+</p:sld>
+</file>
+
+<file path=ppt/slides/slide13.xml><?xml version="1.0" encoding="utf-8"?>
+<p:sld xmlns:a="http://schemas.openxmlformats.org/drawingml/2006/main" xmlns:r="http://schemas.openxmlformats.org/officeDocument/2006/relationships" xmlns:p="http://schemas.openxmlformats.org/presentationml/2006/main">
+  <p:cSld>
+    <p:spTree>
+      <p:nvGrpSpPr>
+        <p:cNvPr id="1" name=""/>
+        <p:cNvGrpSpPr/>
+        <p:nvPr/>
+      </p:nvGrpSpPr>
+      <p:grpSpPr>
+        <a:xfrm>
+          <a:off x="0" y="0"/>
+          <a:ext cx="0" cy="0"/>
+          <a:chOff x="0" y="0"/>
+          <a:chExt cx="0" cy="0"/>
+        </a:xfrm>
+      </p:grpSpPr>
+      <p:pic>
+        <p:nvPicPr>
+          <p:cNvPr id="5" name="Picture 4" descr="A picture containing text, road&#10;&#10;Description automatically generated">
+            <a:extLst>
+              <a:ext uri="{FF2B5EF4-FFF2-40B4-BE49-F238E27FC236}">
+                <a16:creationId xmlns:a16="http://schemas.microsoft.com/office/drawing/2014/main" id="{E491710C-51F9-5048-8136-99251FE3AC66}"/>
+              </a:ext>
+            </a:extLst>
+          </p:cNvPr>
+          <p:cNvPicPr>
+            <a:picLocks noChangeAspect="1"/>
+          </p:cNvPicPr>
+          <p:nvPr/>
+        </p:nvPicPr>
+        <p:blipFill>
+          <a:blip r:embed="rId2"/>
+          <a:stretch>
+            <a:fillRect/>
+          </a:stretch>
+        </p:blipFill>
+        <p:spPr>
+          <a:xfrm>
+            <a:off x="1407216" y="544608"/>
+            <a:ext cx="2858514" cy="5021305"/>
+          </a:xfrm>
+          <a:prstGeom prst="rect">
+            <a:avLst/>
+          </a:prstGeom>
+        </p:spPr>
+      </p:pic>
+      <p:sp>
+        <p:nvSpPr>
+          <p:cNvPr id="6" name="Rectangle 5">
+            <a:extLst>
+              <a:ext uri="{FF2B5EF4-FFF2-40B4-BE49-F238E27FC236}">
+                <a16:creationId xmlns:a16="http://schemas.microsoft.com/office/drawing/2014/main" id="{7D0A3ECF-66E5-9C42-9B9B-EC05EABF1189}"/>
+              </a:ext>
+            </a:extLst>
+          </p:cNvPr>
+          <p:cNvSpPr/>
+          <p:nvPr/>
+        </p:nvSpPr>
+        <p:spPr>
+          <a:xfrm>
+            <a:off x="1644082" y="1114121"/>
+            <a:ext cx="2450840" cy="2016705"/>
+          </a:xfrm>
+          <a:prstGeom prst="rect">
+            <a:avLst/>
+          </a:prstGeom>
+          <a:noFill/>
+          <a:ln w="28575">
+            <a:solidFill>
+              <a:srgbClr val="C00000"/>
+            </a:solidFill>
+          </a:ln>
+        </p:spPr>
+        <p:style>
+          <a:lnRef idx="2">
+            <a:schemeClr val="accent1">
+              <a:shade val="50000"/>
+            </a:schemeClr>
+          </a:lnRef>
+          <a:fillRef idx="1">
+            <a:schemeClr val="accent1"/>
+          </a:fillRef>
+          <a:effectRef idx="0">
+            <a:schemeClr val="accent1"/>
+          </a:effectRef>
+          <a:fontRef idx="minor">
+            <a:schemeClr val="lt1"/>
+          </a:fontRef>
+        </p:style>
+        <p:txBody>
+          <a:bodyPr rtlCol="0" anchor="ctr"/>
+          <a:lstStyle/>
+          <a:p>
+            <a:pPr algn="ctr"/>
+            <a:endParaRPr lang="en-US"/>
+          </a:p>
+        </p:txBody>
+      </p:sp>
+      <p:sp>
+        <p:nvSpPr>
+          <p:cNvPr id="7" name="TextBox 6">
+            <a:extLst>
+              <a:ext uri="{FF2B5EF4-FFF2-40B4-BE49-F238E27FC236}">
+                <a16:creationId xmlns:a16="http://schemas.microsoft.com/office/drawing/2014/main" id="{8EFD1E1D-D0C0-774F-AE57-3B970A636AC4}"/>
+              </a:ext>
+            </a:extLst>
+          </p:cNvPr>
+          <p:cNvSpPr txBox="1"/>
+          <p:nvPr/>
+        </p:nvSpPr>
+        <p:spPr>
+          <a:xfrm>
+            <a:off x="4720675" y="1660808"/>
+            <a:ext cx="7008212" cy="461665"/>
+          </a:xfrm>
+          <a:prstGeom prst="rect">
+            <a:avLst/>
+          </a:prstGeom>
+          <a:noFill/>
+        </p:spPr>
+        <p:txBody>
+          <a:bodyPr wrap="square" rtlCol="0">
+            <a:spAutoFit/>
+          </a:bodyPr>
+          <a:lstStyle/>
+          <a:p>
+            <a:r>
+              <a:rPr lang="en-US" sz="2400" b="1" dirty="0"/>
+              <a:t>Genes most affected by class specific batch correction</a:t>
+            </a:r>
+          </a:p>
+        </p:txBody>
+      </p:sp>
+    </p:spTree>
+    <p:extLst>
+      <p:ext uri="{BB962C8B-B14F-4D97-AF65-F5344CB8AC3E}">
+        <p14:creationId xmlns:p14="http://schemas.microsoft.com/office/powerpoint/2010/main" val="3046562396"/>
+      </p:ext>
+    </p:extLst>
+  </p:cSld>
+  <p:clrMapOvr>
+    <a:masterClrMapping/>
+  </p:clrMapOvr>
+</p:sld>
+</file>
+
+<file path=ppt/slides/slide14.xml><?xml version="1.0" encoding="utf-8"?>
+<p:sld xmlns:a="http://schemas.openxmlformats.org/drawingml/2006/main" xmlns:r="http://schemas.openxmlformats.org/officeDocument/2006/relationships" xmlns:p="http://schemas.openxmlformats.org/presentationml/2006/main">
+  <p:cSld>
+    <p:spTree>
+      <p:nvGrpSpPr>
+        <p:cNvPr id="1" name=""/>
+        <p:cNvGrpSpPr/>
+        <p:nvPr/>
+      </p:nvGrpSpPr>
+      <p:grpSpPr>
+        <a:xfrm>
+          <a:off x="0" y="0"/>
+          <a:ext cx="0" cy="0"/>
+          <a:chOff x="0" y="0"/>
+          <a:chExt cx="0" cy="0"/>
+        </a:xfrm>
+      </p:grpSpPr>
+      <p:sp>
+        <p:nvSpPr>
+          <p:cNvPr id="6" name="Title 1">
+            <a:extLst>
+              <a:ext uri="{FF2B5EF4-FFF2-40B4-BE49-F238E27FC236}">
+                <a16:creationId xmlns:a16="http://schemas.microsoft.com/office/drawing/2014/main" id="{A83DCE9C-967F-C44B-B395-0CC14EAA918E}"/>
+              </a:ext>
+            </a:extLst>
+          </p:cNvPr>
+          <p:cNvSpPr>
+            <a:spLocks noGrp="1"/>
+          </p:cNvSpPr>
+          <p:nvPr>
+            <p:ph type="title"/>
+          </p:nvPr>
+        </p:nvSpPr>
+        <p:spPr>
+          <a:xfrm>
+            <a:off x="325749" y="129394"/>
+            <a:ext cx="11699473" cy="1325563"/>
+          </a:xfrm>
+        </p:spPr>
+        <p:txBody>
+          <a:bodyPr>
+            <a:normAutofit/>
+          </a:bodyPr>
+          <a:lstStyle/>
+          <a:p>
+            <a:pPr algn="ctr"/>
+            <a:r>
+              <a:rPr lang="en-US" sz="2800" b="1" dirty="0"/>
+              <a:t>Distribution of RMSE values between CS Batch Correction versus No Correction</a:t>
+            </a:r>
+            <a:endParaRPr lang="en-US" sz="2800" dirty="0"/>
+          </a:p>
+        </p:txBody>
+      </p:sp>
+      <p:pic>
+        <p:nvPicPr>
+          <p:cNvPr id="8" name="Picture 7" descr="Chart, histogram&#10;&#10;Description automatically generated">
+            <a:extLst>
+              <a:ext uri="{FF2B5EF4-FFF2-40B4-BE49-F238E27FC236}">
+                <a16:creationId xmlns:a16="http://schemas.microsoft.com/office/drawing/2014/main" id="{23F67081-B806-3E47-87BB-3D858A9C6356}"/>
+              </a:ext>
+            </a:extLst>
+          </p:cNvPr>
+          <p:cNvPicPr>
+            <a:picLocks noChangeAspect="1"/>
+          </p:cNvPicPr>
+          <p:nvPr/>
+        </p:nvPicPr>
+        <p:blipFill>
+          <a:blip r:embed="rId2"/>
+          <a:stretch>
+            <a:fillRect/>
+          </a:stretch>
+        </p:blipFill>
+        <p:spPr>
+          <a:xfrm>
+            <a:off x="3044597" y="1153783"/>
+            <a:ext cx="6854796" cy="3759752"/>
+          </a:xfrm>
+          <a:prstGeom prst="rect">
+            <a:avLst/>
+          </a:prstGeom>
+        </p:spPr>
+      </p:pic>
+      <p:sp>
+        <p:nvSpPr>
+          <p:cNvPr id="9" name="TextBox 8">
+            <a:extLst>
+              <a:ext uri="{FF2B5EF4-FFF2-40B4-BE49-F238E27FC236}">
+                <a16:creationId xmlns:a16="http://schemas.microsoft.com/office/drawing/2014/main" id="{055E3AC7-948F-164E-A061-42A290EAB8D8}"/>
+              </a:ext>
+            </a:extLst>
+          </p:cNvPr>
+          <p:cNvSpPr txBox="1"/>
+          <p:nvPr/>
+        </p:nvSpPr>
+        <p:spPr>
+          <a:xfrm>
+            <a:off x="3396935" y="5066519"/>
+            <a:ext cx="5695122" cy="523220"/>
+          </a:xfrm>
+          <a:prstGeom prst="rect">
+            <a:avLst/>
+          </a:prstGeom>
+          <a:noFill/>
+        </p:spPr>
+        <p:txBody>
+          <a:bodyPr wrap="square" rtlCol="0">
+            <a:spAutoFit/>
+          </a:bodyPr>
+          <a:lstStyle/>
+          <a:p>
+            <a:pPr algn="ctr"/>
+            <a:r>
+              <a:rPr lang="en-US" sz="2800" b="1" dirty="0"/>
+              <a:t>No overcorrection</a:t>
+            </a:r>
+          </a:p>
+        </p:txBody>
+      </p:sp>
+    </p:spTree>
+    <p:extLst>
+      <p:ext uri="{BB962C8B-B14F-4D97-AF65-F5344CB8AC3E}">
+        <p14:creationId xmlns:p14="http://schemas.microsoft.com/office/powerpoint/2010/main" val="2238944521"/>
+      </p:ext>
+    </p:extLst>
+  </p:cSld>
+  <p:clrMapOvr>
+    <a:masterClrMapping/>
+  </p:clrMapOvr>
+</p:sld>
+</file>
+
+<file path=ppt/slides/slide15.xml><?xml version="1.0" encoding="utf-8"?>
+<p:sld xmlns:a="http://schemas.openxmlformats.org/drawingml/2006/main" xmlns:r="http://schemas.openxmlformats.org/officeDocument/2006/relationships" xmlns:p="http://schemas.openxmlformats.org/presentationml/2006/main" show="0">
+  <p:cSld>
+    <p:spTree>
+      <p:nvGrpSpPr>
+        <p:cNvPr id="1" name=""/>
+        <p:cNvGrpSpPr/>
+        <p:nvPr/>
+      </p:nvGrpSpPr>
+      <p:grpSpPr>
+        <a:xfrm>
+          <a:off x="0" y="0"/>
+          <a:ext cx="0" cy="0"/>
+          <a:chOff x="0" y="0"/>
+          <a:chExt cx="0" cy="0"/>
+        </a:xfrm>
+      </p:grpSpPr>
+      <p:sp>
+        <p:nvSpPr>
+          <p:cNvPr id="2" name="Title 1">
+            <a:extLst>
+              <a:ext uri="{FF2B5EF4-FFF2-40B4-BE49-F238E27FC236}">
+                <a16:creationId xmlns:a16="http://schemas.microsoft.com/office/drawing/2014/main" id="{A9F064EF-9456-2945-96A2-5842B1392571}"/>
+              </a:ext>
+            </a:extLst>
+          </p:cNvPr>
+          <p:cNvSpPr>
+            <a:spLocks noGrp="1"/>
+          </p:cNvSpPr>
+          <p:nvPr>
+            <p:ph type="title"/>
+          </p:nvPr>
+        </p:nvSpPr>
+        <p:spPr>
+          <a:xfrm>
+            <a:off x="239486" y="-188459"/>
+            <a:ext cx="10515600" cy="1325563"/>
+          </a:xfrm>
+        </p:spPr>
+        <p:txBody>
+          <a:bodyPr>
+            <a:normAutofit/>
+          </a:bodyPr>
+          <a:lstStyle/>
+          <a:p>
+            <a:r>
+              <a:rPr lang="en-US" sz="2400" dirty="0"/>
+              <a:t>Mean Absolute Error (Non Class Specific versus Class Specific Batch Corrected Data)</a:t>
+            </a:r>
+          </a:p>
+        </p:txBody>
+      </p:sp>
+      <p:pic>
+        <p:nvPicPr>
+          <p:cNvPr id="5" name="Picture 4" descr="A computer screen capture&#10;&#10;Description automatically generated with medium confidence">
+            <a:extLst>
+              <a:ext uri="{FF2B5EF4-FFF2-40B4-BE49-F238E27FC236}">
+                <a16:creationId xmlns:a16="http://schemas.microsoft.com/office/drawing/2014/main" id="{F41EB073-20FF-7F48-9023-645A36EF8B92}"/>
+              </a:ext>
+            </a:extLst>
+          </p:cNvPr>
+          <p:cNvPicPr>
+            <a:picLocks noChangeAspect="1"/>
+          </p:cNvPicPr>
+          <p:nvPr/>
+        </p:nvPicPr>
+        <p:blipFill>
+          <a:blip r:embed="rId3"/>
+          <a:stretch>
+            <a:fillRect/>
+          </a:stretch>
+        </p:blipFill>
+        <p:spPr>
+          <a:xfrm>
+            <a:off x="315686" y="973818"/>
+            <a:ext cx="8781443" cy="5551714"/>
+          </a:xfrm>
+          <a:prstGeom prst="rect">
+            <a:avLst/>
+          </a:prstGeom>
+        </p:spPr>
+      </p:pic>
+      <p:sp>
+        <p:nvSpPr>
+          <p:cNvPr id="7" name="TextBox 6">
+            <a:extLst>
+              <a:ext uri="{FF2B5EF4-FFF2-40B4-BE49-F238E27FC236}">
+                <a16:creationId xmlns:a16="http://schemas.microsoft.com/office/drawing/2014/main" id="{CE6E935F-FDE6-A542-A743-A5121ECEC555}"/>
+              </a:ext>
+            </a:extLst>
+          </p:cNvPr>
+          <p:cNvSpPr txBox="1"/>
+          <p:nvPr/>
+        </p:nvSpPr>
+        <p:spPr>
+          <a:xfrm>
+            <a:off x="9503229" y="3184986"/>
+            <a:ext cx="2503714" cy="646331"/>
+          </a:xfrm>
+          <a:prstGeom prst="rect">
+            <a:avLst/>
+          </a:prstGeom>
+          <a:noFill/>
+        </p:spPr>
+        <p:txBody>
+          <a:bodyPr wrap="square" rtlCol="0">
+            <a:spAutoFit/>
+          </a:bodyPr>
+          <a:lstStyle/>
+          <a:p>
+            <a:r>
+              <a:rPr lang="en-SG" b="1" dirty="0"/>
+              <a:t>Average Error =  </a:t>
+            </a:r>
+            <a:r>
+              <a:rPr lang="en-SG" dirty="0"/>
+              <a:t>0.05702117420523973</a:t>
+            </a:r>
+            <a:endParaRPr lang="en-US" dirty="0"/>
+          </a:p>
+        </p:txBody>
+      </p:sp>
+    </p:spTree>
+    <p:extLst>
+      <p:ext uri="{BB962C8B-B14F-4D97-AF65-F5344CB8AC3E}">
+        <p14:creationId xmlns:p14="http://schemas.microsoft.com/office/powerpoint/2010/main" val="696649109"/>
+      </p:ext>
+    </p:extLst>
+  </p:cSld>
+  <p:clrMapOvr>
+    <a:masterClrMapping/>
+  </p:clrMapOvr>
+</p:sld>
+</file>
+
+<file path=ppt/slides/slide16.xml><?xml version="1.0" encoding="utf-8"?>
+<p:sld xmlns:a="http://schemas.openxmlformats.org/drawingml/2006/main" xmlns:r="http://schemas.openxmlformats.org/officeDocument/2006/relationships" xmlns:p="http://schemas.openxmlformats.org/presentationml/2006/main">
+  <p:cSld>
+    <p:spTree>
+      <p:nvGrpSpPr>
+        <p:cNvPr id="1" name=""/>
+        <p:cNvGrpSpPr/>
+        <p:nvPr/>
+      </p:nvGrpSpPr>
+      <p:grpSpPr>
+        <a:xfrm>
+          <a:off x="0" y="0"/>
+          <a:ext cx="0" cy="0"/>
+          <a:chOff x="0" y="0"/>
+          <a:chExt cx="0" cy="0"/>
+        </a:xfrm>
+      </p:grpSpPr>
+      <p:sp>
+        <p:nvSpPr>
+          <p:cNvPr id="2" name="Title 1">
+            <a:extLst>
+              <a:ext uri="{FF2B5EF4-FFF2-40B4-BE49-F238E27FC236}">
+                <a16:creationId xmlns:a16="http://schemas.microsoft.com/office/drawing/2014/main" id="{C0B75D38-FC8E-B041-B69E-A1C022A4689E}"/>
+              </a:ext>
+            </a:extLst>
+          </p:cNvPr>
+          <p:cNvSpPr>
+            <a:spLocks noGrp="1"/>
+          </p:cNvSpPr>
+          <p:nvPr>
+            <p:ph type="title"/>
+          </p:nvPr>
+        </p:nvSpPr>
+        <p:spPr>
+          <a:xfrm>
+            <a:off x="838200" y="365125"/>
+            <a:ext cx="10994994" cy="1325563"/>
+          </a:xfrm>
+        </p:spPr>
+        <p:txBody>
+          <a:bodyPr>
+            <a:normAutofit/>
+          </a:bodyPr>
+          <a:lstStyle/>
+          <a:p>
+            <a:pPr algn="ctr"/>
+            <a:r>
+              <a:rPr lang="en-US" sz="2800" b="1" dirty="0"/>
+              <a:t>Box plots of “No Batch Correction” versus “Class Specific Batch Correction”</a:t>
+            </a:r>
+          </a:p>
+        </p:txBody>
+      </p:sp>
+      <p:pic>
+        <p:nvPicPr>
+          <p:cNvPr id="5" name="Picture 4" descr="A picture containing chart&#10;&#10;Description automatically generated">
+            <a:extLst>
+              <a:ext uri="{FF2B5EF4-FFF2-40B4-BE49-F238E27FC236}">
+                <a16:creationId xmlns:a16="http://schemas.microsoft.com/office/drawing/2014/main" id="{CFC04CFA-6DE9-8E42-873C-2E64ECFEDDCC}"/>
+              </a:ext>
+            </a:extLst>
+          </p:cNvPr>
+          <p:cNvPicPr>
+            <a:picLocks noChangeAspect="1"/>
+          </p:cNvPicPr>
+          <p:nvPr/>
+        </p:nvPicPr>
+        <p:blipFill>
+          <a:blip r:embed="rId2"/>
+          <a:stretch>
+            <a:fillRect/>
+          </a:stretch>
+        </p:blipFill>
+        <p:spPr>
+          <a:xfrm>
+            <a:off x="838200" y="2168873"/>
+            <a:ext cx="5077175" cy="3297650"/>
+          </a:xfrm>
+          <a:prstGeom prst="rect">
+            <a:avLst/>
+          </a:prstGeom>
+        </p:spPr>
+      </p:pic>
+      <p:sp>
+        <p:nvSpPr>
+          <p:cNvPr id="6" name="TextBox 5">
+            <a:extLst>
+              <a:ext uri="{FF2B5EF4-FFF2-40B4-BE49-F238E27FC236}">
+                <a16:creationId xmlns:a16="http://schemas.microsoft.com/office/drawing/2014/main" id="{0C123408-A958-B541-B47B-D37846BF37DB}"/>
+              </a:ext>
+            </a:extLst>
+          </p:cNvPr>
+          <p:cNvSpPr txBox="1"/>
+          <p:nvPr/>
+        </p:nvSpPr>
+        <p:spPr>
+          <a:xfrm>
+            <a:off x="929465" y="1590661"/>
+            <a:ext cx="4878840" cy="400110"/>
+          </a:xfrm>
+          <a:prstGeom prst="rect">
+            <a:avLst/>
+          </a:prstGeom>
+          <a:noFill/>
+        </p:spPr>
+        <p:txBody>
+          <a:bodyPr wrap="square" rtlCol="0">
+            <a:spAutoFit/>
+          </a:bodyPr>
+          <a:lstStyle/>
+          <a:p>
+            <a:pPr algn="ctr"/>
+            <a:r>
+              <a:rPr lang="en-US" sz="2000" dirty="0"/>
+              <a:t>No Batch Correction</a:t>
+            </a:r>
+          </a:p>
+        </p:txBody>
+      </p:sp>
+      <p:sp>
+        <p:nvSpPr>
+          <p:cNvPr id="7" name="TextBox 6">
+            <a:extLst>
+              <a:ext uri="{FF2B5EF4-FFF2-40B4-BE49-F238E27FC236}">
+                <a16:creationId xmlns:a16="http://schemas.microsoft.com/office/drawing/2014/main" id="{4BF242DC-B8F5-F644-86B2-98AC0C3E99F5}"/>
+              </a:ext>
+            </a:extLst>
+          </p:cNvPr>
+          <p:cNvSpPr txBox="1"/>
+          <p:nvPr/>
+        </p:nvSpPr>
+        <p:spPr>
+          <a:xfrm>
+            <a:off x="6954354" y="1621197"/>
+            <a:ext cx="4878840" cy="400110"/>
+          </a:xfrm>
+          <a:prstGeom prst="rect">
+            <a:avLst/>
+          </a:prstGeom>
+          <a:noFill/>
+        </p:spPr>
+        <p:txBody>
+          <a:bodyPr wrap="square" rtlCol="0">
+            <a:spAutoFit/>
+          </a:bodyPr>
+          <a:lstStyle/>
+          <a:p>
+            <a:pPr algn="ctr"/>
+            <a:r>
+              <a:rPr lang="en-US" sz="2000" dirty="0"/>
+              <a:t>Class Specific Batch Correction</a:t>
+            </a:r>
+          </a:p>
+        </p:txBody>
+      </p:sp>
+      <p:pic>
+        <p:nvPicPr>
+          <p:cNvPr id="9" name="Picture 8" descr="A picture containing chart&#10;&#10;Description automatically generated">
+            <a:extLst>
+              <a:ext uri="{FF2B5EF4-FFF2-40B4-BE49-F238E27FC236}">
+                <a16:creationId xmlns:a16="http://schemas.microsoft.com/office/drawing/2014/main" id="{41CDADA9-24AB-F84A-B628-E73B6D08901E}"/>
+              </a:ext>
+            </a:extLst>
+          </p:cNvPr>
+          <p:cNvPicPr>
+            <a:picLocks noChangeAspect="1"/>
+          </p:cNvPicPr>
+          <p:nvPr/>
+        </p:nvPicPr>
+        <p:blipFill>
+          <a:blip r:embed="rId3"/>
+          <a:stretch>
+            <a:fillRect/>
+          </a:stretch>
+        </p:blipFill>
+        <p:spPr>
+          <a:xfrm>
+            <a:off x="6646241" y="2168873"/>
+            <a:ext cx="5077175" cy="3297650"/>
+          </a:xfrm>
+          <a:prstGeom prst="rect">
+            <a:avLst/>
+          </a:prstGeom>
+        </p:spPr>
+      </p:pic>
+    </p:spTree>
+    <p:extLst>
+      <p:ext uri="{BB962C8B-B14F-4D97-AF65-F5344CB8AC3E}">
+        <p14:creationId xmlns:p14="http://schemas.microsoft.com/office/powerpoint/2010/main" val="3495996922"/>
+      </p:ext>
+    </p:extLst>
+  </p:cSld>
+  <p:clrMapOvr>
+    <a:masterClrMapping/>
+  </p:clrMapOvr>
+</p:sld>
+</file>
+
+<file path=ppt/slides/slide17.xml><?xml version="1.0" encoding="utf-8"?>
+<p:sld xmlns:a="http://schemas.openxmlformats.org/drawingml/2006/main" xmlns:r="http://schemas.openxmlformats.org/officeDocument/2006/relationships" xmlns:p="http://schemas.openxmlformats.org/presentationml/2006/main">
+  <p:cSld>
+    <p:spTree>
+      <p:nvGrpSpPr>
+        <p:cNvPr id="1" name=""/>
+        <p:cNvGrpSpPr/>
+        <p:nvPr/>
+      </p:nvGrpSpPr>
+      <p:grpSpPr>
+        <a:xfrm>
+          <a:off x="0" y="0"/>
+          <a:ext cx="0" cy="0"/>
+          <a:chOff x="0" y="0"/>
+          <a:chExt cx="0" cy="0"/>
+        </a:xfrm>
+      </p:grpSpPr>
+      <p:sp>
+        <p:nvSpPr>
+          <p:cNvPr id="2" name="Title 1">
+            <a:extLst>
+              <a:ext uri="{FF2B5EF4-FFF2-40B4-BE49-F238E27FC236}">
+                <a16:creationId xmlns:a16="http://schemas.microsoft.com/office/drawing/2014/main" id="{C0B75D38-FC8E-B041-B69E-A1C022A4689E}"/>
+              </a:ext>
+            </a:extLst>
+          </p:cNvPr>
+          <p:cNvSpPr>
+            <a:spLocks noGrp="1"/>
+          </p:cNvSpPr>
+          <p:nvPr>
+            <p:ph type="title"/>
+          </p:nvPr>
+        </p:nvSpPr>
+        <p:spPr>
+          <a:xfrm>
+            <a:off x="358806" y="465153"/>
+            <a:ext cx="11764617" cy="1325563"/>
+          </a:xfrm>
+        </p:spPr>
+        <p:txBody>
+          <a:bodyPr>
+            <a:normAutofit/>
+          </a:bodyPr>
+          <a:lstStyle/>
+          <a:p>
+            <a:pPr algn="ctr"/>
+            <a:r>
+              <a:rPr lang="en-US" sz="2800" dirty="0"/>
+              <a:t>Box plots of </a:t>
+            </a:r>
+            <a:r>
+              <a:rPr lang="en-US" sz="2800" b="1" dirty="0"/>
+              <a:t>Non-Class Specific Correction </a:t>
+            </a:r>
+            <a:r>
+              <a:rPr lang="en-US" sz="2800" dirty="0"/>
+              <a:t>versus </a:t>
+            </a:r>
+            <a:r>
+              <a:rPr lang="en-US" sz="2800" b="1" dirty="0"/>
+              <a:t>Class Specific Batch Correction</a:t>
+            </a:r>
+          </a:p>
+        </p:txBody>
+      </p:sp>
+      <p:sp>
+        <p:nvSpPr>
+          <p:cNvPr id="6" name="TextBox 5">
+            <a:extLst>
+              <a:ext uri="{FF2B5EF4-FFF2-40B4-BE49-F238E27FC236}">
+                <a16:creationId xmlns:a16="http://schemas.microsoft.com/office/drawing/2014/main" id="{0C123408-A958-B541-B47B-D37846BF37DB}"/>
+              </a:ext>
+            </a:extLst>
+          </p:cNvPr>
+          <p:cNvSpPr txBox="1"/>
+          <p:nvPr/>
+        </p:nvSpPr>
+        <p:spPr>
+          <a:xfrm>
+            <a:off x="929465" y="1590661"/>
+            <a:ext cx="4878840" cy="400110"/>
+          </a:xfrm>
+          <a:prstGeom prst="rect">
+            <a:avLst/>
+          </a:prstGeom>
+          <a:noFill/>
+        </p:spPr>
+        <p:txBody>
+          <a:bodyPr wrap="square" rtlCol="0">
+            <a:spAutoFit/>
+          </a:bodyPr>
+          <a:lstStyle/>
+          <a:p>
+            <a:pPr algn="ctr"/>
+            <a:r>
+              <a:rPr lang="en-US" sz="2000" dirty="0"/>
+              <a:t>Non-Class Specific Batch Correction</a:t>
+            </a:r>
+          </a:p>
+        </p:txBody>
+      </p:sp>
+      <p:sp>
+        <p:nvSpPr>
+          <p:cNvPr id="7" name="TextBox 6">
+            <a:extLst>
+              <a:ext uri="{FF2B5EF4-FFF2-40B4-BE49-F238E27FC236}">
+                <a16:creationId xmlns:a16="http://schemas.microsoft.com/office/drawing/2014/main" id="{4BF242DC-B8F5-F644-86B2-98AC0C3E99F5}"/>
+              </a:ext>
+            </a:extLst>
+          </p:cNvPr>
+          <p:cNvSpPr txBox="1"/>
+          <p:nvPr/>
+        </p:nvSpPr>
+        <p:spPr>
+          <a:xfrm>
+            <a:off x="6954354" y="1621197"/>
+            <a:ext cx="4878840" cy="400110"/>
+          </a:xfrm>
+          <a:prstGeom prst="rect">
+            <a:avLst/>
+          </a:prstGeom>
+          <a:noFill/>
+        </p:spPr>
+        <p:txBody>
+          <a:bodyPr wrap="square" rtlCol="0">
+            <a:spAutoFit/>
+          </a:bodyPr>
+          <a:lstStyle/>
+          <a:p>
+            <a:pPr algn="ctr"/>
+            <a:r>
+              <a:rPr lang="en-US" sz="2000" dirty="0"/>
+              <a:t>Class Specific Batch Correction</a:t>
+            </a:r>
+          </a:p>
+        </p:txBody>
+      </p:sp>
+      <p:pic>
+        <p:nvPicPr>
+          <p:cNvPr id="9" name="Picture 8" descr="A picture containing chart&#10;&#10;Description automatically generated">
+            <a:extLst>
+              <a:ext uri="{FF2B5EF4-FFF2-40B4-BE49-F238E27FC236}">
+                <a16:creationId xmlns:a16="http://schemas.microsoft.com/office/drawing/2014/main" id="{41CDADA9-24AB-F84A-B628-E73B6D08901E}"/>
+              </a:ext>
+            </a:extLst>
+          </p:cNvPr>
+          <p:cNvPicPr>
+            <a:picLocks noChangeAspect="1"/>
+          </p:cNvPicPr>
+          <p:nvPr/>
+        </p:nvPicPr>
+        <p:blipFill>
+          <a:blip r:embed="rId2"/>
+          <a:stretch>
+            <a:fillRect/>
+          </a:stretch>
+        </p:blipFill>
+        <p:spPr>
+          <a:xfrm>
+            <a:off x="6747376" y="2168873"/>
+            <a:ext cx="5077175" cy="3297650"/>
+          </a:xfrm>
+          <a:prstGeom prst="rect">
+            <a:avLst/>
+          </a:prstGeom>
+        </p:spPr>
+      </p:pic>
+      <p:pic>
+        <p:nvPicPr>
+          <p:cNvPr id="4" name="Picture 3" descr="A picture containing chart&#10;&#10;Description automatically generated">
+            <a:extLst>
+              <a:ext uri="{FF2B5EF4-FFF2-40B4-BE49-F238E27FC236}">
+                <a16:creationId xmlns:a16="http://schemas.microsoft.com/office/drawing/2014/main" id="{97369E1C-58BA-294C-AC40-D19007202A95}"/>
+              </a:ext>
+            </a:extLst>
+          </p:cNvPr>
+          <p:cNvPicPr>
+            <a:picLocks noChangeAspect="1"/>
+          </p:cNvPicPr>
+          <p:nvPr/>
+        </p:nvPicPr>
+        <p:blipFill>
+          <a:blip r:embed="rId3"/>
+          <a:stretch>
+            <a:fillRect/>
+          </a:stretch>
+        </p:blipFill>
+        <p:spPr>
+          <a:xfrm>
+            <a:off x="826393" y="2168873"/>
+            <a:ext cx="5077175" cy="3297650"/>
+          </a:xfrm>
+          <a:prstGeom prst="rect">
+            <a:avLst/>
+          </a:prstGeom>
+        </p:spPr>
+      </p:pic>
+      <p:sp>
+        <p:nvSpPr>
+          <p:cNvPr id="8" name="TextBox 7">
+            <a:extLst>
+              <a:ext uri="{FF2B5EF4-FFF2-40B4-BE49-F238E27FC236}">
+                <a16:creationId xmlns:a16="http://schemas.microsoft.com/office/drawing/2014/main" id="{8B5AC7B3-6A5B-4D4B-9BEB-7E6A5DE5CBAD}"/>
+              </a:ext>
+            </a:extLst>
+          </p:cNvPr>
+          <p:cNvSpPr txBox="1"/>
+          <p:nvPr/>
+        </p:nvSpPr>
+        <p:spPr>
+          <a:xfrm>
+            <a:off x="1127007" y="5644625"/>
+            <a:ext cx="10228213" cy="461665"/>
+          </a:xfrm>
+          <a:prstGeom prst="rect">
+            <a:avLst/>
+          </a:prstGeom>
+          <a:noFill/>
+        </p:spPr>
+        <p:txBody>
+          <a:bodyPr wrap="square" rtlCol="0">
+            <a:spAutoFit/>
+          </a:bodyPr>
+          <a:lstStyle/>
+          <a:p>
+            <a:pPr algn="ctr"/>
+            <a:r>
+              <a:rPr lang="en-US" sz="2400" dirty="0"/>
+              <a:t>Effects of batch correction looks similar in non-class specific or class specific </a:t>
+            </a:r>
+          </a:p>
+        </p:txBody>
+      </p:sp>
+    </p:spTree>
+    <p:extLst>
+      <p:ext uri="{BB962C8B-B14F-4D97-AF65-F5344CB8AC3E}">
+        <p14:creationId xmlns:p14="http://schemas.microsoft.com/office/powerpoint/2010/main" val="2524532798"/>
+      </p:ext>
+    </p:extLst>
+  </p:cSld>
+  <p:clrMapOvr>
+    <a:masterClrMapping/>
+  </p:clrMapOvr>
+</p:sld>
+</file>
+
+<file path=ppt/slides/slide18.xml><?xml version="1.0" encoding="utf-8"?>
+<p:sld xmlns:a="http://schemas.openxmlformats.org/drawingml/2006/main" xmlns:r="http://schemas.openxmlformats.org/officeDocument/2006/relationships" xmlns:p="http://schemas.openxmlformats.org/presentationml/2006/main">
+  <p:cSld>
+    <p:spTree>
+      <p:nvGrpSpPr>
+        <p:cNvPr id="1" name=""/>
+        <p:cNvGrpSpPr/>
+        <p:nvPr/>
+      </p:nvGrpSpPr>
+      <p:grpSpPr>
+        <a:xfrm>
+          <a:off x="0" y="0"/>
+          <a:ext cx="0" cy="0"/>
+          <a:chOff x="0" y="0"/>
+          <a:chExt cx="0" cy="0"/>
+        </a:xfrm>
+      </p:grpSpPr>
+      <p:sp>
+        <p:nvSpPr>
+          <p:cNvPr id="5" name="TextBox 4">
+            <a:extLst>
+              <a:ext uri="{FF2B5EF4-FFF2-40B4-BE49-F238E27FC236}">
+                <a16:creationId xmlns:a16="http://schemas.microsoft.com/office/drawing/2014/main" id="{8FDA6392-E85F-0847-AC43-0F8AED9C6565}"/>
+              </a:ext>
+            </a:extLst>
+          </p:cNvPr>
+          <p:cNvSpPr txBox="1"/>
+          <p:nvPr/>
+        </p:nvSpPr>
+        <p:spPr>
+          <a:xfrm>
+            <a:off x="2860644" y="1183413"/>
+            <a:ext cx="2677064" cy="1754326"/>
+          </a:xfrm>
+          <a:prstGeom prst="rect">
+            <a:avLst/>
+          </a:prstGeom>
+          <a:solidFill>
+            <a:schemeClr val="tx1"/>
+          </a:solidFill>
+        </p:spPr>
+        <p:txBody>
+          <a:bodyPr wrap="square" rtlCol="0">
+            <a:spAutoFit/>
+          </a:bodyPr>
+          <a:lstStyle/>
+          <a:p>
+            <a:pPr algn="ctr"/>
+            <a:r>
+              <a:rPr lang="en-US" b="1" dirty="0">
+                <a:solidFill>
+                  <a:schemeClr val="accent5"/>
+                </a:solidFill>
+              </a:rPr>
+              <a:t>Non-Class Specific </a:t>
+            </a:r>
+          </a:p>
+          <a:p>
+            <a:pPr algn="ctr"/>
+            <a:r>
+              <a:rPr lang="en-US" b="1" dirty="0">
+                <a:solidFill>
+                  <a:schemeClr val="accent5"/>
+                </a:solidFill>
+              </a:rPr>
+              <a:t>Batch Corrected</a:t>
+            </a:r>
+          </a:p>
+          <a:p>
+            <a:pPr algn="ctr"/>
+            <a:endParaRPr lang="en-US" dirty="0">
+              <a:solidFill>
+                <a:schemeClr val="bg1"/>
+              </a:solidFill>
+            </a:endParaRPr>
+          </a:p>
+          <a:p>
+            <a:pPr algn="ctr"/>
+            <a:r>
+              <a:rPr lang="en-US" b="1" dirty="0">
+                <a:solidFill>
+                  <a:schemeClr val="bg1"/>
+                </a:solidFill>
+              </a:rPr>
+              <a:t>Before MTC</a:t>
+            </a:r>
+            <a:r>
+              <a:rPr lang="en-US" dirty="0">
+                <a:solidFill>
+                  <a:schemeClr val="bg1"/>
+                </a:solidFill>
+              </a:rPr>
+              <a:t>: 1770</a:t>
+            </a:r>
+          </a:p>
+          <a:p>
+            <a:pPr algn="ctr"/>
+            <a:r>
+              <a:rPr lang="en-US" b="1" dirty="0">
+                <a:solidFill>
+                  <a:schemeClr val="bg1"/>
+                </a:solidFill>
+              </a:rPr>
+              <a:t>After MTC</a:t>
+            </a:r>
+            <a:r>
+              <a:rPr lang="en-US" dirty="0">
+                <a:solidFill>
+                  <a:schemeClr val="bg1"/>
+                </a:solidFill>
+              </a:rPr>
+              <a:t>: 486</a:t>
+            </a:r>
+          </a:p>
+          <a:p>
+            <a:pPr algn="ctr"/>
+            <a:r>
+              <a:rPr lang="en-US" b="1" dirty="0">
+                <a:solidFill>
+                  <a:schemeClr val="bg1"/>
+                </a:solidFill>
+              </a:rPr>
+              <a:t>Enriched</a:t>
+            </a:r>
+            <a:r>
+              <a:rPr lang="en-US" dirty="0">
+                <a:solidFill>
+                  <a:schemeClr val="bg1"/>
+                </a:solidFill>
+              </a:rPr>
+              <a:t>: 69</a:t>
+            </a:r>
+          </a:p>
+        </p:txBody>
+      </p:sp>
+      <p:sp>
+        <p:nvSpPr>
+          <p:cNvPr id="6" name="TextBox 5">
+            <a:extLst>
+              <a:ext uri="{FF2B5EF4-FFF2-40B4-BE49-F238E27FC236}">
+                <a16:creationId xmlns:a16="http://schemas.microsoft.com/office/drawing/2014/main" id="{A10D63B3-7C8B-C94F-96D8-5C898F019D2A}"/>
+              </a:ext>
+            </a:extLst>
+          </p:cNvPr>
+          <p:cNvSpPr txBox="1"/>
+          <p:nvPr/>
+        </p:nvSpPr>
+        <p:spPr>
+          <a:xfrm>
+            <a:off x="6332473" y="1183413"/>
+            <a:ext cx="2677064" cy="1754326"/>
+          </a:xfrm>
+          <a:prstGeom prst="rect">
+            <a:avLst/>
+          </a:prstGeom>
+          <a:solidFill>
+            <a:schemeClr val="tx1"/>
+          </a:solidFill>
+        </p:spPr>
+        <p:txBody>
+          <a:bodyPr wrap="square" rtlCol="0">
+            <a:spAutoFit/>
+          </a:bodyPr>
+          <a:lstStyle/>
+          <a:p>
+            <a:pPr algn="ctr"/>
+            <a:r>
+              <a:rPr lang="en-US" b="1" dirty="0">
+                <a:solidFill>
+                  <a:schemeClr val="accent5"/>
+                </a:solidFill>
+              </a:rPr>
+              <a:t>Class Specific </a:t>
+            </a:r>
+          </a:p>
+          <a:p>
+            <a:pPr algn="ctr"/>
+            <a:r>
+              <a:rPr lang="en-US" b="1" dirty="0">
+                <a:solidFill>
+                  <a:schemeClr val="accent5"/>
+                </a:solidFill>
+              </a:rPr>
+              <a:t>Batch Corrected</a:t>
+            </a:r>
+          </a:p>
+          <a:p>
+            <a:pPr algn="ctr"/>
+            <a:endParaRPr lang="en-US" dirty="0">
+              <a:solidFill>
+                <a:schemeClr val="bg1"/>
+              </a:solidFill>
+            </a:endParaRPr>
+          </a:p>
+          <a:p>
+            <a:pPr algn="ctr"/>
+            <a:r>
+              <a:rPr lang="en-US" b="1" dirty="0">
+                <a:solidFill>
+                  <a:schemeClr val="bg1"/>
+                </a:solidFill>
+              </a:rPr>
+              <a:t>Before MTC: </a:t>
+            </a:r>
+            <a:r>
+              <a:rPr lang="en-US" dirty="0">
+                <a:solidFill>
+                  <a:schemeClr val="bg1"/>
+                </a:solidFill>
+              </a:rPr>
+              <a:t>1747</a:t>
+            </a:r>
+          </a:p>
+          <a:p>
+            <a:pPr algn="ctr"/>
+            <a:r>
+              <a:rPr lang="en-US" b="1" dirty="0">
+                <a:solidFill>
+                  <a:schemeClr val="bg1"/>
+                </a:solidFill>
+              </a:rPr>
+              <a:t>After MTC</a:t>
+            </a:r>
+            <a:r>
+              <a:rPr lang="en-US" dirty="0">
+                <a:solidFill>
+                  <a:schemeClr val="bg1"/>
+                </a:solidFill>
+              </a:rPr>
+              <a:t>: 480</a:t>
+            </a:r>
+          </a:p>
+          <a:p>
+            <a:pPr algn="ctr"/>
+            <a:r>
+              <a:rPr lang="en-US" b="1" dirty="0">
+                <a:solidFill>
+                  <a:schemeClr val="bg1"/>
+                </a:solidFill>
+              </a:rPr>
+              <a:t>Enriched</a:t>
+            </a:r>
+            <a:r>
+              <a:rPr lang="en-US" dirty="0">
+                <a:solidFill>
+                  <a:schemeClr val="bg1"/>
+                </a:solidFill>
+              </a:rPr>
+              <a:t>: 44</a:t>
+            </a:r>
+          </a:p>
+        </p:txBody>
+      </p:sp>
+      <p:sp>
+        <p:nvSpPr>
+          <p:cNvPr id="2" name="TextBox 1">
+            <a:extLst>
+              <a:ext uri="{FF2B5EF4-FFF2-40B4-BE49-F238E27FC236}">
+                <a16:creationId xmlns:a16="http://schemas.microsoft.com/office/drawing/2014/main" id="{70751D66-8573-0641-BB18-25919C4C2292}"/>
+              </a:ext>
+            </a:extLst>
+          </p:cNvPr>
+          <p:cNvSpPr txBox="1"/>
+          <p:nvPr/>
+        </p:nvSpPr>
+        <p:spPr>
+          <a:xfrm>
+            <a:off x="-338560" y="144864"/>
+            <a:ext cx="12869120" cy="954107"/>
+          </a:xfrm>
+          <a:prstGeom prst="rect">
+            <a:avLst/>
+          </a:prstGeom>
+          <a:noFill/>
+        </p:spPr>
+        <p:txBody>
+          <a:bodyPr wrap="square" rtlCol="0">
+            <a:spAutoFit/>
+          </a:bodyPr>
+          <a:lstStyle/>
+          <a:p>
+            <a:pPr algn="ctr"/>
+            <a:r>
+              <a:rPr lang="en-US" sz="2800" b="1" dirty="0"/>
+              <a:t>Comparison between non-class specific batch correction and </a:t>
+            </a:r>
+          </a:p>
+          <a:p>
+            <a:pPr algn="ctr"/>
+            <a:r>
+              <a:rPr lang="en-US" sz="2800" b="1" dirty="0"/>
+              <a:t>class specific batch correction</a:t>
+            </a:r>
+          </a:p>
+        </p:txBody>
+      </p:sp>
+      <p:cxnSp>
+        <p:nvCxnSpPr>
+          <p:cNvPr id="8" name="Straight Arrow Connector 7">
+            <a:extLst>
+              <a:ext uri="{FF2B5EF4-FFF2-40B4-BE49-F238E27FC236}">
+                <a16:creationId xmlns:a16="http://schemas.microsoft.com/office/drawing/2014/main" id="{34397EDB-50A7-9646-8396-391606A4E69D}"/>
+              </a:ext>
+            </a:extLst>
+          </p:cNvPr>
+          <p:cNvCxnSpPr>
+            <a:cxnSpLocks/>
+            <a:endCxn id="10" idx="0"/>
+          </p:cNvCxnSpPr>
+          <p:nvPr/>
+        </p:nvCxnSpPr>
+        <p:spPr>
+          <a:xfrm>
+            <a:off x="6007261" y="3025455"/>
+            <a:ext cx="0" cy="1315548"/>
+          </a:xfrm>
+          <a:prstGeom prst="straightConnector1">
+            <a:avLst/>
+          </a:prstGeom>
+          <a:ln w="25400">
+            <a:tailEnd type="triangle"/>
+          </a:ln>
+        </p:spPr>
+        <p:style>
+          <a:lnRef idx="1">
+            <a:schemeClr val="accent1"/>
+          </a:lnRef>
+          <a:fillRef idx="0">
+            <a:schemeClr val="accent1"/>
+          </a:fillRef>
+          <a:effectRef idx="0">
+            <a:schemeClr val="accent1"/>
+          </a:effectRef>
+          <a:fontRef idx="minor">
+            <a:schemeClr val="tx1"/>
+          </a:fontRef>
+        </p:style>
+      </p:cxnSp>
+      <p:sp>
+        <p:nvSpPr>
+          <p:cNvPr id="9" name="TextBox 8">
+            <a:extLst>
+              <a:ext uri="{FF2B5EF4-FFF2-40B4-BE49-F238E27FC236}">
+                <a16:creationId xmlns:a16="http://schemas.microsoft.com/office/drawing/2014/main" id="{F5D54811-FC3A-1E48-AFE9-4847F911697A}"/>
+              </a:ext>
+            </a:extLst>
+          </p:cNvPr>
+          <p:cNvSpPr txBox="1"/>
+          <p:nvPr/>
+        </p:nvSpPr>
+        <p:spPr>
+          <a:xfrm>
+            <a:off x="2610610" y="4864223"/>
+            <a:ext cx="6793302" cy="1754326"/>
+          </a:xfrm>
+          <a:prstGeom prst="rect">
+            <a:avLst/>
+          </a:prstGeom>
+          <a:solidFill>
+            <a:schemeClr val="tx1"/>
+          </a:solidFill>
+        </p:spPr>
+        <p:txBody>
+          <a:bodyPr wrap="square" rtlCol="0">
+            <a:spAutoFit/>
+          </a:bodyPr>
+          <a:lstStyle/>
+          <a:p>
+            <a:pPr algn="ctr"/>
+            <a:r>
+              <a:rPr lang="en-US" b="1" dirty="0">
+                <a:solidFill>
+                  <a:schemeClr val="bg1"/>
+                </a:solidFill>
+              </a:rPr>
+              <a:t>Intersections</a:t>
+            </a:r>
+          </a:p>
+          <a:p>
+            <a:pPr algn="ctr"/>
+            <a:r>
+              <a:rPr lang="en-US" b="1" dirty="0">
+                <a:solidFill>
+                  <a:schemeClr val="bg1"/>
+                </a:solidFill>
+              </a:rPr>
+              <a:t>Proteins (After MTC) and Enriched Pathways that are the same between batch corrected and class specific batch correction</a:t>
+            </a:r>
+          </a:p>
+          <a:p>
+            <a:pPr algn="ctr"/>
+            <a:endParaRPr lang="en-US" dirty="0">
+              <a:solidFill>
+                <a:schemeClr val="bg1"/>
+              </a:solidFill>
+            </a:endParaRPr>
+          </a:p>
+          <a:p>
+            <a:pPr algn="ctr"/>
+            <a:r>
+              <a:rPr lang="en-US" b="1" dirty="0">
+                <a:solidFill>
+                  <a:schemeClr val="bg1"/>
+                </a:solidFill>
+              </a:rPr>
+              <a:t>After MTC: </a:t>
+            </a:r>
+            <a:r>
+              <a:rPr lang="en-US" dirty="0">
+                <a:solidFill>
+                  <a:schemeClr val="bg1"/>
+                </a:solidFill>
+              </a:rPr>
+              <a:t>471</a:t>
+            </a:r>
+          </a:p>
+          <a:p>
+            <a:pPr algn="ctr"/>
+            <a:r>
+              <a:rPr lang="en-US" b="1" dirty="0">
+                <a:solidFill>
+                  <a:schemeClr val="bg1"/>
+                </a:solidFill>
+              </a:rPr>
+              <a:t>Enriched: </a:t>
+            </a:r>
+            <a:r>
+              <a:rPr lang="en-US" dirty="0">
+                <a:solidFill>
+                  <a:schemeClr val="bg1"/>
+                </a:solidFill>
+              </a:rPr>
+              <a:t>40 </a:t>
+            </a:r>
+          </a:p>
+        </p:txBody>
+      </p:sp>
+      <p:sp>
+        <p:nvSpPr>
+          <p:cNvPr id="10" name="TextBox 9">
+            <a:extLst>
+              <a:ext uri="{FF2B5EF4-FFF2-40B4-BE49-F238E27FC236}">
+                <a16:creationId xmlns:a16="http://schemas.microsoft.com/office/drawing/2014/main" id="{4E78D6AB-B943-984E-850E-06444C110A9E}"/>
+              </a:ext>
+            </a:extLst>
+          </p:cNvPr>
+          <p:cNvSpPr txBox="1"/>
+          <p:nvPr/>
+        </p:nvSpPr>
+        <p:spPr>
+          <a:xfrm>
+            <a:off x="-427299" y="4341003"/>
+            <a:ext cx="12869120" cy="523220"/>
+          </a:xfrm>
+          <a:prstGeom prst="rect">
+            <a:avLst/>
+          </a:prstGeom>
+          <a:noFill/>
+        </p:spPr>
+        <p:txBody>
+          <a:bodyPr wrap="square" rtlCol="0">
+            <a:spAutoFit/>
+          </a:bodyPr>
+          <a:lstStyle/>
+          <a:p>
+            <a:pPr algn="ctr"/>
+            <a:r>
+              <a:rPr lang="en-US" sz="2800" b="1" dirty="0"/>
+              <a:t>Intersections between batch corrected and class specific batch corrected</a:t>
+            </a:r>
+          </a:p>
+        </p:txBody>
+      </p:sp>
+    </p:spTree>
+    <p:extLst>
+      <p:ext uri="{BB962C8B-B14F-4D97-AF65-F5344CB8AC3E}">
+        <p14:creationId xmlns:p14="http://schemas.microsoft.com/office/powerpoint/2010/main" val="2086584120"/>
+      </p:ext>
+    </p:extLst>
+  </p:cSld>
+  <p:clrMapOvr>
+    <a:masterClrMapping/>
+  </p:clrMapOvr>
+</p:sld>
+</file>
+
+<file path=ppt/slides/slide19.xml><?xml version="1.0" encoding="utf-8"?>
+<p:sld xmlns:a="http://schemas.openxmlformats.org/drawingml/2006/main" xmlns:r="http://schemas.openxmlformats.org/officeDocument/2006/relationships" xmlns:p="http://schemas.openxmlformats.org/presentationml/2006/main">
+  <p:cSld>
+    <p:spTree>
+      <p:nvGrpSpPr>
+        <p:cNvPr id="1" name=""/>
+        <p:cNvGrpSpPr/>
+        <p:nvPr/>
+      </p:nvGrpSpPr>
+      <p:grpSpPr>
+        <a:xfrm>
+          <a:off x="0" y="0"/>
+          <a:ext cx="0" cy="0"/>
+          <a:chOff x="0" y="0"/>
+          <a:chExt cx="0" cy="0"/>
+        </a:xfrm>
+      </p:grpSpPr>
+      <p:pic>
+        <p:nvPicPr>
+          <p:cNvPr id="4" name="Picture 3" descr="A screenshot of a chat&#10;&#10;Description automatically generated with low confidence">
+            <a:extLst>
+              <a:ext uri="{FF2B5EF4-FFF2-40B4-BE49-F238E27FC236}">
+                <a16:creationId xmlns:a16="http://schemas.microsoft.com/office/drawing/2014/main" id="{B28EE0A1-D75F-284F-8732-AFF269959EAF}"/>
+              </a:ext>
+            </a:extLst>
+          </p:cNvPr>
+          <p:cNvPicPr>
+            <a:picLocks noChangeAspect="1"/>
+          </p:cNvPicPr>
+          <p:nvPr/>
+        </p:nvPicPr>
+        <p:blipFill>
+          <a:blip r:embed="rId2"/>
+          <a:stretch>
+            <a:fillRect/>
+          </a:stretch>
+        </p:blipFill>
+        <p:spPr>
+          <a:xfrm>
+            <a:off x="1273044" y="644289"/>
+            <a:ext cx="3076593" cy="5569422"/>
+          </a:xfrm>
+          <a:prstGeom prst="rect">
+            <a:avLst/>
+          </a:prstGeom>
+        </p:spPr>
+      </p:pic>
+      <p:sp>
+        <p:nvSpPr>
+          <p:cNvPr id="5" name="Rectangle 4">
+            <a:extLst>
+              <a:ext uri="{FF2B5EF4-FFF2-40B4-BE49-F238E27FC236}">
+                <a16:creationId xmlns:a16="http://schemas.microsoft.com/office/drawing/2014/main" id="{CB29F0AF-6334-B944-832F-F8FB81079012}"/>
+              </a:ext>
+            </a:extLst>
+          </p:cNvPr>
+          <p:cNvSpPr/>
+          <p:nvPr/>
+        </p:nvSpPr>
+        <p:spPr>
+          <a:xfrm>
+            <a:off x="1644082" y="1114121"/>
+            <a:ext cx="2450840" cy="2016705"/>
+          </a:xfrm>
+          <a:prstGeom prst="rect">
+            <a:avLst/>
+          </a:prstGeom>
+          <a:noFill/>
+          <a:ln w="28575">
+            <a:solidFill>
+              <a:srgbClr val="C00000"/>
+            </a:solidFill>
+          </a:ln>
+        </p:spPr>
+        <p:style>
+          <a:lnRef idx="2">
+            <a:schemeClr val="accent1">
+              <a:shade val="50000"/>
+            </a:schemeClr>
+          </a:lnRef>
+          <a:fillRef idx="1">
+            <a:schemeClr val="accent1"/>
+          </a:fillRef>
+          <a:effectRef idx="0">
+            <a:schemeClr val="accent1"/>
+          </a:effectRef>
+          <a:fontRef idx="minor">
+            <a:schemeClr val="lt1"/>
+          </a:fontRef>
+        </p:style>
+        <p:txBody>
+          <a:bodyPr rtlCol="0" anchor="ctr"/>
+          <a:lstStyle/>
+          <a:p>
+            <a:pPr algn="ctr"/>
+            <a:endParaRPr lang="en-US"/>
+          </a:p>
+        </p:txBody>
+      </p:sp>
+      <p:sp>
+        <p:nvSpPr>
+          <p:cNvPr id="6" name="TextBox 5">
+            <a:extLst>
+              <a:ext uri="{FF2B5EF4-FFF2-40B4-BE49-F238E27FC236}">
+                <a16:creationId xmlns:a16="http://schemas.microsoft.com/office/drawing/2014/main" id="{7F0F8AC1-3F7A-3C47-AC5F-ED84B03D93EA}"/>
+              </a:ext>
+            </a:extLst>
+          </p:cNvPr>
+          <p:cNvSpPr txBox="1"/>
+          <p:nvPr/>
+        </p:nvSpPr>
+        <p:spPr>
+          <a:xfrm>
+            <a:off x="4720675" y="1660808"/>
+            <a:ext cx="7008212" cy="461665"/>
+          </a:xfrm>
+          <a:prstGeom prst="rect">
+            <a:avLst/>
+          </a:prstGeom>
+          <a:noFill/>
+        </p:spPr>
+        <p:txBody>
+          <a:bodyPr wrap="square" rtlCol="0">
+            <a:spAutoFit/>
+          </a:bodyPr>
+          <a:lstStyle/>
+          <a:p>
+            <a:r>
+              <a:rPr lang="en-US" sz="2400" b="1" dirty="0"/>
+              <a:t>Genes most affected by class specific batch correction</a:t>
+            </a:r>
+          </a:p>
+        </p:txBody>
+      </p:sp>
+    </p:spTree>
+    <p:extLst>
+      <p:ext uri="{BB962C8B-B14F-4D97-AF65-F5344CB8AC3E}">
+        <p14:creationId xmlns:p14="http://schemas.microsoft.com/office/powerpoint/2010/main" val="2052854098"/>
       </p:ext>
     </p:extLst>
   </p:cSld>
@@ -3097,12 +5583,113 @@
           <a:chExt cx="0" cy="0"/>
         </a:xfrm>
       </p:grpSpPr>
+      <p:sp>
+        <p:nvSpPr>
+          <p:cNvPr id="3" name="Content Placeholder 2">
+            <a:extLst>
+              <a:ext uri="{FF2B5EF4-FFF2-40B4-BE49-F238E27FC236}">
+                <a16:creationId xmlns:a16="http://schemas.microsoft.com/office/drawing/2014/main" id="{97E84A75-C5CE-F04D-AB8A-A67638D3A4F1}"/>
+              </a:ext>
+            </a:extLst>
+          </p:cNvPr>
+          <p:cNvSpPr>
+            <a:spLocks noGrp="1"/>
+          </p:cNvSpPr>
+          <p:nvPr>
+            <p:ph idx="1"/>
+          </p:nvPr>
+        </p:nvSpPr>
+        <p:spPr>
+          <a:xfrm>
+            <a:off x="-258793" y="1864892"/>
+            <a:ext cx="12709585" cy="2758865"/>
+          </a:xfrm>
+        </p:spPr>
+        <p:txBody>
+          <a:bodyPr>
+            <a:noAutofit/>
+          </a:bodyPr>
+          <a:lstStyle/>
+          <a:p>
+            <a:pPr marL="0" indent="0" algn="ctr">
+              <a:buNone/>
+            </a:pPr>
+            <a:r>
+              <a:rPr lang="en-US" sz="3400" b="1" i="1" dirty="0"/>
+              <a:t>3 main questions</a:t>
+            </a:r>
+          </a:p>
+          <a:p>
+            <a:pPr marL="0" indent="0" algn="ctr">
+              <a:buNone/>
+            </a:pPr>
+            <a:r>
+              <a:rPr lang="en-US" sz="3400" i="1" dirty="0"/>
+              <a:t>Was there any over-correction? </a:t>
+            </a:r>
+          </a:p>
+          <a:p>
+            <a:pPr marL="0" indent="0" algn="ctr">
+              <a:buNone/>
+            </a:pPr>
+            <a:r>
+              <a:rPr lang="en-US" sz="3400" i="1" dirty="0"/>
+              <a:t>Which genes were most affected by the correction?</a:t>
+            </a:r>
+          </a:p>
+          <a:p>
+            <a:pPr marL="0" indent="0" algn="ctr">
+              <a:buNone/>
+            </a:pPr>
+            <a:r>
+              <a:rPr lang="en-US" sz="3400" i="1" dirty="0"/>
+              <a:t>Was it meaningful to normalize by mean during batch correction?</a:t>
+            </a:r>
+          </a:p>
+          <a:p>
+            <a:pPr marL="0" indent="0" algn="ctr">
+              <a:buNone/>
+            </a:pPr>
+            <a:endParaRPr lang="en-US" sz="3400" i="1" dirty="0"/>
+          </a:p>
+        </p:txBody>
+      </p:sp>
+    </p:spTree>
+    <p:extLst>
+      <p:ext uri="{BB962C8B-B14F-4D97-AF65-F5344CB8AC3E}">
+        <p14:creationId xmlns:p14="http://schemas.microsoft.com/office/powerpoint/2010/main" val="334066849"/>
+      </p:ext>
+    </p:extLst>
+  </p:cSld>
+  <p:clrMapOvr>
+    <a:masterClrMapping/>
+  </p:clrMapOvr>
+</p:sld>
+</file>
+
+<file path=ppt/slides/slide20.xml><?xml version="1.0" encoding="utf-8"?>
+<p:sld xmlns:a="http://schemas.openxmlformats.org/drawingml/2006/main" xmlns:r="http://schemas.openxmlformats.org/officeDocument/2006/relationships" xmlns:p="http://schemas.openxmlformats.org/presentationml/2006/main">
+  <p:cSld>
+    <p:spTree>
+      <p:nvGrpSpPr>
+        <p:cNvPr id="1" name=""/>
+        <p:cNvGrpSpPr/>
+        <p:nvPr/>
+      </p:nvGrpSpPr>
+      <p:grpSpPr>
+        <a:xfrm>
+          <a:off x="0" y="0"/>
+          <a:ext cx="0" cy="0"/>
+          <a:chOff x="0" y="0"/>
+          <a:chExt cx="0" cy="0"/>
+        </a:xfrm>
+      </p:grpSpPr>
       <p:pic>
         <p:nvPicPr>
-          <p:cNvPr id="5" name="Picture 4" descr="Chart, scatter chart&#10;&#10;Description automatically generated">
-            <a:extLst>
-              <a:ext uri="{FF2B5EF4-FFF2-40B4-BE49-F238E27FC236}">
-                <a16:creationId xmlns:a16="http://schemas.microsoft.com/office/drawing/2014/main" id="{A91DD174-64B7-7D42-B2E9-8FC18C172EBA}"/>
+          <p:cNvPr id="5" name="Picture 4" descr="Chart, histogram&#10;&#10;Description automatically generated">
+            <a:extLst>
+              <a:ext uri="{FF2B5EF4-FFF2-40B4-BE49-F238E27FC236}">
+                <a16:creationId xmlns:a16="http://schemas.microsoft.com/office/drawing/2014/main" id="{526582FD-B6B0-374B-B890-82F6E620484A}"/>
               </a:ext>
             </a:extLst>
           </p:cNvPr>
@@ -3119,8 +5706,8 @@
         </p:blipFill>
         <p:spPr>
           <a:xfrm>
-            <a:off x="6424613" y="942974"/>
-            <a:ext cx="5279186" cy="5229225"/>
+            <a:off x="1987570" y="948906"/>
+            <a:ext cx="8216860" cy="4063041"/>
           </a:xfrm>
           <a:prstGeom prst="rect">
             <a:avLst/>
@@ -3129,10 +5716,53 @@
       </p:pic>
       <p:sp>
         <p:nvSpPr>
-          <p:cNvPr id="6" name="TextBox 5">
-            <a:extLst>
-              <a:ext uri="{FF2B5EF4-FFF2-40B4-BE49-F238E27FC236}">
-                <a16:creationId xmlns:a16="http://schemas.microsoft.com/office/drawing/2014/main" id="{4E2C1F74-D732-EA43-97F5-AA89774D967C}"/>
+          <p:cNvPr id="6" name="Title 1">
+            <a:extLst>
+              <a:ext uri="{FF2B5EF4-FFF2-40B4-BE49-F238E27FC236}">
+                <a16:creationId xmlns:a16="http://schemas.microsoft.com/office/drawing/2014/main" id="{B36ABAB1-34CD-EF4B-9A62-5230125698D8}"/>
+              </a:ext>
+            </a:extLst>
+          </p:cNvPr>
+          <p:cNvSpPr>
+            <a:spLocks noGrp="1"/>
+          </p:cNvSpPr>
+          <p:nvPr>
+            <p:ph type="title"/>
+          </p:nvPr>
+        </p:nvSpPr>
+        <p:spPr>
+          <a:xfrm>
+            <a:off x="246262" y="-119322"/>
+            <a:ext cx="11699473" cy="1325563"/>
+          </a:xfrm>
+        </p:spPr>
+        <p:txBody>
+          <a:bodyPr>
+            <a:normAutofit/>
+          </a:bodyPr>
+          <a:lstStyle/>
+          <a:p>
+            <a:pPr algn="ctr"/>
+            <a:r>
+              <a:rPr lang="en-US" sz="2000" b="1" dirty="0"/>
+              <a:t>Distribution of RMSE values between CS Batch Correction versus Non-CS Batch Correction </a:t>
+            </a:r>
+            <a:br>
+              <a:rPr lang="en-US" sz="2000" b="1" dirty="0"/>
+            </a:br>
+            <a:r>
+              <a:rPr lang="en-US" sz="2000" dirty="0"/>
+              <a:t>(RMSE by genes: 3123 RMSE values)</a:t>
+            </a:r>
+          </a:p>
+        </p:txBody>
+      </p:sp>
+      <p:sp>
+        <p:nvSpPr>
+          <p:cNvPr id="9" name="TextBox 8">
+            <a:extLst>
+              <a:ext uri="{FF2B5EF4-FFF2-40B4-BE49-F238E27FC236}">
+                <a16:creationId xmlns:a16="http://schemas.microsoft.com/office/drawing/2014/main" id="{BAE89D8C-F983-3F45-ADE1-632A8A55734D}"/>
               </a:ext>
             </a:extLst>
           </p:cNvPr>
@@ -3141,8 +5771,8 @@
         </p:nvSpPr>
         <p:spPr>
           <a:xfrm>
-            <a:off x="7575777" y="485746"/>
-            <a:ext cx="3486150" cy="400110"/>
+            <a:off x="1131495" y="5138708"/>
+            <a:ext cx="10151855" cy="1384995"/>
           </a:xfrm>
           <a:prstGeom prst="rect">
             <a:avLst/>
@@ -3155,56 +5785,90 @@
           </a:bodyPr>
           <a:lstStyle/>
           <a:p>
-            <a:pPr algn="ctr"/>
-            <a:r>
-              <a:rPr lang="en-US" sz="2000" dirty="0"/>
-              <a:t>Class Specific Batch Correction </a:t>
-            </a:r>
-          </a:p>
-        </p:txBody>
-      </p:sp>
-      <p:sp>
-        <p:nvSpPr>
-          <p:cNvPr id="7" name="TextBox 6">
-            <a:extLst>
-              <a:ext uri="{FF2B5EF4-FFF2-40B4-BE49-F238E27FC236}">
-                <a16:creationId xmlns:a16="http://schemas.microsoft.com/office/drawing/2014/main" id="{C85DA0B8-2479-0F49-AFA7-90FBA58FA7DA}"/>
-              </a:ext>
-            </a:extLst>
-          </p:cNvPr>
-          <p:cNvSpPr txBox="1"/>
-          <p:nvPr/>
-        </p:nvSpPr>
-        <p:spPr>
-          <a:xfrm>
-            <a:off x="574903" y="542864"/>
-            <a:ext cx="4878840" cy="400110"/>
-          </a:xfrm>
-          <a:prstGeom prst="rect">
-            <a:avLst/>
-          </a:prstGeom>
-          <a:noFill/>
-        </p:spPr>
-        <p:txBody>
-          <a:bodyPr wrap="square" rtlCol="0">
-            <a:spAutoFit/>
+            <a:r>
+              <a:rPr lang="en-US" sz="2800" b="1" dirty="0"/>
+              <a:t>Most of the RMSE values were about 0.05</a:t>
+            </a:r>
+          </a:p>
+          <a:p>
+            <a:r>
+              <a:rPr lang="en-US" sz="2800" dirty="0"/>
+              <a:t>Is there significant differences between CS-batch correction and Non-CS batch correction? Based on RMSE values, unlikely.  </a:t>
+            </a:r>
+          </a:p>
+        </p:txBody>
+      </p:sp>
+    </p:spTree>
+    <p:extLst>
+      <p:ext uri="{BB962C8B-B14F-4D97-AF65-F5344CB8AC3E}">
+        <p14:creationId xmlns:p14="http://schemas.microsoft.com/office/powerpoint/2010/main" val="3404733228"/>
+      </p:ext>
+    </p:extLst>
+  </p:cSld>
+  <p:clrMapOvr>
+    <a:masterClrMapping/>
+  </p:clrMapOvr>
+</p:sld>
+</file>
+
+<file path=ppt/slides/slide21.xml><?xml version="1.0" encoding="utf-8"?>
+<p:sld xmlns:a="http://schemas.openxmlformats.org/drawingml/2006/main" xmlns:r="http://schemas.openxmlformats.org/officeDocument/2006/relationships" xmlns:p="http://schemas.openxmlformats.org/presentationml/2006/main">
+  <p:cSld>
+    <p:spTree>
+      <p:nvGrpSpPr>
+        <p:cNvPr id="1" name=""/>
+        <p:cNvGrpSpPr/>
+        <p:nvPr/>
+      </p:nvGrpSpPr>
+      <p:grpSpPr>
+        <a:xfrm>
+          <a:off x="0" y="0"/>
+          <a:ext cx="0" cy="0"/>
+          <a:chOff x="0" y="0"/>
+          <a:chExt cx="0" cy="0"/>
+        </a:xfrm>
+      </p:grpSpPr>
+      <p:sp>
+        <p:nvSpPr>
+          <p:cNvPr id="2" name="Title 1">
+            <a:extLst>
+              <a:ext uri="{FF2B5EF4-FFF2-40B4-BE49-F238E27FC236}">
+                <a16:creationId xmlns:a16="http://schemas.microsoft.com/office/drawing/2014/main" id="{73C84160-1938-B343-993F-244CDBCA009D}"/>
+              </a:ext>
+            </a:extLst>
+          </p:cNvPr>
+          <p:cNvSpPr>
+            <a:spLocks noGrp="1"/>
+          </p:cNvSpPr>
+          <p:nvPr>
+            <p:ph type="title"/>
+          </p:nvPr>
+        </p:nvSpPr>
+        <p:spPr>
+          <a:xfrm>
+            <a:off x="163285" y="159770"/>
+            <a:ext cx="10515600" cy="743745"/>
+          </a:xfrm>
+        </p:spPr>
+        <p:txBody>
+          <a:bodyPr>
+            <a:normAutofit/>
           </a:bodyPr>
           <a:lstStyle/>
           <a:p>
-            <a:pPr algn="ctr"/>
-            <a:r>
-              <a:rPr lang="en-US" sz="2000" dirty="0"/>
-              <a:t>Non-Class Specific Batch Correction </a:t>
+            <a:r>
+              <a:rPr lang="en-US" sz="3200" dirty="0"/>
+              <a:t>P value distribution</a:t>
             </a:r>
           </a:p>
         </p:txBody>
       </p:sp>
       <p:pic>
         <p:nvPicPr>
-          <p:cNvPr id="9" name="Picture 8" descr="Chart, scatter chart&#10;&#10;Description automatically generated">
-            <a:extLst>
-              <a:ext uri="{FF2B5EF4-FFF2-40B4-BE49-F238E27FC236}">
-                <a16:creationId xmlns:a16="http://schemas.microsoft.com/office/drawing/2014/main" id="{6C2011BE-7A7B-A04D-98BC-9C7FD6CE58D0}"/>
+          <p:cNvPr id="5" name="Picture 4" descr="Chart&#10;&#10;Description automatically generated">
+            <a:extLst>
+              <a:ext uri="{FF2B5EF4-FFF2-40B4-BE49-F238E27FC236}">
+                <a16:creationId xmlns:a16="http://schemas.microsoft.com/office/drawing/2014/main" id="{0A43FBFC-04A9-204B-A287-FEE9E7779DD1}"/>
               </a:ext>
             </a:extLst>
           </p:cNvPr>
@@ -3214,25 +5878,1320 @@
           <p:nvPr/>
         </p:nvPicPr>
         <p:blipFill>
-          <a:blip r:embed="rId3"/>
+          <a:blip r:embed="rId2"/>
           <a:stretch>
             <a:fillRect/>
           </a:stretch>
         </p:blipFill>
         <p:spPr>
           <a:xfrm>
-            <a:off x="488201" y="966867"/>
-            <a:ext cx="5279186" cy="5148214"/>
+            <a:off x="2576355" y="1564552"/>
+            <a:ext cx="7039287" cy="4672011"/>
           </a:xfrm>
           <a:prstGeom prst="rect">
             <a:avLst/>
           </a:prstGeom>
         </p:spPr>
       </p:pic>
+      <p:sp>
+        <p:nvSpPr>
+          <p:cNvPr id="6" name="TextBox 5">
+            <a:extLst>
+              <a:ext uri="{FF2B5EF4-FFF2-40B4-BE49-F238E27FC236}">
+                <a16:creationId xmlns:a16="http://schemas.microsoft.com/office/drawing/2014/main" id="{3B832D52-8F35-EE47-B380-558B0AAB4D6F}"/>
+              </a:ext>
+            </a:extLst>
+          </p:cNvPr>
+          <p:cNvSpPr txBox="1"/>
+          <p:nvPr/>
+        </p:nvSpPr>
+        <p:spPr>
+          <a:xfrm>
+            <a:off x="1959868" y="1003201"/>
+            <a:ext cx="8272260" cy="461665"/>
+          </a:xfrm>
+          <a:prstGeom prst="rect">
+            <a:avLst/>
+          </a:prstGeom>
+          <a:noFill/>
+        </p:spPr>
+        <p:txBody>
+          <a:bodyPr wrap="square" rtlCol="0">
+            <a:spAutoFit/>
+          </a:bodyPr>
+          <a:lstStyle/>
+          <a:p>
+            <a:pPr algn="ctr"/>
+            <a:r>
+              <a:rPr lang="en-US" sz="2400" b="1" dirty="0"/>
+              <a:t>Post-MTC (Bonferroni) p-value distribution of the protein genes</a:t>
+            </a:r>
+          </a:p>
+        </p:txBody>
+      </p:sp>
+      <p:sp>
+        <p:nvSpPr>
+          <p:cNvPr id="7" name="Rectangle 6">
+            <a:extLst>
+              <a:ext uri="{FF2B5EF4-FFF2-40B4-BE49-F238E27FC236}">
+                <a16:creationId xmlns:a16="http://schemas.microsoft.com/office/drawing/2014/main" id="{0182F7F2-08DA-CE4E-BC92-A50F85995C1F}"/>
+              </a:ext>
+            </a:extLst>
+          </p:cNvPr>
+          <p:cNvSpPr/>
+          <p:nvPr/>
+        </p:nvSpPr>
+        <p:spPr>
+          <a:xfrm>
+            <a:off x="4921640" y="3244334"/>
+            <a:ext cx="2348720" cy="369332"/>
+          </a:xfrm>
+          <a:prstGeom prst="rect">
+            <a:avLst/>
+          </a:prstGeom>
+        </p:spPr>
+        <p:txBody>
+          <a:bodyPr wrap="none">
+            <a:spAutoFit/>
+          </a:bodyPr>
+          <a:lstStyle/>
+          <a:p>
+            <a:r>
+              <a:rPr lang="en-SG" dirty="0"/>
+              <a:t>0.05702117420523973</a:t>
+            </a:r>
+            <a:endParaRPr lang="en-US" dirty="0"/>
+          </a:p>
+        </p:txBody>
+      </p:sp>
     </p:spTree>
     <p:extLst>
       <p:ext uri="{BB962C8B-B14F-4D97-AF65-F5344CB8AC3E}">
-        <p14:creationId xmlns:p14="http://schemas.microsoft.com/office/powerpoint/2010/main" val="2381733806"/>
+        <p14:creationId xmlns:p14="http://schemas.microsoft.com/office/powerpoint/2010/main" val="581899772"/>
+      </p:ext>
+    </p:extLst>
+  </p:cSld>
+  <p:clrMapOvr>
+    <a:masterClrMapping/>
+  </p:clrMapOvr>
+</p:sld>
+</file>
+
+<file path=ppt/slides/slide22.xml><?xml version="1.0" encoding="utf-8"?>
+<p:sld xmlns:a="http://schemas.openxmlformats.org/drawingml/2006/main" xmlns:r="http://schemas.openxmlformats.org/officeDocument/2006/relationships" xmlns:p="http://schemas.openxmlformats.org/presentationml/2006/main">
+  <p:cSld>
+    <p:spTree>
+      <p:nvGrpSpPr>
+        <p:cNvPr id="1" name=""/>
+        <p:cNvGrpSpPr/>
+        <p:nvPr/>
+      </p:nvGrpSpPr>
+      <p:grpSpPr>
+        <a:xfrm>
+          <a:off x="0" y="0"/>
+          <a:ext cx="0" cy="0"/>
+          <a:chOff x="0" y="0"/>
+          <a:chExt cx="0" cy="0"/>
+        </a:xfrm>
+      </p:grpSpPr>
+      <p:sp>
+        <p:nvSpPr>
+          <p:cNvPr id="2" name="Title 1">
+            <a:extLst>
+              <a:ext uri="{FF2B5EF4-FFF2-40B4-BE49-F238E27FC236}">
+                <a16:creationId xmlns:a16="http://schemas.microsoft.com/office/drawing/2014/main" id="{73C84160-1938-B343-993F-244CDBCA009D}"/>
+              </a:ext>
+            </a:extLst>
+          </p:cNvPr>
+          <p:cNvSpPr>
+            <a:spLocks noGrp="1"/>
+          </p:cNvSpPr>
+          <p:nvPr>
+            <p:ph type="title"/>
+          </p:nvPr>
+        </p:nvSpPr>
+        <p:spPr>
+          <a:xfrm>
+            <a:off x="163285" y="159770"/>
+            <a:ext cx="10515600" cy="743745"/>
+          </a:xfrm>
+        </p:spPr>
+        <p:txBody>
+          <a:bodyPr>
+            <a:normAutofit/>
+          </a:bodyPr>
+          <a:lstStyle/>
+          <a:p>
+            <a:r>
+              <a:rPr lang="en-US" sz="3200" dirty="0"/>
+              <a:t>P value distribution</a:t>
+            </a:r>
+          </a:p>
+        </p:txBody>
+      </p:sp>
+      <p:sp>
+        <p:nvSpPr>
+          <p:cNvPr id="6" name="TextBox 5">
+            <a:extLst>
+              <a:ext uri="{FF2B5EF4-FFF2-40B4-BE49-F238E27FC236}">
+                <a16:creationId xmlns:a16="http://schemas.microsoft.com/office/drawing/2014/main" id="{3B832D52-8F35-EE47-B380-558B0AAB4D6F}"/>
+              </a:ext>
+            </a:extLst>
+          </p:cNvPr>
+          <p:cNvSpPr txBox="1"/>
+          <p:nvPr/>
+        </p:nvSpPr>
+        <p:spPr>
+          <a:xfrm>
+            <a:off x="-85941" y="1421617"/>
+            <a:ext cx="8703729" cy="461665"/>
+          </a:xfrm>
+          <a:prstGeom prst="rect">
+            <a:avLst/>
+          </a:prstGeom>
+          <a:noFill/>
+        </p:spPr>
+        <p:txBody>
+          <a:bodyPr wrap="square" rtlCol="0">
+            <a:spAutoFit/>
+          </a:bodyPr>
+          <a:lstStyle/>
+          <a:p>
+            <a:pPr algn="ctr"/>
+            <a:r>
+              <a:rPr lang="en-US" sz="2400" b="1" dirty="0"/>
+              <a:t>P-value distribution of enriched pathways protein genes</a:t>
+            </a:r>
+          </a:p>
+        </p:txBody>
+      </p:sp>
+      <p:pic>
+        <p:nvPicPr>
+          <p:cNvPr id="4" name="Picture 3" descr="Chart, line chart&#10;&#10;Description automatically generated">
+            <a:extLst>
+              <a:ext uri="{FF2B5EF4-FFF2-40B4-BE49-F238E27FC236}">
+                <a16:creationId xmlns:a16="http://schemas.microsoft.com/office/drawing/2014/main" id="{2FD8F5AE-2CFE-BB44-A91F-60393DEC9283}"/>
+              </a:ext>
+            </a:extLst>
+          </p:cNvPr>
+          <p:cNvPicPr>
+            <a:picLocks noChangeAspect="1"/>
+          </p:cNvPicPr>
+          <p:nvPr/>
+        </p:nvPicPr>
+        <p:blipFill>
+          <a:blip r:embed="rId2"/>
+          <a:stretch>
+            <a:fillRect/>
+          </a:stretch>
+        </p:blipFill>
+        <p:spPr>
+          <a:xfrm>
+            <a:off x="340550" y="1957127"/>
+            <a:ext cx="7300912" cy="4440238"/>
+          </a:xfrm>
+          <a:prstGeom prst="rect">
+            <a:avLst/>
+          </a:prstGeom>
+        </p:spPr>
+      </p:pic>
+      <p:sp>
+        <p:nvSpPr>
+          <p:cNvPr id="3" name="TextBox 2">
+            <a:extLst>
+              <a:ext uri="{FF2B5EF4-FFF2-40B4-BE49-F238E27FC236}">
+                <a16:creationId xmlns:a16="http://schemas.microsoft.com/office/drawing/2014/main" id="{CD1C83FE-3EA5-EA41-867D-5A09A192890E}"/>
+              </a:ext>
+            </a:extLst>
+          </p:cNvPr>
+          <p:cNvSpPr txBox="1"/>
+          <p:nvPr/>
+        </p:nvSpPr>
+        <p:spPr>
+          <a:xfrm>
+            <a:off x="7917519" y="2284420"/>
+            <a:ext cx="3646025" cy="3416320"/>
+          </a:xfrm>
+          <a:prstGeom prst="rect">
+            <a:avLst/>
+          </a:prstGeom>
+          <a:noFill/>
+        </p:spPr>
+        <p:txBody>
+          <a:bodyPr wrap="square" rtlCol="0">
+            <a:spAutoFit/>
+          </a:bodyPr>
+          <a:lstStyle/>
+          <a:p>
+            <a:r>
+              <a:rPr lang="en-US" sz="2400" dirty="0"/>
+              <a:t>Class Specific Batch Correction increased the number of lower range P-values</a:t>
+            </a:r>
+          </a:p>
+          <a:p>
+            <a:endParaRPr lang="en-US" sz="2400" dirty="0"/>
+          </a:p>
+          <a:p>
+            <a:endParaRPr lang="en-US" sz="2400" b="1" dirty="0"/>
+          </a:p>
+          <a:p>
+            <a:r>
+              <a:rPr lang="en-US" sz="2400" b="1" dirty="0"/>
+              <a:t>As expected, class specific batch correction enhance class effect**</a:t>
+            </a:r>
+          </a:p>
+        </p:txBody>
+      </p:sp>
+    </p:spTree>
+    <p:extLst>
+      <p:ext uri="{BB962C8B-B14F-4D97-AF65-F5344CB8AC3E}">
+        <p14:creationId xmlns:p14="http://schemas.microsoft.com/office/powerpoint/2010/main" val="3245653014"/>
+      </p:ext>
+    </p:extLst>
+  </p:cSld>
+  <p:clrMapOvr>
+    <a:masterClrMapping/>
+  </p:clrMapOvr>
+</p:sld>
+</file>
+
+<file path=ppt/slides/slide23.xml><?xml version="1.0" encoding="utf-8"?>
+<p:sld xmlns:a="http://schemas.openxmlformats.org/drawingml/2006/main" xmlns:r="http://schemas.openxmlformats.org/officeDocument/2006/relationships" xmlns:p="http://schemas.openxmlformats.org/presentationml/2006/main">
+  <p:cSld>
+    <p:spTree>
+      <p:nvGrpSpPr>
+        <p:cNvPr id="1" name=""/>
+        <p:cNvGrpSpPr/>
+        <p:nvPr/>
+      </p:nvGrpSpPr>
+      <p:grpSpPr>
+        <a:xfrm>
+          <a:off x="0" y="0"/>
+          <a:ext cx="0" cy="0"/>
+          <a:chOff x="0" y="0"/>
+          <a:chExt cx="0" cy="0"/>
+        </a:xfrm>
+      </p:grpSpPr>
+      <p:sp>
+        <p:nvSpPr>
+          <p:cNvPr id="5" name="TextBox 4">
+            <a:extLst>
+              <a:ext uri="{FF2B5EF4-FFF2-40B4-BE49-F238E27FC236}">
+                <a16:creationId xmlns:a16="http://schemas.microsoft.com/office/drawing/2014/main" id="{8FDA6392-E85F-0847-AC43-0F8AED9C6565}"/>
+              </a:ext>
+            </a:extLst>
+          </p:cNvPr>
+          <p:cNvSpPr txBox="1"/>
+          <p:nvPr/>
+        </p:nvSpPr>
+        <p:spPr>
+          <a:xfrm>
+            <a:off x="2860644" y="1183413"/>
+            <a:ext cx="2677064" cy="1754326"/>
+          </a:xfrm>
+          <a:prstGeom prst="rect">
+            <a:avLst/>
+          </a:prstGeom>
+          <a:solidFill>
+            <a:schemeClr val="tx1"/>
+          </a:solidFill>
+        </p:spPr>
+        <p:txBody>
+          <a:bodyPr wrap="square" rtlCol="0">
+            <a:spAutoFit/>
+          </a:bodyPr>
+          <a:lstStyle/>
+          <a:p>
+            <a:pPr algn="ctr"/>
+            <a:r>
+              <a:rPr lang="en-US" b="1" dirty="0">
+                <a:solidFill>
+                  <a:schemeClr val="accent5"/>
+                </a:solidFill>
+              </a:rPr>
+              <a:t>Non-Class Specific </a:t>
+            </a:r>
+          </a:p>
+          <a:p>
+            <a:pPr algn="ctr"/>
+            <a:r>
+              <a:rPr lang="en-US" b="1" dirty="0">
+                <a:solidFill>
+                  <a:schemeClr val="accent5"/>
+                </a:solidFill>
+              </a:rPr>
+              <a:t>Batch Corrected</a:t>
+            </a:r>
+          </a:p>
+          <a:p>
+            <a:pPr algn="ctr"/>
+            <a:endParaRPr lang="en-US" dirty="0">
+              <a:solidFill>
+                <a:schemeClr val="bg1"/>
+              </a:solidFill>
+            </a:endParaRPr>
+          </a:p>
+          <a:p>
+            <a:pPr algn="ctr"/>
+            <a:r>
+              <a:rPr lang="en-US" b="1" dirty="0">
+                <a:solidFill>
+                  <a:schemeClr val="bg1"/>
+                </a:solidFill>
+              </a:rPr>
+              <a:t>Before MTC</a:t>
+            </a:r>
+            <a:r>
+              <a:rPr lang="en-US" dirty="0">
+                <a:solidFill>
+                  <a:schemeClr val="bg1"/>
+                </a:solidFill>
+              </a:rPr>
+              <a:t>: 1770</a:t>
+            </a:r>
+          </a:p>
+          <a:p>
+            <a:pPr algn="ctr"/>
+            <a:r>
+              <a:rPr lang="en-US" b="1" dirty="0">
+                <a:solidFill>
+                  <a:schemeClr val="bg1"/>
+                </a:solidFill>
+              </a:rPr>
+              <a:t>After MTC</a:t>
+            </a:r>
+            <a:r>
+              <a:rPr lang="en-US" dirty="0">
+                <a:solidFill>
+                  <a:schemeClr val="bg1"/>
+                </a:solidFill>
+              </a:rPr>
+              <a:t>: 486</a:t>
+            </a:r>
+          </a:p>
+          <a:p>
+            <a:pPr algn="ctr"/>
+            <a:r>
+              <a:rPr lang="en-US" b="1" dirty="0">
+                <a:solidFill>
+                  <a:schemeClr val="bg1"/>
+                </a:solidFill>
+              </a:rPr>
+              <a:t>Enriched</a:t>
+            </a:r>
+            <a:r>
+              <a:rPr lang="en-US" dirty="0">
+                <a:solidFill>
+                  <a:schemeClr val="bg1"/>
+                </a:solidFill>
+              </a:rPr>
+              <a:t>: 69</a:t>
+            </a:r>
+          </a:p>
+        </p:txBody>
+      </p:sp>
+      <p:sp>
+        <p:nvSpPr>
+          <p:cNvPr id="6" name="TextBox 5">
+            <a:extLst>
+              <a:ext uri="{FF2B5EF4-FFF2-40B4-BE49-F238E27FC236}">
+                <a16:creationId xmlns:a16="http://schemas.microsoft.com/office/drawing/2014/main" id="{A10D63B3-7C8B-C94F-96D8-5C898F019D2A}"/>
+              </a:ext>
+            </a:extLst>
+          </p:cNvPr>
+          <p:cNvSpPr txBox="1"/>
+          <p:nvPr/>
+        </p:nvSpPr>
+        <p:spPr>
+          <a:xfrm>
+            <a:off x="6332473" y="1183413"/>
+            <a:ext cx="2677064" cy="1754326"/>
+          </a:xfrm>
+          <a:prstGeom prst="rect">
+            <a:avLst/>
+          </a:prstGeom>
+          <a:solidFill>
+            <a:schemeClr val="tx1"/>
+          </a:solidFill>
+        </p:spPr>
+        <p:txBody>
+          <a:bodyPr wrap="square" rtlCol="0">
+            <a:spAutoFit/>
+          </a:bodyPr>
+          <a:lstStyle/>
+          <a:p>
+            <a:pPr algn="ctr"/>
+            <a:r>
+              <a:rPr lang="en-US" b="1" dirty="0">
+                <a:solidFill>
+                  <a:schemeClr val="accent5"/>
+                </a:solidFill>
+              </a:rPr>
+              <a:t>Class Specific </a:t>
+            </a:r>
+          </a:p>
+          <a:p>
+            <a:pPr algn="ctr"/>
+            <a:r>
+              <a:rPr lang="en-US" b="1" dirty="0">
+                <a:solidFill>
+                  <a:schemeClr val="accent5"/>
+                </a:solidFill>
+              </a:rPr>
+              <a:t>Batch Corrected</a:t>
+            </a:r>
+          </a:p>
+          <a:p>
+            <a:pPr algn="ctr"/>
+            <a:endParaRPr lang="en-US" dirty="0">
+              <a:solidFill>
+                <a:schemeClr val="bg1"/>
+              </a:solidFill>
+            </a:endParaRPr>
+          </a:p>
+          <a:p>
+            <a:pPr algn="ctr"/>
+            <a:r>
+              <a:rPr lang="en-US" b="1" dirty="0">
+                <a:solidFill>
+                  <a:schemeClr val="bg1"/>
+                </a:solidFill>
+              </a:rPr>
+              <a:t>Before MTC: </a:t>
+            </a:r>
+            <a:r>
+              <a:rPr lang="en-US" dirty="0">
+                <a:solidFill>
+                  <a:schemeClr val="bg1"/>
+                </a:solidFill>
+              </a:rPr>
+              <a:t>1747</a:t>
+            </a:r>
+          </a:p>
+          <a:p>
+            <a:pPr algn="ctr"/>
+            <a:r>
+              <a:rPr lang="en-US" b="1" dirty="0">
+                <a:solidFill>
+                  <a:schemeClr val="bg1"/>
+                </a:solidFill>
+              </a:rPr>
+              <a:t>After MTC</a:t>
+            </a:r>
+            <a:r>
+              <a:rPr lang="en-US" dirty="0">
+                <a:solidFill>
+                  <a:schemeClr val="bg1"/>
+                </a:solidFill>
+              </a:rPr>
+              <a:t>: 480</a:t>
+            </a:r>
+          </a:p>
+          <a:p>
+            <a:pPr algn="ctr"/>
+            <a:r>
+              <a:rPr lang="en-US" b="1" dirty="0">
+                <a:solidFill>
+                  <a:schemeClr val="bg1"/>
+                </a:solidFill>
+              </a:rPr>
+              <a:t>Enriched</a:t>
+            </a:r>
+            <a:r>
+              <a:rPr lang="en-US" dirty="0">
+                <a:solidFill>
+                  <a:schemeClr val="bg1"/>
+                </a:solidFill>
+              </a:rPr>
+              <a:t>: 44</a:t>
+            </a:r>
+          </a:p>
+        </p:txBody>
+      </p:sp>
+      <p:sp>
+        <p:nvSpPr>
+          <p:cNvPr id="2" name="TextBox 1">
+            <a:extLst>
+              <a:ext uri="{FF2B5EF4-FFF2-40B4-BE49-F238E27FC236}">
+                <a16:creationId xmlns:a16="http://schemas.microsoft.com/office/drawing/2014/main" id="{70751D66-8573-0641-BB18-25919C4C2292}"/>
+              </a:ext>
+            </a:extLst>
+          </p:cNvPr>
+          <p:cNvSpPr txBox="1"/>
+          <p:nvPr/>
+        </p:nvSpPr>
+        <p:spPr>
+          <a:xfrm>
+            <a:off x="-338560" y="144864"/>
+            <a:ext cx="12869120" cy="954107"/>
+          </a:xfrm>
+          <a:prstGeom prst="rect">
+            <a:avLst/>
+          </a:prstGeom>
+          <a:noFill/>
+        </p:spPr>
+        <p:txBody>
+          <a:bodyPr wrap="square" rtlCol="0">
+            <a:spAutoFit/>
+          </a:bodyPr>
+          <a:lstStyle/>
+          <a:p>
+            <a:pPr algn="ctr"/>
+            <a:r>
+              <a:rPr lang="en-US" sz="2800" b="1" dirty="0"/>
+              <a:t>Comparison between non-class specific batch correction and </a:t>
+            </a:r>
+          </a:p>
+          <a:p>
+            <a:pPr algn="ctr"/>
+            <a:r>
+              <a:rPr lang="en-US" sz="2800" b="1" dirty="0"/>
+              <a:t>class specific batch correction</a:t>
+            </a:r>
+          </a:p>
+        </p:txBody>
+      </p:sp>
+      <p:cxnSp>
+        <p:nvCxnSpPr>
+          <p:cNvPr id="8" name="Straight Arrow Connector 7">
+            <a:extLst>
+              <a:ext uri="{FF2B5EF4-FFF2-40B4-BE49-F238E27FC236}">
+                <a16:creationId xmlns:a16="http://schemas.microsoft.com/office/drawing/2014/main" id="{34397EDB-50A7-9646-8396-391606A4E69D}"/>
+              </a:ext>
+            </a:extLst>
+          </p:cNvPr>
+          <p:cNvCxnSpPr>
+            <a:cxnSpLocks/>
+            <a:endCxn id="10" idx="0"/>
+          </p:cNvCxnSpPr>
+          <p:nvPr/>
+        </p:nvCxnSpPr>
+        <p:spPr>
+          <a:xfrm>
+            <a:off x="6007261" y="3025455"/>
+            <a:ext cx="0" cy="1315548"/>
+          </a:xfrm>
+          <a:prstGeom prst="straightConnector1">
+            <a:avLst/>
+          </a:prstGeom>
+          <a:ln w="25400">
+            <a:tailEnd type="triangle"/>
+          </a:ln>
+        </p:spPr>
+        <p:style>
+          <a:lnRef idx="1">
+            <a:schemeClr val="accent1"/>
+          </a:lnRef>
+          <a:fillRef idx="0">
+            <a:schemeClr val="accent1"/>
+          </a:fillRef>
+          <a:effectRef idx="0">
+            <a:schemeClr val="accent1"/>
+          </a:effectRef>
+          <a:fontRef idx="minor">
+            <a:schemeClr val="tx1"/>
+          </a:fontRef>
+        </p:style>
+      </p:cxnSp>
+      <p:sp>
+        <p:nvSpPr>
+          <p:cNvPr id="9" name="TextBox 8">
+            <a:extLst>
+              <a:ext uri="{FF2B5EF4-FFF2-40B4-BE49-F238E27FC236}">
+                <a16:creationId xmlns:a16="http://schemas.microsoft.com/office/drawing/2014/main" id="{F5D54811-FC3A-1E48-AFE9-4847F911697A}"/>
+              </a:ext>
+            </a:extLst>
+          </p:cNvPr>
+          <p:cNvSpPr txBox="1"/>
+          <p:nvPr/>
+        </p:nvSpPr>
+        <p:spPr>
+          <a:xfrm>
+            <a:off x="2610610" y="4864223"/>
+            <a:ext cx="6793302" cy="1754326"/>
+          </a:xfrm>
+          <a:prstGeom prst="rect">
+            <a:avLst/>
+          </a:prstGeom>
+          <a:solidFill>
+            <a:schemeClr val="tx1"/>
+          </a:solidFill>
+        </p:spPr>
+        <p:txBody>
+          <a:bodyPr wrap="square" rtlCol="0">
+            <a:spAutoFit/>
+          </a:bodyPr>
+          <a:lstStyle/>
+          <a:p>
+            <a:pPr algn="ctr"/>
+            <a:r>
+              <a:rPr lang="en-US" b="1" dirty="0">
+                <a:solidFill>
+                  <a:schemeClr val="bg1"/>
+                </a:solidFill>
+              </a:rPr>
+              <a:t>Intersections</a:t>
+            </a:r>
+          </a:p>
+          <a:p>
+            <a:pPr algn="ctr"/>
+            <a:r>
+              <a:rPr lang="en-US" b="1" dirty="0">
+                <a:solidFill>
+                  <a:schemeClr val="bg1"/>
+                </a:solidFill>
+              </a:rPr>
+              <a:t>Proteins (After MTC) and Enriched Pathways that are the same between batch corrected and class specific batch correction</a:t>
+            </a:r>
+          </a:p>
+          <a:p>
+            <a:pPr algn="ctr"/>
+            <a:endParaRPr lang="en-US" dirty="0">
+              <a:solidFill>
+                <a:schemeClr val="bg1"/>
+              </a:solidFill>
+            </a:endParaRPr>
+          </a:p>
+          <a:p>
+            <a:pPr algn="ctr"/>
+            <a:r>
+              <a:rPr lang="en-US" b="1" dirty="0">
+                <a:solidFill>
+                  <a:schemeClr val="bg1"/>
+                </a:solidFill>
+              </a:rPr>
+              <a:t>After MTC: </a:t>
+            </a:r>
+            <a:r>
+              <a:rPr lang="en-US" dirty="0">
+                <a:solidFill>
+                  <a:schemeClr val="bg1"/>
+                </a:solidFill>
+              </a:rPr>
+              <a:t>471</a:t>
+            </a:r>
+          </a:p>
+          <a:p>
+            <a:pPr algn="ctr"/>
+            <a:r>
+              <a:rPr lang="en-US" b="1" dirty="0">
+                <a:solidFill>
+                  <a:schemeClr val="bg1"/>
+                </a:solidFill>
+              </a:rPr>
+              <a:t>Enriched: </a:t>
+            </a:r>
+            <a:r>
+              <a:rPr lang="en-US" dirty="0">
+                <a:solidFill>
+                  <a:schemeClr val="bg1"/>
+                </a:solidFill>
+              </a:rPr>
+              <a:t>40 </a:t>
+            </a:r>
+          </a:p>
+        </p:txBody>
+      </p:sp>
+      <p:sp>
+        <p:nvSpPr>
+          <p:cNvPr id="10" name="TextBox 9">
+            <a:extLst>
+              <a:ext uri="{FF2B5EF4-FFF2-40B4-BE49-F238E27FC236}">
+                <a16:creationId xmlns:a16="http://schemas.microsoft.com/office/drawing/2014/main" id="{4E78D6AB-B943-984E-850E-06444C110A9E}"/>
+              </a:ext>
+            </a:extLst>
+          </p:cNvPr>
+          <p:cNvSpPr txBox="1"/>
+          <p:nvPr/>
+        </p:nvSpPr>
+        <p:spPr>
+          <a:xfrm>
+            <a:off x="-427299" y="4341003"/>
+            <a:ext cx="12869120" cy="523220"/>
+          </a:xfrm>
+          <a:prstGeom prst="rect">
+            <a:avLst/>
+          </a:prstGeom>
+          <a:noFill/>
+        </p:spPr>
+        <p:txBody>
+          <a:bodyPr wrap="square" rtlCol="0">
+            <a:spAutoFit/>
+          </a:bodyPr>
+          <a:lstStyle/>
+          <a:p>
+            <a:pPr algn="ctr"/>
+            <a:r>
+              <a:rPr lang="en-US" sz="2800" b="1" dirty="0"/>
+              <a:t>Intersections between batch corrected and class specific batch corrected</a:t>
+            </a:r>
+          </a:p>
+        </p:txBody>
+      </p:sp>
+      <p:sp>
+        <p:nvSpPr>
+          <p:cNvPr id="3" name="Rectangle 2">
+            <a:extLst>
+              <a:ext uri="{FF2B5EF4-FFF2-40B4-BE49-F238E27FC236}">
+                <a16:creationId xmlns:a16="http://schemas.microsoft.com/office/drawing/2014/main" id="{8C261F54-E954-6D47-9539-221EE1F38EA9}"/>
+              </a:ext>
+            </a:extLst>
+          </p:cNvPr>
+          <p:cNvSpPr/>
+          <p:nvPr/>
+        </p:nvSpPr>
+        <p:spPr>
+          <a:xfrm>
+            <a:off x="6808363" y="2339374"/>
+            <a:ext cx="1725283" cy="251986"/>
+          </a:xfrm>
+          <a:prstGeom prst="rect">
+            <a:avLst/>
+          </a:prstGeom>
+          <a:noFill/>
+          <a:ln w="38100">
+            <a:solidFill>
+              <a:srgbClr val="FF0000"/>
+            </a:solidFill>
+          </a:ln>
+        </p:spPr>
+        <p:style>
+          <a:lnRef idx="2">
+            <a:schemeClr val="accent1">
+              <a:shade val="50000"/>
+            </a:schemeClr>
+          </a:lnRef>
+          <a:fillRef idx="1">
+            <a:schemeClr val="accent1"/>
+          </a:fillRef>
+          <a:effectRef idx="0">
+            <a:schemeClr val="accent1"/>
+          </a:effectRef>
+          <a:fontRef idx="minor">
+            <a:schemeClr val="lt1"/>
+          </a:fontRef>
+        </p:style>
+        <p:txBody>
+          <a:bodyPr rtlCol="0" anchor="ctr"/>
+          <a:lstStyle/>
+          <a:p>
+            <a:pPr algn="ctr"/>
+            <a:endParaRPr lang="en-US"/>
+          </a:p>
+        </p:txBody>
+      </p:sp>
+      <p:sp>
+        <p:nvSpPr>
+          <p:cNvPr id="11" name="Rectangle 10">
+            <a:extLst>
+              <a:ext uri="{FF2B5EF4-FFF2-40B4-BE49-F238E27FC236}">
+                <a16:creationId xmlns:a16="http://schemas.microsoft.com/office/drawing/2014/main" id="{103D8698-FA67-AA4D-9352-0868AB40BE8B}"/>
+              </a:ext>
+            </a:extLst>
+          </p:cNvPr>
+          <p:cNvSpPr/>
+          <p:nvPr/>
+        </p:nvSpPr>
+        <p:spPr>
+          <a:xfrm>
+            <a:off x="5144619" y="5986732"/>
+            <a:ext cx="1725283" cy="280755"/>
+          </a:xfrm>
+          <a:prstGeom prst="rect">
+            <a:avLst/>
+          </a:prstGeom>
+          <a:noFill/>
+          <a:ln w="38100">
+            <a:solidFill>
+              <a:srgbClr val="FF0000"/>
+            </a:solidFill>
+          </a:ln>
+        </p:spPr>
+        <p:style>
+          <a:lnRef idx="2">
+            <a:schemeClr val="accent1">
+              <a:shade val="50000"/>
+            </a:schemeClr>
+          </a:lnRef>
+          <a:fillRef idx="1">
+            <a:schemeClr val="accent1"/>
+          </a:fillRef>
+          <a:effectRef idx="0">
+            <a:schemeClr val="accent1"/>
+          </a:effectRef>
+          <a:fontRef idx="minor">
+            <a:schemeClr val="lt1"/>
+          </a:fontRef>
+        </p:style>
+        <p:txBody>
+          <a:bodyPr rtlCol="0" anchor="ctr"/>
+          <a:lstStyle/>
+          <a:p>
+            <a:pPr algn="ctr"/>
+            <a:endParaRPr lang="en-US"/>
+          </a:p>
+        </p:txBody>
+      </p:sp>
+    </p:spTree>
+    <p:extLst>
+      <p:ext uri="{BB962C8B-B14F-4D97-AF65-F5344CB8AC3E}">
+        <p14:creationId xmlns:p14="http://schemas.microsoft.com/office/powerpoint/2010/main" val="3284846761"/>
+      </p:ext>
+    </p:extLst>
+  </p:cSld>
+  <p:clrMapOvr>
+    <a:masterClrMapping/>
+  </p:clrMapOvr>
+</p:sld>
+</file>
+
+<file path=ppt/slides/slide24.xml><?xml version="1.0" encoding="utf-8"?>
+<p:sld xmlns:a="http://schemas.openxmlformats.org/drawingml/2006/main" xmlns:r="http://schemas.openxmlformats.org/officeDocument/2006/relationships" xmlns:p="http://schemas.openxmlformats.org/presentationml/2006/main">
+  <p:cSld>
+    <p:spTree>
+      <p:nvGrpSpPr>
+        <p:cNvPr id="1" name=""/>
+        <p:cNvGrpSpPr/>
+        <p:nvPr/>
+      </p:nvGrpSpPr>
+      <p:grpSpPr>
+        <a:xfrm>
+          <a:off x="0" y="0"/>
+          <a:ext cx="0" cy="0"/>
+          <a:chOff x="0" y="0"/>
+          <a:chExt cx="0" cy="0"/>
+        </a:xfrm>
+      </p:grpSpPr>
+      <p:sp>
+        <p:nvSpPr>
+          <p:cNvPr id="2" name="Title 1">
+            <a:extLst>
+              <a:ext uri="{FF2B5EF4-FFF2-40B4-BE49-F238E27FC236}">
+                <a16:creationId xmlns:a16="http://schemas.microsoft.com/office/drawing/2014/main" id="{3239A5CF-D8C7-FC45-A644-31D03CE4EB95}"/>
+              </a:ext>
+            </a:extLst>
+          </p:cNvPr>
+          <p:cNvSpPr>
+            <a:spLocks noGrp="1"/>
+          </p:cNvSpPr>
+          <p:nvPr>
+            <p:ph type="title"/>
+          </p:nvPr>
+        </p:nvSpPr>
+        <p:spPr>
+          <a:xfrm>
+            <a:off x="838200" y="281065"/>
+            <a:ext cx="10515600" cy="1325563"/>
+          </a:xfrm>
+        </p:spPr>
+        <p:txBody>
+          <a:bodyPr>
+            <a:noAutofit/>
+          </a:bodyPr>
+          <a:lstStyle/>
+          <a:p>
+            <a:pPr algn="ctr"/>
+            <a:r>
+              <a:rPr lang="en-US" sz="3200" dirty="0"/>
+              <a:t>The 9 genes that are not reported in intersection = potentially brought out by class specific batch correction</a:t>
+            </a:r>
+          </a:p>
+        </p:txBody>
+      </p:sp>
+      <p:pic>
+        <p:nvPicPr>
+          <p:cNvPr id="5" name="Picture 4" descr="Text&#10;&#10;Description automatically generated">
+            <a:extLst>
+              <a:ext uri="{FF2B5EF4-FFF2-40B4-BE49-F238E27FC236}">
+                <a16:creationId xmlns:a16="http://schemas.microsoft.com/office/drawing/2014/main" id="{035D90DB-A472-B740-B2EF-91A389E3C128}"/>
+              </a:ext>
+            </a:extLst>
+          </p:cNvPr>
+          <p:cNvPicPr>
+            <a:picLocks noChangeAspect="1"/>
+          </p:cNvPicPr>
+          <p:nvPr/>
+        </p:nvPicPr>
+        <p:blipFill>
+          <a:blip r:embed="rId2"/>
+          <a:stretch>
+            <a:fillRect/>
+          </a:stretch>
+        </p:blipFill>
+        <p:spPr>
+          <a:xfrm>
+            <a:off x="490960" y="2317547"/>
+            <a:ext cx="11083724" cy="4291075"/>
+          </a:xfrm>
+          <a:prstGeom prst="rect">
+            <a:avLst/>
+          </a:prstGeom>
+        </p:spPr>
+      </p:pic>
+      <p:sp>
+        <p:nvSpPr>
+          <p:cNvPr id="6" name="TextBox 5">
+            <a:extLst>
+              <a:ext uri="{FF2B5EF4-FFF2-40B4-BE49-F238E27FC236}">
+                <a16:creationId xmlns:a16="http://schemas.microsoft.com/office/drawing/2014/main" id="{2BF8F515-8CE0-2D4B-93C8-586CF0B873CD}"/>
+              </a:ext>
+            </a:extLst>
+          </p:cNvPr>
+          <p:cNvSpPr txBox="1"/>
+          <p:nvPr/>
+        </p:nvSpPr>
+        <p:spPr>
+          <a:xfrm>
+            <a:off x="980472" y="1574941"/>
+            <a:ext cx="10104699" cy="646331"/>
+          </a:xfrm>
+          <a:prstGeom prst="rect">
+            <a:avLst/>
+          </a:prstGeom>
+          <a:noFill/>
+        </p:spPr>
+        <p:txBody>
+          <a:bodyPr wrap="square" rtlCol="0">
+            <a:spAutoFit/>
+          </a:bodyPr>
+          <a:lstStyle/>
+          <a:p>
+            <a:pPr algn="ctr"/>
+            <a:r>
+              <a:rPr lang="en-US" b="1" dirty="0"/>
+              <a:t>Checked the presence of these 9 genes in the original 480 class specific batch corrected DEGs</a:t>
+            </a:r>
+          </a:p>
+          <a:p>
+            <a:pPr algn="ctr"/>
+            <a:r>
+              <a:rPr lang="en-US" b="1" dirty="0"/>
+              <a:t>ALL 9 genes were present ***</a:t>
+            </a:r>
+          </a:p>
+        </p:txBody>
+      </p:sp>
+    </p:spTree>
+    <p:extLst>
+      <p:ext uri="{BB962C8B-B14F-4D97-AF65-F5344CB8AC3E}">
+        <p14:creationId xmlns:p14="http://schemas.microsoft.com/office/powerpoint/2010/main" val="2690091425"/>
+      </p:ext>
+    </p:extLst>
+  </p:cSld>
+  <p:clrMapOvr>
+    <a:masterClrMapping/>
+  </p:clrMapOvr>
+</p:sld>
+</file>
+
+<file path=ppt/slides/slide25.xml><?xml version="1.0" encoding="utf-8"?>
+<p:sld xmlns:a="http://schemas.openxmlformats.org/drawingml/2006/main" xmlns:r="http://schemas.openxmlformats.org/officeDocument/2006/relationships" xmlns:p="http://schemas.openxmlformats.org/presentationml/2006/main">
+  <p:cSld>
+    <p:spTree>
+      <p:nvGrpSpPr>
+        <p:cNvPr id="1" name=""/>
+        <p:cNvGrpSpPr/>
+        <p:nvPr/>
+      </p:nvGrpSpPr>
+      <p:grpSpPr>
+        <a:xfrm>
+          <a:off x="0" y="0"/>
+          <a:ext cx="0" cy="0"/>
+          <a:chOff x="0" y="0"/>
+          <a:chExt cx="0" cy="0"/>
+        </a:xfrm>
+      </p:grpSpPr>
+      <p:sp>
+        <p:nvSpPr>
+          <p:cNvPr id="2" name="Title 1">
+            <a:extLst>
+              <a:ext uri="{FF2B5EF4-FFF2-40B4-BE49-F238E27FC236}">
+                <a16:creationId xmlns:a16="http://schemas.microsoft.com/office/drawing/2014/main" id="{A393E216-F1A3-5D43-B440-14154BD37652}"/>
+              </a:ext>
+            </a:extLst>
+          </p:cNvPr>
+          <p:cNvSpPr>
+            <a:spLocks noGrp="1"/>
+          </p:cNvSpPr>
+          <p:nvPr>
+            <p:ph type="title"/>
+          </p:nvPr>
+        </p:nvSpPr>
+        <p:spPr>
+          <a:xfrm>
+            <a:off x="442822" y="77367"/>
+            <a:ext cx="10515600" cy="1325563"/>
+          </a:xfrm>
+        </p:spPr>
+        <p:txBody>
+          <a:bodyPr/>
+          <a:lstStyle/>
+          <a:p>
+            <a:r>
+              <a:rPr lang="en-US" dirty="0"/>
+              <a:t>Takeaways</a:t>
+            </a:r>
+          </a:p>
+        </p:txBody>
+      </p:sp>
+      <p:sp>
+        <p:nvSpPr>
+          <p:cNvPr id="3" name="Content Placeholder 2">
+            <a:extLst>
+              <a:ext uri="{FF2B5EF4-FFF2-40B4-BE49-F238E27FC236}">
+                <a16:creationId xmlns:a16="http://schemas.microsoft.com/office/drawing/2014/main" id="{96AE8C1A-B20C-8B45-81AE-D80FF5B12F7D}"/>
+              </a:ext>
+            </a:extLst>
+          </p:cNvPr>
+          <p:cNvSpPr>
+            <a:spLocks noGrp="1"/>
+          </p:cNvSpPr>
+          <p:nvPr>
+            <p:ph idx="1"/>
+          </p:nvPr>
+        </p:nvSpPr>
+        <p:spPr>
+          <a:xfrm>
+            <a:off x="442822" y="1164567"/>
+            <a:ext cx="11178396" cy="5336935"/>
+          </a:xfrm>
+        </p:spPr>
+        <p:txBody>
+          <a:bodyPr>
+            <a:normAutofit fontScale="77500" lnSpcReduction="20000"/>
+          </a:bodyPr>
+          <a:lstStyle/>
+          <a:p>
+            <a:r>
+              <a:rPr lang="en-US" dirty="0"/>
+              <a:t>PCA was able to separate non-class specific batch corrected data </a:t>
+            </a:r>
+          </a:p>
+          <a:p>
+            <a:pPr lvl="1"/>
+            <a:r>
+              <a:rPr lang="en-US" dirty="0">
+                <a:solidFill>
+                  <a:schemeClr val="bg2">
+                    <a:lumMod val="60000"/>
+                    <a:lumOff val="40000"/>
+                  </a:schemeClr>
+                </a:solidFill>
+              </a:rPr>
+              <a:t>PC1 allowed for separation by case and control</a:t>
+            </a:r>
+          </a:p>
+          <a:p>
+            <a:pPr lvl="1"/>
+            <a:r>
+              <a:rPr lang="en-US" dirty="0">
+                <a:solidFill>
+                  <a:schemeClr val="bg2">
+                    <a:lumMod val="60000"/>
+                    <a:lumOff val="40000"/>
+                  </a:schemeClr>
+                </a:solidFill>
+              </a:rPr>
+              <a:t>PC2 allowed for less distinct separation (compared to PC1) between case and control </a:t>
+            </a:r>
+          </a:p>
+          <a:p>
+            <a:pPr lvl="1"/>
+            <a:r>
+              <a:rPr lang="en-US" dirty="0">
+                <a:solidFill>
+                  <a:schemeClr val="bg2">
+                    <a:lumMod val="60000"/>
+                    <a:lumOff val="40000"/>
+                  </a:schemeClr>
+                </a:solidFill>
+              </a:rPr>
+              <a:t>PC2 also allowed for separation of potential case subpopulations (3 clusters)</a:t>
+            </a:r>
+          </a:p>
+          <a:p>
+            <a:r>
+              <a:rPr lang="en-US" dirty="0"/>
+              <a:t>PCA was only able to separate class specific batch corrected data with the combination of both PC1 and PC2 </a:t>
+            </a:r>
+          </a:p>
+          <a:p>
+            <a:pPr lvl="1"/>
+            <a:r>
+              <a:rPr lang="en-US" dirty="0">
+                <a:solidFill>
+                  <a:schemeClr val="bg2">
+                    <a:lumMod val="60000"/>
+                    <a:lumOff val="40000"/>
+                  </a:schemeClr>
+                </a:solidFill>
+              </a:rPr>
+              <a:t>PC1 and PC2 individually was unable to separate case and control distinctly</a:t>
+            </a:r>
+          </a:p>
+          <a:p>
+            <a:r>
+              <a:rPr lang="en-US" dirty="0"/>
+              <a:t>PCA allowed for separation between case and control for CS quantile + CS batch corrected data distinctly</a:t>
+            </a:r>
+          </a:p>
+          <a:p>
+            <a:r>
+              <a:rPr lang="en-US" dirty="0"/>
+              <a:t>In the non-class specific batch correction, normalization by mean was not significantly helpful in the RC dataset</a:t>
+            </a:r>
+          </a:p>
+          <a:p>
+            <a:r>
+              <a:rPr lang="en-US" dirty="0"/>
+              <a:t>Class specific batch correction enhanced class effects as expected but mostly to lower p-values</a:t>
+            </a:r>
+          </a:p>
+          <a:p>
+            <a:r>
+              <a:rPr lang="en-US" dirty="0"/>
+              <a:t>All these however, could possibly be only specific to RC data set</a:t>
+            </a:r>
+          </a:p>
+          <a:p>
+            <a:endParaRPr lang="en-US" dirty="0"/>
+          </a:p>
+          <a:p>
+            <a:r>
+              <a:rPr lang="en-US" b="1" dirty="0"/>
+              <a:t>What I think I can try next</a:t>
+            </a:r>
+            <a:r>
+              <a:rPr lang="en-US" dirty="0"/>
+              <a:t>: split the data by batch in order to hide batch effects, don’t perform batch correction -&gt; then compare this with class specific batch correction</a:t>
+            </a:r>
+          </a:p>
+        </p:txBody>
+      </p:sp>
+    </p:spTree>
+    <p:extLst>
+      <p:ext uri="{BB962C8B-B14F-4D97-AF65-F5344CB8AC3E}">
+        <p14:creationId xmlns:p14="http://schemas.microsoft.com/office/powerpoint/2010/main" val="1570099160"/>
+      </p:ext>
+    </p:extLst>
+  </p:cSld>
+  <p:clrMapOvr>
+    <a:masterClrMapping/>
+  </p:clrMapOvr>
+</p:sld>
+</file>
+
+<file path=ppt/slides/slide26.xml><?xml version="1.0" encoding="utf-8"?>
+<p:sld xmlns:a="http://schemas.openxmlformats.org/drawingml/2006/main" xmlns:r="http://schemas.openxmlformats.org/officeDocument/2006/relationships" xmlns:p="http://schemas.openxmlformats.org/presentationml/2006/main">
+  <p:cSld>
+    <p:spTree>
+      <p:nvGrpSpPr>
+        <p:cNvPr id="1" name=""/>
+        <p:cNvGrpSpPr/>
+        <p:nvPr/>
+      </p:nvGrpSpPr>
+      <p:grpSpPr>
+        <a:xfrm>
+          <a:off x="0" y="0"/>
+          <a:ext cx="0" cy="0"/>
+          <a:chOff x="0" y="0"/>
+          <a:chExt cx="0" cy="0"/>
+        </a:xfrm>
+      </p:grpSpPr>
+    </p:spTree>
+    <p:extLst>
+      <p:ext uri="{BB962C8B-B14F-4D97-AF65-F5344CB8AC3E}">
+        <p14:creationId xmlns:p14="http://schemas.microsoft.com/office/powerpoint/2010/main" val="612893860"/>
+      </p:ext>
+    </p:extLst>
+  </p:cSld>
+  <p:clrMapOvr>
+    <a:masterClrMapping/>
+  </p:clrMapOvr>
+</p:sld>
+</file>
+
+<file path=ppt/slides/slide27.xml><?xml version="1.0" encoding="utf-8"?>
+<p:sld xmlns:a="http://schemas.openxmlformats.org/drawingml/2006/main" xmlns:r="http://schemas.openxmlformats.org/officeDocument/2006/relationships" xmlns:p="http://schemas.openxmlformats.org/presentationml/2006/main">
+  <p:cSld>
+    <p:spTree>
+      <p:nvGrpSpPr>
+        <p:cNvPr id="1" name=""/>
+        <p:cNvGrpSpPr/>
+        <p:nvPr/>
+      </p:nvGrpSpPr>
+      <p:grpSpPr>
+        <a:xfrm>
+          <a:off x="0" y="0"/>
+          <a:ext cx="0" cy="0"/>
+          <a:chOff x="0" y="0"/>
+          <a:chExt cx="0" cy="0"/>
+        </a:xfrm>
+      </p:grpSpPr>
+    </p:spTree>
+    <p:extLst>
+      <p:ext uri="{BB962C8B-B14F-4D97-AF65-F5344CB8AC3E}">
+        <p14:creationId xmlns:p14="http://schemas.microsoft.com/office/powerpoint/2010/main" val="4244588338"/>
+      </p:ext>
+    </p:extLst>
+  </p:cSld>
+  <p:clrMapOvr>
+    <a:masterClrMapping/>
+  </p:clrMapOvr>
+</p:sld>
+</file>
+
+<file path=ppt/slides/slide28.xml><?xml version="1.0" encoding="utf-8"?>
+<p:sld xmlns:a="http://schemas.openxmlformats.org/drawingml/2006/main" xmlns:r="http://schemas.openxmlformats.org/officeDocument/2006/relationships" xmlns:p="http://schemas.openxmlformats.org/presentationml/2006/main">
+  <p:cSld>
+    <p:spTree>
+      <p:nvGrpSpPr>
+        <p:cNvPr id="1" name=""/>
+        <p:cNvGrpSpPr/>
+        <p:nvPr/>
+      </p:nvGrpSpPr>
+      <p:grpSpPr>
+        <a:xfrm>
+          <a:off x="0" y="0"/>
+          <a:ext cx="0" cy="0"/>
+          <a:chOff x="0" y="0"/>
+          <a:chExt cx="0" cy="0"/>
+        </a:xfrm>
+      </p:grpSpPr>
+    </p:spTree>
+    <p:extLst>
+      <p:ext uri="{BB962C8B-B14F-4D97-AF65-F5344CB8AC3E}">
+        <p14:creationId xmlns:p14="http://schemas.microsoft.com/office/powerpoint/2010/main" val="3750434393"/>
+      </p:ext>
+    </p:extLst>
+  </p:cSld>
+  <p:clrMapOvr>
+    <a:masterClrMapping/>
+  </p:clrMapOvr>
+</p:sld>
+</file>
+
+<file path=ppt/slides/slide29.xml><?xml version="1.0" encoding="utf-8"?>
+<p:sld xmlns:a="http://schemas.openxmlformats.org/drawingml/2006/main" xmlns:r="http://schemas.openxmlformats.org/officeDocument/2006/relationships" xmlns:p="http://schemas.openxmlformats.org/presentationml/2006/main">
+  <p:cSld>
+    <p:spTree>
+      <p:nvGrpSpPr>
+        <p:cNvPr id="1" name=""/>
+        <p:cNvGrpSpPr/>
+        <p:nvPr/>
+      </p:nvGrpSpPr>
+      <p:grpSpPr>
+        <a:xfrm>
+          <a:off x="0" y="0"/>
+          <a:ext cx="0" cy="0"/>
+          <a:chOff x="0" y="0"/>
+          <a:chExt cx="0" cy="0"/>
+        </a:xfrm>
+      </p:grpSpPr>
+    </p:spTree>
+    <p:extLst>
+      <p:ext uri="{BB962C8B-B14F-4D97-AF65-F5344CB8AC3E}">
+        <p14:creationId xmlns:p14="http://schemas.microsoft.com/office/powerpoint/2010/main" val="1933947550"/>
       </p:ext>
     </p:extLst>
   </p:cSld>
@@ -3259,54 +7218,21 @@
           <a:chExt cx="0" cy="0"/>
         </a:xfrm>
       </p:grpSpPr>
-      <p:sp>
-        <p:nvSpPr>
-          <p:cNvPr id="2" name="Title 1">
-            <a:extLst>
-              <a:ext uri="{FF2B5EF4-FFF2-40B4-BE49-F238E27FC236}">
-                <a16:creationId xmlns:a16="http://schemas.microsoft.com/office/drawing/2014/main" id="{A9F064EF-9456-2945-96A2-5842B1392571}"/>
-              </a:ext>
-            </a:extLst>
-          </p:cNvPr>
-          <p:cNvSpPr>
-            <a:spLocks noGrp="1"/>
-          </p:cNvSpPr>
-          <p:nvPr>
-            <p:ph type="title"/>
-          </p:nvPr>
-        </p:nvSpPr>
-        <p:spPr>
-          <a:xfrm>
-            <a:off x="239486" y="-188459"/>
-            <a:ext cx="10515600" cy="1325563"/>
-          </a:xfrm>
-        </p:spPr>
-        <p:txBody>
-          <a:bodyPr>
-            <a:normAutofit/>
-          </a:bodyPr>
-          <a:lstStyle/>
-          <a:p>
-            <a:r>
-              <a:rPr lang="en-US" sz="3200" dirty="0"/>
-              <a:t>Mean Absolute Error (Class Specific Batch Corrected Data)</a:t>
-            </a:r>
-          </a:p>
-        </p:txBody>
-      </p:sp>
       <p:pic>
         <p:nvPicPr>
-          <p:cNvPr id="5" name="Picture 4" descr="A computer screen capture&#10;&#10;Description automatically generated with medium confidence">
-            <a:extLst>
-              <a:ext uri="{FF2B5EF4-FFF2-40B4-BE49-F238E27FC236}">
-                <a16:creationId xmlns:a16="http://schemas.microsoft.com/office/drawing/2014/main" id="{F41EB073-20FF-7F48-9023-645A36EF8B92}"/>
+          <p:cNvPr id="4" name="Content Placeholder 3">
+            <a:extLst>
+              <a:ext uri="{FF2B5EF4-FFF2-40B4-BE49-F238E27FC236}">
+                <a16:creationId xmlns:a16="http://schemas.microsoft.com/office/drawing/2014/main" id="{5D494902-E28E-3941-BE3C-63E4B9BAA54B}"/>
               </a:ext>
             </a:extLst>
           </p:cNvPr>
           <p:cNvPicPr>
-            <a:picLocks noChangeAspect="1"/>
+            <a:picLocks noGrp="1" noChangeAspect="1"/>
           </p:cNvPicPr>
-          <p:nvPr/>
+          <p:nvPr>
+            <p:ph idx="1"/>
+          </p:nvPr>
         </p:nvPicPr>
         <p:blipFill>
           <a:blip r:embed="rId2"/>
@@ -3316,8 +7242,8 @@
         </p:blipFill>
         <p:spPr>
           <a:xfrm>
-            <a:off x="315686" y="973818"/>
-            <a:ext cx="8781443" cy="5551714"/>
+            <a:off x="904055" y="525585"/>
+            <a:ext cx="2470749" cy="5306497"/>
           </a:xfrm>
           <a:prstGeom prst="rect">
             <a:avLst/>
@@ -3326,25 +7252,77 @@
       </p:pic>
       <p:sp>
         <p:nvSpPr>
-          <p:cNvPr id="7" name="TextBox 6">
-            <a:extLst>
-              <a:ext uri="{FF2B5EF4-FFF2-40B4-BE49-F238E27FC236}">
-                <a16:creationId xmlns:a16="http://schemas.microsoft.com/office/drawing/2014/main" id="{CE6E935F-FDE6-A542-A743-A5121ECEC555}"/>
-              </a:ext>
-            </a:extLst>
-          </p:cNvPr>
-          <p:cNvSpPr txBox="1"/>
+          <p:cNvPr id="5" name="Rectangle 4">
+            <a:extLst>
+              <a:ext uri="{FF2B5EF4-FFF2-40B4-BE49-F238E27FC236}">
+                <a16:creationId xmlns:a16="http://schemas.microsoft.com/office/drawing/2014/main" id="{2A5FE104-F4CB-C448-8EAA-9154E20D8657}"/>
+              </a:ext>
+            </a:extLst>
+          </p:cNvPr>
+          <p:cNvSpPr/>
           <p:nvPr/>
         </p:nvSpPr>
         <p:spPr>
           <a:xfrm>
-            <a:off x="9503229" y="3184986"/>
-            <a:ext cx="2503714" cy="646331"/>
+            <a:off x="1017917" y="1104182"/>
+            <a:ext cx="2113472" cy="1811547"/>
           </a:xfrm>
           <a:prstGeom prst="rect">
             <a:avLst/>
           </a:prstGeom>
           <a:noFill/>
+          <a:ln w="28575">
+            <a:solidFill>
+              <a:srgbClr val="C00000"/>
+            </a:solidFill>
+          </a:ln>
+        </p:spPr>
+        <p:style>
+          <a:lnRef idx="2">
+            <a:schemeClr val="accent1">
+              <a:shade val="50000"/>
+            </a:schemeClr>
+          </a:lnRef>
+          <a:fillRef idx="1">
+            <a:schemeClr val="accent1"/>
+          </a:fillRef>
+          <a:effectRef idx="0">
+            <a:schemeClr val="accent1"/>
+          </a:effectRef>
+          <a:fontRef idx="minor">
+            <a:schemeClr val="lt1"/>
+          </a:fontRef>
+        </p:style>
+        <p:txBody>
+          <a:bodyPr rtlCol="0" anchor="ctr"/>
+          <a:lstStyle/>
+          <a:p>
+            <a:pPr algn="ctr"/>
+            <a:endParaRPr lang="en-US"/>
+          </a:p>
+        </p:txBody>
+      </p:sp>
+      <p:sp>
+        <p:nvSpPr>
+          <p:cNvPr id="6" name="TextBox 5">
+            <a:extLst>
+              <a:ext uri="{FF2B5EF4-FFF2-40B4-BE49-F238E27FC236}">
+                <a16:creationId xmlns:a16="http://schemas.microsoft.com/office/drawing/2014/main" id="{FF293F23-1BA3-CC43-94C2-0A6EAB3EE723}"/>
+              </a:ext>
+            </a:extLst>
+          </p:cNvPr>
+          <p:cNvSpPr txBox="1"/>
+          <p:nvPr/>
+        </p:nvSpPr>
+        <p:spPr>
+          <a:xfrm>
+            <a:off x="3648974" y="1716657"/>
+            <a:ext cx="7712015" cy="461665"/>
+          </a:xfrm>
+          <a:prstGeom prst="rect">
+            <a:avLst/>
+          </a:prstGeom>
+          <a:noFill/>
         </p:spPr>
         <p:txBody>
           <a:bodyPr wrap="square" rtlCol="0">
@@ -3353,21 +7331,46 @@
           <a:lstStyle/>
           <a:p>
             <a:r>
-              <a:rPr lang="en-SG" b="1" dirty="0"/>
-              <a:t>Average Error =  </a:t>
-            </a:r>
-            <a:r>
-              <a:rPr lang="en-SG" dirty="0"/>
-              <a:t>0.05702117420523973</a:t>
-            </a:r>
-            <a:endParaRPr lang="en-US" dirty="0"/>
+              <a:rPr lang="en-US" sz="2400" b="1" dirty="0"/>
+              <a:t>Genes most affected by non-class specific batch correction</a:t>
+            </a:r>
           </a:p>
         </p:txBody>
       </p:sp>
     </p:spTree>
     <p:extLst>
       <p:ext uri="{BB962C8B-B14F-4D97-AF65-F5344CB8AC3E}">
-        <p14:creationId xmlns:p14="http://schemas.microsoft.com/office/powerpoint/2010/main" val="696649109"/>
+        <p14:creationId xmlns:p14="http://schemas.microsoft.com/office/powerpoint/2010/main" val="2285690134"/>
+      </p:ext>
+    </p:extLst>
+  </p:cSld>
+  <p:clrMapOvr>
+    <a:masterClrMapping/>
+  </p:clrMapOvr>
+</p:sld>
+</file>
+
+<file path=ppt/slides/slide30.xml><?xml version="1.0" encoding="utf-8"?>
+<p:sld xmlns:a="http://schemas.openxmlformats.org/drawingml/2006/main" xmlns:r="http://schemas.openxmlformats.org/officeDocument/2006/relationships" xmlns:p="http://schemas.openxmlformats.org/presentationml/2006/main">
+  <p:cSld>
+    <p:spTree>
+      <p:nvGrpSpPr>
+        <p:cNvPr id="1" name=""/>
+        <p:cNvGrpSpPr/>
+        <p:nvPr/>
+      </p:nvGrpSpPr>
+      <p:grpSpPr>
+        <a:xfrm>
+          <a:off x="0" y="0"/>
+          <a:ext cx="0" cy="0"/>
+          <a:chOff x="0" y="0"/>
+          <a:chExt cx="0" cy="0"/>
+        </a:xfrm>
+      </p:grpSpPr>
+    </p:spTree>
+    <p:extLst>
+      <p:ext uri="{BB962C8B-B14F-4D97-AF65-F5344CB8AC3E}">
+        <p14:creationId xmlns:p14="http://schemas.microsoft.com/office/powerpoint/2010/main" val="2542522205"/>
       </p:ext>
     </p:extLst>
   </p:cSld>
@@ -3394,29 +7397,104 @@
           <a:chExt cx="0" cy="0"/>
         </a:xfrm>
       </p:grpSpPr>
-      <p:sp>
-        <p:nvSpPr>
-          <p:cNvPr id="4" name="TextBox 3">
-            <a:extLst>
-              <a:ext uri="{FF2B5EF4-FFF2-40B4-BE49-F238E27FC236}">
-                <a16:creationId xmlns:a16="http://schemas.microsoft.com/office/drawing/2014/main" id="{000D5EB2-7979-074D-953C-6C473E7E7AC2}"/>
-              </a:ext>
-            </a:extLst>
-          </p:cNvPr>
-          <p:cNvSpPr txBox="1"/>
+      <p:pic>
+        <p:nvPicPr>
+          <p:cNvPr id="5" name="Picture 4" descr="Chart, histogram&#10;&#10;Description automatically generated">
+            <a:extLst>
+              <a:ext uri="{FF2B5EF4-FFF2-40B4-BE49-F238E27FC236}">
+                <a16:creationId xmlns:a16="http://schemas.microsoft.com/office/drawing/2014/main" id="{0A09CC94-E5DA-1047-B784-3A3061A18964}"/>
+              </a:ext>
+            </a:extLst>
+          </p:cNvPr>
+          <p:cNvPicPr>
+            <a:picLocks noChangeAspect="1"/>
+          </p:cNvPicPr>
           <p:nvPr/>
-        </p:nvSpPr>
-        <p:spPr>
-          <a:xfrm>
-            <a:off x="0" y="1544127"/>
-            <a:ext cx="2677064" cy="1477328"/>
+        </p:nvPicPr>
+        <p:blipFill>
+          <a:blip r:embed="rId2"/>
+          <a:stretch>
+            <a:fillRect/>
+          </a:stretch>
+        </p:blipFill>
+        <p:spPr>
+          <a:xfrm>
+            <a:off x="464496" y="1882634"/>
+            <a:ext cx="5138068" cy="3227380"/>
           </a:xfrm>
           <a:prstGeom prst="rect">
             <a:avLst/>
           </a:prstGeom>
-          <a:solidFill>
-            <a:schemeClr val="tx1"/>
-          </a:solidFill>
+        </p:spPr>
+      </p:pic>
+      <p:sp>
+        <p:nvSpPr>
+          <p:cNvPr id="6" name="Content Placeholder 2">
+            <a:extLst>
+              <a:ext uri="{FF2B5EF4-FFF2-40B4-BE49-F238E27FC236}">
+                <a16:creationId xmlns:a16="http://schemas.microsoft.com/office/drawing/2014/main" id="{32A44628-F88A-AB48-BAFF-4B32A425604D}"/>
+              </a:ext>
+            </a:extLst>
+          </p:cNvPr>
+          <p:cNvSpPr>
+            <a:spLocks noGrp="1"/>
+          </p:cNvSpPr>
+          <p:nvPr>
+            <p:ph idx="1"/>
+          </p:nvPr>
+        </p:nvSpPr>
+        <p:spPr>
+          <a:xfrm>
+            <a:off x="232382" y="539376"/>
+            <a:ext cx="11727235" cy="477628"/>
+          </a:xfrm>
+        </p:spPr>
+        <p:txBody>
+          <a:bodyPr>
+            <a:noAutofit/>
+          </a:bodyPr>
+          <a:lstStyle/>
+          <a:p>
+            <a:pPr marL="0" indent="0" algn="ctr">
+              <a:buNone/>
+            </a:pPr>
+            <a:r>
+              <a:rPr lang="en-US" b="1" i="1" dirty="0"/>
+              <a:t>RMSE value distribution of non-normalized versus normalized batch correction</a:t>
+            </a:r>
+          </a:p>
+          <a:p>
+            <a:pPr marL="0" indent="0" algn="ctr">
+              <a:buNone/>
+            </a:pPr>
+            <a:r>
+              <a:rPr lang="en-US" sz="2400" i="1" dirty="0"/>
+              <a:t>(Mean normalization)  </a:t>
+            </a:r>
+          </a:p>
+        </p:txBody>
+      </p:sp>
+      <p:sp>
+        <p:nvSpPr>
+          <p:cNvPr id="9" name="TextBox 8">
+            <a:extLst>
+              <a:ext uri="{FF2B5EF4-FFF2-40B4-BE49-F238E27FC236}">
+                <a16:creationId xmlns:a16="http://schemas.microsoft.com/office/drawing/2014/main" id="{C32CDA27-D80D-3042-9C8D-A7FDDDD71A9C}"/>
+              </a:ext>
+            </a:extLst>
+          </p:cNvPr>
+          <p:cNvSpPr txBox="1"/>
+          <p:nvPr/>
+        </p:nvSpPr>
+        <p:spPr>
+          <a:xfrm>
+            <a:off x="464496" y="5254145"/>
+            <a:ext cx="4878840" cy="400110"/>
+          </a:xfrm>
+          <a:prstGeom prst="rect">
+            <a:avLst/>
+          </a:prstGeom>
+          <a:noFill/>
         </p:spPr>
         <p:txBody>
           <a:bodyPr wrap="square" rtlCol="0">
@@ -3426,63 +7504,18 @@
           <a:p>
             <a:pPr algn="ctr"/>
             <a:r>
-              <a:rPr lang="en-US" b="1" dirty="0">
-                <a:solidFill>
-                  <a:schemeClr val="bg1"/>
-                </a:solidFill>
-              </a:rPr>
-              <a:t>Non-Batch Corrected</a:t>
-            </a:r>
-          </a:p>
-          <a:p>
-            <a:pPr algn="ctr"/>
-            <a:endParaRPr lang="en-US" dirty="0">
-              <a:solidFill>
-                <a:schemeClr val="bg1"/>
-              </a:solidFill>
-            </a:endParaRPr>
-          </a:p>
-          <a:p>
-            <a:pPr algn="ctr"/>
-            <a:r>
-              <a:rPr lang="en-US" dirty="0">
-                <a:solidFill>
-                  <a:schemeClr val="bg1"/>
-                </a:solidFill>
-              </a:rPr>
-              <a:t>Before MTC: 1959</a:t>
-            </a:r>
-          </a:p>
-          <a:p>
-            <a:pPr algn="ctr"/>
-            <a:r>
-              <a:rPr lang="en-US" dirty="0">
-                <a:solidFill>
-                  <a:schemeClr val="bg1"/>
-                </a:solidFill>
-              </a:rPr>
-              <a:t>After MTC: 505 </a:t>
-            </a:r>
-          </a:p>
-          <a:p>
-            <a:pPr algn="ctr"/>
-            <a:r>
-              <a:rPr lang="en-US" dirty="0">
-                <a:solidFill>
-                  <a:schemeClr val="bg1"/>
-                </a:solidFill>
-              </a:rPr>
-              <a:t>Enriched: 83</a:t>
-            </a:r>
-          </a:p>
-        </p:txBody>
-      </p:sp>
-      <p:sp>
-        <p:nvSpPr>
-          <p:cNvPr id="5" name="TextBox 4">
-            <a:extLst>
-              <a:ext uri="{FF2B5EF4-FFF2-40B4-BE49-F238E27FC236}">
-                <a16:creationId xmlns:a16="http://schemas.microsoft.com/office/drawing/2014/main" id="{8FDA6392-E85F-0847-AC43-0F8AED9C6565}"/>
+              <a:rPr lang="en-US" sz="2000" dirty="0"/>
+              <a:t>Non-Mean Normalized</a:t>
+            </a:r>
+          </a:p>
+        </p:txBody>
+      </p:sp>
+      <p:sp>
+        <p:nvSpPr>
+          <p:cNvPr id="10" name="TextBox 9">
+            <a:extLst>
+              <a:ext uri="{FF2B5EF4-FFF2-40B4-BE49-F238E27FC236}">
+                <a16:creationId xmlns:a16="http://schemas.microsoft.com/office/drawing/2014/main" id="{0118D790-FFD3-2046-9648-EF447C2BAF39}"/>
               </a:ext>
             </a:extLst>
           </p:cNvPr>
@@ -3491,15 +7524,13 @@
         </p:nvSpPr>
         <p:spPr>
           <a:xfrm>
-            <a:off x="3103712" y="1544127"/>
-            <a:ext cx="2677064" cy="1477328"/>
+            <a:off x="6637260" y="5254145"/>
+            <a:ext cx="4878840" cy="400110"/>
           </a:xfrm>
           <a:prstGeom prst="rect">
             <a:avLst/>
           </a:prstGeom>
-          <a:solidFill>
-            <a:schemeClr val="tx1"/>
-          </a:solidFill>
+          <a:noFill/>
         </p:spPr>
         <p:txBody>
           <a:bodyPr wrap="square" rtlCol="0">
@@ -3507,60 +7538,20 @@
           </a:bodyPr>
           <a:lstStyle/>
           <a:p>
-            <a:r>
-              <a:rPr lang="en-US" b="1" dirty="0">
-                <a:solidFill>
-                  <a:schemeClr val="bg1"/>
-                </a:solidFill>
-              </a:rPr>
-              <a:t>Batch Corrected</a:t>
-            </a:r>
-          </a:p>
-          <a:p>
-            <a:endParaRPr lang="en-US" b="1" dirty="0">
-              <a:solidFill>
-                <a:schemeClr val="bg1"/>
-              </a:solidFill>
-            </a:endParaRPr>
-          </a:p>
-          <a:p>
-            <a:r>
-              <a:rPr lang="en-US" dirty="0">
-                <a:solidFill>
-                  <a:schemeClr val="bg1"/>
-                </a:solidFill>
-              </a:rPr>
-              <a:t>Before MTC: 1770</a:t>
-            </a:r>
-          </a:p>
-          <a:p>
-            <a:r>
-              <a:rPr lang="en-US" dirty="0">
-                <a:solidFill>
-                  <a:schemeClr val="bg1"/>
-                </a:solidFill>
-              </a:rPr>
-              <a:t>After MTC: 486</a:t>
-            </a:r>
-          </a:p>
-          <a:p>
-            <a:r>
-              <a:rPr lang="en-US" dirty="0">
-                <a:solidFill>
-                  <a:schemeClr val="bg1"/>
-                </a:solidFill>
-              </a:rPr>
-              <a:t>Enriched: 69</a:t>
-            </a:r>
-          </a:p>
-        </p:txBody>
-      </p:sp>
-      <p:sp>
-        <p:nvSpPr>
-          <p:cNvPr id="6" name="TextBox 5">
-            <a:extLst>
-              <a:ext uri="{FF2B5EF4-FFF2-40B4-BE49-F238E27FC236}">
-                <a16:creationId xmlns:a16="http://schemas.microsoft.com/office/drawing/2014/main" id="{A10D63B3-7C8B-C94F-96D8-5C898F019D2A}"/>
+            <a:pPr algn="ctr"/>
+            <a:r>
+              <a:rPr lang="en-US" sz="2000" dirty="0"/>
+              <a:t>Mean Normalized</a:t>
+            </a:r>
+          </a:p>
+        </p:txBody>
+      </p:sp>
+      <p:sp>
+        <p:nvSpPr>
+          <p:cNvPr id="13" name="TextBox 12">
+            <a:extLst>
+              <a:ext uri="{FF2B5EF4-FFF2-40B4-BE49-F238E27FC236}">
+                <a16:creationId xmlns:a16="http://schemas.microsoft.com/office/drawing/2014/main" id="{00246A6D-0DE5-CA44-BA0D-86EEA0BEECC9}"/>
               </a:ext>
             </a:extLst>
           </p:cNvPr>
@@ -3569,15 +7560,13 @@
         </p:nvSpPr>
         <p:spPr>
           <a:xfrm>
-            <a:off x="6309324" y="1544127"/>
-            <a:ext cx="2677064" cy="3187460"/>
+            <a:off x="2400736" y="5856959"/>
+            <a:ext cx="7712202" cy="461665"/>
           </a:xfrm>
           <a:prstGeom prst="rect">
             <a:avLst/>
           </a:prstGeom>
-          <a:solidFill>
-            <a:schemeClr val="tx1"/>
-          </a:solidFill>
+          <a:noFill/>
         </p:spPr>
         <p:txBody>
           <a:bodyPr wrap="square" rtlCol="0">
@@ -3585,48 +7574,48 @@
           </a:bodyPr>
           <a:lstStyle/>
           <a:p>
-            <a:endParaRPr lang="en-US" dirty="0"/>
-          </a:p>
-        </p:txBody>
-      </p:sp>
-      <p:sp>
-        <p:nvSpPr>
-          <p:cNvPr id="7" name="TextBox 6">
-            <a:extLst>
-              <a:ext uri="{FF2B5EF4-FFF2-40B4-BE49-F238E27FC236}">
-                <a16:creationId xmlns:a16="http://schemas.microsoft.com/office/drawing/2014/main" id="{06F3836E-5309-8841-8F32-EBFE31E75117}"/>
-              </a:ext>
-            </a:extLst>
-          </p:cNvPr>
-          <p:cNvSpPr txBox="1"/>
+            <a:pPr algn="ctr"/>
+            <a:r>
+              <a:rPr lang="en-US" sz="2400" dirty="0"/>
+              <a:t>RMSE values are low, so no overcorrection.</a:t>
+            </a:r>
+          </a:p>
+        </p:txBody>
+      </p:sp>
+      <p:pic>
+        <p:nvPicPr>
+          <p:cNvPr id="15" name="Picture 14" descr="Chart, histogram&#10;&#10;Description automatically generated">
+            <a:extLst>
+              <a:ext uri="{FF2B5EF4-FFF2-40B4-BE49-F238E27FC236}">
+                <a16:creationId xmlns:a16="http://schemas.microsoft.com/office/drawing/2014/main" id="{EF183B2B-0ECF-5940-AE43-588A3C397169}"/>
+              </a:ext>
+            </a:extLst>
+          </p:cNvPr>
+          <p:cNvPicPr>
+            <a:picLocks noChangeAspect="1"/>
+          </p:cNvPicPr>
           <p:nvPr/>
-        </p:nvSpPr>
-        <p:spPr>
-          <a:xfrm>
-            <a:off x="9514936" y="1544127"/>
-            <a:ext cx="2677064" cy="3187460"/>
+        </p:nvPicPr>
+        <p:blipFill>
+          <a:blip r:embed="rId3"/>
+          <a:stretch>
+            <a:fillRect/>
+          </a:stretch>
+        </p:blipFill>
+        <p:spPr>
+          <a:xfrm>
+            <a:off x="6438852" y="1831063"/>
+            <a:ext cx="4878840" cy="3278951"/>
           </a:xfrm>
           <a:prstGeom prst="rect">
             <a:avLst/>
           </a:prstGeom>
-          <a:solidFill>
-            <a:schemeClr val="tx1"/>
-          </a:solidFill>
-        </p:spPr>
-        <p:txBody>
-          <a:bodyPr wrap="square" rtlCol="0">
-            <a:spAutoFit/>
-          </a:bodyPr>
-          <a:lstStyle/>
-          <a:p>
-            <a:endParaRPr lang="en-US" dirty="0"/>
-          </a:p>
-        </p:txBody>
-      </p:sp>
+        </p:spPr>
+      </p:pic>
     </p:spTree>
     <p:extLst>
       <p:ext uri="{BB962C8B-B14F-4D97-AF65-F5344CB8AC3E}">
-        <p14:creationId xmlns:p14="http://schemas.microsoft.com/office/powerpoint/2010/main" val="1255378284"/>
+        <p14:creationId xmlns:p14="http://schemas.microsoft.com/office/powerpoint/2010/main" val="991690672"/>
       </p:ext>
     </p:extLst>
   </p:cSld>
@@ -3655,10 +7644,10 @@
       </p:grpSpPr>
       <p:sp>
         <p:nvSpPr>
-          <p:cNvPr id="2" name="Title 1">
-            <a:extLst>
-              <a:ext uri="{FF2B5EF4-FFF2-40B4-BE49-F238E27FC236}">
-                <a16:creationId xmlns:a16="http://schemas.microsoft.com/office/drawing/2014/main" id="{73C84160-1938-B343-993F-244CDBCA009D}"/>
+          <p:cNvPr id="4" name="Content Placeholder 2">
+            <a:extLst>
+              <a:ext uri="{FF2B5EF4-FFF2-40B4-BE49-F238E27FC236}">
+                <a16:creationId xmlns:a16="http://schemas.microsoft.com/office/drawing/2014/main" id="{7C274387-D160-004A-8701-A861FB36A510}"/>
               </a:ext>
             </a:extLst>
           </p:cNvPr>
@@ -3666,34 +7655,37 @@
             <a:spLocks noGrp="1"/>
           </p:cNvSpPr>
           <p:nvPr>
-            <p:ph type="title"/>
+            <p:ph idx="1"/>
           </p:nvPr>
         </p:nvSpPr>
         <p:spPr>
           <a:xfrm>
-            <a:off x="163285" y="159770"/>
-            <a:ext cx="10515600" cy="743745"/>
+            <a:off x="838199" y="546378"/>
+            <a:ext cx="11078817" cy="477628"/>
           </a:xfrm>
         </p:spPr>
         <p:txBody>
           <a:bodyPr>
-            <a:normAutofit/>
+            <a:noAutofit/>
           </a:bodyPr>
           <a:lstStyle/>
           <a:p>
-            <a:r>
-              <a:rPr lang="en-US" sz="3200" dirty="0"/>
-              <a:t>P value distribution</a:t>
+            <a:pPr marL="0" indent="0" algn="ctr">
+              <a:buNone/>
+            </a:pPr>
+            <a:r>
+              <a:rPr lang="en-US" sz="2400" i="1" dirty="0"/>
+              <a:t>Scatterplot of the normalized RMSE values vs mean values</a:t>
             </a:r>
           </a:p>
         </p:txBody>
       </p:sp>
       <p:pic>
         <p:nvPicPr>
-          <p:cNvPr id="5" name="Picture 4" descr="Chart&#10;&#10;Description automatically generated">
-            <a:extLst>
-              <a:ext uri="{FF2B5EF4-FFF2-40B4-BE49-F238E27FC236}">
-                <a16:creationId xmlns:a16="http://schemas.microsoft.com/office/drawing/2014/main" id="{0A43FBFC-04A9-204B-A287-FEE9E7779DD1}"/>
+          <p:cNvPr id="6" name="Picture 5" descr="Chart, scatter chart&#10;&#10;Description automatically generated">
+            <a:extLst>
+              <a:ext uri="{FF2B5EF4-FFF2-40B4-BE49-F238E27FC236}">
+                <a16:creationId xmlns:a16="http://schemas.microsoft.com/office/drawing/2014/main" id="{057B75D3-A845-2540-AD67-38ABD9A8455E}"/>
               </a:ext>
             </a:extLst>
           </p:cNvPr>
@@ -3710,8 +7702,8 @@
         </p:blipFill>
         <p:spPr>
           <a:xfrm>
-            <a:off x="2576356" y="2026219"/>
-            <a:ext cx="7039287" cy="4672011"/>
+            <a:off x="3028534" y="1150124"/>
+            <a:ext cx="6698146" cy="4259577"/>
           </a:xfrm>
           <a:prstGeom prst="rect">
             <a:avLst/>
@@ -3720,10 +7712,10 @@
       </p:pic>
       <p:sp>
         <p:nvSpPr>
-          <p:cNvPr id="6" name="TextBox 5">
-            <a:extLst>
-              <a:ext uri="{FF2B5EF4-FFF2-40B4-BE49-F238E27FC236}">
-                <a16:creationId xmlns:a16="http://schemas.microsoft.com/office/drawing/2014/main" id="{3B832D52-8F35-EE47-B380-558B0AAB4D6F}"/>
+          <p:cNvPr id="7" name="TextBox 6">
+            <a:extLst>
+              <a:ext uri="{FF2B5EF4-FFF2-40B4-BE49-F238E27FC236}">
+                <a16:creationId xmlns:a16="http://schemas.microsoft.com/office/drawing/2014/main" id="{E4C85051-B7FF-A748-98C5-04E99FE5776F}"/>
               </a:ext>
             </a:extLst>
           </p:cNvPr>
@@ -3732,8 +7724,8 @@
         </p:nvSpPr>
         <p:spPr>
           <a:xfrm>
-            <a:off x="2752298" y="1424729"/>
-            <a:ext cx="6687402" cy="461665"/>
+            <a:off x="1884541" y="5535819"/>
+            <a:ext cx="8986132" cy="830997"/>
           </a:xfrm>
           <a:prstGeom prst="rect">
             <a:avLst/>
@@ -3748,51 +7740,27 @@
           <a:p>
             <a:pPr algn="ctr"/>
             <a:r>
-              <a:rPr lang="en-US" sz="2400" b="1" dirty="0"/>
-              <a:t>Post-MTC p-value distribution of the protein genes</a:t>
-            </a:r>
-          </a:p>
-        </p:txBody>
-      </p:sp>
-      <p:sp>
-        <p:nvSpPr>
-          <p:cNvPr id="7" name="Rectangle 6">
-            <a:extLst>
-              <a:ext uri="{FF2B5EF4-FFF2-40B4-BE49-F238E27FC236}">
-                <a16:creationId xmlns:a16="http://schemas.microsoft.com/office/drawing/2014/main" id="{0182F7F2-08DA-CE4E-BC92-A50F85995C1F}"/>
-              </a:ext>
-            </a:extLst>
-          </p:cNvPr>
-          <p:cNvSpPr/>
-          <p:nvPr/>
-        </p:nvSpPr>
-        <p:spPr>
-          <a:xfrm>
-            <a:off x="4921640" y="3244334"/>
-            <a:ext cx="2348720" cy="369332"/>
-          </a:xfrm>
-          <a:prstGeom prst="rect">
-            <a:avLst/>
-          </a:prstGeom>
-        </p:spPr>
-        <p:txBody>
-          <a:bodyPr wrap="none">
-            <a:spAutoFit/>
-          </a:bodyPr>
-          <a:lstStyle/>
-          <a:p>
-            <a:r>
-              <a:rPr lang="en-SG" dirty="0"/>
-              <a:t>0.05702117420523973</a:t>
-            </a:r>
-            <a:endParaRPr lang="en-US" dirty="0"/>
+              <a:rPr lang="en-US" sz="2400" dirty="0" err="1"/>
+              <a:t>Normalised</a:t>
+            </a:r>
+            <a:r>
+              <a:rPr lang="en-US" sz="2400" dirty="0"/>
+              <a:t> RMSE values did not correlate with the mean values</a:t>
+            </a:r>
+          </a:p>
+          <a:p>
+            <a:pPr algn="ctr"/>
+            <a:r>
+              <a:rPr lang="en-US" sz="2400" dirty="0"/>
+              <a:t>Normalization not very useful in this case</a:t>
+            </a:r>
           </a:p>
         </p:txBody>
       </p:sp>
     </p:spTree>
     <p:extLst>
       <p:ext uri="{BB962C8B-B14F-4D97-AF65-F5344CB8AC3E}">
-        <p14:creationId xmlns:p14="http://schemas.microsoft.com/office/powerpoint/2010/main" val="4253231963"/>
+        <p14:creationId xmlns:p14="http://schemas.microsoft.com/office/powerpoint/2010/main" val="3714763263"/>
       </p:ext>
     </p:extLst>
   </p:cSld>
@@ -3821,10 +7789,386 @@
       </p:grpSpPr>
       <p:sp>
         <p:nvSpPr>
+          <p:cNvPr id="4" name="TextBox 3">
+            <a:extLst>
+              <a:ext uri="{FF2B5EF4-FFF2-40B4-BE49-F238E27FC236}">
+                <a16:creationId xmlns:a16="http://schemas.microsoft.com/office/drawing/2014/main" id="{000D5EB2-7979-074D-953C-6C473E7E7AC2}"/>
+              </a:ext>
+            </a:extLst>
+          </p:cNvPr>
+          <p:cNvSpPr txBox="1"/>
+          <p:nvPr/>
+        </p:nvSpPr>
+        <p:spPr>
+          <a:xfrm>
+            <a:off x="0" y="2282791"/>
+            <a:ext cx="2677064" cy="1477328"/>
+          </a:xfrm>
+          <a:prstGeom prst="rect">
+            <a:avLst/>
+          </a:prstGeom>
+          <a:solidFill>
+            <a:schemeClr val="tx1"/>
+          </a:solidFill>
+        </p:spPr>
+        <p:txBody>
+          <a:bodyPr wrap="square" rtlCol="0">
+            <a:spAutoFit/>
+          </a:bodyPr>
+          <a:lstStyle/>
+          <a:p>
+            <a:pPr algn="ctr"/>
+            <a:r>
+              <a:rPr lang="en-US" b="1" dirty="0">
+                <a:solidFill>
+                  <a:schemeClr val="bg1"/>
+                </a:solidFill>
+              </a:rPr>
+              <a:t>Non-Batch Corrected</a:t>
+            </a:r>
+          </a:p>
+          <a:p>
+            <a:pPr algn="ctr"/>
+            <a:endParaRPr lang="en-US" dirty="0">
+              <a:solidFill>
+                <a:schemeClr val="bg1"/>
+              </a:solidFill>
+            </a:endParaRPr>
+          </a:p>
+          <a:p>
+            <a:pPr algn="ctr"/>
+            <a:r>
+              <a:rPr lang="en-US" dirty="0">
+                <a:solidFill>
+                  <a:schemeClr val="bg1"/>
+                </a:solidFill>
+              </a:rPr>
+              <a:t>Before MTC: 1959</a:t>
+            </a:r>
+          </a:p>
+          <a:p>
+            <a:pPr algn="ctr"/>
+            <a:r>
+              <a:rPr lang="en-US" dirty="0">
+                <a:solidFill>
+                  <a:schemeClr val="bg1"/>
+                </a:solidFill>
+              </a:rPr>
+              <a:t>After MTC: 505 </a:t>
+            </a:r>
+          </a:p>
+          <a:p>
+            <a:pPr algn="ctr"/>
+            <a:r>
+              <a:rPr lang="en-US" dirty="0">
+                <a:solidFill>
+                  <a:schemeClr val="bg1"/>
+                </a:solidFill>
+              </a:rPr>
+              <a:t>Enriched: 83</a:t>
+            </a:r>
+          </a:p>
+        </p:txBody>
+      </p:sp>
+      <p:sp>
+        <p:nvSpPr>
+          <p:cNvPr id="5" name="TextBox 4">
+            <a:extLst>
+              <a:ext uri="{FF2B5EF4-FFF2-40B4-BE49-F238E27FC236}">
+                <a16:creationId xmlns:a16="http://schemas.microsoft.com/office/drawing/2014/main" id="{8FDA6392-E85F-0847-AC43-0F8AED9C6565}"/>
+              </a:ext>
+            </a:extLst>
+          </p:cNvPr>
+          <p:cNvSpPr txBox="1"/>
+          <p:nvPr/>
+        </p:nvSpPr>
+        <p:spPr>
+          <a:xfrm>
+            <a:off x="3103712" y="2248284"/>
+            <a:ext cx="2677064" cy="1477328"/>
+          </a:xfrm>
+          <a:prstGeom prst="rect">
+            <a:avLst/>
+          </a:prstGeom>
+          <a:solidFill>
+            <a:schemeClr val="tx1"/>
+          </a:solidFill>
+        </p:spPr>
+        <p:txBody>
+          <a:bodyPr wrap="square" rtlCol="0">
+            <a:spAutoFit/>
+          </a:bodyPr>
+          <a:lstStyle/>
+          <a:p>
+            <a:pPr algn="ctr"/>
+            <a:r>
+              <a:rPr lang="en-US" b="1" dirty="0">
+                <a:solidFill>
+                  <a:schemeClr val="bg1"/>
+                </a:solidFill>
+              </a:rPr>
+              <a:t>Batch Corrected</a:t>
+            </a:r>
+          </a:p>
+          <a:p>
+            <a:pPr algn="ctr"/>
+            <a:endParaRPr lang="en-US" dirty="0">
+              <a:solidFill>
+                <a:schemeClr val="bg1"/>
+              </a:solidFill>
+            </a:endParaRPr>
+          </a:p>
+          <a:p>
+            <a:pPr algn="ctr"/>
+            <a:r>
+              <a:rPr lang="en-US" dirty="0">
+                <a:solidFill>
+                  <a:schemeClr val="bg1"/>
+                </a:solidFill>
+              </a:rPr>
+              <a:t>Before MTC: 1770</a:t>
+            </a:r>
+          </a:p>
+          <a:p>
+            <a:pPr algn="ctr"/>
+            <a:r>
+              <a:rPr lang="en-US" dirty="0">
+                <a:solidFill>
+                  <a:schemeClr val="bg1"/>
+                </a:solidFill>
+              </a:rPr>
+              <a:t>After MTC: 486</a:t>
+            </a:r>
+          </a:p>
+          <a:p>
+            <a:pPr algn="ctr"/>
+            <a:r>
+              <a:rPr lang="en-US" dirty="0">
+                <a:solidFill>
+                  <a:schemeClr val="bg1"/>
+                </a:solidFill>
+              </a:rPr>
+              <a:t>Enriched: 69</a:t>
+            </a:r>
+          </a:p>
+        </p:txBody>
+      </p:sp>
+      <p:sp>
+        <p:nvSpPr>
+          <p:cNvPr id="6" name="TextBox 5">
+            <a:extLst>
+              <a:ext uri="{FF2B5EF4-FFF2-40B4-BE49-F238E27FC236}">
+                <a16:creationId xmlns:a16="http://schemas.microsoft.com/office/drawing/2014/main" id="{A10D63B3-7C8B-C94F-96D8-5C898F019D2A}"/>
+              </a:ext>
+            </a:extLst>
+          </p:cNvPr>
+          <p:cNvSpPr txBox="1"/>
+          <p:nvPr/>
+        </p:nvSpPr>
+        <p:spPr>
+          <a:xfrm>
+            <a:off x="6309324" y="2256909"/>
+            <a:ext cx="2677064" cy="1754326"/>
+          </a:xfrm>
+          <a:prstGeom prst="rect">
+            <a:avLst/>
+          </a:prstGeom>
+          <a:solidFill>
+            <a:schemeClr val="tx1"/>
+          </a:solidFill>
+        </p:spPr>
+        <p:txBody>
+          <a:bodyPr wrap="square" rtlCol="0">
+            <a:spAutoFit/>
+          </a:bodyPr>
+          <a:lstStyle/>
+          <a:p>
+            <a:pPr algn="ctr"/>
+            <a:r>
+              <a:rPr lang="en-US" b="1" dirty="0">
+                <a:solidFill>
+                  <a:schemeClr val="bg1"/>
+                </a:solidFill>
+              </a:rPr>
+              <a:t>Class Specific </a:t>
+            </a:r>
+          </a:p>
+          <a:p>
+            <a:pPr algn="ctr"/>
+            <a:r>
+              <a:rPr lang="en-US" b="1" dirty="0">
+                <a:solidFill>
+                  <a:schemeClr val="bg1"/>
+                </a:solidFill>
+              </a:rPr>
+              <a:t>Batch Corrected</a:t>
+            </a:r>
+          </a:p>
+          <a:p>
+            <a:pPr algn="ctr"/>
+            <a:endParaRPr lang="en-US" dirty="0">
+              <a:solidFill>
+                <a:schemeClr val="bg1"/>
+              </a:solidFill>
+            </a:endParaRPr>
+          </a:p>
+          <a:p>
+            <a:pPr algn="ctr"/>
+            <a:r>
+              <a:rPr lang="en-US" dirty="0">
+                <a:solidFill>
+                  <a:schemeClr val="bg1"/>
+                </a:solidFill>
+              </a:rPr>
+              <a:t>Before MTC: 1747</a:t>
+            </a:r>
+          </a:p>
+          <a:p>
+            <a:pPr algn="ctr"/>
+            <a:r>
+              <a:rPr lang="en-US" dirty="0">
+                <a:solidFill>
+                  <a:schemeClr val="bg1"/>
+                </a:solidFill>
+              </a:rPr>
+              <a:t>After MTC: 480</a:t>
+            </a:r>
+          </a:p>
+          <a:p>
+            <a:pPr algn="ctr"/>
+            <a:r>
+              <a:rPr lang="en-US" dirty="0">
+                <a:solidFill>
+                  <a:schemeClr val="bg1"/>
+                </a:solidFill>
+              </a:rPr>
+              <a:t>Enriched: 44</a:t>
+            </a:r>
+          </a:p>
+        </p:txBody>
+      </p:sp>
+      <p:sp>
+        <p:nvSpPr>
+          <p:cNvPr id="7" name="TextBox 6">
+            <a:extLst>
+              <a:ext uri="{FF2B5EF4-FFF2-40B4-BE49-F238E27FC236}">
+                <a16:creationId xmlns:a16="http://schemas.microsoft.com/office/drawing/2014/main" id="{06F3836E-5309-8841-8F32-EBFE31E75117}"/>
+              </a:ext>
+            </a:extLst>
+          </p:cNvPr>
+          <p:cNvSpPr txBox="1"/>
+          <p:nvPr/>
+        </p:nvSpPr>
+        <p:spPr>
+          <a:xfrm>
+            <a:off x="9514936" y="2239656"/>
+            <a:ext cx="2677064" cy="2031325"/>
+          </a:xfrm>
+          <a:prstGeom prst="rect">
+            <a:avLst/>
+          </a:prstGeom>
+          <a:solidFill>
+            <a:schemeClr val="tx1"/>
+          </a:solidFill>
+        </p:spPr>
+        <p:txBody>
+          <a:bodyPr wrap="square" rtlCol="0">
+            <a:spAutoFit/>
+          </a:bodyPr>
+          <a:lstStyle/>
+          <a:p>
+            <a:pPr algn="ctr"/>
+            <a:r>
+              <a:rPr lang="en-US" b="1" dirty="0">
+                <a:solidFill>
+                  <a:schemeClr val="bg1"/>
+                </a:solidFill>
+              </a:rPr>
+              <a:t>CS Quantile Normalization + CS Batch Corrected</a:t>
+            </a:r>
+          </a:p>
+          <a:p>
+            <a:pPr algn="ctr"/>
+            <a:endParaRPr lang="en-US" dirty="0">
+              <a:solidFill>
+                <a:schemeClr val="bg1"/>
+              </a:solidFill>
+            </a:endParaRPr>
+          </a:p>
+          <a:p>
+            <a:pPr algn="ctr"/>
+            <a:r>
+              <a:rPr lang="en-US" dirty="0">
+                <a:solidFill>
+                  <a:schemeClr val="bg1"/>
+                </a:solidFill>
+              </a:rPr>
+              <a:t>Before MTC: 1953</a:t>
+            </a:r>
+          </a:p>
+          <a:p>
+            <a:pPr algn="ctr"/>
+            <a:r>
+              <a:rPr lang="en-US" dirty="0">
+                <a:solidFill>
+                  <a:schemeClr val="bg1"/>
+                </a:solidFill>
+              </a:rPr>
+              <a:t>After MTC: 615</a:t>
+            </a:r>
+          </a:p>
+          <a:p>
+            <a:pPr algn="ctr"/>
+            <a:r>
+              <a:rPr lang="en-US" dirty="0">
+                <a:solidFill>
+                  <a:schemeClr val="bg1"/>
+                </a:solidFill>
+              </a:rPr>
+              <a:t>Enriched: 147</a:t>
+            </a:r>
+          </a:p>
+          <a:p>
+            <a:endParaRPr lang="en-US" dirty="0"/>
+          </a:p>
+        </p:txBody>
+      </p:sp>
+    </p:spTree>
+    <p:extLst>
+      <p:ext uri="{BB962C8B-B14F-4D97-AF65-F5344CB8AC3E}">
+        <p14:creationId xmlns:p14="http://schemas.microsoft.com/office/powerpoint/2010/main" val="1255378284"/>
+      </p:ext>
+    </p:extLst>
+  </p:cSld>
+  <p:clrMapOvr>
+    <a:masterClrMapping/>
+  </p:clrMapOvr>
+</p:sld>
+</file>
+
+<file path=ppt/slides/slide7.xml><?xml version="1.0" encoding="utf-8"?>
+<p:sld xmlns:a="http://schemas.openxmlformats.org/drawingml/2006/main" xmlns:r="http://schemas.openxmlformats.org/officeDocument/2006/relationships" xmlns:p="http://schemas.openxmlformats.org/presentationml/2006/main">
+  <p:cSld>
+    <p:spTree>
+      <p:nvGrpSpPr>
+        <p:cNvPr id="1" name=""/>
+        <p:cNvGrpSpPr/>
+        <p:nvPr/>
+      </p:nvGrpSpPr>
+      <p:grpSpPr>
+        <a:xfrm>
+          <a:off x="0" y="0"/>
+          <a:ext cx="0" cy="0"/>
+          <a:chOff x="0" y="0"/>
+          <a:chExt cx="0" cy="0"/>
+        </a:xfrm>
+      </p:grpSpPr>
+      <p:sp>
+        <p:nvSpPr>
           <p:cNvPr id="2" name="Title 1">
             <a:extLst>
               <a:ext uri="{FF2B5EF4-FFF2-40B4-BE49-F238E27FC236}">
-                <a16:creationId xmlns:a16="http://schemas.microsoft.com/office/drawing/2014/main" id="{73C84160-1938-B343-993F-244CDBCA009D}"/>
+                <a16:creationId xmlns:a16="http://schemas.microsoft.com/office/drawing/2014/main" id="{BA5CD43D-15AC-4349-A508-2F857C6072F5}"/>
               </a:ext>
             </a:extLst>
           </p:cNvPr>
@@ -3835,67 +8179,25 @@
             <p:ph type="title"/>
           </p:nvPr>
         </p:nvSpPr>
-        <p:spPr>
-          <a:xfrm>
-            <a:off x="163285" y="159770"/>
-            <a:ext cx="10515600" cy="743745"/>
-          </a:xfrm>
-        </p:spPr>
-        <p:txBody>
-          <a:bodyPr>
-            <a:normAutofit/>
-          </a:bodyPr>
-          <a:lstStyle/>
-          <a:p>
-            <a:r>
-              <a:rPr lang="en-US" sz="3200" dirty="0"/>
-              <a:t>P value distribution</a:t>
-            </a:r>
-          </a:p>
-        </p:txBody>
-      </p:sp>
-      <p:sp>
-        <p:nvSpPr>
-          <p:cNvPr id="6" name="TextBox 5">
-            <a:extLst>
-              <a:ext uri="{FF2B5EF4-FFF2-40B4-BE49-F238E27FC236}">
-                <a16:creationId xmlns:a16="http://schemas.microsoft.com/office/drawing/2014/main" id="{3B832D52-8F35-EE47-B380-558B0AAB4D6F}"/>
-              </a:ext>
-            </a:extLst>
-          </p:cNvPr>
-          <p:cNvSpPr txBox="1"/>
-          <p:nvPr/>
-        </p:nvSpPr>
-        <p:spPr>
-          <a:xfrm>
-            <a:off x="2752298" y="1424729"/>
-            <a:ext cx="6687402" cy="461665"/>
-          </a:xfrm>
-          <a:prstGeom prst="rect">
-            <a:avLst/>
-          </a:prstGeom>
-          <a:noFill/>
-        </p:spPr>
-        <p:txBody>
-          <a:bodyPr wrap="square" rtlCol="0">
-            <a:spAutoFit/>
-          </a:bodyPr>
-          <a:lstStyle/>
-          <a:p>
-            <a:pPr algn="ctr"/>
-            <a:r>
-              <a:rPr lang="en-US" sz="2400" b="1" dirty="0"/>
-              <a:t>Enriched p-value distribution of the protein genes</a:t>
+        <p:spPr/>
+        <p:txBody>
+          <a:bodyPr/>
+          <a:lstStyle/>
+          <a:p>
+            <a:pPr algn="ctr"/>
+            <a:r>
+              <a:rPr lang="en-US" dirty="0"/>
+              <a:t>Jaccard Index of T-test p values </a:t>
             </a:r>
           </a:p>
         </p:txBody>
       </p:sp>
       <p:pic>
         <p:nvPicPr>
-          <p:cNvPr id="4" name="Picture 3" descr="Chart, line chart&#10;&#10;Description automatically generated">
-            <a:extLst>
-              <a:ext uri="{FF2B5EF4-FFF2-40B4-BE49-F238E27FC236}">
-                <a16:creationId xmlns:a16="http://schemas.microsoft.com/office/drawing/2014/main" id="{2FD8F5AE-2CFE-BB44-A91F-60393DEC9283}"/>
+          <p:cNvPr id="5" name="Picture 4" descr="Text&#10;&#10;Description automatically generated">
+            <a:extLst>
+              <a:ext uri="{FF2B5EF4-FFF2-40B4-BE49-F238E27FC236}">
+                <a16:creationId xmlns:a16="http://schemas.microsoft.com/office/drawing/2014/main" id="{1D133CC0-C40A-B241-BDDD-C70AFB3E0ECF}"/>
               </a:ext>
             </a:extLst>
           </p:cNvPr>
@@ -3912,8 +8214,8 @@
         </p:blipFill>
         <p:spPr>
           <a:xfrm>
-            <a:off x="2586038" y="2003425"/>
-            <a:ext cx="7300912" cy="4440238"/>
+            <a:off x="0" y="2514600"/>
+            <a:ext cx="12192000" cy="1828800"/>
           </a:xfrm>
           <a:prstGeom prst="rect">
             <a:avLst/>
@@ -3923,7 +8225,300 @@
     </p:spTree>
     <p:extLst>
       <p:ext uri="{BB962C8B-B14F-4D97-AF65-F5344CB8AC3E}">
-        <p14:creationId xmlns:p14="http://schemas.microsoft.com/office/powerpoint/2010/main" val="59482177"/>
+        <p14:creationId xmlns:p14="http://schemas.microsoft.com/office/powerpoint/2010/main" val="585302484"/>
+      </p:ext>
+    </p:extLst>
+  </p:cSld>
+  <p:clrMapOvr>
+    <a:masterClrMapping/>
+  </p:clrMapOvr>
+</p:sld>
+</file>
+
+<file path=ppt/slides/slide8.xml><?xml version="1.0" encoding="utf-8"?>
+<p:sld xmlns:a="http://schemas.openxmlformats.org/drawingml/2006/main" xmlns:r="http://schemas.openxmlformats.org/officeDocument/2006/relationships" xmlns:p="http://schemas.openxmlformats.org/presentationml/2006/main">
+  <p:cSld>
+    <p:spTree>
+      <p:nvGrpSpPr>
+        <p:cNvPr id="1" name=""/>
+        <p:cNvGrpSpPr/>
+        <p:nvPr/>
+      </p:nvGrpSpPr>
+      <p:grpSpPr>
+        <a:xfrm>
+          <a:off x="0" y="0"/>
+          <a:ext cx="0" cy="0"/>
+          <a:chOff x="0" y="0"/>
+          <a:chExt cx="0" cy="0"/>
+        </a:xfrm>
+      </p:grpSpPr>
+      <p:sp>
+        <p:nvSpPr>
+          <p:cNvPr id="6" name="TextBox 5">
+            <a:extLst>
+              <a:ext uri="{FF2B5EF4-FFF2-40B4-BE49-F238E27FC236}">
+                <a16:creationId xmlns:a16="http://schemas.microsoft.com/office/drawing/2014/main" id="{541CEAD5-9C1A-ED48-8A2E-43FBE3609459}"/>
+              </a:ext>
+            </a:extLst>
+          </p:cNvPr>
+          <p:cNvSpPr txBox="1"/>
+          <p:nvPr/>
+        </p:nvSpPr>
+        <p:spPr>
+          <a:xfrm>
+            <a:off x="4352925" y="314264"/>
+            <a:ext cx="3486150" cy="400110"/>
+          </a:xfrm>
+          <a:prstGeom prst="rect">
+            <a:avLst/>
+          </a:prstGeom>
+          <a:noFill/>
+        </p:spPr>
+        <p:txBody>
+          <a:bodyPr wrap="square" rtlCol="0">
+            <a:spAutoFit/>
+          </a:bodyPr>
+          <a:lstStyle/>
+          <a:p>
+            <a:pPr algn="ctr"/>
+            <a:r>
+              <a:rPr lang="en-US" sz="2000" dirty="0"/>
+              <a:t>Non-Batch Corrected Data</a:t>
+            </a:r>
+          </a:p>
+        </p:txBody>
+      </p:sp>
+      <p:pic>
+        <p:nvPicPr>
+          <p:cNvPr id="8" name="Picture 7" descr="Chart, scatter chart&#10;&#10;Description automatically generated">
+            <a:extLst>
+              <a:ext uri="{FF2B5EF4-FFF2-40B4-BE49-F238E27FC236}">
+                <a16:creationId xmlns:a16="http://schemas.microsoft.com/office/drawing/2014/main" id="{BC2F9C7B-39C5-FA4E-9A37-CCAFAC1DA3F5}"/>
+              </a:ext>
+            </a:extLst>
+          </p:cNvPr>
+          <p:cNvPicPr>
+            <a:picLocks noChangeAspect="1"/>
+          </p:cNvPicPr>
+          <p:nvPr/>
+        </p:nvPicPr>
+        <p:blipFill>
+          <a:blip r:embed="rId2"/>
+          <a:stretch>
+            <a:fillRect/>
+          </a:stretch>
+        </p:blipFill>
+        <p:spPr>
+          <a:xfrm>
+            <a:off x="3316139" y="875946"/>
+            <a:ext cx="5559721" cy="5538581"/>
+          </a:xfrm>
+          <a:prstGeom prst="rect">
+            <a:avLst/>
+          </a:prstGeom>
+        </p:spPr>
+      </p:pic>
+    </p:spTree>
+    <p:extLst>
+      <p:ext uri="{BB962C8B-B14F-4D97-AF65-F5344CB8AC3E}">
+        <p14:creationId xmlns:p14="http://schemas.microsoft.com/office/powerpoint/2010/main" val="2537932597"/>
+      </p:ext>
+    </p:extLst>
+  </p:cSld>
+  <p:clrMapOvr>
+    <a:masterClrMapping/>
+  </p:clrMapOvr>
+</p:sld>
+</file>
+
+<file path=ppt/slides/slide9.xml><?xml version="1.0" encoding="utf-8"?>
+<p:sld xmlns:a="http://schemas.openxmlformats.org/drawingml/2006/main" xmlns:r="http://schemas.openxmlformats.org/officeDocument/2006/relationships" xmlns:p="http://schemas.openxmlformats.org/presentationml/2006/main">
+  <p:cSld>
+    <p:spTree>
+      <p:nvGrpSpPr>
+        <p:cNvPr id="1" name=""/>
+        <p:cNvGrpSpPr/>
+        <p:nvPr/>
+      </p:nvGrpSpPr>
+      <p:grpSpPr>
+        <a:xfrm>
+          <a:off x="0" y="0"/>
+          <a:ext cx="0" cy="0"/>
+          <a:chOff x="0" y="0"/>
+          <a:chExt cx="0" cy="0"/>
+        </a:xfrm>
+      </p:grpSpPr>
+      <p:pic>
+        <p:nvPicPr>
+          <p:cNvPr id="5" name="Picture 4" descr="Chart, scatter chart&#10;&#10;Description automatically generated">
+            <a:extLst>
+              <a:ext uri="{FF2B5EF4-FFF2-40B4-BE49-F238E27FC236}">
+                <a16:creationId xmlns:a16="http://schemas.microsoft.com/office/drawing/2014/main" id="{A91DD174-64B7-7D42-B2E9-8FC18C172EBA}"/>
+              </a:ext>
+            </a:extLst>
+          </p:cNvPr>
+          <p:cNvPicPr>
+            <a:picLocks noChangeAspect="1"/>
+          </p:cNvPicPr>
+          <p:nvPr/>
+        </p:nvPicPr>
+        <p:blipFill>
+          <a:blip r:embed="rId2"/>
+          <a:stretch>
+            <a:fillRect/>
+          </a:stretch>
+        </p:blipFill>
+        <p:spPr>
+          <a:xfrm>
+            <a:off x="6424613" y="942974"/>
+            <a:ext cx="5279186" cy="5229225"/>
+          </a:xfrm>
+          <a:prstGeom prst="rect">
+            <a:avLst/>
+          </a:prstGeom>
+        </p:spPr>
+      </p:pic>
+      <p:sp>
+        <p:nvSpPr>
+          <p:cNvPr id="6" name="TextBox 5">
+            <a:extLst>
+              <a:ext uri="{FF2B5EF4-FFF2-40B4-BE49-F238E27FC236}">
+                <a16:creationId xmlns:a16="http://schemas.microsoft.com/office/drawing/2014/main" id="{4E2C1F74-D732-EA43-97F5-AA89774D967C}"/>
+              </a:ext>
+            </a:extLst>
+          </p:cNvPr>
+          <p:cNvSpPr txBox="1"/>
+          <p:nvPr/>
+        </p:nvSpPr>
+        <p:spPr>
+          <a:xfrm>
+            <a:off x="7575777" y="485746"/>
+            <a:ext cx="3486150" cy="400110"/>
+          </a:xfrm>
+          <a:prstGeom prst="rect">
+            <a:avLst/>
+          </a:prstGeom>
+          <a:noFill/>
+        </p:spPr>
+        <p:txBody>
+          <a:bodyPr wrap="square" rtlCol="0">
+            <a:spAutoFit/>
+          </a:bodyPr>
+          <a:lstStyle/>
+          <a:p>
+            <a:pPr algn="ctr"/>
+            <a:r>
+              <a:rPr lang="en-US" sz="2000" dirty="0"/>
+              <a:t>Class Specific Batch Correction </a:t>
+            </a:r>
+          </a:p>
+        </p:txBody>
+      </p:sp>
+      <p:sp>
+        <p:nvSpPr>
+          <p:cNvPr id="7" name="TextBox 6">
+            <a:extLst>
+              <a:ext uri="{FF2B5EF4-FFF2-40B4-BE49-F238E27FC236}">
+                <a16:creationId xmlns:a16="http://schemas.microsoft.com/office/drawing/2014/main" id="{C85DA0B8-2479-0F49-AFA7-90FBA58FA7DA}"/>
+              </a:ext>
+            </a:extLst>
+          </p:cNvPr>
+          <p:cNvSpPr txBox="1"/>
+          <p:nvPr/>
+        </p:nvSpPr>
+        <p:spPr>
+          <a:xfrm>
+            <a:off x="574903" y="542864"/>
+            <a:ext cx="4878840" cy="400110"/>
+          </a:xfrm>
+          <a:prstGeom prst="rect">
+            <a:avLst/>
+          </a:prstGeom>
+          <a:noFill/>
+        </p:spPr>
+        <p:txBody>
+          <a:bodyPr wrap="square" rtlCol="0">
+            <a:spAutoFit/>
+          </a:bodyPr>
+          <a:lstStyle/>
+          <a:p>
+            <a:pPr algn="ctr"/>
+            <a:r>
+              <a:rPr lang="en-US" sz="2000" dirty="0"/>
+              <a:t>Non-Class Specific Batch Correction </a:t>
+            </a:r>
+          </a:p>
+        </p:txBody>
+      </p:sp>
+      <p:pic>
+        <p:nvPicPr>
+          <p:cNvPr id="9" name="Picture 8" descr="Chart, scatter chart&#10;&#10;Description automatically generated">
+            <a:extLst>
+              <a:ext uri="{FF2B5EF4-FFF2-40B4-BE49-F238E27FC236}">
+                <a16:creationId xmlns:a16="http://schemas.microsoft.com/office/drawing/2014/main" id="{6C2011BE-7A7B-A04D-98BC-9C7FD6CE58D0}"/>
+              </a:ext>
+            </a:extLst>
+          </p:cNvPr>
+          <p:cNvPicPr>
+            <a:picLocks noChangeAspect="1"/>
+          </p:cNvPicPr>
+          <p:nvPr/>
+        </p:nvPicPr>
+        <p:blipFill>
+          <a:blip r:embed="rId3"/>
+          <a:stretch>
+            <a:fillRect/>
+          </a:stretch>
+        </p:blipFill>
+        <p:spPr>
+          <a:xfrm>
+            <a:off x="488201" y="966867"/>
+            <a:ext cx="5279186" cy="5148214"/>
+          </a:xfrm>
+          <a:prstGeom prst="rect">
+            <a:avLst/>
+          </a:prstGeom>
+        </p:spPr>
+      </p:pic>
+      <p:sp>
+        <p:nvSpPr>
+          <p:cNvPr id="10" name="TextBox 9">
+            <a:extLst>
+              <a:ext uri="{FF2B5EF4-FFF2-40B4-BE49-F238E27FC236}">
+                <a16:creationId xmlns:a16="http://schemas.microsoft.com/office/drawing/2014/main" id="{E3AEFAB0-81A4-5D47-8FC8-599846774342}"/>
+              </a:ext>
+            </a:extLst>
+          </p:cNvPr>
+          <p:cNvSpPr txBox="1"/>
+          <p:nvPr/>
+        </p:nvSpPr>
+        <p:spPr>
+          <a:xfrm>
+            <a:off x="1406106" y="6245525"/>
+            <a:ext cx="3053751" cy="369332"/>
+          </a:xfrm>
+          <a:prstGeom prst="rect">
+            <a:avLst/>
+          </a:prstGeom>
+          <a:noFill/>
+        </p:spPr>
+        <p:txBody>
+          <a:bodyPr wrap="square" rtlCol="0">
+            <a:spAutoFit/>
+          </a:bodyPr>
+          <a:lstStyle/>
+          <a:p>
+            <a:r>
+              <a:rPr lang="en-US" dirty="0"/>
+              <a:t>Subpopulation: Patient 2 and 8</a:t>
+            </a:r>
+          </a:p>
+        </p:txBody>
+      </p:sp>
+    </p:spTree>
+    <p:extLst>
+      <p:ext uri="{BB962C8B-B14F-4D97-AF65-F5344CB8AC3E}">
+        <p14:creationId xmlns:p14="http://schemas.microsoft.com/office/powerpoint/2010/main" val="2381733806"/>
       </p:ext>
     </p:extLst>
   </p:cSld>
@@ -4192,4 +8787,299 @@
     </a:ext>
   </a:extLst>
 </a:theme>
+</file>
+
+<file path=ppt/theme/theme2.xml><?xml version="1.0" encoding="utf-8"?>
+<a:theme xmlns:a="http://schemas.openxmlformats.org/drawingml/2006/main" name="Office Theme">
+  <a:themeElements>
+    <a:clrScheme name="Office">
+      <a:dk1>
+        <a:sysClr val="windowText" lastClr="000000"/>
+      </a:dk1>
+      <a:lt1>
+        <a:sysClr val="window" lastClr="FFFFFF"/>
+      </a:lt1>
+      <a:dk2>
+        <a:srgbClr val="44546A"/>
+      </a:dk2>
+      <a:lt2>
+        <a:srgbClr val="E7E6E6"/>
+      </a:lt2>
+      <a:accent1>
+        <a:srgbClr val="4472C4"/>
+      </a:accent1>
+      <a:accent2>
+        <a:srgbClr val="ED7D31"/>
+      </a:accent2>
+      <a:accent3>
+        <a:srgbClr val="A5A5A5"/>
+      </a:accent3>
+      <a:accent4>
+        <a:srgbClr val="FFC000"/>
+      </a:accent4>
+      <a:accent5>
+        <a:srgbClr val="5B9BD5"/>
+      </a:accent5>
+      <a:accent6>
+        <a:srgbClr val="70AD47"/>
+      </a:accent6>
+      <a:hlink>
+        <a:srgbClr val="0563C1"/>
+      </a:hlink>
+      <a:folHlink>
+        <a:srgbClr val="954F72"/>
+      </a:folHlink>
+    </a:clrScheme>
+    <a:fontScheme name="Office">
+      <a:majorFont>
+        <a:latin typeface="Calibri Light" panose="020F0302020204030204"/>
+        <a:ea typeface=""/>
+        <a:cs typeface=""/>
+        <a:font script="Jpan" typeface="游ゴシック Light"/>
+        <a:font script="Hang" typeface="맑은 고딕"/>
+        <a:font script="Hans" typeface="等线 Light"/>
+        <a:font script="Hant" typeface="新細明體"/>
+        <a:font script="Arab" typeface="Times New Roman"/>
+        <a:font script="Hebr" typeface="Times New Roman"/>
+        <a:font script="Thai" typeface="Angsana New"/>
+        <a:font script="Ethi" typeface="Nyala"/>
+        <a:font script="Beng" typeface="Vrinda"/>
+        <a:font script="Gujr" typeface="Shruti"/>
+        <a:font script="Khmr" typeface="MoolBoran"/>
+        <a:font script="Knda" typeface="Tunga"/>
+        <a:font script="Guru" typeface="Raavi"/>
+        <a:font script="Cans" typeface="Euphemia"/>
+        <a:font script="Cher" typeface="Plantagenet Cherokee"/>
+        <a:font script="Yiii" typeface="Microsoft Yi Baiti"/>
+        <a:font script="Tibt" typeface="Microsoft Himalaya"/>
+        <a:font script="Thaa" typeface="MV Boli"/>
+        <a:font script="Deva" typeface="Mangal"/>
+        <a:font script="Telu" typeface="Gautami"/>
+        <a:font script="Taml" typeface="Latha"/>
+        <a:font script="Syrc" typeface="Estrangelo Edessa"/>
+        <a:font script="Orya" typeface="Kalinga"/>
+        <a:font script="Mlym" typeface="Kartika"/>
+        <a:font script="Laoo" typeface="DokChampa"/>
+        <a:font script="Sinh" typeface="Iskoola Pota"/>
+        <a:font script="Mong" typeface="Mongolian Baiti"/>
+        <a:font script="Viet" typeface="Times New Roman"/>
+        <a:font script="Uigh" typeface="Microsoft Uighur"/>
+        <a:font script="Geor" typeface="Sylfaen"/>
+        <a:font script="Armn" typeface="Arial"/>
+        <a:font script="Bugi" typeface="Leelawadee UI"/>
+        <a:font script="Bopo" typeface="Microsoft JhengHei"/>
+        <a:font script="Java" typeface="Javanese Text"/>
+        <a:font script="Lisu" typeface="Segoe UI"/>
+        <a:font script="Mymr" typeface="Myanmar Text"/>
+        <a:font script="Nkoo" typeface="Ebrima"/>
+        <a:font script="Olck" typeface="Nirmala UI"/>
+        <a:font script="Osma" typeface="Ebrima"/>
+        <a:font script="Phag" typeface="Phagspa"/>
+        <a:font script="Syrn" typeface="Estrangelo Edessa"/>
+        <a:font script="Syrj" typeface="Estrangelo Edessa"/>
+        <a:font script="Syre" typeface="Estrangelo Edessa"/>
+        <a:font script="Sora" typeface="Nirmala UI"/>
+        <a:font script="Tale" typeface="Microsoft Tai Le"/>
+        <a:font script="Talu" typeface="Microsoft New Tai Lue"/>
+        <a:font script="Tfng" typeface="Ebrima"/>
+      </a:majorFont>
+      <a:minorFont>
+        <a:latin typeface="Calibri" panose="020F0502020204030204"/>
+        <a:ea typeface=""/>
+        <a:cs typeface=""/>
+        <a:font script="Jpan" typeface="游ゴシック"/>
+        <a:font script="Hang" typeface="맑은 고딕"/>
+        <a:font script="Hans" typeface="等线"/>
+        <a:font script="Hant" typeface="新細明體"/>
+        <a:font script="Arab" typeface="Arial"/>
+        <a:font script="Hebr" typeface="Arial"/>
+        <a:font script="Thai" typeface="Cordia New"/>
+        <a:font script="Ethi" typeface="Nyala"/>
+        <a:font script="Beng" typeface="Vrinda"/>
+        <a:font script="Gujr" typeface="Shruti"/>
+        <a:font script="Khmr" typeface="DaunPenh"/>
+        <a:font script="Knda" typeface="Tunga"/>
+        <a:font script="Guru" typeface="Raavi"/>
+        <a:font script="Cans" typeface="Euphemia"/>
+        <a:font script="Cher" typeface="Plantagenet Cherokee"/>
+        <a:font script="Yiii" typeface="Microsoft Yi Baiti"/>
+        <a:font script="Tibt" typeface="Microsoft Himalaya"/>
+        <a:font script="Thaa" typeface="MV Boli"/>
+        <a:font script="Deva" typeface="Mangal"/>
+        <a:font script="Telu" typeface="Gautami"/>
+        <a:font script="Taml" typeface="Latha"/>
+        <a:font script="Syrc" typeface="Estrangelo Edessa"/>
+        <a:font script="Orya" typeface="Kalinga"/>
+        <a:font script="Mlym" typeface="Kartika"/>
+        <a:font script="Laoo" typeface="DokChampa"/>
+        <a:font script="Sinh" typeface="Iskoola Pota"/>
+        <a:font script="Mong" typeface="Mongolian Baiti"/>
+        <a:font script="Viet" typeface="Arial"/>
+        <a:font script="Uigh" typeface="Microsoft Uighur"/>
+        <a:font script="Geor" typeface="Sylfaen"/>
+        <a:font script="Armn" typeface="Arial"/>
+        <a:font script="Bugi" typeface="Leelawadee UI"/>
+        <a:font script="Bopo" typeface="Microsoft JhengHei"/>
+        <a:font script="Java" typeface="Javanese Text"/>
+        <a:font script="Lisu" typeface="Segoe UI"/>
+        <a:font script="Mymr" typeface="Myanmar Text"/>
+        <a:font script="Nkoo" typeface="Ebrima"/>
+        <a:font script="Olck" typeface="Nirmala UI"/>
+        <a:font script="Osma" typeface="Ebrima"/>
+        <a:font script="Phag" typeface="Phagspa"/>
+        <a:font script="Syrn" typeface="Estrangelo Edessa"/>
+        <a:font script="Syrj" typeface="Estrangelo Edessa"/>
+        <a:font script="Syre" typeface="Estrangelo Edessa"/>
+        <a:font script="Sora" typeface="Nirmala UI"/>
+        <a:font script="Tale" typeface="Microsoft Tai Le"/>
+        <a:font script="Talu" typeface="Microsoft New Tai Lue"/>
+        <a:font script="Tfng" typeface="Ebrima"/>
+      </a:minorFont>
+    </a:fontScheme>
+    <a:fmtScheme name="Office">
+      <a:fillStyleLst>
+        <a:solidFill>
+          <a:schemeClr val="phClr"/>
+        </a:solidFill>
+        <a:gradFill rotWithShape="1">
+          <a:gsLst>
+            <a:gs pos="0">
+              <a:schemeClr val="phClr">
+                <a:lumMod val="110000"/>
+                <a:satMod val="105000"/>
+                <a:tint val="67000"/>
+              </a:schemeClr>
+            </a:gs>
+            <a:gs pos="50000">
+              <a:schemeClr val="phClr">
+                <a:lumMod val="105000"/>
+                <a:satMod val="103000"/>
+                <a:tint val="73000"/>
+              </a:schemeClr>
+            </a:gs>
+            <a:gs pos="100000">
+              <a:schemeClr val="phClr">
+                <a:lumMod val="105000"/>
+                <a:satMod val="109000"/>
+                <a:tint val="81000"/>
+              </a:schemeClr>
+            </a:gs>
+          </a:gsLst>
+          <a:lin ang="5400000" scaled="0"/>
+        </a:gradFill>
+        <a:gradFill rotWithShape="1">
+          <a:gsLst>
+            <a:gs pos="0">
+              <a:schemeClr val="phClr">
+                <a:satMod val="103000"/>
+                <a:lumMod val="102000"/>
+                <a:tint val="94000"/>
+              </a:schemeClr>
+            </a:gs>
+            <a:gs pos="50000">
+              <a:schemeClr val="phClr">
+                <a:satMod val="110000"/>
+                <a:lumMod val="100000"/>
+                <a:shade val="100000"/>
+              </a:schemeClr>
+            </a:gs>
+            <a:gs pos="100000">
+              <a:schemeClr val="phClr">
+                <a:lumMod val="99000"/>
+                <a:satMod val="120000"/>
+                <a:shade val="78000"/>
+              </a:schemeClr>
+            </a:gs>
+          </a:gsLst>
+          <a:lin ang="5400000" scaled="0"/>
+        </a:gradFill>
+      </a:fillStyleLst>
+      <a:lnStyleLst>
+        <a:ln w="6350" cap="flat" cmpd="sng" algn="ctr">
+          <a:solidFill>
+            <a:schemeClr val="phClr"/>
+          </a:solidFill>
+          <a:prstDash val="solid"/>
+          <a:miter lim="800000"/>
+        </a:ln>
+        <a:ln w="12700" cap="flat" cmpd="sng" algn="ctr">
+          <a:solidFill>
+            <a:schemeClr val="phClr"/>
+          </a:solidFill>
+          <a:prstDash val="solid"/>
+          <a:miter lim="800000"/>
+        </a:ln>
+        <a:ln w="19050" cap="flat" cmpd="sng" algn="ctr">
+          <a:solidFill>
+            <a:schemeClr val="phClr"/>
+          </a:solidFill>
+          <a:prstDash val="solid"/>
+          <a:miter lim="800000"/>
+        </a:ln>
+      </a:lnStyleLst>
+      <a:effectStyleLst>
+        <a:effectStyle>
+          <a:effectLst/>
+        </a:effectStyle>
+        <a:effectStyle>
+          <a:effectLst/>
+        </a:effectStyle>
+        <a:effectStyle>
+          <a:effectLst>
+            <a:outerShdw blurRad="57150" dist="19050" dir="5400000" algn="ctr" rotWithShape="0">
+              <a:srgbClr val="000000">
+                <a:alpha val="63000"/>
+              </a:srgbClr>
+            </a:outerShdw>
+          </a:effectLst>
+        </a:effectStyle>
+      </a:effectStyleLst>
+      <a:bgFillStyleLst>
+        <a:solidFill>
+          <a:schemeClr val="phClr"/>
+        </a:solidFill>
+        <a:solidFill>
+          <a:schemeClr val="phClr">
+            <a:tint val="95000"/>
+            <a:satMod val="170000"/>
+          </a:schemeClr>
+        </a:solidFill>
+        <a:gradFill rotWithShape="1">
+          <a:gsLst>
+            <a:gs pos="0">
+              <a:schemeClr val="phClr">
+                <a:tint val="93000"/>
+                <a:satMod val="150000"/>
+                <a:shade val="98000"/>
+                <a:lumMod val="102000"/>
+              </a:schemeClr>
+            </a:gs>
+            <a:gs pos="50000">
+              <a:schemeClr val="phClr">
+                <a:tint val="98000"/>
+                <a:satMod val="130000"/>
+                <a:shade val="90000"/>
+                <a:lumMod val="103000"/>
+              </a:schemeClr>
+            </a:gs>
+            <a:gs pos="100000">
+              <a:schemeClr val="phClr">
+                <a:shade val="63000"/>
+                <a:satMod val="120000"/>
+              </a:schemeClr>
+            </a:gs>
+          </a:gsLst>
+          <a:lin ang="5400000" scaled="0"/>
+        </a:gradFill>
+      </a:bgFillStyleLst>
+    </a:fmtScheme>
+  </a:themeElements>
+  <a:objectDefaults/>
+  <a:extraClrSchemeLst/>
+  <a:extLst>
+    <a:ext uri="{05A4C25C-085E-4340-85A3-A5531E510DB2}">
+      <thm15:themeFamily xmlns:thm15="http://schemas.microsoft.com/office/thememl/2012/main" name="Office Theme" id="{62F939B6-93AF-4DB8-9C6B-D6C7DFDC589F}" vid="{4A3C46E8-61CC-4603-A589-7422A47A8E4A}"/>
+    </a:ext>
+  </a:extLst>
+</a:theme>
 </file>
--- a/Results Deck.pptx
+++ b/Results Deck.pptx
@@ -5,7 +5,7 @@
     <p:sldMasterId id="2147483672" r:id="rId1"/>
   </p:sldMasterIdLst>
   <p:notesMasterIdLst>
-    <p:notesMasterId r:id="rId32"/>
+    <p:notesMasterId r:id="rId28"/>
   </p:notesMasterIdLst>
   <p:sldIdLst>
     <p:sldId id="270" r:id="rId2"/>
@@ -20,24 +20,20 @@
     <p:sldId id="262" r:id="rId11"/>
     <p:sldId id="263" r:id="rId12"/>
     <p:sldId id="268" r:id="rId13"/>
-    <p:sldId id="283" r:id="rId14"/>
-    <p:sldId id="284" r:id="rId15"/>
-    <p:sldId id="258" r:id="rId16"/>
-    <p:sldId id="286" r:id="rId17"/>
-    <p:sldId id="287" r:id="rId18"/>
-    <p:sldId id="265" r:id="rId19"/>
-    <p:sldId id="282" r:id="rId20"/>
-    <p:sldId id="269" r:id="rId21"/>
-    <p:sldId id="259" r:id="rId22"/>
-    <p:sldId id="260" r:id="rId23"/>
-    <p:sldId id="288" r:id="rId24"/>
-    <p:sldId id="267" r:id="rId25"/>
-    <p:sldId id="285" r:id="rId26"/>
-    <p:sldId id="271" r:id="rId27"/>
-    <p:sldId id="272" r:id="rId28"/>
-    <p:sldId id="273" r:id="rId29"/>
-    <p:sldId id="274" r:id="rId30"/>
-    <p:sldId id="275" r:id="rId31"/>
+    <p:sldId id="271" r:id="rId14"/>
+    <p:sldId id="283" r:id="rId15"/>
+    <p:sldId id="284" r:id="rId16"/>
+    <p:sldId id="258" r:id="rId17"/>
+    <p:sldId id="286" r:id="rId18"/>
+    <p:sldId id="287" r:id="rId19"/>
+    <p:sldId id="265" r:id="rId20"/>
+    <p:sldId id="282" r:id="rId21"/>
+    <p:sldId id="269" r:id="rId22"/>
+    <p:sldId id="288" r:id="rId23"/>
+    <p:sldId id="259" r:id="rId24"/>
+    <p:sldId id="260" r:id="rId25"/>
+    <p:sldId id="267" r:id="rId26"/>
+    <p:sldId id="285" r:id="rId27"/>
   </p:sldIdLst>
   <p:sldSz cx="12192000" cy="6858000"/>
   <p:notesSz cx="6858000" cy="9144000"/>
@@ -167,6 +163,11 @@
             <p14:sldId id="268"/>
           </p14:sldIdLst>
         </p14:section>
+        <p14:section name="Separate by batch, perform normal workflow" id="{72B88B6A-A8AB-9040-AF0B-B352EB7E4689}">
+          <p14:sldIdLst>
+            <p14:sldId id="271"/>
+          </p14:sldIdLst>
+        </p14:section>
         <p14:section name="Check for overcorrection of class specific batch correction" id="{2BCB9E93-8CBC-7E43-9E8B-EC0CE635A538}">
           <p14:sldIdLst>
             <p14:sldId id="283"/>
@@ -181,9 +182,9 @@
             <p14:sldId id="265"/>
             <p14:sldId id="282"/>
             <p14:sldId id="269"/>
+            <p14:sldId id="288"/>
             <p14:sldId id="259"/>
             <p14:sldId id="260"/>
-            <p14:sldId id="288"/>
             <p14:sldId id="267"/>
           </p14:sldIdLst>
         </p14:section>
@@ -192,16 +193,10 @@
             <p14:sldId id="285"/>
           </p14:sldIdLst>
         </p14:section>
-        <p14:section name="Separate by batch, perform normal workflow" id="{72B88B6A-A8AB-9040-AF0B-B352EB7E4689}">
-          <p14:sldIdLst>
-            <p14:sldId id="271"/>
-            <p14:sldId id="272"/>
-            <p14:sldId id="273"/>
-            <p14:sldId id="274"/>
-            <p14:sldId id="275"/>
-          </p14:sldIdLst>
-        </p14:section>
       </p14:sectionLst>
+    </p:ext>
+    <p:ext uri="{EFAFB233-063F-42B5-8137-9DF3F51BA10A}">
+      <p15:sldGuideLst xmlns:p15="http://schemas.microsoft.com/office/powerpoint/2012/main"/>
     </p:ext>
   </p:extLst>
 </p:presentation>
@@ -289,7 +284,7 @@
           <a:p>
             <a:fld id="{15EA9E63-D41B-A746-A3E7-09A8A8B91DA3}" type="datetimeFigureOut">
               <a:rPr lang="en-US" smtClean="0"/>
-              <a:t>5/27/21</a:t>
+              <a:t>6/2/21</a:t>
             </a:fld>
             <a:endParaRPr lang="en-US"/>
           </a:p>
@@ -622,7 +617,91 @@
           <a:p>
             <a:fld id="{6268AFB9-EF03-764B-BAE3-DA0E8ECC5819}" type="slidenum">
               <a:rPr lang="en-US" smtClean="0"/>
-              <a:t>15</a:t>
+              <a:t>5</a:t>
+            </a:fld>
+            <a:endParaRPr lang="en-US"/>
+          </a:p>
+        </p:txBody>
+      </p:sp>
+    </p:spTree>
+    <p:extLst>
+      <p:ext uri="{BB962C8B-B14F-4D97-AF65-F5344CB8AC3E}">
+        <p14:creationId xmlns:p14="http://schemas.microsoft.com/office/powerpoint/2010/main" val="290536595"/>
+      </p:ext>
+    </p:extLst>
+  </p:cSld>
+  <p:clrMapOvr>
+    <a:masterClrMapping/>
+  </p:clrMapOvr>
+</p:notes>
+</file>
+
+<file path=ppt/notesSlides/notesSlide2.xml><?xml version="1.0" encoding="utf-8"?>
+<p:notes xmlns:a="http://schemas.openxmlformats.org/drawingml/2006/main" xmlns:r="http://schemas.openxmlformats.org/officeDocument/2006/relationships" xmlns:p="http://schemas.openxmlformats.org/presentationml/2006/main">
+  <p:cSld>
+    <p:spTree>
+      <p:nvGrpSpPr>
+        <p:cNvPr id="1" name=""/>
+        <p:cNvGrpSpPr/>
+        <p:nvPr/>
+      </p:nvGrpSpPr>
+      <p:grpSpPr>
+        <a:xfrm>
+          <a:off x="0" y="0"/>
+          <a:ext cx="0" cy="0"/>
+          <a:chOff x="0" y="0"/>
+          <a:chExt cx="0" cy="0"/>
+        </a:xfrm>
+      </p:grpSpPr>
+      <p:sp>
+        <p:nvSpPr>
+          <p:cNvPr id="2" name="Slide Image Placeholder 1"/>
+          <p:cNvSpPr>
+            <a:spLocks noGrp="1" noRot="1" noChangeAspect="1"/>
+          </p:cNvSpPr>
+          <p:nvPr>
+            <p:ph type="sldImg"/>
+          </p:nvPr>
+        </p:nvSpPr>
+        <p:spPr/>
+      </p:sp>
+      <p:sp>
+        <p:nvSpPr>
+          <p:cNvPr id="3" name="Notes Placeholder 2"/>
+          <p:cNvSpPr>
+            <a:spLocks noGrp="1"/>
+          </p:cNvSpPr>
+          <p:nvPr>
+            <p:ph type="body" idx="1"/>
+          </p:nvPr>
+        </p:nvSpPr>
+        <p:spPr/>
+        <p:txBody>
+          <a:bodyPr/>
+          <a:lstStyle/>
+          <a:p>
+            <a:endParaRPr lang="en-US" dirty="0"/>
+          </a:p>
+        </p:txBody>
+      </p:sp>
+      <p:sp>
+        <p:nvSpPr>
+          <p:cNvPr id="4" name="Slide Number Placeholder 3"/>
+          <p:cNvSpPr>
+            <a:spLocks noGrp="1"/>
+          </p:cNvSpPr>
+          <p:nvPr>
+            <p:ph type="sldNum" sz="quarter" idx="5"/>
+          </p:nvPr>
+        </p:nvSpPr>
+        <p:spPr/>
+        <p:txBody>
+          <a:bodyPr/>
+          <a:lstStyle/>
+          <a:p>
+            <a:fld id="{6268AFB9-EF03-764B-BAE3-DA0E8ECC5819}" type="slidenum">
+              <a:rPr lang="en-US" smtClean="0"/>
+              <a:t>16</a:t>
             </a:fld>
             <a:endParaRPr lang="en-US"/>
           </a:p>
@@ -632,6 +711,90 @@
     <p:extLst>
       <p:ext uri="{BB962C8B-B14F-4D97-AF65-F5344CB8AC3E}">
         <p14:creationId xmlns:p14="http://schemas.microsoft.com/office/powerpoint/2010/main" val="3717793307"/>
+      </p:ext>
+    </p:extLst>
+  </p:cSld>
+  <p:clrMapOvr>
+    <a:masterClrMapping/>
+  </p:clrMapOvr>
+</p:notes>
+</file>
+
+<file path=ppt/notesSlides/notesSlide3.xml><?xml version="1.0" encoding="utf-8"?>
+<p:notes xmlns:a="http://schemas.openxmlformats.org/drawingml/2006/main" xmlns:r="http://schemas.openxmlformats.org/officeDocument/2006/relationships" xmlns:p="http://schemas.openxmlformats.org/presentationml/2006/main">
+  <p:cSld>
+    <p:spTree>
+      <p:nvGrpSpPr>
+        <p:cNvPr id="1" name=""/>
+        <p:cNvGrpSpPr/>
+        <p:nvPr/>
+      </p:nvGrpSpPr>
+      <p:grpSpPr>
+        <a:xfrm>
+          <a:off x="0" y="0"/>
+          <a:ext cx="0" cy="0"/>
+          <a:chOff x="0" y="0"/>
+          <a:chExt cx="0" cy="0"/>
+        </a:xfrm>
+      </p:grpSpPr>
+      <p:sp>
+        <p:nvSpPr>
+          <p:cNvPr id="2" name="Slide Image Placeholder 1"/>
+          <p:cNvSpPr>
+            <a:spLocks noGrp="1" noRot="1" noChangeAspect="1"/>
+          </p:cNvSpPr>
+          <p:nvPr>
+            <p:ph type="sldImg"/>
+          </p:nvPr>
+        </p:nvSpPr>
+        <p:spPr/>
+      </p:sp>
+      <p:sp>
+        <p:nvSpPr>
+          <p:cNvPr id="3" name="Notes Placeholder 2"/>
+          <p:cNvSpPr>
+            <a:spLocks noGrp="1"/>
+          </p:cNvSpPr>
+          <p:nvPr>
+            <p:ph type="body" idx="1"/>
+          </p:nvPr>
+        </p:nvSpPr>
+        <p:spPr/>
+        <p:txBody>
+          <a:bodyPr/>
+          <a:lstStyle/>
+          <a:p>
+            <a:endParaRPr lang="en-US" dirty="0"/>
+          </a:p>
+        </p:txBody>
+      </p:sp>
+      <p:sp>
+        <p:nvSpPr>
+          <p:cNvPr id="4" name="Slide Number Placeholder 3"/>
+          <p:cNvSpPr>
+            <a:spLocks noGrp="1"/>
+          </p:cNvSpPr>
+          <p:nvPr>
+            <p:ph type="sldNum" sz="quarter" idx="5"/>
+          </p:nvPr>
+        </p:nvSpPr>
+        <p:spPr/>
+        <p:txBody>
+          <a:bodyPr/>
+          <a:lstStyle/>
+          <a:p>
+            <a:fld id="{6268AFB9-EF03-764B-BAE3-DA0E8ECC5819}" type="slidenum">
+              <a:rPr lang="en-US" smtClean="0"/>
+              <a:t>26</a:t>
+            </a:fld>
+            <a:endParaRPr lang="en-US"/>
+          </a:p>
+        </p:txBody>
+      </p:sp>
+    </p:spTree>
+    <p:extLst>
+      <p:ext uri="{BB962C8B-B14F-4D97-AF65-F5344CB8AC3E}">
+        <p14:creationId xmlns:p14="http://schemas.microsoft.com/office/powerpoint/2010/main" val="317004801"/>
       </p:ext>
     </p:extLst>
   </p:cSld>
@@ -772,7 +935,7 @@
           <a:p>
             <a:fld id="{C93C2DB4-C2B2-4A49-865E-C2512868C44F}" type="datetimeFigureOut">
               <a:rPr lang="en-US" smtClean="0"/>
-              <a:t>5/27/21</a:t>
+              <a:t>6/2/21</a:t>
             </a:fld>
             <a:endParaRPr lang="en-US"/>
           </a:p>
@@ -942,7 +1105,7 @@
           <a:p>
             <a:fld id="{C93C2DB4-C2B2-4A49-865E-C2512868C44F}" type="datetimeFigureOut">
               <a:rPr lang="en-US" smtClean="0"/>
-              <a:t>5/27/21</a:t>
+              <a:t>6/2/21</a:t>
             </a:fld>
             <a:endParaRPr lang="en-US"/>
           </a:p>
@@ -1122,7 +1285,7 @@
           <a:p>
             <a:fld id="{C93C2DB4-C2B2-4A49-865E-C2512868C44F}" type="datetimeFigureOut">
               <a:rPr lang="en-US" smtClean="0"/>
-              <a:t>5/27/21</a:t>
+              <a:t>6/2/21</a:t>
             </a:fld>
             <a:endParaRPr lang="en-US"/>
           </a:p>
@@ -1292,7 +1455,7 @@
           <a:p>
             <a:fld id="{C93C2DB4-C2B2-4A49-865E-C2512868C44F}" type="datetimeFigureOut">
               <a:rPr lang="en-US" smtClean="0"/>
-              <a:t>5/27/21</a:t>
+              <a:t>6/2/21</a:t>
             </a:fld>
             <a:endParaRPr lang="en-US"/>
           </a:p>
@@ -1538,7 +1701,7 @@
           <a:p>
             <a:fld id="{C93C2DB4-C2B2-4A49-865E-C2512868C44F}" type="datetimeFigureOut">
               <a:rPr lang="en-US" smtClean="0"/>
-              <a:t>5/27/21</a:t>
+              <a:t>6/2/21</a:t>
             </a:fld>
             <a:endParaRPr lang="en-US"/>
           </a:p>
@@ -1770,7 +1933,7 @@
           <a:p>
             <a:fld id="{C93C2DB4-C2B2-4A49-865E-C2512868C44F}" type="datetimeFigureOut">
               <a:rPr lang="en-US" smtClean="0"/>
-              <a:t>5/27/21</a:t>
+              <a:t>6/2/21</a:t>
             </a:fld>
             <a:endParaRPr lang="en-US"/>
           </a:p>
@@ -2137,7 +2300,7 @@
           <a:p>
             <a:fld id="{C93C2DB4-C2B2-4A49-865E-C2512868C44F}" type="datetimeFigureOut">
               <a:rPr lang="en-US" smtClean="0"/>
-              <a:t>5/27/21</a:t>
+              <a:t>6/2/21</a:t>
             </a:fld>
             <a:endParaRPr lang="en-US"/>
           </a:p>
@@ -2255,7 +2418,7 @@
           <a:p>
             <a:fld id="{C93C2DB4-C2B2-4A49-865E-C2512868C44F}" type="datetimeFigureOut">
               <a:rPr lang="en-US" smtClean="0"/>
-              <a:t>5/27/21</a:t>
+              <a:t>6/2/21</a:t>
             </a:fld>
             <a:endParaRPr lang="en-US"/>
           </a:p>
@@ -2350,7 +2513,7 @@
           <a:p>
             <a:fld id="{C93C2DB4-C2B2-4A49-865E-C2512868C44F}" type="datetimeFigureOut">
               <a:rPr lang="en-US" smtClean="0"/>
-              <a:t>5/27/21</a:t>
+              <a:t>6/2/21</a:t>
             </a:fld>
             <a:endParaRPr lang="en-US"/>
           </a:p>
@@ -2627,7 +2790,7 @@
           <a:p>
             <a:fld id="{C93C2DB4-C2B2-4A49-865E-C2512868C44F}" type="datetimeFigureOut">
               <a:rPr lang="en-US" smtClean="0"/>
-              <a:t>5/27/21</a:t>
+              <a:t>6/2/21</a:t>
             </a:fld>
             <a:endParaRPr lang="en-US"/>
           </a:p>
@@ -2884,7 +3047,7 @@
           <a:p>
             <a:fld id="{C93C2DB4-C2B2-4A49-865E-C2512868C44F}" type="datetimeFigureOut">
               <a:rPr lang="en-US" smtClean="0"/>
-              <a:t>5/27/21</a:t>
+              <a:t>6/2/21</a:t>
             </a:fld>
             <a:endParaRPr lang="en-US"/>
           </a:p>
@@ -3097,7 +3260,7 @@
           <a:p>
             <a:fld id="{C93C2DB4-C2B2-4A49-865E-C2512868C44F}" type="datetimeFigureOut">
               <a:rPr lang="en-US" smtClean="0"/>
-              <a:t>5/27/21</a:t>
+              <a:t>6/2/21</a:t>
             </a:fld>
             <a:endParaRPr lang="en-US"/>
           </a:p>
@@ -4091,12 +4254,84 @@
           <a:chExt cx="0" cy="0"/>
         </a:xfrm>
       </p:grpSpPr>
+      <p:sp>
+        <p:nvSpPr>
+          <p:cNvPr id="3" name="TextBox 2">
+            <a:extLst>
+              <a:ext uri="{FF2B5EF4-FFF2-40B4-BE49-F238E27FC236}">
+                <a16:creationId xmlns:a16="http://schemas.microsoft.com/office/drawing/2014/main" id="{A9822B2F-D29B-0549-92E6-3B88BC3E90A3}"/>
+              </a:ext>
+            </a:extLst>
+          </p:cNvPr>
+          <p:cNvSpPr txBox="1"/>
+          <p:nvPr/>
+        </p:nvSpPr>
+        <p:spPr>
+          <a:xfrm>
+            <a:off x="867820" y="861164"/>
+            <a:ext cx="4878840" cy="400110"/>
+          </a:xfrm>
+          <a:prstGeom prst="rect">
+            <a:avLst/>
+          </a:prstGeom>
+          <a:noFill/>
+        </p:spPr>
+        <p:txBody>
+          <a:bodyPr wrap="square" rtlCol="0">
+            <a:spAutoFit/>
+          </a:bodyPr>
+          <a:lstStyle/>
+          <a:p>
+            <a:pPr algn="ctr"/>
+            <a:r>
+              <a:rPr lang="en-US" sz="2000" dirty="0"/>
+              <a:t>PCA plot for Batch 1</a:t>
+            </a:r>
+          </a:p>
+        </p:txBody>
+      </p:sp>
+      <p:sp>
+        <p:nvSpPr>
+          <p:cNvPr id="4" name="TextBox 3">
+            <a:extLst>
+              <a:ext uri="{FF2B5EF4-FFF2-40B4-BE49-F238E27FC236}">
+                <a16:creationId xmlns:a16="http://schemas.microsoft.com/office/drawing/2014/main" id="{55B84BA1-B08D-2247-9320-3CD51364AA01}"/>
+              </a:ext>
+            </a:extLst>
+          </p:cNvPr>
+          <p:cNvSpPr txBox="1"/>
+          <p:nvPr/>
+        </p:nvSpPr>
+        <p:spPr>
+          <a:xfrm>
+            <a:off x="6445342" y="861164"/>
+            <a:ext cx="4878840" cy="400110"/>
+          </a:xfrm>
+          <a:prstGeom prst="rect">
+            <a:avLst/>
+          </a:prstGeom>
+          <a:noFill/>
+        </p:spPr>
+        <p:txBody>
+          <a:bodyPr wrap="square" rtlCol="0">
+            <a:spAutoFit/>
+          </a:bodyPr>
+          <a:lstStyle/>
+          <a:p>
+            <a:pPr algn="ctr"/>
+            <a:r>
+              <a:rPr lang="en-US" sz="2000" dirty="0"/>
+              <a:t>PCA plot for Batch 2</a:t>
+            </a:r>
+          </a:p>
+        </p:txBody>
+      </p:sp>
       <p:pic>
         <p:nvPicPr>
-          <p:cNvPr id="5" name="Picture 4" descr="A picture containing text, road&#10;&#10;Description automatically generated">
-            <a:extLst>
-              <a:ext uri="{FF2B5EF4-FFF2-40B4-BE49-F238E27FC236}">
-                <a16:creationId xmlns:a16="http://schemas.microsoft.com/office/drawing/2014/main" id="{E491710C-51F9-5048-8136-99251FE3AC66}"/>
+          <p:cNvPr id="6" name="Picture 5" descr="Chart, scatter chart&#10;&#10;Description automatically generated">
+            <a:extLst>
+              <a:ext uri="{FF2B5EF4-FFF2-40B4-BE49-F238E27FC236}">
+                <a16:creationId xmlns:a16="http://schemas.microsoft.com/office/drawing/2014/main" id="{83368D2F-D83C-344D-8093-E8A6DC3EA2EC}"/>
               </a:ext>
             </a:extLst>
           </p:cNvPr>
@@ -4113,105 +4348,48 @@
         </p:blipFill>
         <p:spPr>
           <a:xfrm>
-            <a:off x="1407216" y="544608"/>
-            <a:ext cx="2858514" cy="5021305"/>
+            <a:off x="6525281" y="1319840"/>
+            <a:ext cx="4717185" cy="4653685"/>
           </a:xfrm>
           <a:prstGeom prst="rect">
             <a:avLst/>
           </a:prstGeom>
         </p:spPr>
       </p:pic>
-      <p:sp>
-        <p:nvSpPr>
-          <p:cNvPr id="6" name="Rectangle 5">
-            <a:extLst>
-              <a:ext uri="{FF2B5EF4-FFF2-40B4-BE49-F238E27FC236}">
-                <a16:creationId xmlns:a16="http://schemas.microsoft.com/office/drawing/2014/main" id="{7D0A3ECF-66E5-9C42-9B9B-EC05EABF1189}"/>
-              </a:ext>
-            </a:extLst>
-          </p:cNvPr>
-          <p:cNvSpPr/>
+      <p:pic>
+        <p:nvPicPr>
+          <p:cNvPr id="8" name="Picture 7" descr="Chart, scatter chart&#10;&#10;Description automatically generated">
+            <a:extLst>
+              <a:ext uri="{FF2B5EF4-FFF2-40B4-BE49-F238E27FC236}">
+                <a16:creationId xmlns:a16="http://schemas.microsoft.com/office/drawing/2014/main" id="{663A8487-0D03-6D48-8AD7-D66989F767F2}"/>
+              </a:ext>
+            </a:extLst>
+          </p:cNvPr>
+          <p:cNvPicPr>
+            <a:picLocks noChangeAspect="1"/>
+          </p:cNvPicPr>
           <p:nvPr/>
-        </p:nvSpPr>
-        <p:spPr>
-          <a:xfrm>
-            <a:off x="1644082" y="1114121"/>
-            <a:ext cx="2450840" cy="2016705"/>
+        </p:nvPicPr>
+        <p:blipFill>
+          <a:blip r:embed="rId3"/>
+          <a:stretch>
+            <a:fillRect/>
+          </a:stretch>
+        </p:blipFill>
+        <p:spPr>
+          <a:xfrm>
+            <a:off x="1029473" y="1343150"/>
+            <a:ext cx="4717187" cy="4653686"/>
           </a:xfrm>
           <a:prstGeom prst="rect">
             <a:avLst/>
           </a:prstGeom>
-          <a:noFill/>
-          <a:ln w="28575">
-            <a:solidFill>
-              <a:srgbClr val="C00000"/>
-            </a:solidFill>
-          </a:ln>
-        </p:spPr>
-        <p:style>
-          <a:lnRef idx="2">
-            <a:schemeClr val="accent1">
-              <a:shade val="50000"/>
-            </a:schemeClr>
-          </a:lnRef>
-          <a:fillRef idx="1">
-            <a:schemeClr val="accent1"/>
-          </a:fillRef>
-          <a:effectRef idx="0">
-            <a:schemeClr val="accent1"/>
-          </a:effectRef>
-          <a:fontRef idx="minor">
-            <a:schemeClr val="lt1"/>
-          </a:fontRef>
-        </p:style>
-        <p:txBody>
-          <a:bodyPr rtlCol="0" anchor="ctr"/>
-          <a:lstStyle/>
-          <a:p>
-            <a:pPr algn="ctr"/>
-            <a:endParaRPr lang="en-US"/>
-          </a:p>
-        </p:txBody>
-      </p:sp>
-      <p:sp>
-        <p:nvSpPr>
-          <p:cNvPr id="7" name="TextBox 6">
-            <a:extLst>
-              <a:ext uri="{FF2B5EF4-FFF2-40B4-BE49-F238E27FC236}">
-                <a16:creationId xmlns:a16="http://schemas.microsoft.com/office/drawing/2014/main" id="{8EFD1E1D-D0C0-774F-AE57-3B970A636AC4}"/>
-              </a:ext>
-            </a:extLst>
-          </p:cNvPr>
-          <p:cNvSpPr txBox="1"/>
-          <p:nvPr/>
-        </p:nvSpPr>
-        <p:spPr>
-          <a:xfrm>
-            <a:off x="4720675" y="1660808"/>
-            <a:ext cx="7008212" cy="461665"/>
-          </a:xfrm>
-          <a:prstGeom prst="rect">
-            <a:avLst/>
-          </a:prstGeom>
-          <a:noFill/>
-        </p:spPr>
-        <p:txBody>
-          <a:bodyPr wrap="square" rtlCol="0">
-            <a:spAutoFit/>
-          </a:bodyPr>
-          <a:lstStyle/>
-          <a:p>
-            <a:r>
-              <a:rPr lang="en-US" sz="2400" b="1" dirty="0"/>
-              <a:t>Genes most affected by class specific batch correction</a:t>
-            </a:r>
-          </a:p>
-        </p:txBody>
-      </p:sp>
+        </p:spPr>
+      </p:pic>
     </p:spTree>
     <p:extLst>
       <p:ext uri="{BB962C8B-B14F-4D97-AF65-F5344CB8AC3E}">
-        <p14:creationId xmlns:p14="http://schemas.microsoft.com/office/powerpoint/2010/main" val="3046562396"/>
+        <p14:creationId xmlns:p14="http://schemas.microsoft.com/office/powerpoint/2010/main" val="612893860"/>
       </p:ext>
     </p:extLst>
   </p:cSld>
@@ -4238,49 +4416,12 @@
           <a:chExt cx="0" cy="0"/>
         </a:xfrm>
       </p:grpSpPr>
-      <p:sp>
-        <p:nvSpPr>
-          <p:cNvPr id="6" name="Title 1">
-            <a:extLst>
-              <a:ext uri="{FF2B5EF4-FFF2-40B4-BE49-F238E27FC236}">
-                <a16:creationId xmlns:a16="http://schemas.microsoft.com/office/drawing/2014/main" id="{A83DCE9C-967F-C44B-B395-0CC14EAA918E}"/>
-              </a:ext>
-            </a:extLst>
-          </p:cNvPr>
-          <p:cNvSpPr>
-            <a:spLocks noGrp="1"/>
-          </p:cNvSpPr>
-          <p:nvPr>
-            <p:ph type="title"/>
-          </p:nvPr>
-        </p:nvSpPr>
-        <p:spPr>
-          <a:xfrm>
-            <a:off x="325749" y="129394"/>
-            <a:ext cx="11699473" cy="1325563"/>
-          </a:xfrm>
-        </p:spPr>
-        <p:txBody>
-          <a:bodyPr>
-            <a:normAutofit/>
-          </a:bodyPr>
-          <a:lstStyle/>
-          <a:p>
-            <a:pPr algn="ctr"/>
-            <a:r>
-              <a:rPr lang="en-US" sz="2800" b="1" dirty="0"/>
-              <a:t>Distribution of RMSE values between CS Batch Correction versus No Correction</a:t>
-            </a:r>
-            <a:endParaRPr lang="en-US" sz="2800" dirty="0"/>
-          </a:p>
-        </p:txBody>
-      </p:sp>
       <p:pic>
         <p:nvPicPr>
-          <p:cNvPr id="8" name="Picture 7" descr="Chart, histogram&#10;&#10;Description automatically generated">
-            <a:extLst>
-              <a:ext uri="{FF2B5EF4-FFF2-40B4-BE49-F238E27FC236}">
-                <a16:creationId xmlns:a16="http://schemas.microsoft.com/office/drawing/2014/main" id="{23F67081-B806-3E47-87BB-3D858A9C6356}"/>
+          <p:cNvPr id="5" name="Picture 4" descr="A picture containing text, road&#10;&#10;Description automatically generated">
+            <a:extLst>
+              <a:ext uri="{FF2B5EF4-FFF2-40B4-BE49-F238E27FC236}">
+                <a16:creationId xmlns:a16="http://schemas.microsoft.com/office/drawing/2014/main" id="{E491710C-51F9-5048-8136-99251FE3AC66}"/>
               </a:ext>
             </a:extLst>
           </p:cNvPr>
@@ -4297,8 +4438,8 @@
         </p:blipFill>
         <p:spPr>
           <a:xfrm>
-            <a:off x="3044597" y="1153783"/>
-            <a:ext cx="6854796" cy="3759752"/>
+            <a:off x="1407216" y="544608"/>
+            <a:ext cx="2858514" cy="5021305"/>
           </a:xfrm>
           <a:prstGeom prst="rect">
             <a:avLst/>
@@ -4307,25 +4448,77 @@
       </p:pic>
       <p:sp>
         <p:nvSpPr>
-          <p:cNvPr id="9" name="TextBox 8">
-            <a:extLst>
-              <a:ext uri="{FF2B5EF4-FFF2-40B4-BE49-F238E27FC236}">
-                <a16:creationId xmlns:a16="http://schemas.microsoft.com/office/drawing/2014/main" id="{055E3AC7-948F-164E-A061-42A290EAB8D8}"/>
-              </a:ext>
-            </a:extLst>
-          </p:cNvPr>
-          <p:cNvSpPr txBox="1"/>
+          <p:cNvPr id="6" name="Rectangle 5">
+            <a:extLst>
+              <a:ext uri="{FF2B5EF4-FFF2-40B4-BE49-F238E27FC236}">
+                <a16:creationId xmlns:a16="http://schemas.microsoft.com/office/drawing/2014/main" id="{7D0A3ECF-66E5-9C42-9B9B-EC05EABF1189}"/>
+              </a:ext>
+            </a:extLst>
+          </p:cNvPr>
+          <p:cNvSpPr/>
           <p:nvPr/>
         </p:nvSpPr>
         <p:spPr>
           <a:xfrm>
-            <a:off x="3396935" y="5066519"/>
-            <a:ext cx="5695122" cy="523220"/>
+            <a:off x="1644082" y="1114121"/>
+            <a:ext cx="2450840" cy="2016705"/>
           </a:xfrm>
           <a:prstGeom prst="rect">
             <a:avLst/>
           </a:prstGeom>
           <a:noFill/>
+          <a:ln w="28575">
+            <a:solidFill>
+              <a:srgbClr val="C00000"/>
+            </a:solidFill>
+          </a:ln>
+        </p:spPr>
+        <p:style>
+          <a:lnRef idx="2">
+            <a:schemeClr val="accent1">
+              <a:shade val="50000"/>
+            </a:schemeClr>
+          </a:lnRef>
+          <a:fillRef idx="1">
+            <a:schemeClr val="accent1"/>
+          </a:fillRef>
+          <a:effectRef idx="0">
+            <a:schemeClr val="accent1"/>
+          </a:effectRef>
+          <a:fontRef idx="minor">
+            <a:schemeClr val="lt1"/>
+          </a:fontRef>
+        </p:style>
+        <p:txBody>
+          <a:bodyPr rtlCol="0" anchor="ctr"/>
+          <a:lstStyle/>
+          <a:p>
+            <a:pPr algn="ctr"/>
+            <a:endParaRPr lang="en-US"/>
+          </a:p>
+        </p:txBody>
+      </p:sp>
+      <p:sp>
+        <p:nvSpPr>
+          <p:cNvPr id="7" name="TextBox 6">
+            <a:extLst>
+              <a:ext uri="{FF2B5EF4-FFF2-40B4-BE49-F238E27FC236}">
+                <a16:creationId xmlns:a16="http://schemas.microsoft.com/office/drawing/2014/main" id="{8EFD1E1D-D0C0-774F-AE57-3B970A636AC4}"/>
+              </a:ext>
+            </a:extLst>
+          </p:cNvPr>
+          <p:cNvSpPr txBox="1"/>
+          <p:nvPr/>
+        </p:nvSpPr>
+        <p:spPr>
+          <a:xfrm>
+            <a:off x="4720675" y="1660808"/>
+            <a:ext cx="7008212" cy="461665"/>
+          </a:xfrm>
+          <a:prstGeom prst="rect">
+            <a:avLst/>
+          </a:prstGeom>
+          <a:noFill/>
         </p:spPr>
         <p:txBody>
           <a:bodyPr wrap="square" rtlCol="0">
@@ -4333,14 +4526,110 @@
           </a:bodyPr>
           <a:lstStyle/>
           <a:p>
+            <a:r>
+              <a:rPr lang="en-US" sz="2400" b="1" dirty="0"/>
+              <a:t>Genes most affected by class specific batch correction</a:t>
+            </a:r>
+          </a:p>
+        </p:txBody>
+      </p:sp>
+    </p:spTree>
+    <p:extLst>
+      <p:ext uri="{BB962C8B-B14F-4D97-AF65-F5344CB8AC3E}">
+        <p14:creationId xmlns:p14="http://schemas.microsoft.com/office/powerpoint/2010/main" val="3046562396"/>
+      </p:ext>
+    </p:extLst>
+  </p:cSld>
+  <p:clrMapOvr>
+    <a:masterClrMapping/>
+  </p:clrMapOvr>
+</p:sld>
+</file>
+
+<file path=ppt/slides/slide15.xml><?xml version="1.0" encoding="utf-8"?>
+<p:sld xmlns:a="http://schemas.openxmlformats.org/drawingml/2006/main" xmlns:r="http://schemas.openxmlformats.org/officeDocument/2006/relationships" xmlns:p="http://schemas.openxmlformats.org/presentationml/2006/main">
+  <p:cSld>
+    <p:spTree>
+      <p:nvGrpSpPr>
+        <p:cNvPr id="1" name=""/>
+        <p:cNvGrpSpPr/>
+        <p:nvPr/>
+      </p:nvGrpSpPr>
+      <p:grpSpPr>
+        <a:xfrm>
+          <a:off x="0" y="0"/>
+          <a:ext cx="0" cy="0"/>
+          <a:chOff x="0" y="0"/>
+          <a:chExt cx="0" cy="0"/>
+        </a:xfrm>
+      </p:grpSpPr>
+      <p:sp>
+        <p:nvSpPr>
+          <p:cNvPr id="6" name="Title 1">
+            <a:extLst>
+              <a:ext uri="{FF2B5EF4-FFF2-40B4-BE49-F238E27FC236}">
+                <a16:creationId xmlns:a16="http://schemas.microsoft.com/office/drawing/2014/main" id="{A83DCE9C-967F-C44B-B395-0CC14EAA918E}"/>
+              </a:ext>
+            </a:extLst>
+          </p:cNvPr>
+          <p:cNvSpPr>
+            <a:spLocks noGrp="1"/>
+          </p:cNvSpPr>
+          <p:nvPr>
+            <p:ph type="title"/>
+          </p:nvPr>
+        </p:nvSpPr>
+        <p:spPr>
+          <a:xfrm>
+            <a:off x="325749" y="129394"/>
+            <a:ext cx="11699473" cy="1325563"/>
+          </a:xfrm>
+        </p:spPr>
+        <p:txBody>
+          <a:bodyPr>
+            <a:normAutofit/>
+          </a:bodyPr>
+          <a:lstStyle/>
+          <a:p>
             <a:pPr algn="ctr"/>
             <a:r>
               <a:rPr lang="en-US" sz="2800" b="1" dirty="0"/>
-              <a:t>No overcorrection</a:t>
-            </a:r>
-          </a:p>
-        </p:txBody>
-      </p:sp>
+              <a:t>Distribution of RMSE values between CS Batch Correction versus No Correction</a:t>
+            </a:r>
+            <a:endParaRPr lang="en-US" sz="2800" dirty="0"/>
+          </a:p>
+        </p:txBody>
+      </p:sp>
+      <p:pic>
+        <p:nvPicPr>
+          <p:cNvPr id="8" name="Picture 7" descr="Chart, histogram&#10;&#10;Description automatically generated">
+            <a:extLst>
+              <a:ext uri="{FF2B5EF4-FFF2-40B4-BE49-F238E27FC236}">
+                <a16:creationId xmlns:a16="http://schemas.microsoft.com/office/drawing/2014/main" id="{23F67081-B806-3E47-87BB-3D858A9C6356}"/>
+              </a:ext>
+            </a:extLst>
+          </p:cNvPr>
+          <p:cNvPicPr>
+            <a:picLocks noChangeAspect="1"/>
+          </p:cNvPicPr>
+          <p:nvPr/>
+        </p:nvPicPr>
+        <p:blipFill>
+          <a:blip r:embed="rId2"/>
+          <a:stretch>
+            <a:fillRect/>
+          </a:stretch>
+        </p:blipFill>
+        <p:spPr>
+          <a:xfrm>
+            <a:off x="1996963" y="1180740"/>
+            <a:ext cx="8198074" cy="4496520"/>
+          </a:xfrm>
+          <a:prstGeom prst="rect">
+            <a:avLst/>
+          </a:prstGeom>
+        </p:spPr>
+      </p:pic>
     </p:spTree>
     <p:extLst>
       <p:ext uri="{BB962C8B-B14F-4D97-AF65-F5344CB8AC3E}">
@@ -4354,7 +4643,7 @@
 </p:sld>
 </file>
 
-<file path=ppt/slides/slide15.xml><?xml version="1.0" encoding="utf-8"?>
+<file path=ppt/slides/slide16.xml><?xml version="1.0" encoding="utf-8"?>
 <p:sld xmlns:a="http://schemas.openxmlformats.org/drawingml/2006/main" xmlns:r="http://schemas.openxmlformats.org/officeDocument/2006/relationships" xmlns:p="http://schemas.openxmlformats.org/presentationml/2006/main" show="0">
   <p:cSld>
     <p:spTree>
@@ -4480,204 +4769,6 @@
     <p:extLst>
       <p:ext uri="{BB962C8B-B14F-4D97-AF65-F5344CB8AC3E}">
         <p14:creationId xmlns:p14="http://schemas.microsoft.com/office/powerpoint/2010/main" val="696649109"/>
-      </p:ext>
-    </p:extLst>
-  </p:cSld>
-  <p:clrMapOvr>
-    <a:masterClrMapping/>
-  </p:clrMapOvr>
-</p:sld>
-</file>
-
-<file path=ppt/slides/slide16.xml><?xml version="1.0" encoding="utf-8"?>
-<p:sld xmlns:a="http://schemas.openxmlformats.org/drawingml/2006/main" xmlns:r="http://schemas.openxmlformats.org/officeDocument/2006/relationships" xmlns:p="http://schemas.openxmlformats.org/presentationml/2006/main">
-  <p:cSld>
-    <p:spTree>
-      <p:nvGrpSpPr>
-        <p:cNvPr id="1" name=""/>
-        <p:cNvGrpSpPr/>
-        <p:nvPr/>
-      </p:nvGrpSpPr>
-      <p:grpSpPr>
-        <a:xfrm>
-          <a:off x="0" y="0"/>
-          <a:ext cx="0" cy="0"/>
-          <a:chOff x="0" y="0"/>
-          <a:chExt cx="0" cy="0"/>
-        </a:xfrm>
-      </p:grpSpPr>
-      <p:sp>
-        <p:nvSpPr>
-          <p:cNvPr id="2" name="Title 1">
-            <a:extLst>
-              <a:ext uri="{FF2B5EF4-FFF2-40B4-BE49-F238E27FC236}">
-                <a16:creationId xmlns:a16="http://schemas.microsoft.com/office/drawing/2014/main" id="{C0B75D38-FC8E-B041-B69E-A1C022A4689E}"/>
-              </a:ext>
-            </a:extLst>
-          </p:cNvPr>
-          <p:cNvSpPr>
-            <a:spLocks noGrp="1"/>
-          </p:cNvSpPr>
-          <p:nvPr>
-            <p:ph type="title"/>
-          </p:nvPr>
-        </p:nvSpPr>
-        <p:spPr>
-          <a:xfrm>
-            <a:off x="838200" y="365125"/>
-            <a:ext cx="10994994" cy="1325563"/>
-          </a:xfrm>
-        </p:spPr>
-        <p:txBody>
-          <a:bodyPr>
-            <a:normAutofit/>
-          </a:bodyPr>
-          <a:lstStyle/>
-          <a:p>
-            <a:pPr algn="ctr"/>
-            <a:r>
-              <a:rPr lang="en-US" sz="2800" b="1" dirty="0"/>
-              <a:t>Box plots of “No Batch Correction” versus “Class Specific Batch Correction”</a:t>
-            </a:r>
-          </a:p>
-        </p:txBody>
-      </p:sp>
-      <p:pic>
-        <p:nvPicPr>
-          <p:cNvPr id="5" name="Picture 4" descr="A picture containing chart&#10;&#10;Description automatically generated">
-            <a:extLst>
-              <a:ext uri="{FF2B5EF4-FFF2-40B4-BE49-F238E27FC236}">
-                <a16:creationId xmlns:a16="http://schemas.microsoft.com/office/drawing/2014/main" id="{CFC04CFA-6DE9-8E42-873C-2E64ECFEDDCC}"/>
-              </a:ext>
-            </a:extLst>
-          </p:cNvPr>
-          <p:cNvPicPr>
-            <a:picLocks noChangeAspect="1"/>
-          </p:cNvPicPr>
-          <p:nvPr/>
-        </p:nvPicPr>
-        <p:blipFill>
-          <a:blip r:embed="rId2"/>
-          <a:stretch>
-            <a:fillRect/>
-          </a:stretch>
-        </p:blipFill>
-        <p:spPr>
-          <a:xfrm>
-            <a:off x="838200" y="2168873"/>
-            <a:ext cx="5077175" cy="3297650"/>
-          </a:xfrm>
-          <a:prstGeom prst="rect">
-            <a:avLst/>
-          </a:prstGeom>
-        </p:spPr>
-      </p:pic>
-      <p:sp>
-        <p:nvSpPr>
-          <p:cNvPr id="6" name="TextBox 5">
-            <a:extLst>
-              <a:ext uri="{FF2B5EF4-FFF2-40B4-BE49-F238E27FC236}">
-                <a16:creationId xmlns:a16="http://schemas.microsoft.com/office/drawing/2014/main" id="{0C123408-A958-B541-B47B-D37846BF37DB}"/>
-              </a:ext>
-            </a:extLst>
-          </p:cNvPr>
-          <p:cNvSpPr txBox="1"/>
-          <p:nvPr/>
-        </p:nvSpPr>
-        <p:spPr>
-          <a:xfrm>
-            <a:off x="929465" y="1590661"/>
-            <a:ext cx="4878840" cy="400110"/>
-          </a:xfrm>
-          <a:prstGeom prst="rect">
-            <a:avLst/>
-          </a:prstGeom>
-          <a:noFill/>
-        </p:spPr>
-        <p:txBody>
-          <a:bodyPr wrap="square" rtlCol="0">
-            <a:spAutoFit/>
-          </a:bodyPr>
-          <a:lstStyle/>
-          <a:p>
-            <a:pPr algn="ctr"/>
-            <a:r>
-              <a:rPr lang="en-US" sz="2000" dirty="0"/>
-              <a:t>No Batch Correction</a:t>
-            </a:r>
-          </a:p>
-        </p:txBody>
-      </p:sp>
-      <p:sp>
-        <p:nvSpPr>
-          <p:cNvPr id="7" name="TextBox 6">
-            <a:extLst>
-              <a:ext uri="{FF2B5EF4-FFF2-40B4-BE49-F238E27FC236}">
-                <a16:creationId xmlns:a16="http://schemas.microsoft.com/office/drawing/2014/main" id="{4BF242DC-B8F5-F644-86B2-98AC0C3E99F5}"/>
-              </a:ext>
-            </a:extLst>
-          </p:cNvPr>
-          <p:cNvSpPr txBox="1"/>
-          <p:nvPr/>
-        </p:nvSpPr>
-        <p:spPr>
-          <a:xfrm>
-            <a:off x="6954354" y="1621197"/>
-            <a:ext cx="4878840" cy="400110"/>
-          </a:xfrm>
-          <a:prstGeom prst="rect">
-            <a:avLst/>
-          </a:prstGeom>
-          <a:noFill/>
-        </p:spPr>
-        <p:txBody>
-          <a:bodyPr wrap="square" rtlCol="0">
-            <a:spAutoFit/>
-          </a:bodyPr>
-          <a:lstStyle/>
-          <a:p>
-            <a:pPr algn="ctr"/>
-            <a:r>
-              <a:rPr lang="en-US" sz="2000" dirty="0"/>
-              <a:t>Class Specific Batch Correction</a:t>
-            </a:r>
-          </a:p>
-        </p:txBody>
-      </p:sp>
-      <p:pic>
-        <p:nvPicPr>
-          <p:cNvPr id="9" name="Picture 8" descr="A picture containing chart&#10;&#10;Description automatically generated">
-            <a:extLst>
-              <a:ext uri="{FF2B5EF4-FFF2-40B4-BE49-F238E27FC236}">
-                <a16:creationId xmlns:a16="http://schemas.microsoft.com/office/drawing/2014/main" id="{41CDADA9-24AB-F84A-B628-E73B6D08901E}"/>
-              </a:ext>
-            </a:extLst>
-          </p:cNvPr>
-          <p:cNvPicPr>
-            <a:picLocks noChangeAspect="1"/>
-          </p:cNvPicPr>
-          <p:nvPr/>
-        </p:nvPicPr>
-        <p:blipFill>
-          <a:blip r:embed="rId3"/>
-          <a:stretch>
-            <a:fillRect/>
-          </a:stretch>
-        </p:blipFill>
-        <p:spPr>
-          <a:xfrm>
-            <a:off x="6646241" y="2168873"/>
-            <a:ext cx="5077175" cy="3297650"/>
-          </a:xfrm>
-          <a:prstGeom prst="rect">
-            <a:avLst/>
-          </a:prstGeom>
-        </p:spPr>
-      </p:pic>
-    </p:spTree>
-    <p:extLst>
-      <p:ext uri="{BB962C8B-B14F-4D97-AF65-F5344CB8AC3E}">
-        <p14:creationId xmlns:p14="http://schemas.microsoft.com/office/powerpoint/2010/main" val="3495996922"/>
       </p:ext>
     </p:extLst>
   </p:cSld>
@@ -4722,8 +4813,8 @@
         </p:nvSpPr>
         <p:spPr>
           <a:xfrm>
-            <a:off x="358806" y="465153"/>
-            <a:ext cx="11764617" cy="1325563"/>
+            <a:off x="838200" y="365125"/>
+            <a:ext cx="10994994" cy="1325563"/>
           </a:xfrm>
         </p:spPr>
         <p:txBody>
@@ -4734,102 +4825,18 @@
           <a:p>
             <a:pPr algn="ctr"/>
             <a:r>
-              <a:rPr lang="en-US" sz="2800" dirty="0"/>
-              <a:t>Box plots of </a:t>
-            </a:r>
-            <a:r>
               <a:rPr lang="en-US" sz="2800" b="1" dirty="0"/>
-              <a:t>Non-Class Specific Correction </a:t>
-            </a:r>
-            <a:r>
-              <a:rPr lang="en-US" sz="2800" dirty="0"/>
-              <a:t>versus </a:t>
-            </a:r>
-            <a:r>
-              <a:rPr lang="en-US" sz="2800" b="1" dirty="0"/>
-              <a:t>Class Specific Batch Correction</a:t>
-            </a:r>
-          </a:p>
-        </p:txBody>
-      </p:sp>
-      <p:sp>
-        <p:nvSpPr>
-          <p:cNvPr id="6" name="TextBox 5">
-            <a:extLst>
-              <a:ext uri="{FF2B5EF4-FFF2-40B4-BE49-F238E27FC236}">
-                <a16:creationId xmlns:a16="http://schemas.microsoft.com/office/drawing/2014/main" id="{0C123408-A958-B541-B47B-D37846BF37DB}"/>
-              </a:ext>
-            </a:extLst>
-          </p:cNvPr>
-          <p:cNvSpPr txBox="1"/>
-          <p:nvPr/>
-        </p:nvSpPr>
-        <p:spPr>
-          <a:xfrm>
-            <a:off x="929465" y="1590661"/>
-            <a:ext cx="4878840" cy="400110"/>
-          </a:xfrm>
-          <a:prstGeom prst="rect">
-            <a:avLst/>
-          </a:prstGeom>
-          <a:noFill/>
-        </p:spPr>
-        <p:txBody>
-          <a:bodyPr wrap="square" rtlCol="0">
-            <a:spAutoFit/>
-          </a:bodyPr>
-          <a:lstStyle/>
-          <a:p>
-            <a:pPr algn="ctr"/>
-            <a:r>
-              <a:rPr lang="en-US" sz="2000" dirty="0"/>
-              <a:t>Non-Class Specific Batch Correction</a:t>
-            </a:r>
-          </a:p>
-        </p:txBody>
-      </p:sp>
-      <p:sp>
-        <p:nvSpPr>
-          <p:cNvPr id="7" name="TextBox 6">
-            <a:extLst>
-              <a:ext uri="{FF2B5EF4-FFF2-40B4-BE49-F238E27FC236}">
-                <a16:creationId xmlns:a16="http://schemas.microsoft.com/office/drawing/2014/main" id="{4BF242DC-B8F5-F644-86B2-98AC0C3E99F5}"/>
-              </a:ext>
-            </a:extLst>
-          </p:cNvPr>
-          <p:cNvSpPr txBox="1"/>
-          <p:nvPr/>
-        </p:nvSpPr>
-        <p:spPr>
-          <a:xfrm>
-            <a:off x="6954354" y="1621197"/>
-            <a:ext cx="4878840" cy="400110"/>
-          </a:xfrm>
-          <a:prstGeom prst="rect">
-            <a:avLst/>
-          </a:prstGeom>
-          <a:noFill/>
-        </p:spPr>
-        <p:txBody>
-          <a:bodyPr wrap="square" rtlCol="0">
-            <a:spAutoFit/>
-          </a:bodyPr>
-          <a:lstStyle/>
-          <a:p>
-            <a:pPr algn="ctr"/>
-            <a:r>
-              <a:rPr lang="en-US" sz="2000" dirty="0"/>
-              <a:t>Class Specific Batch Correction</a:t>
+              <a:t>Box plots of “No Batch Correction” versus “Class Specific Batch Correction”</a:t>
             </a:r>
           </a:p>
         </p:txBody>
       </p:sp>
       <p:pic>
         <p:nvPicPr>
-          <p:cNvPr id="9" name="Picture 8" descr="A picture containing chart&#10;&#10;Description automatically generated">
-            <a:extLst>
-              <a:ext uri="{FF2B5EF4-FFF2-40B4-BE49-F238E27FC236}">
-                <a16:creationId xmlns:a16="http://schemas.microsoft.com/office/drawing/2014/main" id="{41CDADA9-24AB-F84A-B628-E73B6D08901E}"/>
+          <p:cNvPr id="5" name="Picture 4" descr="A picture containing chart&#10;&#10;Description automatically generated">
+            <a:extLst>
+              <a:ext uri="{FF2B5EF4-FFF2-40B4-BE49-F238E27FC236}">
+                <a16:creationId xmlns:a16="http://schemas.microsoft.com/office/drawing/2014/main" id="{CFC04CFA-6DE9-8E42-873C-2E64ECFEDDCC}"/>
               </a:ext>
             </a:extLst>
           </p:cNvPr>
@@ -4846,7 +4853,7 @@
         </p:blipFill>
         <p:spPr>
           <a:xfrm>
-            <a:off x="6747376" y="2168873"/>
+            <a:off x="838200" y="2168873"/>
             <a:ext cx="5077175" cy="3297650"/>
           </a:xfrm>
           <a:prstGeom prst="rect">
@@ -4854,12 +4861,84 @@
           </a:prstGeom>
         </p:spPr>
       </p:pic>
+      <p:sp>
+        <p:nvSpPr>
+          <p:cNvPr id="6" name="TextBox 5">
+            <a:extLst>
+              <a:ext uri="{FF2B5EF4-FFF2-40B4-BE49-F238E27FC236}">
+                <a16:creationId xmlns:a16="http://schemas.microsoft.com/office/drawing/2014/main" id="{0C123408-A958-B541-B47B-D37846BF37DB}"/>
+              </a:ext>
+            </a:extLst>
+          </p:cNvPr>
+          <p:cNvSpPr txBox="1"/>
+          <p:nvPr/>
+        </p:nvSpPr>
+        <p:spPr>
+          <a:xfrm>
+            <a:off x="929465" y="1590661"/>
+            <a:ext cx="4878840" cy="400110"/>
+          </a:xfrm>
+          <a:prstGeom prst="rect">
+            <a:avLst/>
+          </a:prstGeom>
+          <a:noFill/>
+        </p:spPr>
+        <p:txBody>
+          <a:bodyPr wrap="square" rtlCol="0">
+            <a:spAutoFit/>
+          </a:bodyPr>
+          <a:lstStyle/>
+          <a:p>
+            <a:pPr algn="ctr"/>
+            <a:r>
+              <a:rPr lang="en-US" sz="2000" dirty="0"/>
+              <a:t>No Batch Correction</a:t>
+            </a:r>
+          </a:p>
+        </p:txBody>
+      </p:sp>
+      <p:sp>
+        <p:nvSpPr>
+          <p:cNvPr id="7" name="TextBox 6">
+            <a:extLst>
+              <a:ext uri="{FF2B5EF4-FFF2-40B4-BE49-F238E27FC236}">
+                <a16:creationId xmlns:a16="http://schemas.microsoft.com/office/drawing/2014/main" id="{4BF242DC-B8F5-F644-86B2-98AC0C3E99F5}"/>
+              </a:ext>
+            </a:extLst>
+          </p:cNvPr>
+          <p:cNvSpPr txBox="1"/>
+          <p:nvPr/>
+        </p:nvSpPr>
+        <p:spPr>
+          <a:xfrm>
+            <a:off x="6954354" y="1621197"/>
+            <a:ext cx="4878840" cy="400110"/>
+          </a:xfrm>
+          <a:prstGeom prst="rect">
+            <a:avLst/>
+          </a:prstGeom>
+          <a:noFill/>
+        </p:spPr>
+        <p:txBody>
+          <a:bodyPr wrap="square" rtlCol="0">
+            <a:spAutoFit/>
+          </a:bodyPr>
+          <a:lstStyle/>
+          <a:p>
+            <a:pPr algn="ctr"/>
+            <a:r>
+              <a:rPr lang="en-US" sz="2000" dirty="0"/>
+              <a:t>Class Specific Batch Correction</a:t>
+            </a:r>
+          </a:p>
+        </p:txBody>
+      </p:sp>
       <p:pic>
         <p:nvPicPr>
-          <p:cNvPr id="4" name="Picture 3" descr="A picture containing chart&#10;&#10;Description automatically generated">
-            <a:extLst>
-              <a:ext uri="{FF2B5EF4-FFF2-40B4-BE49-F238E27FC236}">
-                <a16:creationId xmlns:a16="http://schemas.microsoft.com/office/drawing/2014/main" id="{97369E1C-58BA-294C-AC40-D19007202A95}"/>
+          <p:cNvPr id="9" name="Picture 8" descr="A picture containing chart&#10;&#10;Description automatically generated">
+            <a:extLst>
+              <a:ext uri="{FF2B5EF4-FFF2-40B4-BE49-F238E27FC236}">
+                <a16:creationId xmlns:a16="http://schemas.microsoft.com/office/drawing/2014/main" id="{41CDADA9-24AB-F84A-B628-E73B6D08901E}"/>
               </a:ext>
             </a:extLst>
           </p:cNvPr>
@@ -4876,7 +4955,7 @@
         </p:blipFill>
         <p:spPr>
           <a:xfrm>
-            <a:off x="826393" y="2168873"/>
+            <a:off x="6646241" y="2168873"/>
             <a:ext cx="5077175" cy="3297650"/>
           </a:xfrm>
           <a:prstGeom prst="rect">
@@ -4884,46 +4963,10 @@
           </a:prstGeom>
         </p:spPr>
       </p:pic>
-      <p:sp>
-        <p:nvSpPr>
-          <p:cNvPr id="8" name="TextBox 7">
-            <a:extLst>
-              <a:ext uri="{FF2B5EF4-FFF2-40B4-BE49-F238E27FC236}">
-                <a16:creationId xmlns:a16="http://schemas.microsoft.com/office/drawing/2014/main" id="{8B5AC7B3-6A5B-4D4B-9BEB-7E6A5DE5CBAD}"/>
-              </a:ext>
-            </a:extLst>
-          </p:cNvPr>
-          <p:cNvSpPr txBox="1"/>
-          <p:nvPr/>
-        </p:nvSpPr>
-        <p:spPr>
-          <a:xfrm>
-            <a:off x="1127007" y="5644625"/>
-            <a:ext cx="10228213" cy="461665"/>
-          </a:xfrm>
-          <a:prstGeom prst="rect">
-            <a:avLst/>
-          </a:prstGeom>
-          <a:noFill/>
-        </p:spPr>
-        <p:txBody>
-          <a:bodyPr wrap="square" rtlCol="0">
-            <a:spAutoFit/>
-          </a:bodyPr>
-          <a:lstStyle/>
-          <a:p>
-            <a:pPr algn="ctr"/>
-            <a:r>
-              <a:rPr lang="en-US" sz="2400" dirty="0"/>
-              <a:t>Effects of batch correction looks similar in non-class specific or class specific </a:t>
-            </a:r>
-          </a:p>
-        </p:txBody>
-      </p:sp>
     </p:spTree>
     <p:extLst>
       <p:ext uri="{BB962C8B-B14F-4D97-AF65-F5344CB8AC3E}">
-        <p14:creationId xmlns:p14="http://schemas.microsoft.com/office/powerpoint/2010/main" val="2524532798"/>
+        <p14:creationId xmlns:p14="http://schemas.microsoft.com/office/powerpoint/2010/main" val="3495996922"/>
       </p:ext>
     </p:extLst>
   </p:cSld>
@@ -4952,10 +4995,58 @@
       </p:grpSpPr>
       <p:sp>
         <p:nvSpPr>
-          <p:cNvPr id="5" name="TextBox 4">
-            <a:extLst>
-              <a:ext uri="{FF2B5EF4-FFF2-40B4-BE49-F238E27FC236}">
-                <a16:creationId xmlns:a16="http://schemas.microsoft.com/office/drawing/2014/main" id="{8FDA6392-E85F-0847-AC43-0F8AED9C6565}"/>
+          <p:cNvPr id="2" name="Title 1">
+            <a:extLst>
+              <a:ext uri="{FF2B5EF4-FFF2-40B4-BE49-F238E27FC236}">
+                <a16:creationId xmlns:a16="http://schemas.microsoft.com/office/drawing/2014/main" id="{C0B75D38-FC8E-B041-B69E-A1C022A4689E}"/>
+              </a:ext>
+            </a:extLst>
+          </p:cNvPr>
+          <p:cNvSpPr>
+            <a:spLocks noGrp="1"/>
+          </p:cNvSpPr>
+          <p:nvPr>
+            <p:ph type="title"/>
+          </p:nvPr>
+        </p:nvSpPr>
+        <p:spPr>
+          <a:xfrm>
+            <a:off x="358806" y="465153"/>
+            <a:ext cx="11764617" cy="1325563"/>
+          </a:xfrm>
+        </p:spPr>
+        <p:txBody>
+          <a:bodyPr>
+            <a:normAutofit/>
+          </a:bodyPr>
+          <a:lstStyle/>
+          <a:p>
+            <a:pPr algn="ctr"/>
+            <a:r>
+              <a:rPr lang="en-US" sz="2800" dirty="0"/>
+              <a:t>Box plots of </a:t>
+            </a:r>
+            <a:r>
+              <a:rPr lang="en-US" sz="2800" b="1" dirty="0"/>
+              <a:t>Non-Class Specific Correction </a:t>
+            </a:r>
+            <a:r>
+              <a:rPr lang="en-US" sz="2800" dirty="0"/>
+              <a:t>versus </a:t>
+            </a:r>
+            <a:r>
+              <a:rPr lang="en-US" sz="2800" b="1" dirty="0"/>
+              <a:t>Class Specific Batch Correction</a:t>
+            </a:r>
+          </a:p>
+        </p:txBody>
+      </p:sp>
+      <p:sp>
+        <p:nvSpPr>
+          <p:cNvPr id="6" name="TextBox 5">
+            <a:extLst>
+              <a:ext uri="{FF2B5EF4-FFF2-40B4-BE49-F238E27FC236}">
+                <a16:creationId xmlns:a16="http://schemas.microsoft.com/office/drawing/2014/main" id="{0C123408-A958-B541-B47B-D37846BF37DB}"/>
               </a:ext>
             </a:extLst>
           </p:cNvPr>
@@ -4964,244 +5055,8 @@
         </p:nvSpPr>
         <p:spPr>
           <a:xfrm>
-            <a:off x="2860644" y="1183413"/>
-            <a:ext cx="2677064" cy="1754326"/>
-          </a:xfrm>
-          <a:prstGeom prst="rect">
-            <a:avLst/>
-          </a:prstGeom>
-          <a:solidFill>
-            <a:schemeClr val="tx1"/>
-          </a:solidFill>
-        </p:spPr>
-        <p:txBody>
-          <a:bodyPr wrap="square" rtlCol="0">
-            <a:spAutoFit/>
-          </a:bodyPr>
-          <a:lstStyle/>
-          <a:p>
-            <a:pPr algn="ctr"/>
-            <a:r>
-              <a:rPr lang="en-US" b="1" dirty="0">
-                <a:solidFill>
-                  <a:schemeClr val="accent5"/>
-                </a:solidFill>
-              </a:rPr>
-              <a:t>Non-Class Specific </a:t>
-            </a:r>
-          </a:p>
-          <a:p>
-            <a:pPr algn="ctr"/>
-            <a:r>
-              <a:rPr lang="en-US" b="1" dirty="0">
-                <a:solidFill>
-                  <a:schemeClr val="accent5"/>
-                </a:solidFill>
-              </a:rPr>
-              <a:t>Batch Corrected</a:t>
-            </a:r>
-          </a:p>
-          <a:p>
-            <a:pPr algn="ctr"/>
-            <a:endParaRPr lang="en-US" dirty="0">
-              <a:solidFill>
-                <a:schemeClr val="bg1"/>
-              </a:solidFill>
-            </a:endParaRPr>
-          </a:p>
-          <a:p>
-            <a:pPr algn="ctr"/>
-            <a:r>
-              <a:rPr lang="en-US" b="1" dirty="0">
-                <a:solidFill>
-                  <a:schemeClr val="bg1"/>
-                </a:solidFill>
-              </a:rPr>
-              <a:t>Before MTC</a:t>
-            </a:r>
-            <a:r>
-              <a:rPr lang="en-US" dirty="0">
-                <a:solidFill>
-                  <a:schemeClr val="bg1"/>
-                </a:solidFill>
-              </a:rPr>
-              <a:t>: 1770</a:t>
-            </a:r>
-          </a:p>
-          <a:p>
-            <a:pPr algn="ctr"/>
-            <a:r>
-              <a:rPr lang="en-US" b="1" dirty="0">
-                <a:solidFill>
-                  <a:schemeClr val="bg1"/>
-                </a:solidFill>
-              </a:rPr>
-              <a:t>After MTC</a:t>
-            </a:r>
-            <a:r>
-              <a:rPr lang="en-US" dirty="0">
-                <a:solidFill>
-                  <a:schemeClr val="bg1"/>
-                </a:solidFill>
-              </a:rPr>
-              <a:t>: 486</a:t>
-            </a:r>
-          </a:p>
-          <a:p>
-            <a:pPr algn="ctr"/>
-            <a:r>
-              <a:rPr lang="en-US" b="1" dirty="0">
-                <a:solidFill>
-                  <a:schemeClr val="bg1"/>
-                </a:solidFill>
-              </a:rPr>
-              <a:t>Enriched</a:t>
-            </a:r>
-            <a:r>
-              <a:rPr lang="en-US" dirty="0">
-                <a:solidFill>
-                  <a:schemeClr val="bg1"/>
-                </a:solidFill>
-              </a:rPr>
-              <a:t>: 69</a:t>
-            </a:r>
-          </a:p>
-        </p:txBody>
-      </p:sp>
-      <p:sp>
-        <p:nvSpPr>
-          <p:cNvPr id="6" name="TextBox 5">
-            <a:extLst>
-              <a:ext uri="{FF2B5EF4-FFF2-40B4-BE49-F238E27FC236}">
-                <a16:creationId xmlns:a16="http://schemas.microsoft.com/office/drawing/2014/main" id="{A10D63B3-7C8B-C94F-96D8-5C898F019D2A}"/>
-              </a:ext>
-            </a:extLst>
-          </p:cNvPr>
-          <p:cNvSpPr txBox="1"/>
-          <p:nvPr/>
-        </p:nvSpPr>
-        <p:spPr>
-          <a:xfrm>
-            <a:off x="6332473" y="1183413"/>
-            <a:ext cx="2677064" cy="1754326"/>
-          </a:xfrm>
-          <a:prstGeom prst="rect">
-            <a:avLst/>
-          </a:prstGeom>
-          <a:solidFill>
-            <a:schemeClr val="tx1"/>
-          </a:solidFill>
-        </p:spPr>
-        <p:txBody>
-          <a:bodyPr wrap="square" rtlCol="0">
-            <a:spAutoFit/>
-          </a:bodyPr>
-          <a:lstStyle/>
-          <a:p>
-            <a:pPr algn="ctr"/>
-            <a:r>
-              <a:rPr lang="en-US" b="1" dirty="0">
-                <a:solidFill>
-                  <a:schemeClr val="accent5"/>
-                </a:solidFill>
-              </a:rPr>
-              <a:t>Class Specific </a:t>
-            </a:r>
-          </a:p>
-          <a:p>
-            <a:pPr algn="ctr"/>
-            <a:r>
-              <a:rPr lang="en-US" b="1" dirty="0">
-                <a:solidFill>
-                  <a:schemeClr val="accent5"/>
-                </a:solidFill>
-              </a:rPr>
-              <a:t>Batch Corrected</a:t>
-            </a:r>
-          </a:p>
-          <a:p>
-            <a:pPr algn="ctr"/>
-            <a:endParaRPr lang="en-US" dirty="0">
-              <a:solidFill>
-                <a:schemeClr val="bg1"/>
-              </a:solidFill>
-            </a:endParaRPr>
-          </a:p>
-          <a:p>
-            <a:pPr algn="ctr"/>
-            <a:r>
-              <a:rPr lang="en-US" b="1" dirty="0">
-                <a:solidFill>
-                  <a:schemeClr val="bg1"/>
-                </a:solidFill>
-              </a:rPr>
-              <a:t>Before MTC: </a:t>
-            </a:r>
-            <a:r>
-              <a:rPr lang="en-US" dirty="0">
-                <a:solidFill>
-                  <a:schemeClr val="bg1"/>
-                </a:solidFill>
-              </a:rPr>
-              <a:t>1747</a:t>
-            </a:r>
-          </a:p>
-          <a:p>
-            <a:pPr algn="ctr"/>
-            <a:r>
-              <a:rPr lang="en-US" b="1" dirty="0">
-                <a:solidFill>
-                  <a:schemeClr val="bg1"/>
-                </a:solidFill>
-              </a:rPr>
-              <a:t>After MTC</a:t>
-            </a:r>
-            <a:r>
-              <a:rPr lang="en-US" dirty="0">
-                <a:solidFill>
-                  <a:schemeClr val="bg1"/>
-                </a:solidFill>
-              </a:rPr>
-              <a:t>: 480</a:t>
-            </a:r>
-          </a:p>
-          <a:p>
-            <a:pPr algn="ctr"/>
-            <a:r>
-              <a:rPr lang="en-US" b="1" dirty="0">
-                <a:solidFill>
-                  <a:schemeClr val="bg1"/>
-                </a:solidFill>
-              </a:rPr>
-              <a:t>Enriched</a:t>
-            </a:r>
-            <a:r>
-              <a:rPr lang="en-US" dirty="0">
-                <a:solidFill>
-                  <a:schemeClr val="bg1"/>
-                </a:solidFill>
-              </a:rPr>
-              <a:t>: 44</a:t>
-            </a:r>
-          </a:p>
-        </p:txBody>
-      </p:sp>
-      <p:sp>
-        <p:nvSpPr>
-          <p:cNvPr id="2" name="TextBox 1">
-            <a:extLst>
-              <a:ext uri="{FF2B5EF4-FFF2-40B4-BE49-F238E27FC236}">
-                <a16:creationId xmlns:a16="http://schemas.microsoft.com/office/drawing/2014/main" id="{70751D66-8573-0641-BB18-25919C4C2292}"/>
-              </a:ext>
-            </a:extLst>
-          </p:cNvPr>
-          <p:cNvSpPr txBox="1"/>
-          <p:nvPr/>
-        </p:nvSpPr>
-        <p:spPr>
-          <a:xfrm>
-            <a:off x="-338560" y="144864"/>
-            <a:ext cx="12869120" cy="954107"/>
+            <a:off x="929465" y="1590661"/>
+            <a:ext cx="4878840" cy="400110"/>
           </a:xfrm>
           <a:prstGeom prst="rect">
             <a:avLst/>
@@ -5216,67 +5071,18 @@
           <a:p>
             <a:pPr algn="ctr"/>
             <a:r>
-              <a:rPr lang="en-US" sz="2800" b="1" dirty="0"/>
-              <a:t>Comparison between non-class specific batch correction and </a:t>
-            </a:r>
-          </a:p>
-          <a:p>
-            <a:pPr algn="ctr"/>
-            <a:r>
-              <a:rPr lang="en-US" sz="2800" b="1" dirty="0"/>
-              <a:t>class specific batch correction</a:t>
-            </a:r>
-          </a:p>
-        </p:txBody>
-      </p:sp>
-      <p:cxnSp>
-        <p:nvCxnSpPr>
-          <p:cNvPr id="8" name="Straight Arrow Connector 7">
-            <a:extLst>
-              <a:ext uri="{FF2B5EF4-FFF2-40B4-BE49-F238E27FC236}">
-                <a16:creationId xmlns:a16="http://schemas.microsoft.com/office/drawing/2014/main" id="{34397EDB-50A7-9646-8396-391606A4E69D}"/>
-              </a:ext>
-            </a:extLst>
-          </p:cNvPr>
-          <p:cNvCxnSpPr>
-            <a:cxnSpLocks/>
-            <a:endCxn id="10" idx="0"/>
-          </p:cNvCxnSpPr>
-          <p:nvPr/>
-        </p:nvCxnSpPr>
-        <p:spPr>
-          <a:xfrm>
-            <a:off x="6007261" y="3025455"/>
-            <a:ext cx="0" cy="1315548"/>
-          </a:xfrm>
-          <a:prstGeom prst="straightConnector1">
-            <a:avLst/>
-          </a:prstGeom>
-          <a:ln w="25400">
-            <a:tailEnd type="triangle"/>
-          </a:ln>
-        </p:spPr>
-        <p:style>
-          <a:lnRef idx="1">
-            <a:schemeClr val="accent1"/>
-          </a:lnRef>
-          <a:fillRef idx="0">
-            <a:schemeClr val="accent1"/>
-          </a:fillRef>
-          <a:effectRef idx="0">
-            <a:schemeClr val="accent1"/>
-          </a:effectRef>
-          <a:fontRef idx="minor">
-            <a:schemeClr val="tx1"/>
-          </a:fontRef>
-        </p:style>
-      </p:cxnSp>
-      <p:sp>
-        <p:nvSpPr>
-          <p:cNvPr id="9" name="TextBox 8">
-            <a:extLst>
-              <a:ext uri="{FF2B5EF4-FFF2-40B4-BE49-F238E27FC236}">
-                <a16:creationId xmlns:a16="http://schemas.microsoft.com/office/drawing/2014/main" id="{F5D54811-FC3A-1E48-AFE9-4847F911697A}"/>
+              <a:rPr lang="en-US" sz="2000" dirty="0"/>
+              <a:t>Non-Class Specific Batch Correction</a:t>
+            </a:r>
+          </a:p>
+        </p:txBody>
+      </p:sp>
+      <p:sp>
+        <p:nvSpPr>
+          <p:cNvPr id="7" name="TextBox 6">
+            <a:extLst>
+              <a:ext uri="{FF2B5EF4-FFF2-40B4-BE49-F238E27FC236}">
+                <a16:creationId xmlns:a16="http://schemas.microsoft.com/office/drawing/2014/main" id="{4BF242DC-B8F5-F644-86B2-98AC0C3E99F5}"/>
               </a:ext>
             </a:extLst>
           </p:cNvPr>
@@ -5285,107 +5091,8 @@
         </p:nvSpPr>
         <p:spPr>
           <a:xfrm>
-            <a:off x="2610610" y="4864223"/>
-            <a:ext cx="6793302" cy="1754326"/>
-          </a:xfrm>
-          <a:prstGeom prst="rect">
-            <a:avLst/>
-          </a:prstGeom>
-          <a:solidFill>
-            <a:schemeClr val="tx1"/>
-          </a:solidFill>
-        </p:spPr>
-        <p:txBody>
-          <a:bodyPr wrap="square" rtlCol="0">
-            <a:spAutoFit/>
-          </a:bodyPr>
-          <a:lstStyle/>
-          <a:p>
-            <a:pPr algn="ctr"/>
-            <a:r>
-              <a:rPr lang="en-US" b="1" dirty="0">
-                <a:solidFill>
-                  <a:schemeClr val="bg1"/>
-                </a:solidFill>
-              </a:rPr>
-              <a:t>Intersections</a:t>
-            </a:r>
-          </a:p>
-          <a:p>
-            <a:pPr algn="ctr"/>
-            <a:r>
-              <a:rPr lang="en-US" b="1" dirty="0">
-                <a:solidFill>
-                  <a:schemeClr val="bg1"/>
-                </a:solidFill>
-              </a:rPr>
-              <a:t>Proteins (After MTC) and Enriched Pathways that are the same between batch corrected and class specific batch correction</a:t>
-            </a:r>
-          </a:p>
-          <a:p>
-            <a:pPr algn="ctr"/>
-            <a:endParaRPr lang="en-US" dirty="0">
-              <a:solidFill>
-                <a:schemeClr val="bg1"/>
-              </a:solidFill>
-            </a:endParaRPr>
-          </a:p>
-          <a:p>
-            <a:pPr algn="ctr"/>
-            <a:r>
-              <a:rPr lang="en-US" b="1" dirty="0">
-                <a:solidFill>
-                  <a:schemeClr val="bg1"/>
-                </a:solidFill>
-              </a:rPr>
-              <a:t>After MTC: </a:t>
-            </a:r>
-            <a:r>
-              <a:rPr lang="en-US" dirty="0">
-                <a:solidFill>
-                  <a:schemeClr val="bg1"/>
-                </a:solidFill>
-              </a:rPr>
-              <a:t>471</a:t>
-            </a:r>
-          </a:p>
-          <a:p>
-            <a:pPr algn="ctr"/>
-            <a:r>
-              <a:rPr lang="en-US" b="1" dirty="0">
-                <a:solidFill>
-                  <a:schemeClr val="bg1"/>
-                </a:solidFill>
-              </a:rPr>
-              <a:t>Enriched: </a:t>
-            </a:r>
-            <a:r>
-              <a:rPr lang="en-US" dirty="0">
-                <a:solidFill>
-                  <a:schemeClr val="bg1"/>
-                </a:solidFill>
-              </a:rPr>
-              <a:t>40 </a:t>
-            </a:r>
-          </a:p>
-        </p:txBody>
-      </p:sp>
-      <p:sp>
-        <p:nvSpPr>
-          <p:cNvPr id="10" name="TextBox 9">
-            <a:extLst>
-              <a:ext uri="{FF2B5EF4-FFF2-40B4-BE49-F238E27FC236}">
-                <a16:creationId xmlns:a16="http://schemas.microsoft.com/office/drawing/2014/main" id="{4E78D6AB-B943-984E-850E-06444C110A9E}"/>
-              </a:ext>
-            </a:extLst>
-          </p:cNvPr>
-          <p:cNvSpPr txBox="1"/>
-          <p:nvPr/>
-        </p:nvSpPr>
-        <p:spPr>
-          <a:xfrm>
-            <a:off x="-427299" y="4341003"/>
-            <a:ext cx="12869120" cy="523220"/>
+            <a:off x="6954354" y="1621197"/>
+            <a:ext cx="4878840" cy="400110"/>
           </a:xfrm>
           <a:prstGeom prst="rect">
             <a:avLst/>
@@ -5400,8 +5107,104 @@
           <a:p>
             <a:pPr algn="ctr"/>
             <a:r>
-              <a:rPr lang="en-US" sz="2800" b="1" dirty="0"/>
-              <a:t>Intersections between batch corrected and class specific batch corrected</a:t>
+              <a:rPr lang="en-US" sz="2000" dirty="0"/>
+              <a:t>Class Specific Batch Correction</a:t>
+            </a:r>
+          </a:p>
+        </p:txBody>
+      </p:sp>
+      <p:pic>
+        <p:nvPicPr>
+          <p:cNvPr id="9" name="Picture 8" descr="A picture containing chart&#10;&#10;Description automatically generated">
+            <a:extLst>
+              <a:ext uri="{FF2B5EF4-FFF2-40B4-BE49-F238E27FC236}">
+                <a16:creationId xmlns:a16="http://schemas.microsoft.com/office/drawing/2014/main" id="{41CDADA9-24AB-F84A-B628-E73B6D08901E}"/>
+              </a:ext>
+            </a:extLst>
+          </p:cNvPr>
+          <p:cNvPicPr>
+            <a:picLocks noChangeAspect="1"/>
+          </p:cNvPicPr>
+          <p:nvPr/>
+        </p:nvPicPr>
+        <p:blipFill>
+          <a:blip r:embed="rId2"/>
+          <a:stretch>
+            <a:fillRect/>
+          </a:stretch>
+        </p:blipFill>
+        <p:spPr>
+          <a:xfrm>
+            <a:off x="6747376" y="2168873"/>
+            <a:ext cx="5077175" cy="3297650"/>
+          </a:xfrm>
+          <a:prstGeom prst="rect">
+            <a:avLst/>
+          </a:prstGeom>
+        </p:spPr>
+      </p:pic>
+      <p:pic>
+        <p:nvPicPr>
+          <p:cNvPr id="4" name="Picture 3" descr="A picture containing chart&#10;&#10;Description automatically generated">
+            <a:extLst>
+              <a:ext uri="{FF2B5EF4-FFF2-40B4-BE49-F238E27FC236}">
+                <a16:creationId xmlns:a16="http://schemas.microsoft.com/office/drawing/2014/main" id="{97369E1C-58BA-294C-AC40-D19007202A95}"/>
+              </a:ext>
+            </a:extLst>
+          </p:cNvPr>
+          <p:cNvPicPr>
+            <a:picLocks noChangeAspect="1"/>
+          </p:cNvPicPr>
+          <p:nvPr/>
+        </p:nvPicPr>
+        <p:blipFill>
+          <a:blip r:embed="rId3"/>
+          <a:stretch>
+            <a:fillRect/>
+          </a:stretch>
+        </p:blipFill>
+        <p:spPr>
+          <a:xfrm>
+            <a:off x="826393" y="2168873"/>
+            <a:ext cx="5077175" cy="3297650"/>
+          </a:xfrm>
+          <a:prstGeom prst="rect">
+            <a:avLst/>
+          </a:prstGeom>
+        </p:spPr>
+      </p:pic>
+      <p:sp>
+        <p:nvSpPr>
+          <p:cNvPr id="8" name="TextBox 7">
+            <a:extLst>
+              <a:ext uri="{FF2B5EF4-FFF2-40B4-BE49-F238E27FC236}">
+                <a16:creationId xmlns:a16="http://schemas.microsoft.com/office/drawing/2014/main" id="{8B5AC7B3-6A5B-4D4B-9BEB-7E6A5DE5CBAD}"/>
+              </a:ext>
+            </a:extLst>
+          </p:cNvPr>
+          <p:cNvSpPr txBox="1"/>
+          <p:nvPr/>
+        </p:nvSpPr>
+        <p:spPr>
+          <a:xfrm>
+            <a:off x="1127007" y="5644625"/>
+            <a:ext cx="10228213" cy="461665"/>
+          </a:xfrm>
+          <a:prstGeom prst="rect">
+            <a:avLst/>
+          </a:prstGeom>
+          <a:noFill/>
+        </p:spPr>
+        <p:txBody>
+          <a:bodyPr wrap="square" rtlCol="0">
+            <a:spAutoFit/>
+          </a:bodyPr>
+          <a:lstStyle/>
+          <a:p>
+            <a:pPr algn="ctr"/>
+            <a:r>
+              <a:rPr lang="en-US" sz="2400" dirty="0"/>
+              <a:t>Effects of batch correction looks similar in non-class specific or class specific </a:t>
             </a:r>
           </a:p>
         </p:txBody>
@@ -5409,7 +5212,7 @@
     </p:spTree>
     <p:extLst>
       <p:ext uri="{BB962C8B-B14F-4D97-AF65-F5344CB8AC3E}">
-        <p14:creationId xmlns:p14="http://schemas.microsoft.com/office/powerpoint/2010/main" val="2086584120"/>
+        <p14:creationId xmlns:p14="http://schemas.microsoft.com/office/powerpoint/2010/main" val="2524532798"/>
       </p:ext>
     </p:extLst>
   </p:cSld>
@@ -5436,94 +5239,333 @@
           <a:chExt cx="0" cy="0"/>
         </a:xfrm>
       </p:grpSpPr>
-      <p:pic>
-        <p:nvPicPr>
-          <p:cNvPr id="4" name="Picture 3" descr="A screenshot of a chat&#10;&#10;Description automatically generated with low confidence">
-            <a:extLst>
-              <a:ext uri="{FF2B5EF4-FFF2-40B4-BE49-F238E27FC236}">
-                <a16:creationId xmlns:a16="http://schemas.microsoft.com/office/drawing/2014/main" id="{B28EE0A1-D75F-284F-8732-AFF269959EAF}"/>
-              </a:ext>
-            </a:extLst>
-          </p:cNvPr>
-          <p:cNvPicPr>
-            <a:picLocks noChangeAspect="1"/>
-          </p:cNvPicPr>
+      <p:sp>
+        <p:nvSpPr>
+          <p:cNvPr id="5" name="TextBox 4">
+            <a:extLst>
+              <a:ext uri="{FF2B5EF4-FFF2-40B4-BE49-F238E27FC236}">
+                <a16:creationId xmlns:a16="http://schemas.microsoft.com/office/drawing/2014/main" id="{8FDA6392-E85F-0847-AC43-0F8AED9C6565}"/>
+              </a:ext>
+            </a:extLst>
+          </p:cNvPr>
+          <p:cNvSpPr txBox="1"/>
           <p:nvPr/>
-        </p:nvPicPr>
-        <p:blipFill>
-          <a:blip r:embed="rId2"/>
-          <a:stretch>
-            <a:fillRect/>
-          </a:stretch>
-        </p:blipFill>
-        <p:spPr>
-          <a:xfrm>
-            <a:off x="1273044" y="644289"/>
-            <a:ext cx="3076593" cy="5569422"/>
+        </p:nvSpPr>
+        <p:spPr>
+          <a:xfrm>
+            <a:off x="2860644" y="1183413"/>
+            <a:ext cx="2677064" cy="1754326"/>
           </a:xfrm>
           <a:prstGeom prst="rect">
             <a:avLst/>
           </a:prstGeom>
-        </p:spPr>
-      </p:pic>
-      <p:sp>
-        <p:nvSpPr>
-          <p:cNvPr id="5" name="Rectangle 4">
-            <a:extLst>
-              <a:ext uri="{FF2B5EF4-FFF2-40B4-BE49-F238E27FC236}">
-                <a16:creationId xmlns:a16="http://schemas.microsoft.com/office/drawing/2014/main" id="{CB29F0AF-6334-B944-832F-F8FB81079012}"/>
-              </a:ext>
-            </a:extLst>
-          </p:cNvPr>
-          <p:cNvSpPr/>
+          <a:solidFill>
+            <a:schemeClr val="tx1"/>
+          </a:solidFill>
+        </p:spPr>
+        <p:txBody>
+          <a:bodyPr wrap="square" rtlCol="0">
+            <a:spAutoFit/>
+          </a:bodyPr>
+          <a:lstStyle/>
+          <a:p>
+            <a:pPr algn="ctr"/>
+            <a:r>
+              <a:rPr lang="en-US" b="1" dirty="0">
+                <a:solidFill>
+                  <a:schemeClr val="accent5"/>
+                </a:solidFill>
+              </a:rPr>
+              <a:t>Non-Class Specific </a:t>
+            </a:r>
+          </a:p>
+          <a:p>
+            <a:pPr algn="ctr"/>
+            <a:r>
+              <a:rPr lang="en-US" b="1" dirty="0">
+                <a:solidFill>
+                  <a:schemeClr val="accent5"/>
+                </a:solidFill>
+              </a:rPr>
+              <a:t>Batch Corrected</a:t>
+            </a:r>
+          </a:p>
+          <a:p>
+            <a:pPr algn="ctr"/>
+            <a:endParaRPr lang="en-US" dirty="0">
+              <a:solidFill>
+                <a:schemeClr val="bg1"/>
+              </a:solidFill>
+            </a:endParaRPr>
+          </a:p>
+          <a:p>
+            <a:pPr algn="ctr"/>
+            <a:r>
+              <a:rPr lang="en-US" b="1" dirty="0">
+                <a:solidFill>
+                  <a:schemeClr val="bg1"/>
+                </a:solidFill>
+              </a:rPr>
+              <a:t>Before MTC</a:t>
+            </a:r>
+            <a:r>
+              <a:rPr lang="en-US" dirty="0">
+                <a:solidFill>
+                  <a:schemeClr val="bg1"/>
+                </a:solidFill>
+              </a:rPr>
+              <a:t>: 1770</a:t>
+            </a:r>
+          </a:p>
+          <a:p>
+            <a:pPr algn="ctr"/>
+            <a:r>
+              <a:rPr lang="en-US" b="1" dirty="0">
+                <a:solidFill>
+                  <a:schemeClr val="bg1"/>
+                </a:solidFill>
+              </a:rPr>
+              <a:t>After MTC</a:t>
+            </a:r>
+            <a:r>
+              <a:rPr lang="en-US" dirty="0">
+                <a:solidFill>
+                  <a:schemeClr val="bg1"/>
+                </a:solidFill>
+              </a:rPr>
+              <a:t>: 486</a:t>
+            </a:r>
+          </a:p>
+          <a:p>
+            <a:pPr algn="ctr"/>
+            <a:r>
+              <a:rPr lang="en-US" b="1" dirty="0">
+                <a:solidFill>
+                  <a:schemeClr val="bg1"/>
+                </a:solidFill>
+              </a:rPr>
+              <a:t>Enriched</a:t>
+            </a:r>
+            <a:r>
+              <a:rPr lang="en-US" dirty="0">
+                <a:solidFill>
+                  <a:schemeClr val="bg1"/>
+                </a:solidFill>
+              </a:rPr>
+              <a:t>: 69</a:t>
+            </a:r>
+          </a:p>
+        </p:txBody>
+      </p:sp>
+      <p:sp>
+        <p:nvSpPr>
+          <p:cNvPr id="6" name="TextBox 5">
+            <a:extLst>
+              <a:ext uri="{FF2B5EF4-FFF2-40B4-BE49-F238E27FC236}">
+                <a16:creationId xmlns:a16="http://schemas.microsoft.com/office/drawing/2014/main" id="{A10D63B3-7C8B-C94F-96D8-5C898F019D2A}"/>
+              </a:ext>
+            </a:extLst>
+          </p:cNvPr>
+          <p:cNvSpPr txBox="1"/>
           <p:nvPr/>
         </p:nvSpPr>
         <p:spPr>
           <a:xfrm>
-            <a:off x="1644082" y="1114121"/>
-            <a:ext cx="2450840" cy="2016705"/>
+            <a:off x="6332473" y="1183413"/>
+            <a:ext cx="2677064" cy="1754326"/>
+          </a:xfrm>
+          <a:prstGeom prst="rect">
+            <a:avLst/>
+          </a:prstGeom>
+          <a:solidFill>
+            <a:schemeClr val="tx1"/>
+          </a:solidFill>
+        </p:spPr>
+        <p:txBody>
+          <a:bodyPr wrap="square" rtlCol="0">
+            <a:spAutoFit/>
+          </a:bodyPr>
+          <a:lstStyle/>
+          <a:p>
+            <a:pPr algn="ctr"/>
+            <a:r>
+              <a:rPr lang="en-US" b="1" dirty="0">
+                <a:solidFill>
+                  <a:schemeClr val="accent5"/>
+                </a:solidFill>
+              </a:rPr>
+              <a:t>Class Specific </a:t>
+            </a:r>
+          </a:p>
+          <a:p>
+            <a:pPr algn="ctr"/>
+            <a:r>
+              <a:rPr lang="en-US" b="1" dirty="0">
+                <a:solidFill>
+                  <a:schemeClr val="accent5"/>
+                </a:solidFill>
+              </a:rPr>
+              <a:t>Batch Corrected</a:t>
+            </a:r>
+          </a:p>
+          <a:p>
+            <a:pPr algn="ctr"/>
+            <a:endParaRPr lang="en-US" dirty="0">
+              <a:solidFill>
+                <a:schemeClr val="bg1"/>
+              </a:solidFill>
+            </a:endParaRPr>
+          </a:p>
+          <a:p>
+            <a:pPr algn="ctr"/>
+            <a:r>
+              <a:rPr lang="en-US" b="1" dirty="0">
+                <a:solidFill>
+                  <a:schemeClr val="bg1"/>
+                </a:solidFill>
+              </a:rPr>
+              <a:t>Before MTC: </a:t>
+            </a:r>
+            <a:r>
+              <a:rPr lang="en-US" dirty="0">
+                <a:solidFill>
+                  <a:schemeClr val="bg1"/>
+                </a:solidFill>
+              </a:rPr>
+              <a:t>1747</a:t>
+            </a:r>
+          </a:p>
+          <a:p>
+            <a:pPr algn="ctr"/>
+            <a:r>
+              <a:rPr lang="en-US" b="1" dirty="0">
+                <a:solidFill>
+                  <a:schemeClr val="bg1"/>
+                </a:solidFill>
+              </a:rPr>
+              <a:t>After MTC</a:t>
+            </a:r>
+            <a:r>
+              <a:rPr lang="en-US" dirty="0">
+                <a:solidFill>
+                  <a:schemeClr val="bg1"/>
+                </a:solidFill>
+              </a:rPr>
+              <a:t>: 480</a:t>
+            </a:r>
+          </a:p>
+          <a:p>
+            <a:pPr algn="ctr"/>
+            <a:r>
+              <a:rPr lang="en-US" b="1" dirty="0">
+                <a:solidFill>
+                  <a:schemeClr val="bg1"/>
+                </a:solidFill>
+              </a:rPr>
+              <a:t>Enriched</a:t>
+            </a:r>
+            <a:r>
+              <a:rPr lang="en-US" dirty="0">
+                <a:solidFill>
+                  <a:schemeClr val="bg1"/>
+                </a:solidFill>
+              </a:rPr>
+              <a:t>: 44</a:t>
+            </a:r>
+          </a:p>
+        </p:txBody>
+      </p:sp>
+      <p:sp>
+        <p:nvSpPr>
+          <p:cNvPr id="2" name="TextBox 1">
+            <a:extLst>
+              <a:ext uri="{FF2B5EF4-FFF2-40B4-BE49-F238E27FC236}">
+                <a16:creationId xmlns:a16="http://schemas.microsoft.com/office/drawing/2014/main" id="{70751D66-8573-0641-BB18-25919C4C2292}"/>
+              </a:ext>
+            </a:extLst>
+          </p:cNvPr>
+          <p:cNvSpPr txBox="1"/>
+          <p:nvPr/>
+        </p:nvSpPr>
+        <p:spPr>
+          <a:xfrm>
+            <a:off x="-338560" y="144864"/>
+            <a:ext cx="12869120" cy="954107"/>
           </a:xfrm>
           <a:prstGeom prst="rect">
             <a:avLst/>
           </a:prstGeom>
           <a:noFill/>
-          <a:ln w="28575">
-            <a:solidFill>
-              <a:srgbClr val="C00000"/>
-            </a:solidFill>
+        </p:spPr>
+        <p:txBody>
+          <a:bodyPr wrap="square" rtlCol="0">
+            <a:spAutoFit/>
+          </a:bodyPr>
+          <a:lstStyle/>
+          <a:p>
+            <a:pPr algn="ctr"/>
+            <a:r>
+              <a:rPr lang="en-US" sz="2800" b="1" dirty="0"/>
+              <a:t>Comparison between non-class specific batch correction and </a:t>
+            </a:r>
+          </a:p>
+          <a:p>
+            <a:pPr algn="ctr"/>
+            <a:r>
+              <a:rPr lang="en-US" sz="2800" b="1" dirty="0"/>
+              <a:t>class specific batch correction</a:t>
+            </a:r>
+          </a:p>
+        </p:txBody>
+      </p:sp>
+      <p:cxnSp>
+        <p:nvCxnSpPr>
+          <p:cNvPr id="8" name="Straight Arrow Connector 7">
+            <a:extLst>
+              <a:ext uri="{FF2B5EF4-FFF2-40B4-BE49-F238E27FC236}">
+                <a16:creationId xmlns:a16="http://schemas.microsoft.com/office/drawing/2014/main" id="{34397EDB-50A7-9646-8396-391606A4E69D}"/>
+              </a:ext>
+            </a:extLst>
+          </p:cNvPr>
+          <p:cNvCxnSpPr>
+            <a:cxnSpLocks/>
+            <a:endCxn id="10" idx="0"/>
+          </p:cNvCxnSpPr>
+          <p:nvPr/>
+        </p:nvCxnSpPr>
+        <p:spPr>
+          <a:xfrm>
+            <a:off x="6007261" y="3025455"/>
+            <a:ext cx="0" cy="1315548"/>
+          </a:xfrm>
+          <a:prstGeom prst="straightConnector1">
+            <a:avLst/>
+          </a:prstGeom>
+          <a:ln w="25400">
+            <a:tailEnd type="triangle"/>
           </a:ln>
         </p:spPr>
         <p:style>
-          <a:lnRef idx="2">
-            <a:schemeClr val="accent1">
-              <a:shade val="50000"/>
-            </a:schemeClr>
+          <a:lnRef idx="1">
+            <a:schemeClr val="accent1"/>
           </a:lnRef>
-          <a:fillRef idx="1">
+          <a:fillRef idx="0">
             <a:schemeClr val="accent1"/>
           </a:fillRef>
           <a:effectRef idx="0">
             <a:schemeClr val="accent1"/>
           </a:effectRef>
           <a:fontRef idx="minor">
-            <a:schemeClr val="lt1"/>
+            <a:schemeClr val="tx1"/>
           </a:fontRef>
         </p:style>
-        <p:txBody>
-          <a:bodyPr rtlCol="0" anchor="ctr"/>
-          <a:lstStyle/>
-          <a:p>
-            <a:pPr algn="ctr"/>
-            <a:endParaRPr lang="en-US"/>
-          </a:p>
-        </p:txBody>
-      </p:sp>
-      <p:sp>
-        <p:nvSpPr>
-          <p:cNvPr id="6" name="TextBox 5">
-            <a:extLst>
-              <a:ext uri="{FF2B5EF4-FFF2-40B4-BE49-F238E27FC236}">
-                <a16:creationId xmlns:a16="http://schemas.microsoft.com/office/drawing/2014/main" id="{7F0F8AC1-3F7A-3C47-AC5F-ED84B03D93EA}"/>
+      </p:cxnSp>
+      <p:sp>
+        <p:nvSpPr>
+          <p:cNvPr id="9" name="TextBox 8">
+            <a:extLst>
+              <a:ext uri="{FF2B5EF4-FFF2-40B4-BE49-F238E27FC236}">
+                <a16:creationId xmlns:a16="http://schemas.microsoft.com/office/drawing/2014/main" id="{F5D54811-FC3A-1E48-AFE9-4847F911697A}"/>
               </a:ext>
             </a:extLst>
           </p:cNvPr>
@@ -5532,8 +5574,107 @@
         </p:nvSpPr>
         <p:spPr>
           <a:xfrm>
-            <a:off x="4720675" y="1660808"/>
-            <a:ext cx="7008212" cy="461665"/>
+            <a:off x="2610610" y="4864223"/>
+            <a:ext cx="6793302" cy="1754326"/>
+          </a:xfrm>
+          <a:prstGeom prst="rect">
+            <a:avLst/>
+          </a:prstGeom>
+          <a:solidFill>
+            <a:schemeClr val="tx1"/>
+          </a:solidFill>
+        </p:spPr>
+        <p:txBody>
+          <a:bodyPr wrap="square" rtlCol="0">
+            <a:spAutoFit/>
+          </a:bodyPr>
+          <a:lstStyle/>
+          <a:p>
+            <a:pPr algn="ctr"/>
+            <a:r>
+              <a:rPr lang="en-US" b="1" dirty="0">
+                <a:solidFill>
+                  <a:schemeClr val="bg1"/>
+                </a:solidFill>
+              </a:rPr>
+              <a:t>Intersections</a:t>
+            </a:r>
+          </a:p>
+          <a:p>
+            <a:pPr algn="ctr"/>
+            <a:r>
+              <a:rPr lang="en-US" b="1" dirty="0">
+                <a:solidFill>
+                  <a:schemeClr val="bg1"/>
+                </a:solidFill>
+              </a:rPr>
+              <a:t>Proteins (After MTC) and Enriched Pathways that are the same between batch corrected and class specific batch correction</a:t>
+            </a:r>
+          </a:p>
+          <a:p>
+            <a:pPr algn="ctr"/>
+            <a:endParaRPr lang="en-US" dirty="0">
+              <a:solidFill>
+                <a:schemeClr val="bg1"/>
+              </a:solidFill>
+            </a:endParaRPr>
+          </a:p>
+          <a:p>
+            <a:pPr algn="ctr"/>
+            <a:r>
+              <a:rPr lang="en-US" b="1" dirty="0">
+                <a:solidFill>
+                  <a:schemeClr val="bg1"/>
+                </a:solidFill>
+              </a:rPr>
+              <a:t>After MTC: </a:t>
+            </a:r>
+            <a:r>
+              <a:rPr lang="en-US" dirty="0">
+                <a:solidFill>
+                  <a:schemeClr val="bg1"/>
+                </a:solidFill>
+              </a:rPr>
+              <a:t>471</a:t>
+            </a:r>
+          </a:p>
+          <a:p>
+            <a:pPr algn="ctr"/>
+            <a:r>
+              <a:rPr lang="en-US" b="1" dirty="0">
+                <a:solidFill>
+                  <a:schemeClr val="bg1"/>
+                </a:solidFill>
+              </a:rPr>
+              <a:t>Enriched: </a:t>
+            </a:r>
+            <a:r>
+              <a:rPr lang="en-US" dirty="0">
+                <a:solidFill>
+                  <a:schemeClr val="bg1"/>
+                </a:solidFill>
+              </a:rPr>
+              <a:t>40 </a:t>
+            </a:r>
+          </a:p>
+        </p:txBody>
+      </p:sp>
+      <p:sp>
+        <p:nvSpPr>
+          <p:cNvPr id="10" name="TextBox 9">
+            <a:extLst>
+              <a:ext uri="{FF2B5EF4-FFF2-40B4-BE49-F238E27FC236}">
+                <a16:creationId xmlns:a16="http://schemas.microsoft.com/office/drawing/2014/main" id="{4E78D6AB-B943-984E-850E-06444C110A9E}"/>
+              </a:ext>
+            </a:extLst>
+          </p:cNvPr>
+          <p:cNvSpPr txBox="1"/>
+          <p:nvPr/>
+        </p:nvSpPr>
+        <p:spPr>
+          <a:xfrm>
+            <a:off x="-427299" y="4341003"/>
+            <a:ext cx="12869120" cy="523220"/>
           </a:xfrm>
           <a:prstGeom prst="rect">
             <a:avLst/>
@@ -5546,9 +5687,10 @@
           </a:bodyPr>
           <a:lstStyle/>
           <a:p>
-            <a:r>
-              <a:rPr lang="en-US" sz="2400" b="1" dirty="0"/>
-              <a:t>Genes most affected by class specific batch correction</a:t>
+            <a:pPr algn="ctr"/>
+            <a:r>
+              <a:rPr lang="en-US" sz="2800" b="1" dirty="0"/>
+              <a:t>Intersections between batch corrected and class specific batch corrected</a:t>
             </a:r>
           </a:p>
         </p:txBody>
@@ -5556,7 +5698,7 @@
     </p:spTree>
     <p:extLst>
       <p:ext uri="{BB962C8B-B14F-4D97-AF65-F5344CB8AC3E}">
-        <p14:creationId xmlns:p14="http://schemas.microsoft.com/office/powerpoint/2010/main" val="2052854098"/>
+        <p14:creationId xmlns:p14="http://schemas.microsoft.com/office/powerpoint/2010/main" val="2086584120"/>
       </p:ext>
     </p:extLst>
   </p:cSld>
@@ -5601,8 +5743,8 @@
         </p:nvSpPr>
         <p:spPr>
           <a:xfrm>
-            <a:off x="-258793" y="1864892"/>
-            <a:ext cx="12709585" cy="2758865"/>
+            <a:off x="-258793" y="2493827"/>
+            <a:ext cx="12709585" cy="1870346"/>
           </a:xfrm>
         </p:spPr>
         <p:txBody>
@@ -5635,15 +5777,6 @@
             <a:r>
               <a:rPr lang="en-US" sz="3400" i="1" dirty="0"/>
               <a:t>Which genes were most affected by the correction?</a:t>
-            </a:r>
-          </a:p>
-          <a:p>
-            <a:pPr marL="0" indent="0" algn="ctr">
-              <a:buNone/>
-            </a:pPr>
-            <a:r>
-              <a:rPr lang="en-US" sz="3400" i="1" dirty="0"/>
-              <a:t>Was it meaningful to normalize by mean during batch correction?</a:t>
             </a:r>
           </a:p>
           <a:p>
@@ -5686,10 +5819,10 @@
       </p:grpSpPr>
       <p:pic>
         <p:nvPicPr>
-          <p:cNvPr id="5" name="Picture 4" descr="Chart, histogram&#10;&#10;Description automatically generated">
-            <a:extLst>
-              <a:ext uri="{FF2B5EF4-FFF2-40B4-BE49-F238E27FC236}">
-                <a16:creationId xmlns:a16="http://schemas.microsoft.com/office/drawing/2014/main" id="{526582FD-B6B0-374B-B890-82F6E620484A}"/>
+          <p:cNvPr id="4" name="Picture 3" descr="A screenshot of a chat&#10;&#10;Description automatically generated with low confidence">
+            <a:extLst>
+              <a:ext uri="{FF2B5EF4-FFF2-40B4-BE49-F238E27FC236}">
+                <a16:creationId xmlns:a16="http://schemas.microsoft.com/office/drawing/2014/main" id="{B28EE0A1-D75F-284F-8732-AFF269959EAF}"/>
               </a:ext>
             </a:extLst>
           </p:cNvPr>
@@ -5706,8 +5839,8 @@
         </p:blipFill>
         <p:spPr>
           <a:xfrm>
-            <a:off x="1987570" y="948906"/>
-            <a:ext cx="8216860" cy="4063041"/>
+            <a:off x="1273044" y="644289"/>
+            <a:ext cx="3076593" cy="5569422"/>
           </a:xfrm>
           <a:prstGeom prst="rect">
             <a:avLst/>
@@ -5716,68 +5849,77 @@
       </p:pic>
       <p:sp>
         <p:nvSpPr>
-          <p:cNvPr id="6" name="Title 1">
-            <a:extLst>
-              <a:ext uri="{FF2B5EF4-FFF2-40B4-BE49-F238E27FC236}">
-                <a16:creationId xmlns:a16="http://schemas.microsoft.com/office/drawing/2014/main" id="{B36ABAB1-34CD-EF4B-9A62-5230125698D8}"/>
-              </a:ext>
-            </a:extLst>
-          </p:cNvPr>
-          <p:cNvSpPr>
-            <a:spLocks noGrp="1"/>
-          </p:cNvSpPr>
-          <p:nvPr>
-            <p:ph type="title"/>
-          </p:nvPr>
-        </p:nvSpPr>
-        <p:spPr>
-          <a:xfrm>
-            <a:off x="246262" y="-119322"/>
-            <a:ext cx="11699473" cy="1325563"/>
-          </a:xfrm>
-        </p:spPr>
-        <p:txBody>
-          <a:bodyPr>
-            <a:normAutofit/>
-          </a:bodyPr>
-          <a:lstStyle/>
-          <a:p>
-            <a:pPr algn="ctr"/>
-            <a:r>
-              <a:rPr lang="en-US" sz="2000" b="1" dirty="0"/>
-              <a:t>Distribution of RMSE values between CS Batch Correction versus Non-CS Batch Correction </a:t>
-            </a:r>
-            <a:br>
-              <a:rPr lang="en-US" sz="2000" b="1" dirty="0"/>
-            </a:br>
-            <a:r>
-              <a:rPr lang="en-US" sz="2000" dirty="0"/>
-              <a:t>(RMSE by genes: 3123 RMSE values)</a:t>
-            </a:r>
-          </a:p>
-        </p:txBody>
-      </p:sp>
-      <p:sp>
-        <p:nvSpPr>
-          <p:cNvPr id="9" name="TextBox 8">
-            <a:extLst>
-              <a:ext uri="{FF2B5EF4-FFF2-40B4-BE49-F238E27FC236}">
-                <a16:creationId xmlns:a16="http://schemas.microsoft.com/office/drawing/2014/main" id="{BAE89D8C-F983-3F45-ADE1-632A8A55734D}"/>
-              </a:ext>
-            </a:extLst>
-          </p:cNvPr>
-          <p:cNvSpPr txBox="1"/>
+          <p:cNvPr id="5" name="Rectangle 4">
+            <a:extLst>
+              <a:ext uri="{FF2B5EF4-FFF2-40B4-BE49-F238E27FC236}">
+                <a16:creationId xmlns:a16="http://schemas.microsoft.com/office/drawing/2014/main" id="{CB29F0AF-6334-B944-832F-F8FB81079012}"/>
+              </a:ext>
+            </a:extLst>
+          </p:cNvPr>
+          <p:cNvSpPr/>
           <p:nvPr/>
         </p:nvSpPr>
         <p:spPr>
           <a:xfrm>
-            <a:off x="1131495" y="5138708"/>
-            <a:ext cx="10151855" cy="1384995"/>
+            <a:off x="1644082" y="1114121"/>
+            <a:ext cx="2450840" cy="2016705"/>
           </a:xfrm>
           <a:prstGeom prst="rect">
             <a:avLst/>
           </a:prstGeom>
           <a:noFill/>
+          <a:ln w="28575">
+            <a:solidFill>
+              <a:srgbClr val="C00000"/>
+            </a:solidFill>
+          </a:ln>
+        </p:spPr>
+        <p:style>
+          <a:lnRef idx="2">
+            <a:schemeClr val="accent1">
+              <a:shade val="50000"/>
+            </a:schemeClr>
+          </a:lnRef>
+          <a:fillRef idx="1">
+            <a:schemeClr val="accent1"/>
+          </a:fillRef>
+          <a:effectRef idx="0">
+            <a:schemeClr val="accent1"/>
+          </a:effectRef>
+          <a:fontRef idx="minor">
+            <a:schemeClr val="lt1"/>
+          </a:fontRef>
+        </p:style>
+        <p:txBody>
+          <a:bodyPr rtlCol="0" anchor="ctr"/>
+          <a:lstStyle/>
+          <a:p>
+            <a:pPr algn="ctr"/>
+            <a:endParaRPr lang="en-US"/>
+          </a:p>
+        </p:txBody>
+      </p:sp>
+      <p:sp>
+        <p:nvSpPr>
+          <p:cNvPr id="6" name="TextBox 5">
+            <a:extLst>
+              <a:ext uri="{FF2B5EF4-FFF2-40B4-BE49-F238E27FC236}">
+                <a16:creationId xmlns:a16="http://schemas.microsoft.com/office/drawing/2014/main" id="{7F0F8AC1-3F7A-3C47-AC5F-ED84B03D93EA}"/>
+              </a:ext>
+            </a:extLst>
+          </p:cNvPr>
+          <p:cNvSpPr txBox="1"/>
+          <p:nvPr/>
+        </p:nvSpPr>
+        <p:spPr>
+          <a:xfrm>
+            <a:off x="4720675" y="1660808"/>
+            <a:ext cx="7008212" cy="461665"/>
+          </a:xfrm>
+          <a:prstGeom prst="rect">
+            <a:avLst/>
+          </a:prstGeom>
+          <a:noFill/>
         </p:spPr>
         <p:txBody>
           <a:bodyPr wrap="square" rtlCol="0">
@@ -5786,14 +5928,8 @@
           <a:lstStyle/>
           <a:p>
             <a:r>
-              <a:rPr lang="en-US" sz="2800" b="1" dirty="0"/>
-              <a:t>Most of the RMSE values were about 0.05</a:t>
-            </a:r>
-          </a:p>
-          <a:p>
-            <a:r>
-              <a:rPr lang="en-US" sz="2800" dirty="0"/>
-              <a:t>Is there significant differences between CS-batch correction and Non-CS batch correction? Based on RMSE values, unlikely.  </a:t>
+              <a:rPr lang="en-US" sz="2400" b="1" dirty="0"/>
+              <a:t>Genes most affected by class specific batch correction</a:t>
             </a:r>
           </a:p>
         </p:txBody>
@@ -5801,7 +5937,7 @@
     </p:spTree>
     <p:extLst>
       <p:ext uri="{BB962C8B-B14F-4D97-AF65-F5344CB8AC3E}">
-        <p14:creationId xmlns:p14="http://schemas.microsoft.com/office/powerpoint/2010/main" val="3404733228"/>
+        <p14:creationId xmlns:p14="http://schemas.microsoft.com/office/powerpoint/2010/main" val="2052854098"/>
       </p:ext>
     </p:extLst>
   </p:cSld>
@@ -5828,47 +5964,12 @@
           <a:chExt cx="0" cy="0"/>
         </a:xfrm>
       </p:grpSpPr>
-      <p:sp>
-        <p:nvSpPr>
-          <p:cNvPr id="2" name="Title 1">
-            <a:extLst>
-              <a:ext uri="{FF2B5EF4-FFF2-40B4-BE49-F238E27FC236}">
-                <a16:creationId xmlns:a16="http://schemas.microsoft.com/office/drawing/2014/main" id="{73C84160-1938-B343-993F-244CDBCA009D}"/>
-              </a:ext>
-            </a:extLst>
-          </p:cNvPr>
-          <p:cNvSpPr>
-            <a:spLocks noGrp="1"/>
-          </p:cNvSpPr>
-          <p:nvPr>
-            <p:ph type="title"/>
-          </p:nvPr>
-        </p:nvSpPr>
-        <p:spPr>
-          <a:xfrm>
-            <a:off x="163285" y="159770"/>
-            <a:ext cx="10515600" cy="743745"/>
-          </a:xfrm>
-        </p:spPr>
-        <p:txBody>
-          <a:bodyPr>
-            <a:normAutofit/>
-          </a:bodyPr>
-          <a:lstStyle/>
-          <a:p>
-            <a:r>
-              <a:rPr lang="en-US" sz="3200" dirty="0"/>
-              <a:t>P value distribution</a:t>
-            </a:r>
-          </a:p>
-        </p:txBody>
-      </p:sp>
       <p:pic>
         <p:nvPicPr>
-          <p:cNvPr id="5" name="Picture 4" descr="Chart&#10;&#10;Description automatically generated">
-            <a:extLst>
-              <a:ext uri="{FF2B5EF4-FFF2-40B4-BE49-F238E27FC236}">
-                <a16:creationId xmlns:a16="http://schemas.microsoft.com/office/drawing/2014/main" id="{0A43FBFC-04A9-204B-A287-FEE9E7779DD1}"/>
+          <p:cNvPr id="5" name="Picture 4" descr="Chart, histogram&#10;&#10;Description automatically generated">
+            <a:extLst>
+              <a:ext uri="{FF2B5EF4-FFF2-40B4-BE49-F238E27FC236}">
+                <a16:creationId xmlns:a16="http://schemas.microsoft.com/office/drawing/2014/main" id="{526582FD-B6B0-374B-B890-82F6E620484A}"/>
               </a:ext>
             </a:extLst>
           </p:cNvPr>
@@ -5885,8 +5986,8 @@
         </p:blipFill>
         <p:spPr>
           <a:xfrm>
-            <a:off x="2576355" y="1564552"/>
-            <a:ext cx="7039287" cy="4672011"/>
+            <a:off x="1987568" y="1384540"/>
+            <a:ext cx="8216860" cy="4088920"/>
           </a:xfrm>
           <a:prstGeom prst="rect">
             <a:avLst/>
@@ -5895,79 +5996,51 @@
       </p:pic>
       <p:sp>
         <p:nvSpPr>
-          <p:cNvPr id="6" name="TextBox 5">
-            <a:extLst>
-              <a:ext uri="{FF2B5EF4-FFF2-40B4-BE49-F238E27FC236}">
-                <a16:creationId xmlns:a16="http://schemas.microsoft.com/office/drawing/2014/main" id="{3B832D52-8F35-EE47-B380-558B0AAB4D6F}"/>
-              </a:ext>
-            </a:extLst>
-          </p:cNvPr>
-          <p:cNvSpPr txBox="1"/>
-          <p:nvPr/>
-        </p:nvSpPr>
-        <p:spPr>
-          <a:xfrm>
-            <a:off x="1959868" y="1003201"/>
-            <a:ext cx="8272260" cy="461665"/>
-          </a:xfrm>
-          <a:prstGeom prst="rect">
-            <a:avLst/>
-          </a:prstGeom>
-          <a:noFill/>
-        </p:spPr>
-        <p:txBody>
-          <a:bodyPr wrap="square" rtlCol="0">
-            <a:spAutoFit/>
+          <p:cNvPr id="6" name="Title 1">
+            <a:extLst>
+              <a:ext uri="{FF2B5EF4-FFF2-40B4-BE49-F238E27FC236}">
+                <a16:creationId xmlns:a16="http://schemas.microsoft.com/office/drawing/2014/main" id="{B36ABAB1-34CD-EF4B-9A62-5230125698D8}"/>
+              </a:ext>
+            </a:extLst>
+          </p:cNvPr>
+          <p:cNvSpPr>
+            <a:spLocks noGrp="1"/>
+          </p:cNvSpPr>
+          <p:nvPr>
+            <p:ph type="title"/>
+          </p:nvPr>
+        </p:nvSpPr>
+        <p:spPr>
+          <a:xfrm>
+            <a:off x="246261" y="199855"/>
+            <a:ext cx="11699473" cy="1325563"/>
+          </a:xfrm>
+        </p:spPr>
+        <p:txBody>
+          <a:bodyPr>
+            <a:normAutofit/>
           </a:bodyPr>
           <a:lstStyle/>
           <a:p>
             <a:pPr algn="ctr"/>
             <a:r>
-              <a:rPr lang="en-US" sz="2400" b="1" dirty="0"/>
-              <a:t>Post-MTC (Bonferroni) p-value distribution of the protein genes</a:t>
-            </a:r>
-          </a:p>
-        </p:txBody>
-      </p:sp>
-      <p:sp>
-        <p:nvSpPr>
-          <p:cNvPr id="7" name="Rectangle 6">
-            <a:extLst>
-              <a:ext uri="{FF2B5EF4-FFF2-40B4-BE49-F238E27FC236}">
-                <a16:creationId xmlns:a16="http://schemas.microsoft.com/office/drawing/2014/main" id="{0182F7F2-08DA-CE4E-BC92-A50F85995C1F}"/>
-              </a:ext>
-            </a:extLst>
-          </p:cNvPr>
-          <p:cNvSpPr/>
-          <p:nvPr/>
-        </p:nvSpPr>
-        <p:spPr>
-          <a:xfrm>
-            <a:off x="4921640" y="3244334"/>
-            <a:ext cx="2348720" cy="369332"/>
-          </a:xfrm>
-          <a:prstGeom prst="rect">
-            <a:avLst/>
-          </a:prstGeom>
-        </p:spPr>
-        <p:txBody>
-          <a:bodyPr wrap="none">
-            <a:spAutoFit/>
-          </a:bodyPr>
-          <a:lstStyle/>
-          <a:p>
-            <a:r>
-              <a:rPr lang="en-SG" dirty="0"/>
-              <a:t>0.05702117420523973</a:t>
-            </a:r>
-            <a:endParaRPr lang="en-US" dirty="0"/>
+              <a:rPr lang="en-US" sz="2000" b="1" dirty="0"/>
+              <a:t>Distribution of RMSE values between CS Batch Correction versus Non-CS Batch Correction </a:t>
+            </a:r>
+            <a:br>
+              <a:rPr lang="en-US" sz="2000" b="1" dirty="0"/>
+            </a:br>
+            <a:r>
+              <a:rPr lang="en-US" sz="2000" dirty="0"/>
+              <a:t>(RMSE by genes: 3123 RMSE values)</a:t>
+            </a:r>
           </a:p>
         </p:txBody>
       </p:sp>
     </p:spTree>
     <p:extLst>
       <p:ext uri="{BB962C8B-B14F-4D97-AF65-F5344CB8AC3E}">
-        <p14:creationId xmlns:p14="http://schemas.microsoft.com/office/powerpoint/2010/main" val="581899772"/>
+        <p14:creationId xmlns:p14="http://schemas.microsoft.com/office/powerpoint/2010/main" val="3404733228"/>
       </p:ext>
     </p:extLst>
   </p:cSld>
@@ -5996,45 +6069,10 @@
       </p:grpSpPr>
       <p:sp>
         <p:nvSpPr>
-          <p:cNvPr id="2" name="Title 1">
-            <a:extLst>
-              <a:ext uri="{FF2B5EF4-FFF2-40B4-BE49-F238E27FC236}">
-                <a16:creationId xmlns:a16="http://schemas.microsoft.com/office/drawing/2014/main" id="{73C84160-1938-B343-993F-244CDBCA009D}"/>
-              </a:ext>
-            </a:extLst>
-          </p:cNvPr>
-          <p:cNvSpPr>
-            <a:spLocks noGrp="1"/>
-          </p:cNvSpPr>
-          <p:nvPr>
-            <p:ph type="title"/>
-          </p:nvPr>
-        </p:nvSpPr>
-        <p:spPr>
-          <a:xfrm>
-            <a:off x="163285" y="159770"/>
-            <a:ext cx="10515600" cy="743745"/>
-          </a:xfrm>
-        </p:spPr>
-        <p:txBody>
-          <a:bodyPr>
-            <a:normAutofit/>
-          </a:bodyPr>
-          <a:lstStyle/>
-          <a:p>
-            <a:r>
-              <a:rPr lang="en-US" sz="3200" dirty="0"/>
-              <a:t>P value distribution</a:t>
-            </a:r>
-          </a:p>
-        </p:txBody>
-      </p:sp>
-      <p:sp>
-        <p:nvSpPr>
-          <p:cNvPr id="6" name="TextBox 5">
-            <a:extLst>
-              <a:ext uri="{FF2B5EF4-FFF2-40B4-BE49-F238E27FC236}">
-                <a16:creationId xmlns:a16="http://schemas.microsoft.com/office/drawing/2014/main" id="{3B832D52-8F35-EE47-B380-558B0AAB4D6F}"/>
+          <p:cNvPr id="5" name="TextBox 4">
+            <a:extLst>
+              <a:ext uri="{FF2B5EF4-FFF2-40B4-BE49-F238E27FC236}">
+                <a16:creationId xmlns:a16="http://schemas.microsoft.com/office/drawing/2014/main" id="{8FDA6392-E85F-0847-AC43-0F8AED9C6565}"/>
               </a:ext>
             </a:extLst>
           </p:cNvPr>
@@ -6043,8 +6081,244 @@
         </p:nvSpPr>
         <p:spPr>
           <a:xfrm>
-            <a:off x="-85941" y="1421617"/>
-            <a:ext cx="8703729" cy="461665"/>
+            <a:off x="2860644" y="1183413"/>
+            <a:ext cx="2677064" cy="1754326"/>
+          </a:xfrm>
+          <a:prstGeom prst="rect">
+            <a:avLst/>
+          </a:prstGeom>
+          <a:solidFill>
+            <a:schemeClr val="tx1"/>
+          </a:solidFill>
+        </p:spPr>
+        <p:txBody>
+          <a:bodyPr wrap="square" rtlCol="0">
+            <a:spAutoFit/>
+          </a:bodyPr>
+          <a:lstStyle/>
+          <a:p>
+            <a:pPr algn="ctr"/>
+            <a:r>
+              <a:rPr lang="en-US" b="1" dirty="0">
+                <a:solidFill>
+                  <a:schemeClr val="accent5"/>
+                </a:solidFill>
+              </a:rPr>
+              <a:t>Non-Class Specific </a:t>
+            </a:r>
+          </a:p>
+          <a:p>
+            <a:pPr algn="ctr"/>
+            <a:r>
+              <a:rPr lang="en-US" b="1" dirty="0">
+                <a:solidFill>
+                  <a:schemeClr val="accent5"/>
+                </a:solidFill>
+              </a:rPr>
+              <a:t>Batch Corrected</a:t>
+            </a:r>
+          </a:p>
+          <a:p>
+            <a:pPr algn="ctr"/>
+            <a:endParaRPr lang="en-US" dirty="0">
+              <a:solidFill>
+                <a:schemeClr val="bg1"/>
+              </a:solidFill>
+            </a:endParaRPr>
+          </a:p>
+          <a:p>
+            <a:pPr algn="ctr"/>
+            <a:r>
+              <a:rPr lang="en-US" b="1" dirty="0">
+                <a:solidFill>
+                  <a:schemeClr val="bg1"/>
+                </a:solidFill>
+              </a:rPr>
+              <a:t>Before MTC</a:t>
+            </a:r>
+            <a:r>
+              <a:rPr lang="en-US" dirty="0">
+                <a:solidFill>
+                  <a:schemeClr val="bg1"/>
+                </a:solidFill>
+              </a:rPr>
+              <a:t>: 1770</a:t>
+            </a:r>
+          </a:p>
+          <a:p>
+            <a:pPr algn="ctr"/>
+            <a:r>
+              <a:rPr lang="en-US" b="1" dirty="0">
+                <a:solidFill>
+                  <a:schemeClr val="bg1"/>
+                </a:solidFill>
+              </a:rPr>
+              <a:t>After MTC</a:t>
+            </a:r>
+            <a:r>
+              <a:rPr lang="en-US" dirty="0">
+                <a:solidFill>
+                  <a:schemeClr val="bg1"/>
+                </a:solidFill>
+              </a:rPr>
+              <a:t>: 486</a:t>
+            </a:r>
+          </a:p>
+          <a:p>
+            <a:pPr algn="ctr"/>
+            <a:r>
+              <a:rPr lang="en-US" b="1" dirty="0">
+                <a:solidFill>
+                  <a:schemeClr val="bg1"/>
+                </a:solidFill>
+              </a:rPr>
+              <a:t>Enriched</a:t>
+            </a:r>
+            <a:r>
+              <a:rPr lang="en-US" dirty="0">
+                <a:solidFill>
+                  <a:schemeClr val="bg1"/>
+                </a:solidFill>
+              </a:rPr>
+              <a:t>: 69</a:t>
+            </a:r>
+          </a:p>
+        </p:txBody>
+      </p:sp>
+      <p:sp>
+        <p:nvSpPr>
+          <p:cNvPr id="6" name="TextBox 5">
+            <a:extLst>
+              <a:ext uri="{FF2B5EF4-FFF2-40B4-BE49-F238E27FC236}">
+                <a16:creationId xmlns:a16="http://schemas.microsoft.com/office/drawing/2014/main" id="{A10D63B3-7C8B-C94F-96D8-5C898F019D2A}"/>
+              </a:ext>
+            </a:extLst>
+          </p:cNvPr>
+          <p:cNvSpPr txBox="1"/>
+          <p:nvPr/>
+        </p:nvSpPr>
+        <p:spPr>
+          <a:xfrm>
+            <a:off x="6332473" y="1183413"/>
+            <a:ext cx="2677064" cy="1754326"/>
+          </a:xfrm>
+          <a:prstGeom prst="rect">
+            <a:avLst/>
+          </a:prstGeom>
+          <a:solidFill>
+            <a:schemeClr val="tx1"/>
+          </a:solidFill>
+        </p:spPr>
+        <p:txBody>
+          <a:bodyPr wrap="square" rtlCol="0">
+            <a:spAutoFit/>
+          </a:bodyPr>
+          <a:lstStyle/>
+          <a:p>
+            <a:pPr algn="ctr"/>
+            <a:r>
+              <a:rPr lang="en-US" b="1" dirty="0">
+                <a:solidFill>
+                  <a:schemeClr val="accent5"/>
+                </a:solidFill>
+              </a:rPr>
+              <a:t>Class Specific </a:t>
+            </a:r>
+          </a:p>
+          <a:p>
+            <a:pPr algn="ctr"/>
+            <a:r>
+              <a:rPr lang="en-US" b="1" dirty="0">
+                <a:solidFill>
+                  <a:schemeClr val="accent5"/>
+                </a:solidFill>
+              </a:rPr>
+              <a:t>Batch Corrected</a:t>
+            </a:r>
+          </a:p>
+          <a:p>
+            <a:pPr algn="ctr"/>
+            <a:endParaRPr lang="en-US" dirty="0">
+              <a:solidFill>
+                <a:schemeClr val="bg1"/>
+              </a:solidFill>
+            </a:endParaRPr>
+          </a:p>
+          <a:p>
+            <a:pPr algn="ctr"/>
+            <a:r>
+              <a:rPr lang="en-US" b="1" dirty="0">
+                <a:solidFill>
+                  <a:schemeClr val="bg1"/>
+                </a:solidFill>
+              </a:rPr>
+              <a:t>Before MTC: </a:t>
+            </a:r>
+            <a:r>
+              <a:rPr lang="en-US" dirty="0">
+                <a:solidFill>
+                  <a:schemeClr val="bg1"/>
+                </a:solidFill>
+              </a:rPr>
+              <a:t>1747</a:t>
+            </a:r>
+          </a:p>
+          <a:p>
+            <a:pPr algn="ctr"/>
+            <a:r>
+              <a:rPr lang="en-US" b="1" dirty="0">
+                <a:solidFill>
+                  <a:schemeClr val="bg1"/>
+                </a:solidFill>
+              </a:rPr>
+              <a:t>After MTC</a:t>
+            </a:r>
+            <a:r>
+              <a:rPr lang="en-US" dirty="0">
+                <a:solidFill>
+                  <a:schemeClr val="bg1"/>
+                </a:solidFill>
+              </a:rPr>
+              <a:t>: 480</a:t>
+            </a:r>
+          </a:p>
+          <a:p>
+            <a:pPr algn="ctr"/>
+            <a:r>
+              <a:rPr lang="en-US" b="1" dirty="0">
+                <a:solidFill>
+                  <a:schemeClr val="bg1"/>
+                </a:solidFill>
+              </a:rPr>
+              <a:t>Enriched</a:t>
+            </a:r>
+            <a:r>
+              <a:rPr lang="en-US" dirty="0">
+                <a:solidFill>
+                  <a:schemeClr val="bg1"/>
+                </a:solidFill>
+              </a:rPr>
+              <a:t>: 44</a:t>
+            </a:r>
+          </a:p>
+        </p:txBody>
+      </p:sp>
+      <p:sp>
+        <p:nvSpPr>
+          <p:cNvPr id="2" name="TextBox 1">
+            <a:extLst>
+              <a:ext uri="{FF2B5EF4-FFF2-40B4-BE49-F238E27FC236}">
+                <a16:creationId xmlns:a16="http://schemas.microsoft.com/office/drawing/2014/main" id="{70751D66-8573-0641-BB18-25919C4C2292}"/>
+              </a:ext>
+            </a:extLst>
+          </p:cNvPr>
+          <p:cNvSpPr txBox="1"/>
+          <p:nvPr/>
+        </p:nvSpPr>
+        <p:spPr>
+          <a:xfrm>
+            <a:off x="-338560" y="144864"/>
+            <a:ext cx="12869120" cy="954107"/>
           </a:xfrm>
           <a:prstGeom prst="rect">
             <a:avLst/>
@@ -6059,48 +6333,166 @@
           <a:p>
             <a:pPr algn="ctr"/>
             <a:r>
-              <a:rPr lang="en-US" sz="2400" b="1" dirty="0"/>
-              <a:t>P-value distribution of enriched pathways protein genes</a:t>
-            </a:r>
-          </a:p>
-        </p:txBody>
-      </p:sp>
-      <p:pic>
-        <p:nvPicPr>
-          <p:cNvPr id="4" name="Picture 3" descr="Chart, line chart&#10;&#10;Description automatically generated">
-            <a:extLst>
-              <a:ext uri="{FF2B5EF4-FFF2-40B4-BE49-F238E27FC236}">
-                <a16:creationId xmlns:a16="http://schemas.microsoft.com/office/drawing/2014/main" id="{2FD8F5AE-2CFE-BB44-A91F-60393DEC9283}"/>
-              </a:ext>
-            </a:extLst>
-          </p:cNvPr>
-          <p:cNvPicPr>
-            <a:picLocks noChangeAspect="1"/>
-          </p:cNvPicPr>
+              <a:rPr lang="en-US" sz="2800" b="1" dirty="0"/>
+              <a:t>Comparison between non-class specific batch correction and </a:t>
+            </a:r>
+          </a:p>
+          <a:p>
+            <a:pPr algn="ctr"/>
+            <a:r>
+              <a:rPr lang="en-US" sz="2800" b="1" dirty="0"/>
+              <a:t>class specific batch correction</a:t>
+            </a:r>
+          </a:p>
+        </p:txBody>
+      </p:sp>
+      <p:cxnSp>
+        <p:nvCxnSpPr>
+          <p:cNvPr id="8" name="Straight Arrow Connector 7">
+            <a:extLst>
+              <a:ext uri="{FF2B5EF4-FFF2-40B4-BE49-F238E27FC236}">
+                <a16:creationId xmlns:a16="http://schemas.microsoft.com/office/drawing/2014/main" id="{34397EDB-50A7-9646-8396-391606A4E69D}"/>
+              </a:ext>
+            </a:extLst>
+          </p:cNvPr>
+          <p:cNvCxnSpPr>
+            <a:cxnSpLocks/>
+            <a:endCxn id="10" idx="0"/>
+          </p:cNvCxnSpPr>
           <p:nvPr/>
-        </p:nvPicPr>
-        <p:blipFill>
-          <a:blip r:embed="rId2"/>
-          <a:stretch>
-            <a:fillRect/>
-          </a:stretch>
-        </p:blipFill>
-        <p:spPr>
-          <a:xfrm>
-            <a:off x="340550" y="1957127"/>
-            <a:ext cx="7300912" cy="4440238"/>
+        </p:nvCxnSpPr>
+        <p:spPr>
+          <a:xfrm>
+            <a:off x="6007261" y="3025455"/>
+            <a:ext cx="0" cy="1315548"/>
+          </a:xfrm>
+          <a:prstGeom prst="straightConnector1">
+            <a:avLst/>
+          </a:prstGeom>
+          <a:ln w="25400">
+            <a:tailEnd type="triangle"/>
+          </a:ln>
+        </p:spPr>
+        <p:style>
+          <a:lnRef idx="1">
+            <a:schemeClr val="accent1"/>
+          </a:lnRef>
+          <a:fillRef idx="0">
+            <a:schemeClr val="accent1"/>
+          </a:fillRef>
+          <a:effectRef idx="0">
+            <a:schemeClr val="accent1"/>
+          </a:effectRef>
+          <a:fontRef idx="minor">
+            <a:schemeClr val="tx1"/>
+          </a:fontRef>
+        </p:style>
+      </p:cxnSp>
+      <p:sp>
+        <p:nvSpPr>
+          <p:cNvPr id="9" name="TextBox 8">
+            <a:extLst>
+              <a:ext uri="{FF2B5EF4-FFF2-40B4-BE49-F238E27FC236}">
+                <a16:creationId xmlns:a16="http://schemas.microsoft.com/office/drawing/2014/main" id="{F5D54811-FC3A-1E48-AFE9-4847F911697A}"/>
+              </a:ext>
+            </a:extLst>
+          </p:cNvPr>
+          <p:cNvSpPr txBox="1"/>
+          <p:nvPr/>
+        </p:nvSpPr>
+        <p:spPr>
+          <a:xfrm>
+            <a:off x="2610610" y="4864223"/>
+            <a:ext cx="6793302" cy="1754326"/>
           </a:xfrm>
           <a:prstGeom prst="rect">
             <a:avLst/>
           </a:prstGeom>
-        </p:spPr>
-      </p:pic>
-      <p:sp>
-        <p:nvSpPr>
-          <p:cNvPr id="3" name="TextBox 2">
-            <a:extLst>
-              <a:ext uri="{FF2B5EF4-FFF2-40B4-BE49-F238E27FC236}">
-                <a16:creationId xmlns:a16="http://schemas.microsoft.com/office/drawing/2014/main" id="{CD1C83FE-3EA5-EA41-867D-5A09A192890E}"/>
+          <a:solidFill>
+            <a:schemeClr val="tx1"/>
+          </a:solidFill>
+        </p:spPr>
+        <p:txBody>
+          <a:bodyPr wrap="square" rtlCol="0">
+            <a:spAutoFit/>
+          </a:bodyPr>
+          <a:lstStyle/>
+          <a:p>
+            <a:pPr algn="ctr"/>
+            <a:r>
+              <a:rPr lang="en-US" b="1" dirty="0">
+                <a:solidFill>
+                  <a:schemeClr val="bg1"/>
+                </a:solidFill>
+              </a:rPr>
+              <a:t>Intersections</a:t>
+            </a:r>
+          </a:p>
+          <a:p>
+            <a:pPr algn="ctr"/>
+            <a:r>
+              <a:rPr lang="en-US" b="1" dirty="0">
+                <a:solidFill>
+                  <a:schemeClr val="bg1"/>
+                </a:solidFill>
+              </a:rPr>
+              <a:t>Proteins (After MTC) and Enriched Pathways that are the same between batch corrected and class specific batch correction</a:t>
+            </a:r>
+          </a:p>
+          <a:p>
+            <a:pPr algn="ctr"/>
+            <a:endParaRPr lang="en-US" dirty="0">
+              <a:solidFill>
+                <a:schemeClr val="bg1"/>
+              </a:solidFill>
+            </a:endParaRPr>
+          </a:p>
+          <a:p>
+            <a:pPr algn="ctr"/>
+            <a:r>
+              <a:rPr lang="en-US" b="1" dirty="0">
+                <a:solidFill>
+                  <a:schemeClr val="bg1"/>
+                </a:solidFill>
+              </a:rPr>
+              <a:t>After MTC: </a:t>
+            </a:r>
+            <a:r>
+              <a:rPr lang="en-US" dirty="0">
+                <a:solidFill>
+                  <a:schemeClr val="bg1"/>
+                </a:solidFill>
+              </a:rPr>
+              <a:t>471</a:t>
+            </a:r>
+          </a:p>
+          <a:p>
+            <a:pPr algn="ctr"/>
+            <a:r>
+              <a:rPr lang="en-US" b="1" dirty="0">
+                <a:solidFill>
+                  <a:schemeClr val="bg1"/>
+                </a:solidFill>
+              </a:rPr>
+              <a:t>Enriched: </a:t>
+            </a:r>
+            <a:r>
+              <a:rPr lang="en-US" dirty="0">
+                <a:solidFill>
+                  <a:schemeClr val="bg1"/>
+                </a:solidFill>
+              </a:rPr>
+              <a:t>40 </a:t>
+            </a:r>
+          </a:p>
+        </p:txBody>
+      </p:sp>
+      <p:sp>
+        <p:nvSpPr>
+          <p:cNvPr id="10" name="TextBox 9">
+            <a:extLst>
+              <a:ext uri="{FF2B5EF4-FFF2-40B4-BE49-F238E27FC236}">
+                <a16:creationId xmlns:a16="http://schemas.microsoft.com/office/drawing/2014/main" id="{4E78D6AB-B943-984E-850E-06444C110A9E}"/>
               </a:ext>
             </a:extLst>
           </p:cNvPr>
@@ -6109,8 +6501,8 @@
         </p:nvSpPr>
         <p:spPr>
           <a:xfrm>
-            <a:off x="7917519" y="2284420"/>
-            <a:ext cx="3646025" cy="3416320"/>
+            <a:off x="-427299" y="4341003"/>
+            <a:ext cx="12869120" cy="523220"/>
           </a:xfrm>
           <a:prstGeom prst="rect">
             <a:avLst/>
@@ -6123,29 +6515,122 @@
           </a:bodyPr>
           <a:lstStyle/>
           <a:p>
-            <a:r>
-              <a:rPr lang="en-US" sz="2400" dirty="0"/>
-              <a:t>Class Specific Batch Correction increased the number of lower range P-values</a:t>
-            </a:r>
-          </a:p>
-          <a:p>
-            <a:endParaRPr lang="en-US" sz="2400" dirty="0"/>
-          </a:p>
-          <a:p>
-            <a:endParaRPr lang="en-US" sz="2400" b="1" dirty="0"/>
-          </a:p>
-          <a:p>
-            <a:r>
-              <a:rPr lang="en-US" sz="2400" b="1" dirty="0"/>
-              <a:t>As expected, class specific batch correction enhance class effect**</a:t>
-            </a:r>
+            <a:pPr algn="ctr"/>
+            <a:r>
+              <a:rPr lang="en-US" sz="2800" b="1" dirty="0"/>
+              <a:t>Intersections between batch corrected and class specific batch corrected</a:t>
+            </a:r>
+          </a:p>
+        </p:txBody>
+      </p:sp>
+      <p:sp>
+        <p:nvSpPr>
+          <p:cNvPr id="3" name="Rectangle 2">
+            <a:extLst>
+              <a:ext uri="{FF2B5EF4-FFF2-40B4-BE49-F238E27FC236}">
+                <a16:creationId xmlns:a16="http://schemas.microsoft.com/office/drawing/2014/main" id="{8C261F54-E954-6D47-9539-221EE1F38EA9}"/>
+              </a:ext>
+            </a:extLst>
+          </p:cNvPr>
+          <p:cNvSpPr/>
+          <p:nvPr/>
+        </p:nvSpPr>
+        <p:spPr>
+          <a:xfrm>
+            <a:off x="6808363" y="2339374"/>
+            <a:ext cx="1725283" cy="251986"/>
+          </a:xfrm>
+          <a:prstGeom prst="rect">
+            <a:avLst/>
+          </a:prstGeom>
+          <a:noFill/>
+          <a:ln w="38100">
+            <a:solidFill>
+              <a:srgbClr val="FF0000"/>
+            </a:solidFill>
+          </a:ln>
+        </p:spPr>
+        <p:style>
+          <a:lnRef idx="2">
+            <a:schemeClr val="accent1">
+              <a:shade val="50000"/>
+            </a:schemeClr>
+          </a:lnRef>
+          <a:fillRef idx="1">
+            <a:schemeClr val="accent1"/>
+          </a:fillRef>
+          <a:effectRef idx="0">
+            <a:schemeClr val="accent1"/>
+          </a:effectRef>
+          <a:fontRef idx="minor">
+            <a:schemeClr val="lt1"/>
+          </a:fontRef>
+        </p:style>
+        <p:txBody>
+          <a:bodyPr rtlCol="0" anchor="ctr"/>
+          <a:lstStyle/>
+          <a:p>
+            <a:pPr algn="ctr"/>
+            <a:endParaRPr lang="en-US"/>
+          </a:p>
+        </p:txBody>
+      </p:sp>
+      <p:sp>
+        <p:nvSpPr>
+          <p:cNvPr id="11" name="Rectangle 10">
+            <a:extLst>
+              <a:ext uri="{FF2B5EF4-FFF2-40B4-BE49-F238E27FC236}">
+                <a16:creationId xmlns:a16="http://schemas.microsoft.com/office/drawing/2014/main" id="{103D8698-FA67-AA4D-9352-0868AB40BE8B}"/>
+              </a:ext>
+            </a:extLst>
+          </p:cNvPr>
+          <p:cNvSpPr/>
+          <p:nvPr/>
+        </p:nvSpPr>
+        <p:spPr>
+          <a:xfrm>
+            <a:off x="5144619" y="5986732"/>
+            <a:ext cx="1725283" cy="280755"/>
+          </a:xfrm>
+          <a:prstGeom prst="rect">
+            <a:avLst/>
+          </a:prstGeom>
+          <a:noFill/>
+          <a:ln w="38100">
+            <a:solidFill>
+              <a:srgbClr val="FF0000"/>
+            </a:solidFill>
+          </a:ln>
+        </p:spPr>
+        <p:style>
+          <a:lnRef idx="2">
+            <a:schemeClr val="accent1">
+              <a:shade val="50000"/>
+            </a:schemeClr>
+          </a:lnRef>
+          <a:fillRef idx="1">
+            <a:schemeClr val="accent1"/>
+          </a:fillRef>
+          <a:effectRef idx="0">
+            <a:schemeClr val="accent1"/>
+          </a:effectRef>
+          <a:fontRef idx="minor">
+            <a:schemeClr val="lt1"/>
+          </a:fontRef>
+        </p:style>
+        <p:txBody>
+          <a:bodyPr rtlCol="0" anchor="ctr"/>
+          <a:lstStyle/>
+          <a:p>
+            <a:pPr algn="ctr"/>
+            <a:endParaRPr lang="en-US"/>
           </a:p>
         </p:txBody>
       </p:sp>
     </p:spTree>
     <p:extLst>
       <p:ext uri="{BB962C8B-B14F-4D97-AF65-F5344CB8AC3E}">
-        <p14:creationId xmlns:p14="http://schemas.microsoft.com/office/powerpoint/2010/main" val="3245653014"/>
+        <p14:creationId xmlns:p14="http://schemas.microsoft.com/office/powerpoint/2010/main" val="3284846761"/>
       </p:ext>
     </p:extLst>
   </p:cSld>
@@ -6174,128 +6659,75 @@
       </p:grpSpPr>
       <p:sp>
         <p:nvSpPr>
-          <p:cNvPr id="5" name="TextBox 4">
-            <a:extLst>
-              <a:ext uri="{FF2B5EF4-FFF2-40B4-BE49-F238E27FC236}">
-                <a16:creationId xmlns:a16="http://schemas.microsoft.com/office/drawing/2014/main" id="{8FDA6392-E85F-0847-AC43-0F8AED9C6565}"/>
-              </a:ext>
-            </a:extLst>
-          </p:cNvPr>
-          <p:cNvSpPr txBox="1"/>
+          <p:cNvPr id="2" name="Title 1">
+            <a:extLst>
+              <a:ext uri="{FF2B5EF4-FFF2-40B4-BE49-F238E27FC236}">
+                <a16:creationId xmlns:a16="http://schemas.microsoft.com/office/drawing/2014/main" id="{73C84160-1938-B343-993F-244CDBCA009D}"/>
+              </a:ext>
+            </a:extLst>
+          </p:cNvPr>
+          <p:cNvSpPr>
+            <a:spLocks noGrp="1"/>
+          </p:cNvSpPr>
+          <p:nvPr>
+            <p:ph type="title"/>
+          </p:nvPr>
+        </p:nvSpPr>
+        <p:spPr>
+          <a:xfrm>
+            <a:off x="163285" y="159770"/>
+            <a:ext cx="10515600" cy="743745"/>
+          </a:xfrm>
+        </p:spPr>
+        <p:txBody>
+          <a:bodyPr>
+            <a:normAutofit/>
+          </a:bodyPr>
+          <a:lstStyle/>
+          <a:p>
+            <a:r>
+              <a:rPr lang="en-US" sz="3200" dirty="0"/>
+              <a:t>P value distribution</a:t>
+            </a:r>
+          </a:p>
+        </p:txBody>
+      </p:sp>
+      <p:pic>
+        <p:nvPicPr>
+          <p:cNvPr id="5" name="Picture 4" descr="Chart&#10;&#10;Description automatically generated">
+            <a:extLst>
+              <a:ext uri="{FF2B5EF4-FFF2-40B4-BE49-F238E27FC236}">
+                <a16:creationId xmlns:a16="http://schemas.microsoft.com/office/drawing/2014/main" id="{0A43FBFC-04A9-204B-A287-FEE9E7779DD1}"/>
+              </a:ext>
+            </a:extLst>
+          </p:cNvPr>
+          <p:cNvPicPr>
+            <a:picLocks noChangeAspect="1"/>
+          </p:cNvPicPr>
           <p:nvPr/>
-        </p:nvSpPr>
-        <p:spPr>
-          <a:xfrm>
-            <a:off x="2860644" y="1183413"/>
-            <a:ext cx="2677064" cy="1754326"/>
+        </p:nvPicPr>
+        <p:blipFill>
+          <a:blip r:embed="rId2"/>
+          <a:stretch>
+            <a:fillRect/>
+          </a:stretch>
+        </p:blipFill>
+        <p:spPr>
+          <a:xfrm>
+            <a:off x="2576355" y="1564552"/>
+            <a:ext cx="7039287" cy="4672011"/>
           </a:xfrm>
           <a:prstGeom prst="rect">
             <a:avLst/>
           </a:prstGeom>
-          <a:solidFill>
-            <a:schemeClr val="tx1"/>
-          </a:solidFill>
-        </p:spPr>
-        <p:txBody>
-          <a:bodyPr wrap="square" rtlCol="0">
-            <a:spAutoFit/>
-          </a:bodyPr>
-          <a:lstStyle/>
-          <a:p>
-            <a:pPr algn="ctr"/>
-            <a:r>
-              <a:rPr lang="en-US" b="1" dirty="0">
-                <a:solidFill>
-                  <a:schemeClr val="accent5"/>
-                </a:solidFill>
-              </a:rPr>
-              <a:t>Non-Class Specific </a:t>
-            </a:r>
-          </a:p>
-          <a:p>
-            <a:pPr algn="ctr"/>
-            <a:r>
-              <a:rPr lang="en-US" b="1" dirty="0">
-                <a:solidFill>
-                  <a:schemeClr val="accent5"/>
-                </a:solidFill>
-              </a:rPr>
-              <a:t>Batch Corrected</a:t>
-            </a:r>
-          </a:p>
-          <a:p>
-            <a:pPr algn="ctr"/>
-            <a:endParaRPr lang="en-US" dirty="0">
-              <a:solidFill>
-                <a:schemeClr val="bg1"/>
-              </a:solidFill>
-            </a:endParaRPr>
-          </a:p>
-          <a:p>
-            <a:pPr algn="ctr"/>
-            <a:r>
-              <a:rPr lang="en-US" b="1" dirty="0">
-                <a:solidFill>
-                  <a:schemeClr val="bg1"/>
-                </a:solidFill>
-              </a:rPr>
-              <a:t>Before MTC</a:t>
-            </a:r>
-            <a:r>
-              <a:rPr lang="en-US" dirty="0">
-                <a:solidFill>
-                  <a:schemeClr val="bg1"/>
-                </a:solidFill>
-              </a:rPr>
-              <a:t>: 1770</a:t>
-            </a:r>
-          </a:p>
-          <a:p>
-            <a:pPr algn="ctr"/>
-            <a:r>
-              <a:rPr lang="en-US" b="1" dirty="0">
-                <a:solidFill>
-                  <a:schemeClr val="bg1"/>
-                </a:solidFill>
-              </a:rPr>
-              <a:t>After MTC</a:t>
-            </a:r>
-            <a:r>
-              <a:rPr lang="en-US" dirty="0">
-                <a:solidFill>
-                  <a:schemeClr val="bg1"/>
-                </a:solidFill>
-              </a:rPr>
-              <a:t>: 486</a:t>
-            </a:r>
-          </a:p>
-          <a:p>
-            <a:pPr algn="ctr"/>
-            <a:r>
-              <a:rPr lang="en-US" b="1" dirty="0">
-                <a:solidFill>
-                  <a:schemeClr val="bg1"/>
-                </a:solidFill>
-              </a:rPr>
-              <a:t>Enriched</a:t>
-            </a:r>
-            <a:r>
-              <a:rPr lang="en-US" dirty="0">
-                <a:solidFill>
-                  <a:schemeClr val="bg1"/>
-                </a:solidFill>
-              </a:rPr>
-              <a:t>: 69</a:t>
-            </a:r>
-          </a:p>
-        </p:txBody>
-      </p:sp>
+        </p:spPr>
+      </p:pic>
       <p:sp>
         <p:nvSpPr>
           <p:cNvPr id="6" name="TextBox 5">
             <a:extLst>
               <a:ext uri="{FF2B5EF4-FFF2-40B4-BE49-F238E27FC236}">
-                <a16:creationId xmlns:a16="http://schemas.microsoft.com/office/drawing/2014/main" id="{A10D63B3-7C8B-C94F-96D8-5C898F019D2A}"/>
+                <a16:creationId xmlns:a16="http://schemas.microsoft.com/office/drawing/2014/main" id="{3B832D52-8F35-EE47-B380-558B0AAB4D6F}"/>
               </a:ext>
             </a:extLst>
           </p:cNvPr>
@@ -6304,126 +6736,8 @@
         </p:nvSpPr>
         <p:spPr>
           <a:xfrm>
-            <a:off x="6332473" y="1183413"/>
-            <a:ext cx="2677064" cy="1754326"/>
-          </a:xfrm>
-          <a:prstGeom prst="rect">
-            <a:avLst/>
-          </a:prstGeom>
-          <a:solidFill>
-            <a:schemeClr val="tx1"/>
-          </a:solidFill>
-        </p:spPr>
-        <p:txBody>
-          <a:bodyPr wrap="square" rtlCol="0">
-            <a:spAutoFit/>
-          </a:bodyPr>
-          <a:lstStyle/>
-          <a:p>
-            <a:pPr algn="ctr"/>
-            <a:r>
-              <a:rPr lang="en-US" b="1" dirty="0">
-                <a:solidFill>
-                  <a:schemeClr val="accent5"/>
-                </a:solidFill>
-              </a:rPr>
-              <a:t>Class Specific </a:t>
-            </a:r>
-          </a:p>
-          <a:p>
-            <a:pPr algn="ctr"/>
-            <a:r>
-              <a:rPr lang="en-US" b="1" dirty="0">
-                <a:solidFill>
-                  <a:schemeClr val="accent5"/>
-                </a:solidFill>
-              </a:rPr>
-              <a:t>Batch Corrected</a:t>
-            </a:r>
-          </a:p>
-          <a:p>
-            <a:pPr algn="ctr"/>
-            <a:endParaRPr lang="en-US" dirty="0">
-              <a:solidFill>
-                <a:schemeClr val="bg1"/>
-              </a:solidFill>
-            </a:endParaRPr>
-          </a:p>
-          <a:p>
-            <a:pPr algn="ctr"/>
-            <a:r>
-              <a:rPr lang="en-US" b="1" dirty="0">
-                <a:solidFill>
-                  <a:schemeClr val="bg1"/>
-                </a:solidFill>
-              </a:rPr>
-              <a:t>Before MTC: </a:t>
-            </a:r>
-            <a:r>
-              <a:rPr lang="en-US" dirty="0">
-                <a:solidFill>
-                  <a:schemeClr val="bg1"/>
-                </a:solidFill>
-              </a:rPr>
-              <a:t>1747</a:t>
-            </a:r>
-          </a:p>
-          <a:p>
-            <a:pPr algn="ctr"/>
-            <a:r>
-              <a:rPr lang="en-US" b="1" dirty="0">
-                <a:solidFill>
-                  <a:schemeClr val="bg1"/>
-                </a:solidFill>
-              </a:rPr>
-              <a:t>After MTC</a:t>
-            </a:r>
-            <a:r>
-              <a:rPr lang="en-US" dirty="0">
-                <a:solidFill>
-                  <a:schemeClr val="bg1"/>
-                </a:solidFill>
-              </a:rPr>
-              <a:t>: 480</a:t>
-            </a:r>
-          </a:p>
-          <a:p>
-            <a:pPr algn="ctr"/>
-            <a:r>
-              <a:rPr lang="en-US" b="1" dirty="0">
-                <a:solidFill>
-                  <a:schemeClr val="bg1"/>
-                </a:solidFill>
-              </a:rPr>
-              <a:t>Enriched</a:t>
-            </a:r>
-            <a:r>
-              <a:rPr lang="en-US" dirty="0">
-                <a:solidFill>
-                  <a:schemeClr val="bg1"/>
-                </a:solidFill>
-              </a:rPr>
-              <a:t>: 44</a:t>
-            </a:r>
-          </a:p>
-        </p:txBody>
-      </p:sp>
-      <p:sp>
-        <p:nvSpPr>
-          <p:cNvPr id="2" name="TextBox 1">
-            <a:extLst>
-              <a:ext uri="{FF2B5EF4-FFF2-40B4-BE49-F238E27FC236}">
-                <a16:creationId xmlns:a16="http://schemas.microsoft.com/office/drawing/2014/main" id="{70751D66-8573-0641-BB18-25919C4C2292}"/>
-              </a:ext>
-            </a:extLst>
-          </p:cNvPr>
-          <p:cNvSpPr txBox="1"/>
-          <p:nvPr/>
-        </p:nvSpPr>
-        <p:spPr>
-          <a:xfrm>
-            <a:off x="-338560" y="144864"/>
-            <a:ext cx="12869120" cy="954107"/>
+            <a:off x="1959868" y="1003201"/>
+            <a:ext cx="8272260" cy="461665"/>
           </a:xfrm>
           <a:prstGeom prst="rect">
             <a:avLst/>
@@ -6438,304 +6752,51 @@
           <a:p>
             <a:pPr algn="ctr"/>
             <a:r>
-              <a:rPr lang="en-US" sz="2800" b="1" dirty="0"/>
-              <a:t>Comparison between non-class specific batch correction and </a:t>
-            </a:r>
-          </a:p>
-          <a:p>
-            <a:pPr algn="ctr"/>
-            <a:r>
-              <a:rPr lang="en-US" sz="2800" b="1" dirty="0"/>
-              <a:t>class specific batch correction</a:t>
-            </a:r>
-          </a:p>
-        </p:txBody>
-      </p:sp>
-      <p:cxnSp>
-        <p:nvCxnSpPr>
-          <p:cNvPr id="8" name="Straight Arrow Connector 7">
-            <a:extLst>
-              <a:ext uri="{FF2B5EF4-FFF2-40B4-BE49-F238E27FC236}">
-                <a16:creationId xmlns:a16="http://schemas.microsoft.com/office/drawing/2014/main" id="{34397EDB-50A7-9646-8396-391606A4E69D}"/>
-              </a:ext>
-            </a:extLst>
-          </p:cNvPr>
-          <p:cNvCxnSpPr>
-            <a:cxnSpLocks/>
-            <a:endCxn id="10" idx="0"/>
-          </p:cNvCxnSpPr>
+              <a:rPr lang="en-US" sz="2400" b="1" dirty="0"/>
+              <a:t>Post-MTC (Bonferroni) p-value distribution of the protein genes</a:t>
+            </a:r>
+          </a:p>
+        </p:txBody>
+      </p:sp>
+      <p:sp>
+        <p:nvSpPr>
+          <p:cNvPr id="7" name="Rectangle 6">
+            <a:extLst>
+              <a:ext uri="{FF2B5EF4-FFF2-40B4-BE49-F238E27FC236}">
+                <a16:creationId xmlns:a16="http://schemas.microsoft.com/office/drawing/2014/main" id="{0182F7F2-08DA-CE4E-BC92-A50F85995C1F}"/>
+              </a:ext>
+            </a:extLst>
+          </p:cNvPr>
+          <p:cNvSpPr/>
           <p:nvPr/>
-        </p:nvCxnSpPr>
-        <p:spPr>
-          <a:xfrm>
-            <a:off x="6007261" y="3025455"/>
-            <a:ext cx="0" cy="1315548"/>
-          </a:xfrm>
-          <a:prstGeom prst="straightConnector1">
-            <a:avLst/>
-          </a:prstGeom>
-          <a:ln w="25400">
-            <a:tailEnd type="triangle"/>
-          </a:ln>
-        </p:spPr>
-        <p:style>
-          <a:lnRef idx="1">
-            <a:schemeClr val="accent1"/>
-          </a:lnRef>
-          <a:fillRef idx="0">
-            <a:schemeClr val="accent1"/>
-          </a:fillRef>
-          <a:effectRef idx="0">
-            <a:schemeClr val="accent1"/>
-          </a:effectRef>
-          <a:fontRef idx="minor">
-            <a:schemeClr val="tx1"/>
-          </a:fontRef>
-        </p:style>
-      </p:cxnSp>
-      <p:sp>
-        <p:nvSpPr>
-          <p:cNvPr id="9" name="TextBox 8">
-            <a:extLst>
-              <a:ext uri="{FF2B5EF4-FFF2-40B4-BE49-F238E27FC236}">
-                <a16:creationId xmlns:a16="http://schemas.microsoft.com/office/drawing/2014/main" id="{F5D54811-FC3A-1E48-AFE9-4847F911697A}"/>
-              </a:ext>
-            </a:extLst>
-          </p:cNvPr>
-          <p:cNvSpPr txBox="1"/>
-          <p:nvPr/>
-        </p:nvSpPr>
-        <p:spPr>
-          <a:xfrm>
-            <a:off x="2610610" y="4864223"/>
-            <a:ext cx="6793302" cy="1754326"/>
+        </p:nvSpPr>
+        <p:spPr>
+          <a:xfrm>
+            <a:off x="4921640" y="3244334"/>
+            <a:ext cx="2348720" cy="369332"/>
           </a:xfrm>
           <a:prstGeom prst="rect">
             <a:avLst/>
           </a:prstGeom>
-          <a:solidFill>
-            <a:schemeClr val="tx1"/>
-          </a:solidFill>
-        </p:spPr>
-        <p:txBody>
-          <a:bodyPr wrap="square" rtlCol="0">
+        </p:spPr>
+        <p:txBody>
+          <a:bodyPr wrap="none">
             <a:spAutoFit/>
           </a:bodyPr>
           <a:lstStyle/>
           <a:p>
-            <a:pPr algn="ctr"/>
-            <a:r>
-              <a:rPr lang="en-US" b="1" dirty="0">
-                <a:solidFill>
-                  <a:schemeClr val="bg1"/>
-                </a:solidFill>
-              </a:rPr>
-              <a:t>Intersections</a:t>
-            </a:r>
-          </a:p>
-          <a:p>
-            <a:pPr algn="ctr"/>
-            <a:r>
-              <a:rPr lang="en-US" b="1" dirty="0">
-                <a:solidFill>
-                  <a:schemeClr val="bg1"/>
-                </a:solidFill>
-              </a:rPr>
-              <a:t>Proteins (After MTC) and Enriched Pathways that are the same between batch corrected and class specific batch correction</a:t>
-            </a:r>
-          </a:p>
-          <a:p>
-            <a:pPr algn="ctr"/>
-            <a:endParaRPr lang="en-US" dirty="0">
-              <a:solidFill>
-                <a:schemeClr val="bg1"/>
-              </a:solidFill>
-            </a:endParaRPr>
-          </a:p>
-          <a:p>
-            <a:pPr algn="ctr"/>
-            <a:r>
-              <a:rPr lang="en-US" b="1" dirty="0">
-                <a:solidFill>
-                  <a:schemeClr val="bg1"/>
-                </a:solidFill>
-              </a:rPr>
-              <a:t>After MTC: </a:t>
-            </a:r>
-            <a:r>
-              <a:rPr lang="en-US" dirty="0">
-                <a:solidFill>
-                  <a:schemeClr val="bg1"/>
-                </a:solidFill>
-              </a:rPr>
-              <a:t>471</a:t>
-            </a:r>
-          </a:p>
-          <a:p>
-            <a:pPr algn="ctr"/>
-            <a:r>
-              <a:rPr lang="en-US" b="1" dirty="0">
-                <a:solidFill>
-                  <a:schemeClr val="bg1"/>
-                </a:solidFill>
-              </a:rPr>
-              <a:t>Enriched: </a:t>
-            </a:r>
-            <a:r>
-              <a:rPr lang="en-US" dirty="0">
-                <a:solidFill>
-                  <a:schemeClr val="bg1"/>
-                </a:solidFill>
-              </a:rPr>
-              <a:t>40 </a:t>
-            </a:r>
-          </a:p>
-        </p:txBody>
-      </p:sp>
-      <p:sp>
-        <p:nvSpPr>
-          <p:cNvPr id="10" name="TextBox 9">
-            <a:extLst>
-              <a:ext uri="{FF2B5EF4-FFF2-40B4-BE49-F238E27FC236}">
-                <a16:creationId xmlns:a16="http://schemas.microsoft.com/office/drawing/2014/main" id="{4E78D6AB-B943-984E-850E-06444C110A9E}"/>
-              </a:ext>
-            </a:extLst>
-          </p:cNvPr>
-          <p:cNvSpPr txBox="1"/>
-          <p:nvPr/>
-        </p:nvSpPr>
-        <p:spPr>
-          <a:xfrm>
-            <a:off x="-427299" y="4341003"/>
-            <a:ext cx="12869120" cy="523220"/>
-          </a:xfrm>
-          <a:prstGeom prst="rect">
-            <a:avLst/>
-          </a:prstGeom>
-          <a:noFill/>
-        </p:spPr>
-        <p:txBody>
-          <a:bodyPr wrap="square" rtlCol="0">
-            <a:spAutoFit/>
-          </a:bodyPr>
-          <a:lstStyle/>
-          <a:p>
-            <a:pPr algn="ctr"/>
-            <a:r>
-              <a:rPr lang="en-US" sz="2800" b="1" dirty="0"/>
-              <a:t>Intersections between batch corrected and class specific batch corrected</a:t>
-            </a:r>
-          </a:p>
-        </p:txBody>
-      </p:sp>
-      <p:sp>
-        <p:nvSpPr>
-          <p:cNvPr id="3" name="Rectangle 2">
-            <a:extLst>
-              <a:ext uri="{FF2B5EF4-FFF2-40B4-BE49-F238E27FC236}">
-                <a16:creationId xmlns:a16="http://schemas.microsoft.com/office/drawing/2014/main" id="{8C261F54-E954-6D47-9539-221EE1F38EA9}"/>
-              </a:ext>
-            </a:extLst>
-          </p:cNvPr>
-          <p:cNvSpPr/>
-          <p:nvPr/>
-        </p:nvSpPr>
-        <p:spPr>
-          <a:xfrm>
-            <a:off x="6808363" y="2339374"/>
-            <a:ext cx="1725283" cy="251986"/>
-          </a:xfrm>
-          <a:prstGeom prst="rect">
-            <a:avLst/>
-          </a:prstGeom>
-          <a:noFill/>
-          <a:ln w="38100">
-            <a:solidFill>
-              <a:srgbClr val="FF0000"/>
-            </a:solidFill>
-          </a:ln>
-        </p:spPr>
-        <p:style>
-          <a:lnRef idx="2">
-            <a:schemeClr val="accent1">
-              <a:shade val="50000"/>
-            </a:schemeClr>
-          </a:lnRef>
-          <a:fillRef idx="1">
-            <a:schemeClr val="accent1"/>
-          </a:fillRef>
-          <a:effectRef idx="0">
-            <a:schemeClr val="accent1"/>
-          </a:effectRef>
-          <a:fontRef idx="minor">
-            <a:schemeClr val="lt1"/>
-          </a:fontRef>
-        </p:style>
-        <p:txBody>
-          <a:bodyPr rtlCol="0" anchor="ctr"/>
-          <a:lstStyle/>
-          <a:p>
-            <a:pPr algn="ctr"/>
-            <a:endParaRPr lang="en-US"/>
-          </a:p>
-        </p:txBody>
-      </p:sp>
-      <p:sp>
-        <p:nvSpPr>
-          <p:cNvPr id="11" name="Rectangle 10">
-            <a:extLst>
-              <a:ext uri="{FF2B5EF4-FFF2-40B4-BE49-F238E27FC236}">
-                <a16:creationId xmlns:a16="http://schemas.microsoft.com/office/drawing/2014/main" id="{103D8698-FA67-AA4D-9352-0868AB40BE8B}"/>
-              </a:ext>
-            </a:extLst>
-          </p:cNvPr>
-          <p:cNvSpPr/>
-          <p:nvPr/>
-        </p:nvSpPr>
-        <p:spPr>
-          <a:xfrm>
-            <a:off x="5144619" y="5986732"/>
-            <a:ext cx="1725283" cy="280755"/>
-          </a:xfrm>
-          <a:prstGeom prst="rect">
-            <a:avLst/>
-          </a:prstGeom>
-          <a:noFill/>
-          <a:ln w="38100">
-            <a:solidFill>
-              <a:srgbClr val="FF0000"/>
-            </a:solidFill>
-          </a:ln>
-        </p:spPr>
-        <p:style>
-          <a:lnRef idx="2">
-            <a:schemeClr val="accent1">
-              <a:shade val="50000"/>
-            </a:schemeClr>
-          </a:lnRef>
-          <a:fillRef idx="1">
-            <a:schemeClr val="accent1"/>
-          </a:fillRef>
-          <a:effectRef idx="0">
-            <a:schemeClr val="accent1"/>
-          </a:effectRef>
-          <a:fontRef idx="minor">
-            <a:schemeClr val="lt1"/>
-          </a:fontRef>
-        </p:style>
-        <p:txBody>
-          <a:bodyPr rtlCol="0" anchor="ctr"/>
-          <a:lstStyle/>
-          <a:p>
-            <a:pPr algn="ctr"/>
-            <a:endParaRPr lang="en-US"/>
+            <a:r>
+              <a:rPr lang="en-SG" dirty="0"/>
+              <a:t>0.05702117420523973</a:t>
+            </a:r>
+            <a:endParaRPr lang="en-US" dirty="0"/>
           </a:p>
         </p:txBody>
       </p:sp>
     </p:spTree>
     <p:extLst>
       <p:ext uri="{BB962C8B-B14F-4D97-AF65-F5344CB8AC3E}">
-        <p14:creationId xmlns:p14="http://schemas.microsoft.com/office/powerpoint/2010/main" val="3284846761"/>
+        <p14:creationId xmlns:p14="http://schemas.microsoft.com/office/powerpoint/2010/main" val="581899772"/>
       </p:ext>
     </p:extLst>
   </p:cSld>
@@ -6767,7 +6828,7 @@
           <p:cNvPr id="2" name="Title 1">
             <a:extLst>
               <a:ext uri="{FF2B5EF4-FFF2-40B4-BE49-F238E27FC236}">
-                <a16:creationId xmlns:a16="http://schemas.microsoft.com/office/drawing/2014/main" id="{3239A5CF-D8C7-FC45-A644-31D03CE4EB95}"/>
+                <a16:creationId xmlns:a16="http://schemas.microsoft.com/office/drawing/2014/main" id="{73C84160-1938-B343-993F-244CDBCA009D}"/>
               </a:ext>
             </a:extLst>
           </p:cNvPr>
@@ -6780,30 +6841,65 @@
         </p:nvSpPr>
         <p:spPr>
           <a:xfrm>
-            <a:off x="838200" y="281065"/>
-            <a:ext cx="10515600" cy="1325563"/>
+            <a:off x="163285" y="159770"/>
+            <a:ext cx="10515600" cy="743745"/>
           </a:xfrm>
         </p:spPr>
         <p:txBody>
           <a:bodyPr>
-            <a:noAutofit/>
+            <a:normAutofit/>
           </a:bodyPr>
           <a:lstStyle/>
           <a:p>
-            <a:pPr algn="ctr"/>
             <a:r>
               <a:rPr lang="en-US" sz="3200" dirty="0"/>
-              <a:t>The 9 genes that are not reported in intersection = potentially brought out by class specific batch correction</a:t>
+              <a:t>P value distribution</a:t>
+            </a:r>
+          </a:p>
+        </p:txBody>
+      </p:sp>
+      <p:sp>
+        <p:nvSpPr>
+          <p:cNvPr id="6" name="TextBox 5">
+            <a:extLst>
+              <a:ext uri="{FF2B5EF4-FFF2-40B4-BE49-F238E27FC236}">
+                <a16:creationId xmlns:a16="http://schemas.microsoft.com/office/drawing/2014/main" id="{3B832D52-8F35-EE47-B380-558B0AAB4D6F}"/>
+              </a:ext>
+            </a:extLst>
+          </p:cNvPr>
+          <p:cNvSpPr txBox="1"/>
+          <p:nvPr/>
+        </p:nvSpPr>
+        <p:spPr>
+          <a:xfrm>
+            <a:off x="-85941" y="1421617"/>
+            <a:ext cx="8703729" cy="461665"/>
+          </a:xfrm>
+          <a:prstGeom prst="rect">
+            <a:avLst/>
+          </a:prstGeom>
+          <a:noFill/>
+        </p:spPr>
+        <p:txBody>
+          <a:bodyPr wrap="square" rtlCol="0">
+            <a:spAutoFit/>
+          </a:bodyPr>
+          <a:lstStyle/>
+          <a:p>
+            <a:pPr algn="ctr"/>
+            <a:r>
+              <a:rPr lang="en-US" sz="2400" b="1" dirty="0"/>
+              <a:t>P-value distribution of enriched pathways protein genes</a:t>
             </a:r>
           </a:p>
         </p:txBody>
       </p:sp>
       <p:pic>
         <p:nvPicPr>
-          <p:cNvPr id="5" name="Picture 4" descr="Text&#10;&#10;Description automatically generated">
-            <a:extLst>
-              <a:ext uri="{FF2B5EF4-FFF2-40B4-BE49-F238E27FC236}">
-                <a16:creationId xmlns:a16="http://schemas.microsoft.com/office/drawing/2014/main" id="{035D90DB-A472-B740-B2EF-91A389E3C128}"/>
+          <p:cNvPr id="4" name="Picture 3" descr="Chart, line chart&#10;&#10;Description automatically generated">
+            <a:extLst>
+              <a:ext uri="{FF2B5EF4-FFF2-40B4-BE49-F238E27FC236}">
+                <a16:creationId xmlns:a16="http://schemas.microsoft.com/office/drawing/2014/main" id="{2FD8F5AE-2CFE-BB44-A91F-60393DEC9283}"/>
               </a:ext>
             </a:extLst>
           </p:cNvPr>
@@ -6820,8 +6916,8 @@
         </p:blipFill>
         <p:spPr>
           <a:xfrm>
-            <a:off x="490960" y="2317547"/>
-            <a:ext cx="11083724" cy="4291075"/>
+            <a:off x="340550" y="1957127"/>
+            <a:ext cx="7300912" cy="4440238"/>
           </a:xfrm>
           <a:prstGeom prst="rect">
             <a:avLst/>
@@ -6830,10 +6926,10 @@
       </p:pic>
       <p:sp>
         <p:nvSpPr>
-          <p:cNvPr id="6" name="TextBox 5">
-            <a:extLst>
-              <a:ext uri="{FF2B5EF4-FFF2-40B4-BE49-F238E27FC236}">
-                <a16:creationId xmlns:a16="http://schemas.microsoft.com/office/drawing/2014/main" id="{2BF8F515-8CE0-2D4B-93C8-586CF0B873CD}"/>
+          <p:cNvPr id="3" name="TextBox 2">
+            <a:extLst>
+              <a:ext uri="{FF2B5EF4-FFF2-40B4-BE49-F238E27FC236}">
+                <a16:creationId xmlns:a16="http://schemas.microsoft.com/office/drawing/2014/main" id="{CD1C83FE-3EA5-EA41-867D-5A09A192890E}"/>
               </a:ext>
             </a:extLst>
           </p:cNvPr>
@@ -6842,8 +6938,8 @@
         </p:nvSpPr>
         <p:spPr>
           <a:xfrm>
-            <a:off x="980472" y="1574941"/>
-            <a:ext cx="10104699" cy="646331"/>
+            <a:off x="7821384" y="2492912"/>
+            <a:ext cx="4030066" cy="3046988"/>
           </a:xfrm>
           <a:prstGeom prst="rect">
             <a:avLst/>
@@ -6856,17 +6952,21 @@
           </a:bodyPr>
           <a:lstStyle/>
           <a:p>
-            <a:pPr algn="ctr"/>
-            <a:r>
-              <a:rPr lang="en-US" b="1" dirty="0"/>
-              <a:t>Checked the presence of these 9 genes in the original 480 class specific batch corrected DEGs</a:t>
-            </a:r>
-          </a:p>
-          <a:p>
-            <a:pPr algn="ctr"/>
-            <a:r>
-              <a:rPr lang="en-US" b="1" dirty="0"/>
-              <a:t>ALL 9 genes were present ***</a:t>
+            <a:r>
+              <a:rPr lang="en-US" sz="2400" dirty="0"/>
+              <a:t>Class Specific Batch Correction = more genes carrying lower range P-values</a:t>
+            </a:r>
+          </a:p>
+          <a:p>
+            <a:endParaRPr lang="en-US" sz="2400" dirty="0"/>
+          </a:p>
+          <a:p>
+            <a:endParaRPr lang="en-US" sz="2400" b="1" dirty="0"/>
+          </a:p>
+          <a:p>
+            <a:r>
+              <a:rPr lang="en-US" sz="2400" b="1" dirty="0"/>
+              <a:t>As expected, class specific batch correction enhance class effect**</a:t>
             </a:r>
           </a:p>
         </p:txBody>
@@ -6874,7 +6974,7 @@
     </p:spTree>
     <p:extLst>
       <p:ext uri="{BB962C8B-B14F-4D97-AF65-F5344CB8AC3E}">
-        <p14:creationId xmlns:p14="http://schemas.microsoft.com/office/powerpoint/2010/main" val="2690091425"/>
+        <p14:creationId xmlns:p14="http://schemas.microsoft.com/office/powerpoint/2010/main" val="3245653014"/>
       </p:ext>
     </p:extLst>
   </p:cSld>
@@ -6906,7 +7006,7 @@
           <p:cNvPr id="2" name="Title 1">
             <a:extLst>
               <a:ext uri="{FF2B5EF4-FFF2-40B4-BE49-F238E27FC236}">
-                <a16:creationId xmlns:a16="http://schemas.microsoft.com/office/drawing/2014/main" id="{A393E216-F1A3-5D43-B440-14154BD37652}"/>
+                <a16:creationId xmlns:a16="http://schemas.microsoft.com/office/drawing/2014/main" id="{3239A5CF-D8C7-FC45-A644-31D03CE4EB95}"/>
               </a:ext>
             </a:extLst>
           </p:cNvPr>
@@ -6919,151 +7019,93 @@
         </p:nvSpPr>
         <p:spPr>
           <a:xfrm>
-            <a:off x="442822" y="77367"/>
+            <a:off x="838200" y="281065"/>
             <a:ext cx="10515600" cy="1325563"/>
           </a:xfrm>
         </p:spPr>
         <p:txBody>
-          <a:bodyPr/>
-          <a:lstStyle/>
-          <a:p>
-            <a:r>
-              <a:rPr lang="en-US" dirty="0"/>
-              <a:t>Takeaways</a:t>
-            </a:r>
-          </a:p>
-        </p:txBody>
-      </p:sp>
-      <p:sp>
-        <p:nvSpPr>
-          <p:cNvPr id="3" name="Content Placeholder 2">
-            <a:extLst>
-              <a:ext uri="{FF2B5EF4-FFF2-40B4-BE49-F238E27FC236}">
-                <a16:creationId xmlns:a16="http://schemas.microsoft.com/office/drawing/2014/main" id="{96AE8C1A-B20C-8B45-81AE-D80FF5B12F7D}"/>
-              </a:ext>
-            </a:extLst>
-          </p:cNvPr>
-          <p:cNvSpPr>
-            <a:spLocks noGrp="1"/>
-          </p:cNvSpPr>
-          <p:nvPr>
-            <p:ph idx="1"/>
-          </p:nvPr>
-        </p:nvSpPr>
-        <p:spPr>
-          <a:xfrm>
-            <a:off x="442822" y="1164567"/>
-            <a:ext cx="11178396" cy="5336935"/>
-          </a:xfrm>
-        </p:spPr>
-        <p:txBody>
           <a:bodyPr>
-            <a:normAutofit fontScale="77500" lnSpcReduction="20000"/>
+            <a:noAutofit/>
           </a:bodyPr>
           <a:lstStyle/>
           <a:p>
-            <a:r>
-              <a:rPr lang="en-US" dirty="0"/>
-              <a:t>PCA was able to separate non-class specific batch corrected data </a:t>
-            </a:r>
-          </a:p>
-          <a:p>
-            <a:pPr lvl="1"/>
-            <a:r>
-              <a:rPr lang="en-US" dirty="0">
-                <a:solidFill>
-                  <a:schemeClr val="bg2">
-                    <a:lumMod val="60000"/>
-                    <a:lumOff val="40000"/>
-                  </a:schemeClr>
-                </a:solidFill>
-              </a:rPr>
-              <a:t>PC1 allowed for separation by case and control</a:t>
-            </a:r>
-          </a:p>
-          <a:p>
-            <a:pPr lvl="1"/>
-            <a:r>
-              <a:rPr lang="en-US" dirty="0">
-                <a:solidFill>
-                  <a:schemeClr val="bg2">
-                    <a:lumMod val="60000"/>
-                    <a:lumOff val="40000"/>
-                  </a:schemeClr>
-                </a:solidFill>
-              </a:rPr>
-              <a:t>PC2 allowed for less distinct separation (compared to PC1) between case and control </a:t>
-            </a:r>
-          </a:p>
-          <a:p>
-            <a:pPr lvl="1"/>
-            <a:r>
-              <a:rPr lang="en-US" dirty="0">
-                <a:solidFill>
-                  <a:schemeClr val="bg2">
-                    <a:lumMod val="60000"/>
-                    <a:lumOff val="40000"/>
-                  </a:schemeClr>
-                </a:solidFill>
-              </a:rPr>
-              <a:t>PC2 also allowed for separation of potential case subpopulations (3 clusters)</a:t>
-            </a:r>
-          </a:p>
-          <a:p>
-            <a:r>
-              <a:rPr lang="en-US" dirty="0"/>
-              <a:t>PCA was only able to separate class specific batch corrected data with the combination of both PC1 and PC2 </a:t>
-            </a:r>
-          </a:p>
-          <a:p>
-            <a:pPr lvl="1"/>
-            <a:r>
-              <a:rPr lang="en-US" dirty="0">
-                <a:solidFill>
-                  <a:schemeClr val="bg2">
-                    <a:lumMod val="60000"/>
-                    <a:lumOff val="40000"/>
-                  </a:schemeClr>
-                </a:solidFill>
-              </a:rPr>
-              <a:t>PC1 and PC2 individually was unable to separate case and control distinctly</a:t>
-            </a:r>
-          </a:p>
-          <a:p>
-            <a:r>
-              <a:rPr lang="en-US" dirty="0"/>
-              <a:t>PCA allowed for separation between case and control for CS quantile + CS batch corrected data distinctly</a:t>
-            </a:r>
-          </a:p>
-          <a:p>
-            <a:r>
-              <a:rPr lang="en-US" dirty="0"/>
-              <a:t>In the non-class specific batch correction, normalization by mean was not significantly helpful in the RC dataset</a:t>
-            </a:r>
-          </a:p>
-          <a:p>
-            <a:r>
-              <a:rPr lang="en-US" dirty="0"/>
-              <a:t>Class specific batch correction enhanced class effects as expected but mostly to lower p-values</a:t>
-            </a:r>
-          </a:p>
-          <a:p>
-            <a:r>
-              <a:rPr lang="en-US" dirty="0"/>
-              <a:t>All these however, could possibly be only specific to RC data set</a:t>
-            </a:r>
-          </a:p>
-          <a:p>
-            <a:endParaRPr lang="en-US" dirty="0"/>
-          </a:p>
-          <a:p>
+            <a:pPr algn="ctr"/>
+            <a:r>
+              <a:rPr lang="en-US" sz="3200" dirty="0"/>
+              <a:t>The 9 genes that are not reported in intersection = potentially brought out by class specific batch correction</a:t>
+            </a:r>
+          </a:p>
+        </p:txBody>
+      </p:sp>
+      <p:pic>
+        <p:nvPicPr>
+          <p:cNvPr id="5" name="Picture 4" descr="Text&#10;&#10;Description automatically generated">
+            <a:extLst>
+              <a:ext uri="{FF2B5EF4-FFF2-40B4-BE49-F238E27FC236}">
+                <a16:creationId xmlns:a16="http://schemas.microsoft.com/office/drawing/2014/main" id="{035D90DB-A472-B740-B2EF-91A389E3C128}"/>
+              </a:ext>
+            </a:extLst>
+          </p:cNvPr>
+          <p:cNvPicPr>
+            <a:picLocks noChangeAspect="1"/>
+          </p:cNvPicPr>
+          <p:nvPr/>
+        </p:nvPicPr>
+        <p:blipFill>
+          <a:blip r:embed="rId2"/>
+          <a:stretch>
+            <a:fillRect/>
+          </a:stretch>
+        </p:blipFill>
+        <p:spPr>
+          <a:xfrm>
+            <a:off x="490960" y="2317547"/>
+            <a:ext cx="11083724" cy="4291075"/>
+          </a:xfrm>
+          <a:prstGeom prst="rect">
+            <a:avLst/>
+          </a:prstGeom>
+        </p:spPr>
+      </p:pic>
+      <p:sp>
+        <p:nvSpPr>
+          <p:cNvPr id="6" name="TextBox 5">
+            <a:extLst>
+              <a:ext uri="{FF2B5EF4-FFF2-40B4-BE49-F238E27FC236}">
+                <a16:creationId xmlns:a16="http://schemas.microsoft.com/office/drawing/2014/main" id="{2BF8F515-8CE0-2D4B-93C8-586CF0B873CD}"/>
+              </a:ext>
+            </a:extLst>
+          </p:cNvPr>
+          <p:cNvSpPr txBox="1"/>
+          <p:nvPr/>
+        </p:nvSpPr>
+        <p:spPr>
+          <a:xfrm>
+            <a:off x="980472" y="1574941"/>
+            <a:ext cx="10104699" cy="646331"/>
+          </a:xfrm>
+          <a:prstGeom prst="rect">
+            <a:avLst/>
+          </a:prstGeom>
+          <a:noFill/>
+        </p:spPr>
+        <p:txBody>
+          <a:bodyPr wrap="square" rtlCol="0">
+            <a:spAutoFit/>
+          </a:bodyPr>
+          <a:lstStyle/>
+          <a:p>
+            <a:pPr algn="ctr"/>
             <a:r>
               <a:rPr lang="en-US" b="1" dirty="0"/>
-              <a:t>What I think I can try next</a:t>
-            </a:r>
-            <a:r>
-              <a:rPr lang="en-US" dirty="0"/>
-              <a:t>: split the data by batch in order to hide batch effects, don’t perform batch correction -&gt; then compare this with class specific batch correction</a:t>
+              <a:t>Checked the presence of these 9 genes in the original 480 class specific batch corrected DEGs</a:t>
+            </a:r>
+          </a:p>
+          <a:p>
+            <a:pPr algn="ctr"/>
+            <a:r>
+              <a:rPr lang="en-US" b="1" dirty="0"/>
+              <a:t>ALL 9 genes were present ***</a:t>
             </a:r>
           </a:p>
         </p:txBody>
@@ -7071,7 +7113,7 @@
     </p:spTree>
     <p:extLst>
       <p:ext uri="{BB962C8B-B14F-4D97-AF65-F5344CB8AC3E}">
-        <p14:creationId xmlns:p14="http://schemas.microsoft.com/office/powerpoint/2010/main" val="1570099160"/>
+        <p14:creationId xmlns:p14="http://schemas.microsoft.com/office/powerpoint/2010/main" val="2690091425"/>
       </p:ext>
     </p:extLst>
   </p:cSld>
@@ -7098,100 +7140,152 @@
           <a:chExt cx="0" cy="0"/>
         </a:xfrm>
       </p:grpSpPr>
+      <p:sp>
+        <p:nvSpPr>
+          <p:cNvPr id="2" name="Title 1">
+            <a:extLst>
+              <a:ext uri="{FF2B5EF4-FFF2-40B4-BE49-F238E27FC236}">
+                <a16:creationId xmlns:a16="http://schemas.microsoft.com/office/drawing/2014/main" id="{A393E216-F1A3-5D43-B440-14154BD37652}"/>
+              </a:ext>
+            </a:extLst>
+          </p:cNvPr>
+          <p:cNvSpPr>
+            <a:spLocks noGrp="1"/>
+          </p:cNvSpPr>
+          <p:nvPr>
+            <p:ph type="title"/>
+          </p:nvPr>
+        </p:nvSpPr>
+        <p:spPr>
+          <a:xfrm>
+            <a:off x="442822" y="77367"/>
+            <a:ext cx="10515600" cy="1325563"/>
+          </a:xfrm>
+        </p:spPr>
+        <p:txBody>
+          <a:bodyPr/>
+          <a:lstStyle/>
+          <a:p>
+            <a:r>
+              <a:rPr lang="en-US" dirty="0"/>
+              <a:t>Takeaways</a:t>
+            </a:r>
+          </a:p>
+        </p:txBody>
+      </p:sp>
+      <p:sp>
+        <p:nvSpPr>
+          <p:cNvPr id="3" name="Content Placeholder 2">
+            <a:extLst>
+              <a:ext uri="{FF2B5EF4-FFF2-40B4-BE49-F238E27FC236}">
+                <a16:creationId xmlns:a16="http://schemas.microsoft.com/office/drawing/2014/main" id="{96AE8C1A-B20C-8B45-81AE-D80FF5B12F7D}"/>
+              </a:ext>
+            </a:extLst>
+          </p:cNvPr>
+          <p:cNvSpPr>
+            <a:spLocks noGrp="1"/>
+          </p:cNvSpPr>
+          <p:nvPr>
+            <p:ph idx="1"/>
+          </p:nvPr>
+        </p:nvSpPr>
+        <p:spPr>
+          <a:xfrm>
+            <a:off x="442822" y="1164567"/>
+            <a:ext cx="11178396" cy="5336935"/>
+          </a:xfrm>
+        </p:spPr>
+        <p:txBody>
+          <a:bodyPr>
+            <a:normAutofit/>
+          </a:bodyPr>
+          <a:lstStyle/>
+          <a:p>
+            <a:r>
+              <a:rPr lang="en-US" dirty="0"/>
+              <a:t>PCA was able to separate non-class specific batch corrected data </a:t>
+            </a:r>
+          </a:p>
+          <a:p>
+            <a:pPr lvl="1"/>
+            <a:r>
+              <a:rPr lang="en-US" dirty="0">
+                <a:solidFill>
+                  <a:schemeClr val="bg2">
+                    <a:lumMod val="60000"/>
+                    <a:lumOff val="40000"/>
+                  </a:schemeClr>
+                </a:solidFill>
+              </a:rPr>
+              <a:t>PC1 allowed for separation by case and control</a:t>
+            </a:r>
+          </a:p>
+          <a:p>
+            <a:pPr lvl="1"/>
+            <a:r>
+              <a:rPr lang="en-US" dirty="0">
+                <a:solidFill>
+                  <a:schemeClr val="bg2">
+                    <a:lumMod val="60000"/>
+                    <a:lumOff val="40000"/>
+                  </a:schemeClr>
+                </a:solidFill>
+              </a:rPr>
+              <a:t>PC2 allowed for less distinct separation (compared to PC1) between case and control </a:t>
+            </a:r>
+          </a:p>
+          <a:p>
+            <a:pPr lvl="1"/>
+            <a:r>
+              <a:rPr lang="en-US" dirty="0">
+                <a:solidFill>
+                  <a:schemeClr val="bg2">
+                    <a:lumMod val="60000"/>
+                    <a:lumOff val="40000"/>
+                  </a:schemeClr>
+                </a:solidFill>
+              </a:rPr>
+              <a:t>PC2 also allowed for separation of potential case subpopulations (3 clusters)</a:t>
+            </a:r>
+          </a:p>
+          <a:p>
+            <a:r>
+              <a:rPr lang="en-US" dirty="0"/>
+              <a:t>PCA was only able to separate class specific batch corrected data with the combination of both PC1 and PC2 </a:t>
+            </a:r>
+          </a:p>
+          <a:p>
+            <a:pPr lvl="1"/>
+            <a:r>
+              <a:rPr lang="en-US" dirty="0">
+                <a:solidFill>
+                  <a:schemeClr val="bg2">
+                    <a:lumMod val="60000"/>
+                    <a:lumOff val="40000"/>
+                  </a:schemeClr>
+                </a:solidFill>
+              </a:rPr>
+              <a:t>PC1 and PC2 individually was unable to separate case and control distinctly</a:t>
+            </a:r>
+          </a:p>
+          <a:p>
+            <a:r>
+              <a:rPr lang="en-US" dirty="0"/>
+              <a:t>PCA allowed for separation between case and control for CS quantile + CS batch corrected data distinctly</a:t>
+            </a:r>
+          </a:p>
+          <a:p>
+            <a:r>
+              <a:rPr lang="en-US" dirty="0"/>
+              <a:t>Class specific batch correction enhanced class effects as expected </a:t>
+            </a:r>
+          </a:p>
+        </p:txBody>
+      </p:sp>
     </p:spTree>
     <p:extLst>
       <p:ext uri="{BB962C8B-B14F-4D97-AF65-F5344CB8AC3E}">
-        <p14:creationId xmlns:p14="http://schemas.microsoft.com/office/powerpoint/2010/main" val="612893860"/>
-      </p:ext>
-    </p:extLst>
-  </p:cSld>
-  <p:clrMapOvr>
-    <a:masterClrMapping/>
-  </p:clrMapOvr>
-</p:sld>
-</file>
-
-<file path=ppt/slides/slide27.xml><?xml version="1.0" encoding="utf-8"?>
-<p:sld xmlns:a="http://schemas.openxmlformats.org/drawingml/2006/main" xmlns:r="http://schemas.openxmlformats.org/officeDocument/2006/relationships" xmlns:p="http://schemas.openxmlformats.org/presentationml/2006/main">
-  <p:cSld>
-    <p:spTree>
-      <p:nvGrpSpPr>
-        <p:cNvPr id="1" name=""/>
-        <p:cNvGrpSpPr/>
-        <p:nvPr/>
-      </p:nvGrpSpPr>
-      <p:grpSpPr>
-        <a:xfrm>
-          <a:off x="0" y="0"/>
-          <a:ext cx="0" cy="0"/>
-          <a:chOff x="0" y="0"/>
-          <a:chExt cx="0" cy="0"/>
-        </a:xfrm>
-      </p:grpSpPr>
-    </p:spTree>
-    <p:extLst>
-      <p:ext uri="{BB962C8B-B14F-4D97-AF65-F5344CB8AC3E}">
-        <p14:creationId xmlns:p14="http://schemas.microsoft.com/office/powerpoint/2010/main" val="4244588338"/>
-      </p:ext>
-    </p:extLst>
-  </p:cSld>
-  <p:clrMapOvr>
-    <a:masterClrMapping/>
-  </p:clrMapOvr>
-</p:sld>
-</file>
-
-<file path=ppt/slides/slide28.xml><?xml version="1.0" encoding="utf-8"?>
-<p:sld xmlns:a="http://schemas.openxmlformats.org/drawingml/2006/main" xmlns:r="http://schemas.openxmlformats.org/officeDocument/2006/relationships" xmlns:p="http://schemas.openxmlformats.org/presentationml/2006/main">
-  <p:cSld>
-    <p:spTree>
-      <p:nvGrpSpPr>
-        <p:cNvPr id="1" name=""/>
-        <p:cNvGrpSpPr/>
-        <p:nvPr/>
-      </p:nvGrpSpPr>
-      <p:grpSpPr>
-        <a:xfrm>
-          <a:off x="0" y="0"/>
-          <a:ext cx="0" cy="0"/>
-          <a:chOff x="0" y="0"/>
-          <a:chExt cx="0" cy="0"/>
-        </a:xfrm>
-      </p:grpSpPr>
-    </p:spTree>
-    <p:extLst>
-      <p:ext uri="{BB962C8B-B14F-4D97-AF65-F5344CB8AC3E}">
-        <p14:creationId xmlns:p14="http://schemas.microsoft.com/office/powerpoint/2010/main" val="3750434393"/>
-      </p:ext>
-    </p:extLst>
-  </p:cSld>
-  <p:clrMapOvr>
-    <a:masterClrMapping/>
-  </p:clrMapOvr>
-</p:sld>
-</file>
-
-<file path=ppt/slides/slide29.xml><?xml version="1.0" encoding="utf-8"?>
-<p:sld xmlns:a="http://schemas.openxmlformats.org/drawingml/2006/main" xmlns:r="http://schemas.openxmlformats.org/officeDocument/2006/relationships" xmlns:p="http://schemas.openxmlformats.org/presentationml/2006/main">
-  <p:cSld>
-    <p:spTree>
-      <p:nvGrpSpPr>
-        <p:cNvPr id="1" name=""/>
-        <p:cNvGrpSpPr/>
-        <p:nvPr/>
-      </p:nvGrpSpPr>
-      <p:grpSpPr>
-        <a:xfrm>
-          <a:off x="0" y="0"/>
-          <a:ext cx="0" cy="0"/>
-          <a:chOff x="0" y="0"/>
-          <a:chExt cx="0" cy="0"/>
-        </a:xfrm>
-      </p:grpSpPr>
-    </p:spTree>
-    <p:extLst>
-      <p:ext uri="{BB962C8B-B14F-4D97-AF65-F5344CB8AC3E}">
-        <p14:creationId xmlns:p14="http://schemas.microsoft.com/office/powerpoint/2010/main" val="1933947550"/>
+        <p14:creationId xmlns:p14="http://schemas.microsoft.com/office/powerpoint/2010/main" val="1570099160"/>
       </p:ext>
     </p:extLst>
   </p:cSld>
@@ -7350,36 +7444,6 @@
 </p:sld>
 </file>
 
-<file path=ppt/slides/slide30.xml><?xml version="1.0" encoding="utf-8"?>
-<p:sld xmlns:a="http://schemas.openxmlformats.org/drawingml/2006/main" xmlns:r="http://schemas.openxmlformats.org/officeDocument/2006/relationships" xmlns:p="http://schemas.openxmlformats.org/presentationml/2006/main">
-  <p:cSld>
-    <p:spTree>
-      <p:nvGrpSpPr>
-        <p:cNvPr id="1" name=""/>
-        <p:cNvGrpSpPr/>
-        <p:nvPr/>
-      </p:nvGrpSpPr>
-      <p:grpSpPr>
-        <a:xfrm>
-          <a:off x="0" y="0"/>
-          <a:ext cx="0" cy="0"/>
-          <a:chOff x="0" y="0"/>
-          <a:chExt cx="0" cy="0"/>
-        </a:xfrm>
-      </p:grpSpPr>
-    </p:spTree>
-    <p:extLst>
-      <p:ext uri="{BB962C8B-B14F-4D97-AF65-F5344CB8AC3E}">
-        <p14:creationId xmlns:p14="http://schemas.microsoft.com/office/powerpoint/2010/main" val="2542522205"/>
-      </p:ext>
-    </p:extLst>
-  </p:cSld>
-  <p:clrMapOvr>
-    <a:masterClrMapping/>
-  </p:clrMapOvr>
-</p:sld>
-</file>
-
 <file path=ppt/slides/slide4.xml><?xml version="1.0" encoding="utf-8"?>
 <p:sld xmlns:a="http://schemas.openxmlformats.org/drawingml/2006/main" xmlns:r="http://schemas.openxmlformats.org/officeDocument/2006/relationships" xmlns:p="http://schemas.openxmlformats.org/presentationml/2006/main">
   <p:cSld>
@@ -7542,42 +7606,6 @@
             <a:r>
               <a:rPr lang="en-US" sz="2000" dirty="0"/>
               <a:t>Mean Normalized</a:t>
-            </a:r>
-          </a:p>
-        </p:txBody>
-      </p:sp>
-      <p:sp>
-        <p:nvSpPr>
-          <p:cNvPr id="13" name="TextBox 12">
-            <a:extLst>
-              <a:ext uri="{FF2B5EF4-FFF2-40B4-BE49-F238E27FC236}">
-                <a16:creationId xmlns:a16="http://schemas.microsoft.com/office/drawing/2014/main" id="{00246A6D-0DE5-CA44-BA0D-86EEA0BEECC9}"/>
-              </a:ext>
-            </a:extLst>
-          </p:cNvPr>
-          <p:cNvSpPr txBox="1"/>
-          <p:nvPr/>
-        </p:nvSpPr>
-        <p:spPr>
-          <a:xfrm>
-            <a:off x="2400736" y="5856959"/>
-            <a:ext cx="7712202" cy="461665"/>
-          </a:xfrm>
-          <a:prstGeom prst="rect">
-            <a:avLst/>
-          </a:prstGeom>
-          <a:noFill/>
-        </p:spPr>
-        <p:txBody>
-          <a:bodyPr wrap="square" rtlCol="0">
-            <a:spAutoFit/>
-          </a:bodyPr>
-          <a:lstStyle/>
-          <a:p>
-            <a:pPr algn="ctr"/>
-            <a:r>
-              <a:rPr lang="en-US" sz="2400" dirty="0"/>
-              <a:t>RMSE values are low, so no overcorrection.</a:t>
             </a:r>
           </a:p>
         </p:txBody>
@@ -7695,7 +7723,7 @@
           <p:nvPr/>
         </p:nvPicPr>
         <p:blipFill>
-          <a:blip r:embed="rId2"/>
+          <a:blip r:embed="rId3"/>
           <a:stretch>
             <a:fillRect/>
           </a:stretch>
@@ -7703,7 +7731,7 @@
         <p:spPr>
           <a:xfrm>
             <a:off x="3028534" y="1150124"/>
-            <a:ext cx="6698146" cy="4259577"/>
+            <a:ext cx="6098213" cy="3878059"/>
           </a:xfrm>
           <a:prstGeom prst="rect">
             <a:avLst/>
@@ -7724,8 +7752,8 @@
         </p:nvSpPr>
         <p:spPr>
           <a:xfrm>
-            <a:off x="1884541" y="5535819"/>
-            <a:ext cx="8986132" cy="830997"/>
+            <a:off x="680602" y="5154301"/>
+            <a:ext cx="10830795" cy="1200329"/>
           </a:xfrm>
           <a:prstGeom prst="rect">
             <a:avLst/>
@@ -7740,19 +7768,22 @@
           <a:p>
             <a:pPr algn="ctr"/>
             <a:r>
-              <a:rPr lang="en-US" sz="2400" dirty="0" err="1"/>
-              <a:t>Normalised</a:t>
-            </a:r>
-            <a:r>
               <a:rPr lang="en-US" sz="2400" dirty="0"/>
-              <a:t> RMSE values did not correlate with the mean values</a:t>
+              <a:t>Extent of batch correction were not correlated with the mean values</a:t>
             </a:r>
           </a:p>
           <a:p>
             <a:pPr algn="ctr"/>
             <a:r>
               <a:rPr lang="en-US" sz="2400" dirty="0"/>
-              <a:t>Normalization not very useful in this case</a:t>
+              <a:t>Even at greater mean values, the extent of correction was low</a:t>
+            </a:r>
+          </a:p>
+          <a:p>
+            <a:pPr algn="ctr"/>
+            <a:r>
+              <a:rPr lang="en-US" sz="2400" dirty="0"/>
+              <a:t>Majority of batch correction was on the lower mean values</a:t>
             </a:r>
           </a:p>
         </p:txBody>
